--- a/PPT/第三部分 软件测试应用/9 系统测试.pptx
+++ b/PPT/第三部分 软件测试应用/9 系统测试.pptx
@@ -6,7 +6,7 @@
     <p:sldMasterId id="2147483906" r:id="rId2"/>
   </p:sldMasterIdLst>
   <p:notesMasterIdLst>
-    <p:notesMasterId r:id="rId47"/>
+    <p:notesMasterId r:id="rId48"/>
   </p:notesMasterIdLst>
   <p:sldIdLst>
     <p:sldId id="256" r:id="rId3"/>
@@ -32,27 +32,28 @@
     <p:sldId id="361" r:id="rId23"/>
     <p:sldId id="362" r:id="rId24"/>
     <p:sldId id="363" r:id="rId25"/>
-    <p:sldId id="270" r:id="rId26"/>
-    <p:sldId id="271" r:id="rId27"/>
-    <p:sldId id="326" r:id="rId28"/>
-    <p:sldId id="328" r:id="rId29"/>
-    <p:sldId id="347" r:id="rId30"/>
-    <p:sldId id="348" r:id="rId31"/>
-    <p:sldId id="349" r:id="rId32"/>
-    <p:sldId id="330" r:id="rId33"/>
-    <p:sldId id="331" r:id="rId34"/>
-    <p:sldId id="350" r:id="rId35"/>
-    <p:sldId id="332" r:id="rId36"/>
-    <p:sldId id="334" r:id="rId37"/>
-    <p:sldId id="335" r:id="rId38"/>
-    <p:sldId id="364" r:id="rId39"/>
-    <p:sldId id="365" r:id="rId40"/>
-    <p:sldId id="336" r:id="rId41"/>
-    <p:sldId id="366" r:id="rId42"/>
-    <p:sldId id="367" r:id="rId43"/>
-    <p:sldId id="368" r:id="rId44"/>
-    <p:sldId id="369" r:id="rId45"/>
-    <p:sldId id="316" r:id="rId46"/>
+    <p:sldId id="370" r:id="rId26"/>
+    <p:sldId id="270" r:id="rId27"/>
+    <p:sldId id="271" r:id="rId28"/>
+    <p:sldId id="326" r:id="rId29"/>
+    <p:sldId id="328" r:id="rId30"/>
+    <p:sldId id="347" r:id="rId31"/>
+    <p:sldId id="348" r:id="rId32"/>
+    <p:sldId id="349" r:id="rId33"/>
+    <p:sldId id="330" r:id="rId34"/>
+    <p:sldId id="331" r:id="rId35"/>
+    <p:sldId id="350" r:id="rId36"/>
+    <p:sldId id="332" r:id="rId37"/>
+    <p:sldId id="334" r:id="rId38"/>
+    <p:sldId id="335" r:id="rId39"/>
+    <p:sldId id="364" r:id="rId40"/>
+    <p:sldId id="365" r:id="rId41"/>
+    <p:sldId id="336" r:id="rId42"/>
+    <p:sldId id="366" r:id="rId43"/>
+    <p:sldId id="367" r:id="rId44"/>
+    <p:sldId id="368" r:id="rId45"/>
+    <p:sldId id="369" r:id="rId46"/>
+    <p:sldId id="316" r:id="rId47"/>
   </p:sldIdLst>
   <p:sldSz cx="9144000" cy="6858000" type="screen4x3"/>
   <p:notesSz cx="6858000" cy="9144000"/>
@@ -333,7 +334,7 @@
         <p:nvSpPr>
           <p:cNvPr id="3076" name="Rectangle 4"/>
           <p:cNvSpPr>
-            <a:spLocks noGrp="1" noChangeArrowheads="1"/>
+            <a:spLocks noGrp="1" noRot="1" noChangeAspect="1" noChangeArrowheads="1"/>
           </p:cNvSpPr>
           <p:nvPr>
             <p:ph type="sldImg" idx="2"/>
@@ -11389,14 +11390,14 @@
           <a:p>
             <a:pPr eaLnBrk="1" hangingPunct="1"/>
             <a:r>
-              <a:rPr lang="en-US" b="1">
+              <a:rPr lang="en-US" b="1" dirty="0">
                 <a:latin typeface="黑体" pitchFamily="49" charset="-122"/>
                 <a:ea typeface="黑体" pitchFamily="49" charset="-122"/>
               </a:rPr>
               <a:t>9.3 </a:t>
             </a:r>
             <a:r>
-              <a:rPr lang="zh-CN" b="1">
+              <a:rPr lang="zh-CN" b="1" dirty="0">
                 <a:latin typeface="黑体" pitchFamily="49" charset="-122"/>
                 <a:ea typeface="黑体" pitchFamily="49" charset="-122"/>
               </a:rPr>
@@ -11969,14 +11970,14 @@
           <a:p>
             <a:pPr eaLnBrk="1" hangingPunct="1"/>
             <a:r>
-              <a:rPr lang="en-US" b="1">
+              <a:rPr lang="en-US" b="1" dirty="0">
                 <a:latin typeface="黑体" pitchFamily="49" charset="-122"/>
                 <a:ea typeface="黑体" pitchFamily="49" charset="-122"/>
               </a:rPr>
               <a:t>9.3 </a:t>
             </a:r>
             <a:r>
-              <a:rPr lang="zh-CN" b="1">
+              <a:rPr lang="zh-CN" b="1" dirty="0">
                 <a:latin typeface="黑体" pitchFamily="49" charset="-122"/>
                 <a:ea typeface="黑体" pitchFamily="49" charset="-122"/>
               </a:rPr>
@@ -12047,18 +12048,2897 @@
           <a:chExt cx="0" cy="0"/>
         </a:xfrm>
       </p:grpSpPr>
-      <p:sp>
-        <p:nvSpPr>
-          <p:cNvPr id="27650" name="灯片编号占位符 5"/>
+      <p:graphicFrame>
+        <p:nvGraphicFramePr>
+          <p:cNvPr id="3" name="内容占位符 5"/>
+          <p:cNvGraphicFramePr>
+            <a:graphicFrameLocks/>
+          </p:cNvGraphicFramePr>
+          <p:nvPr>
+            <p:extLst>
+              <p:ext uri="{D42A27DB-BD31-4B8C-83A1-F6EECF244321}">
+                <p14:modId xmlns:p14="http://schemas.microsoft.com/office/powerpoint/2010/main" val="3353417767"/>
+              </p:ext>
+            </p:extLst>
+          </p:nvPr>
+        </p:nvGraphicFramePr>
+        <p:xfrm>
+          <a:off x="683568" y="1052736"/>
+          <a:ext cx="8249747" cy="5475388"/>
+        </p:xfrm>
+        <a:graphic>
+          <a:graphicData uri="http://schemas.openxmlformats.org/drawingml/2006/table">
+            <a:tbl>
+              <a:tblPr/>
+              <a:tblGrid>
+                <a:gridCol w="670335"/>
+                <a:gridCol w="1170700"/>
+                <a:gridCol w="1152128"/>
+                <a:gridCol w="2781466"/>
+                <a:gridCol w="2475118"/>
+              </a:tblGrid>
+              <a:tr h="415002">
+                <a:tc>
+                  <a:txBody>
+                    <a:bodyPr/>
+                    <a:lstStyle/>
+                    <a:p>
+                      <a:pPr marL="0" marR="0" lvl="0" indent="0" algn="ctr" defTabSz="914400" rtl="0" eaLnBrk="1" fontAlgn="base" latinLnBrk="0" hangingPunct="1">
+                        <a:lnSpc>
+                          <a:spcPct val="100000"/>
+                        </a:lnSpc>
+                        <a:spcBef>
+                          <a:spcPct val="0"/>
+                        </a:spcBef>
+                        <a:spcAft>
+                          <a:spcPct val="0"/>
+                        </a:spcAft>
+                        <a:buClrTx/>
+                        <a:buSzTx/>
+                        <a:buFontTx/>
+                        <a:buNone/>
+                        <a:tabLst/>
+                      </a:pPr>
+                      <a:r>
+                        <a:rPr kumimoji="0" lang="zh-CN" altLang="en-US" sz="1800" b="1" i="0" u="none" strike="noStrike" cap="none" normalizeH="0" baseline="0" dirty="0" smtClean="0">
+                          <a:ln>
+                            <a:noFill/>
+                          </a:ln>
+                          <a:solidFill>
+                            <a:schemeClr val="bg1"/>
+                          </a:solidFill>
+                          <a:effectLst/>
+                          <a:latin typeface="微软雅黑" pitchFamily="34" charset="-122"/>
+                          <a:ea typeface="微软雅黑" pitchFamily="34" charset="-122"/>
+                        </a:rPr>
+                        <a:t>编号</a:t>
+                      </a:r>
+                    </a:p>
+                  </a:txBody>
+                  <a:tcPr marL="85047" marR="85047" marT="45708" marB="45708" horzOverflow="overflow">
+                    <a:lnL w="12700" cap="flat" cmpd="sng" algn="ctr">
+                      <a:solidFill>
+                        <a:srgbClr val="678843"/>
+                      </a:solidFill>
+                      <a:prstDash val="solid"/>
+                      <a:round/>
+                      <a:headEnd type="none" w="med" len="med"/>
+                      <a:tailEnd type="none" w="med" len="med"/>
+                    </a:lnL>
+                    <a:lnR w="12700" cap="flat" cmpd="sng" algn="ctr">
+                      <a:solidFill>
+                        <a:srgbClr val="678843"/>
+                      </a:solidFill>
+                      <a:prstDash val="solid"/>
+                      <a:round/>
+                      <a:headEnd type="none" w="med" len="med"/>
+                      <a:tailEnd type="none" w="med" len="med"/>
+                    </a:lnR>
+                    <a:lnT w="12700" cap="flat" cmpd="sng" algn="ctr">
+                      <a:solidFill>
+                        <a:srgbClr val="678843"/>
+                      </a:solidFill>
+                      <a:prstDash val="solid"/>
+                      <a:round/>
+                      <a:headEnd type="none" w="med" len="med"/>
+                      <a:tailEnd type="none" w="med" len="med"/>
+                    </a:lnT>
+                    <a:lnB w="25400" cap="flat" cmpd="sng" algn="ctr">
+                      <a:solidFill>
+                        <a:srgbClr val="678843"/>
+                      </a:solidFill>
+                      <a:prstDash val="solid"/>
+                      <a:round/>
+                      <a:headEnd type="none" w="med" len="med"/>
+                      <a:tailEnd type="none" w="med" len="med"/>
+                    </a:lnB>
+                    <a:lnTlToBr>
+                      <a:noFill/>
+                    </a:lnTlToBr>
+                    <a:lnBlToTr>
+                      <a:noFill/>
+                    </a:lnBlToTr>
+                    <a:solidFill>
+                      <a:schemeClr val="accent5">
+                        <a:lumMod val="50000"/>
+                      </a:schemeClr>
+                    </a:solidFill>
+                  </a:tcPr>
+                </a:tc>
+                <a:tc>
+                  <a:txBody>
+                    <a:bodyPr/>
+                    <a:lstStyle/>
+                    <a:p>
+                      <a:pPr marL="0" marR="0" lvl="0" indent="0" algn="ctr" defTabSz="914400" rtl="0" eaLnBrk="1" fontAlgn="base" latinLnBrk="0" hangingPunct="1">
+                        <a:lnSpc>
+                          <a:spcPct val="100000"/>
+                        </a:lnSpc>
+                        <a:spcBef>
+                          <a:spcPct val="0"/>
+                        </a:spcBef>
+                        <a:spcAft>
+                          <a:spcPct val="0"/>
+                        </a:spcAft>
+                        <a:buClrTx/>
+                        <a:buSzTx/>
+                        <a:buFontTx/>
+                        <a:buNone/>
+                        <a:tabLst/>
+                      </a:pPr>
+                      <a:r>
+                        <a:rPr kumimoji="0" lang="zh-CN" altLang="en-US" sz="1800" b="1" i="0" u="none" strike="noStrike" cap="none" normalizeH="0" baseline="0" dirty="0" smtClean="0">
+                          <a:ln>
+                            <a:noFill/>
+                          </a:ln>
+                          <a:solidFill>
+                            <a:schemeClr val="bg1"/>
+                          </a:solidFill>
+                          <a:effectLst/>
+                          <a:latin typeface="微软雅黑" pitchFamily="34" charset="-122"/>
+                          <a:ea typeface="微软雅黑" pitchFamily="34" charset="-122"/>
+                        </a:rPr>
+                        <a:t>测试种类</a:t>
+                      </a:r>
+                    </a:p>
+                  </a:txBody>
+                  <a:tcPr marL="85047" marR="85047" marT="45708" marB="45708" horzOverflow="overflow">
+                    <a:lnL w="12700" cap="flat" cmpd="sng" algn="ctr">
+                      <a:solidFill>
+                        <a:srgbClr val="678843"/>
+                      </a:solidFill>
+                      <a:prstDash val="solid"/>
+                      <a:round/>
+                      <a:headEnd type="none" w="med" len="med"/>
+                      <a:tailEnd type="none" w="med" len="med"/>
+                    </a:lnL>
+                    <a:lnR w="12700" cap="flat" cmpd="sng" algn="ctr">
+                      <a:solidFill>
+                        <a:srgbClr val="678843"/>
+                      </a:solidFill>
+                      <a:prstDash val="solid"/>
+                      <a:round/>
+                      <a:headEnd type="none" w="med" len="med"/>
+                      <a:tailEnd type="none" w="med" len="med"/>
+                    </a:lnR>
+                    <a:lnT w="12700" cap="flat" cmpd="sng" algn="ctr">
+                      <a:solidFill>
+                        <a:srgbClr val="678843"/>
+                      </a:solidFill>
+                      <a:prstDash val="solid"/>
+                      <a:round/>
+                      <a:headEnd type="none" w="med" len="med"/>
+                      <a:tailEnd type="none" w="med" len="med"/>
+                    </a:lnT>
+                    <a:lnB w="25400" cap="flat" cmpd="sng" algn="ctr">
+                      <a:solidFill>
+                        <a:srgbClr val="678843"/>
+                      </a:solidFill>
+                      <a:prstDash val="solid"/>
+                      <a:round/>
+                      <a:headEnd type="none" w="med" len="med"/>
+                      <a:tailEnd type="none" w="med" len="med"/>
+                    </a:lnB>
+                    <a:lnTlToBr>
+                      <a:noFill/>
+                    </a:lnTlToBr>
+                    <a:lnBlToTr>
+                      <a:noFill/>
+                    </a:lnBlToTr>
+                    <a:solidFill>
+                      <a:schemeClr val="accent5">
+                        <a:lumMod val="50000"/>
+                      </a:schemeClr>
+                    </a:solidFill>
+                  </a:tcPr>
+                </a:tc>
+                <a:tc>
+                  <a:txBody>
+                    <a:bodyPr/>
+                    <a:lstStyle/>
+                    <a:p>
+                      <a:pPr marL="0" marR="0" lvl="0" indent="0" algn="ctr" defTabSz="914400" rtl="0" eaLnBrk="1" fontAlgn="base" latinLnBrk="0" hangingPunct="1">
+                        <a:lnSpc>
+                          <a:spcPct val="100000"/>
+                        </a:lnSpc>
+                        <a:spcBef>
+                          <a:spcPct val="0"/>
+                        </a:spcBef>
+                        <a:spcAft>
+                          <a:spcPct val="0"/>
+                        </a:spcAft>
+                        <a:buClrTx/>
+                        <a:buSzTx/>
+                        <a:buFontTx/>
+                        <a:buNone/>
+                        <a:tabLst/>
+                      </a:pPr>
+                      <a:r>
+                        <a:rPr kumimoji="0" lang="zh-CN" altLang="en-US" sz="1800" b="1" i="0" u="none" strike="noStrike" cap="none" normalizeH="0" baseline="0" dirty="0" smtClean="0">
+                          <a:ln>
+                            <a:noFill/>
+                          </a:ln>
+                          <a:solidFill>
+                            <a:schemeClr val="bg1"/>
+                          </a:solidFill>
+                          <a:effectLst/>
+                          <a:latin typeface="微软雅黑" pitchFamily="34" charset="-122"/>
+                          <a:ea typeface="微软雅黑" pitchFamily="34" charset="-122"/>
+                        </a:rPr>
+                        <a:t>测试对象</a:t>
+                      </a:r>
+                    </a:p>
+                  </a:txBody>
+                  <a:tcPr marL="85047" marR="85047" marT="45708" marB="45708" horzOverflow="overflow">
+                    <a:lnL w="12700" cap="flat" cmpd="sng" algn="ctr">
+                      <a:solidFill>
+                        <a:srgbClr val="678843"/>
+                      </a:solidFill>
+                      <a:prstDash val="solid"/>
+                      <a:round/>
+                      <a:headEnd type="none" w="med" len="med"/>
+                      <a:tailEnd type="none" w="med" len="med"/>
+                    </a:lnL>
+                    <a:lnR w="12700" cap="flat" cmpd="sng" algn="ctr">
+                      <a:solidFill>
+                        <a:srgbClr val="678843"/>
+                      </a:solidFill>
+                      <a:prstDash val="solid"/>
+                      <a:round/>
+                      <a:headEnd type="none" w="med" len="med"/>
+                      <a:tailEnd type="none" w="med" len="med"/>
+                    </a:lnR>
+                    <a:lnT w="12700" cap="flat" cmpd="sng" algn="ctr">
+                      <a:solidFill>
+                        <a:srgbClr val="678843"/>
+                      </a:solidFill>
+                      <a:prstDash val="solid"/>
+                      <a:round/>
+                      <a:headEnd type="none" w="med" len="med"/>
+                      <a:tailEnd type="none" w="med" len="med"/>
+                    </a:lnT>
+                    <a:lnB w="25400" cap="flat" cmpd="sng" algn="ctr">
+                      <a:solidFill>
+                        <a:srgbClr val="678843"/>
+                      </a:solidFill>
+                      <a:prstDash val="solid"/>
+                      <a:round/>
+                      <a:headEnd type="none" w="med" len="med"/>
+                      <a:tailEnd type="none" w="med" len="med"/>
+                    </a:lnB>
+                    <a:lnTlToBr>
+                      <a:noFill/>
+                    </a:lnTlToBr>
+                    <a:lnBlToTr>
+                      <a:noFill/>
+                    </a:lnBlToTr>
+                    <a:solidFill>
+                      <a:schemeClr val="accent5">
+                        <a:lumMod val="50000"/>
+                      </a:schemeClr>
+                    </a:solidFill>
+                  </a:tcPr>
+                </a:tc>
+                <a:tc>
+                  <a:txBody>
+                    <a:bodyPr/>
+                    <a:lstStyle/>
+                    <a:p>
+                      <a:pPr marL="0" marR="0" lvl="0" indent="0" algn="ctr" defTabSz="914400" rtl="0" eaLnBrk="1" fontAlgn="base" latinLnBrk="0" hangingPunct="1">
+                        <a:lnSpc>
+                          <a:spcPct val="100000"/>
+                        </a:lnSpc>
+                        <a:spcBef>
+                          <a:spcPct val="0"/>
+                        </a:spcBef>
+                        <a:spcAft>
+                          <a:spcPct val="0"/>
+                        </a:spcAft>
+                        <a:buClrTx/>
+                        <a:buSzTx/>
+                        <a:buFontTx/>
+                        <a:buNone/>
+                        <a:tabLst/>
+                      </a:pPr>
+                      <a:r>
+                        <a:rPr kumimoji="0" lang="zh-CN" altLang="en-US" sz="1800" b="1" i="0" u="none" strike="noStrike" cap="none" normalizeH="0" baseline="0" dirty="0" smtClean="0">
+                          <a:ln>
+                            <a:noFill/>
+                          </a:ln>
+                          <a:solidFill>
+                            <a:schemeClr val="bg1"/>
+                          </a:solidFill>
+                          <a:effectLst/>
+                          <a:latin typeface="微软雅黑" pitchFamily="34" charset="-122"/>
+                          <a:ea typeface="微软雅黑" pitchFamily="34" charset="-122"/>
+                        </a:rPr>
+                        <a:t>测试步骤</a:t>
+                      </a:r>
+                    </a:p>
+                  </a:txBody>
+                  <a:tcPr marL="85047" marR="85047" marT="45708" marB="45708" horzOverflow="overflow">
+                    <a:lnL w="12700" cap="flat" cmpd="sng" algn="ctr">
+                      <a:solidFill>
+                        <a:srgbClr val="678843"/>
+                      </a:solidFill>
+                      <a:prstDash val="solid"/>
+                      <a:round/>
+                      <a:headEnd type="none" w="med" len="med"/>
+                      <a:tailEnd type="none" w="med" len="med"/>
+                    </a:lnL>
+                    <a:lnR w="12700" cap="flat" cmpd="sng" algn="ctr">
+                      <a:solidFill>
+                        <a:srgbClr val="678843"/>
+                      </a:solidFill>
+                      <a:prstDash val="solid"/>
+                      <a:round/>
+                      <a:headEnd type="none" w="med" len="med"/>
+                      <a:tailEnd type="none" w="med" len="med"/>
+                    </a:lnR>
+                    <a:lnT w="12700" cap="flat" cmpd="sng" algn="ctr">
+                      <a:solidFill>
+                        <a:srgbClr val="678843"/>
+                      </a:solidFill>
+                      <a:prstDash val="solid"/>
+                      <a:round/>
+                      <a:headEnd type="none" w="med" len="med"/>
+                      <a:tailEnd type="none" w="med" len="med"/>
+                    </a:lnT>
+                    <a:lnB w="25400" cap="flat" cmpd="sng" algn="ctr">
+                      <a:solidFill>
+                        <a:srgbClr val="678843"/>
+                      </a:solidFill>
+                      <a:prstDash val="solid"/>
+                      <a:round/>
+                      <a:headEnd type="none" w="med" len="med"/>
+                      <a:tailEnd type="none" w="med" len="med"/>
+                    </a:lnB>
+                    <a:lnTlToBr>
+                      <a:noFill/>
+                    </a:lnTlToBr>
+                    <a:lnBlToTr>
+                      <a:noFill/>
+                    </a:lnBlToTr>
+                    <a:solidFill>
+                      <a:schemeClr val="accent5">
+                        <a:lumMod val="50000"/>
+                      </a:schemeClr>
+                    </a:solidFill>
+                  </a:tcPr>
+                </a:tc>
+                <a:tc>
+                  <a:txBody>
+                    <a:bodyPr/>
+                    <a:lstStyle/>
+                    <a:p>
+                      <a:pPr marL="0" marR="0" lvl="0" indent="0" algn="ctr" defTabSz="914400" rtl="0" eaLnBrk="1" fontAlgn="base" latinLnBrk="0" hangingPunct="1">
+                        <a:lnSpc>
+                          <a:spcPct val="100000"/>
+                        </a:lnSpc>
+                        <a:spcBef>
+                          <a:spcPct val="0"/>
+                        </a:spcBef>
+                        <a:spcAft>
+                          <a:spcPct val="0"/>
+                        </a:spcAft>
+                        <a:buClrTx/>
+                        <a:buSzTx/>
+                        <a:buFontTx/>
+                        <a:buNone/>
+                        <a:tabLst/>
+                      </a:pPr>
+                      <a:r>
+                        <a:rPr kumimoji="0" lang="zh-CN" altLang="en-US" sz="1800" b="1" i="0" u="none" strike="noStrike" cap="none" normalizeH="0" baseline="0" dirty="0" smtClean="0">
+                          <a:ln>
+                            <a:noFill/>
+                          </a:ln>
+                          <a:solidFill>
+                            <a:schemeClr val="bg1"/>
+                          </a:solidFill>
+                          <a:effectLst/>
+                          <a:latin typeface="微软雅黑" pitchFamily="34" charset="-122"/>
+                          <a:ea typeface="微软雅黑" pitchFamily="34" charset="-122"/>
+                        </a:rPr>
+                        <a:t>重要数据</a:t>
+                      </a:r>
+                    </a:p>
+                  </a:txBody>
+                  <a:tcPr marL="85047" marR="85047" marT="45708" marB="45708" horzOverflow="overflow">
+                    <a:lnL w="12700" cap="flat" cmpd="sng" algn="ctr">
+                      <a:solidFill>
+                        <a:srgbClr val="678843"/>
+                      </a:solidFill>
+                      <a:prstDash val="solid"/>
+                      <a:round/>
+                      <a:headEnd type="none" w="med" len="med"/>
+                      <a:tailEnd type="none" w="med" len="med"/>
+                    </a:lnL>
+                    <a:lnR w="12700" cap="flat" cmpd="sng" algn="ctr">
+                      <a:solidFill>
+                        <a:srgbClr val="678843"/>
+                      </a:solidFill>
+                      <a:prstDash val="solid"/>
+                      <a:round/>
+                      <a:headEnd type="none" w="med" len="med"/>
+                      <a:tailEnd type="none" w="med" len="med"/>
+                    </a:lnR>
+                    <a:lnT w="12700" cap="flat" cmpd="sng" algn="ctr">
+                      <a:solidFill>
+                        <a:srgbClr val="678843"/>
+                      </a:solidFill>
+                      <a:prstDash val="solid"/>
+                      <a:round/>
+                      <a:headEnd type="none" w="med" len="med"/>
+                      <a:tailEnd type="none" w="med" len="med"/>
+                    </a:lnT>
+                    <a:lnB w="25400" cap="flat" cmpd="sng" algn="ctr">
+                      <a:solidFill>
+                        <a:srgbClr val="678843"/>
+                      </a:solidFill>
+                      <a:prstDash val="solid"/>
+                      <a:round/>
+                      <a:headEnd type="none" w="med" len="med"/>
+                      <a:tailEnd type="none" w="med" len="med"/>
+                    </a:lnB>
+                    <a:lnTlToBr>
+                      <a:noFill/>
+                    </a:lnTlToBr>
+                    <a:lnBlToTr>
+                      <a:noFill/>
+                    </a:lnBlToTr>
+                    <a:solidFill>
+                      <a:schemeClr val="accent5">
+                        <a:lumMod val="50000"/>
+                      </a:schemeClr>
+                    </a:solidFill>
+                  </a:tcPr>
+                </a:tc>
+              </a:tr>
+              <a:tr h="715081">
+                <a:tc>
+                  <a:txBody>
+                    <a:bodyPr/>
+                    <a:lstStyle/>
+                    <a:p>
+                      <a:pPr marL="0" marR="0" lvl="0" indent="0" algn="ctr" defTabSz="914400" rtl="0" eaLnBrk="1" fontAlgn="base" latinLnBrk="0" hangingPunct="1">
+                        <a:lnSpc>
+                          <a:spcPct val="100000"/>
+                        </a:lnSpc>
+                        <a:spcBef>
+                          <a:spcPct val="0"/>
+                        </a:spcBef>
+                        <a:spcAft>
+                          <a:spcPct val="0"/>
+                        </a:spcAft>
+                        <a:buClrTx/>
+                        <a:buSzTx/>
+                        <a:buFontTx/>
+                        <a:buNone/>
+                        <a:tabLst/>
+                      </a:pPr>
+                      <a:r>
+                        <a:rPr kumimoji="0" lang="en-US" altLang="zh-CN" sz="1800" b="0" i="0" u="none" strike="noStrike" cap="none" normalizeH="0" baseline="0" dirty="0" smtClean="0">
+                          <a:ln>
+                            <a:noFill/>
+                          </a:ln>
+                          <a:solidFill>
+                            <a:schemeClr val="tx1"/>
+                          </a:solidFill>
+                          <a:effectLst/>
+                          <a:latin typeface="微软雅黑" pitchFamily="34" charset="-122"/>
+                          <a:ea typeface="微软雅黑" pitchFamily="34" charset="-122"/>
+                        </a:rPr>
+                        <a:t>1</a:t>
+                      </a:r>
+                      <a:endParaRPr kumimoji="0" lang="zh-CN" altLang="en-US" sz="1800" b="0" i="0" u="none" strike="noStrike" cap="none" normalizeH="0" baseline="0" dirty="0" smtClean="0">
+                        <a:ln>
+                          <a:noFill/>
+                        </a:ln>
+                        <a:solidFill>
+                          <a:schemeClr val="tx1"/>
+                        </a:solidFill>
+                        <a:effectLst/>
+                        <a:latin typeface="微软雅黑" pitchFamily="34" charset="-122"/>
+                        <a:ea typeface="微软雅黑" pitchFamily="34" charset="-122"/>
+                      </a:endParaRPr>
+                    </a:p>
+                  </a:txBody>
+                  <a:tcPr marL="85047" marR="85047" marT="45708" marB="45708" horzOverflow="overflow">
+                    <a:lnL w="12700" cap="flat" cmpd="sng" algn="ctr">
+                      <a:solidFill>
+                        <a:srgbClr val="678843"/>
+                      </a:solidFill>
+                      <a:prstDash val="solid"/>
+                      <a:round/>
+                      <a:headEnd type="none" w="med" len="med"/>
+                      <a:tailEnd type="none" w="med" len="med"/>
+                    </a:lnL>
+                    <a:lnR w="12700" cap="flat" cmpd="sng" algn="ctr">
+                      <a:solidFill>
+                        <a:srgbClr val="678843"/>
+                      </a:solidFill>
+                      <a:prstDash val="solid"/>
+                      <a:round/>
+                      <a:headEnd type="none" w="med" len="med"/>
+                      <a:tailEnd type="none" w="med" len="med"/>
+                    </a:lnR>
+                    <a:lnT w="25400" cap="flat" cmpd="sng" algn="ctr">
+                      <a:solidFill>
+                        <a:srgbClr val="678843"/>
+                      </a:solidFill>
+                      <a:prstDash val="solid"/>
+                      <a:round/>
+                      <a:headEnd type="none" w="med" len="med"/>
+                      <a:tailEnd type="none" w="med" len="med"/>
+                    </a:lnT>
+                    <a:lnB w="12700" cap="flat" cmpd="sng" algn="ctr">
+                      <a:solidFill>
+                        <a:srgbClr val="678843"/>
+                      </a:solidFill>
+                      <a:prstDash val="solid"/>
+                      <a:round/>
+                      <a:headEnd type="none" w="med" len="med"/>
+                      <a:tailEnd type="none" w="med" len="med"/>
+                    </a:lnB>
+                    <a:lnTlToBr>
+                      <a:noFill/>
+                    </a:lnTlToBr>
+                    <a:lnBlToTr>
+                      <a:noFill/>
+                    </a:lnBlToTr>
+                    <a:solidFill>
+                      <a:schemeClr val="bg2"/>
+                    </a:solidFill>
+                  </a:tcPr>
+                </a:tc>
+                <a:tc rowSpan="2">
+                  <a:txBody>
+                    <a:bodyPr/>
+                    <a:lstStyle/>
+                    <a:p>
+                      <a:pPr marL="0" marR="0" lvl="0" indent="0" algn="l" defTabSz="914400" rtl="0" eaLnBrk="1" fontAlgn="base" latinLnBrk="0" hangingPunct="1">
+                        <a:lnSpc>
+                          <a:spcPct val="100000"/>
+                        </a:lnSpc>
+                        <a:spcBef>
+                          <a:spcPct val="0"/>
+                        </a:spcBef>
+                        <a:spcAft>
+                          <a:spcPct val="0"/>
+                        </a:spcAft>
+                        <a:buClrTx/>
+                        <a:buSzTx/>
+                        <a:buFontTx/>
+                        <a:buNone/>
+                        <a:tabLst/>
+                      </a:pPr>
+                      <a:endParaRPr kumimoji="0" lang="en-US" altLang="zh-CN" sz="1800" b="0" i="0" u="none" strike="noStrike" cap="none" normalizeH="0" baseline="0" dirty="0" smtClean="0">
+                        <a:ln>
+                          <a:noFill/>
+                        </a:ln>
+                        <a:solidFill>
+                          <a:schemeClr val="tx1"/>
+                        </a:solidFill>
+                        <a:effectLst/>
+                        <a:latin typeface="微软雅黑" pitchFamily="34" charset="-122"/>
+                        <a:ea typeface="微软雅黑" pitchFamily="34" charset="-122"/>
+                      </a:endParaRPr>
+                    </a:p>
+                    <a:p>
+                      <a:pPr marL="0" marR="0" lvl="0" indent="0" algn="l" defTabSz="914400" rtl="0" eaLnBrk="1" fontAlgn="base" latinLnBrk="0" hangingPunct="1">
+                        <a:lnSpc>
+                          <a:spcPct val="100000"/>
+                        </a:lnSpc>
+                        <a:spcBef>
+                          <a:spcPct val="0"/>
+                        </a:spcBef>
+                        <a:spcAft>
+                          <a:spcPct val="0"/>
+                        </a:spcAft>
+                        <a:buClrTx/>
+                        <a:buSzTx/>
+                        <a:buFontTx/>
+                        <a:buNone/>
+                        <a:tabLst/>
+                      </a:pPr>
+                      <a:endParaRPr kumimoji="0" lang="en-US" altLang="zh-CN" sz="1800" b="0" i="0" u="none" strike="noStrike" cap="none" normalizeH="0" baseline="0" dirty="0" smtClean="0">
+                        <a:ln>
+                          <a:noFill/>
+                        </a:ln>
+                        <a:solidFill>
+                          <a:schemeClr val="tx1"/>
+                        </a:solidFill>
+                        <a:effectLst/>
+                        <a:latin typeface="微软雅黑" pitchFamily="34" charset="-122"/>
+                        <a:ea typeface="微软雅黑" pitchFamily="34" charset="-122"/>
+                      </a:endParaRPr>
+                    </a:p>
+                    <a:p>
+                      <a:pPr marL="0" marR="0" lvl="0" indent="0" algn="l" defTabSz="914400" rtl="0" eaLnBrk="1" fontAlgn="base" latinLnBrk="0" hangingPunct="1">
+                        <a:lnSpc>
+                          <a:spcPct val="100000"/>
+                        </a:lnSpc>
+                        <a:spcBef>
+                          <a:spcPct val="0"/>
+                        </a:spcBef>
+                        <a:spcAft>
+                          <a:spcPct val="0"/>
+                        </a:spcAft>
+                        <a:buClrTx/>
+                        <a:buSzTx/>
+                        <a:buFontTx/>
+                        <a:buNone/>
+                        <a:tabLst/>
+                      </a:pPr>
+                      <a:r>
+                        <a:rPr kumimoji="0" lang="zh-CN" altLang="en-US" sz="1800" b="0" i="0" u="none" strike="noStrike" cap="none" normalizeH="0" baseline="0" dirty="0" smtClean="0">
+                          <a:ln>
+                            <a:noFill/>
+                          </a:ln>
+                          <a:solidFill>
+                            <a:schemeClr val="tx1"/>
+                          </a:solidFill>
+                          <a:effectLst/>
+                          <a:latin typeface="微软雅黑" pitchFamily="34" charset="-122"/>
+                          <a:ea typeface="微软雅黑" pitchFamily="34" charset="-122"/>
+                        </a:rPr>
+                        <a:t>常规性能</a:t>
+                      </a:r>
+                      <a:endParaRPr kumimoji="0" lang="zh-CN" altLang="en-US" sz="1800" b="0" i="0" u="none" strike="noStrike" cap="none" normalizeH="0" baseline="0" dirty="0" smtClean="0">
+                        <a:ln>
+                          <a:noFill/>
+                        </a:ln>
+                        <a:solidFill>
+                          <a:schemeClr val="tx1"/>
+                        </a:solidFill>
+                        <a:effectLst/>
+                        <a:latin typeface="微软雅黑" pitchFamily="34" charset="-122"/>
+                        <a:ea typeface="微软雅黑" pitchFamily="34" charset="-122"/>
+                      </a:endParaRPr>
+                    </a:p>
+                  </a:txBody>
+                  <a:tcPr marL="85047" marR="85047" marT="45708" marB="45708" horzOverflow="overflow">
+                    <a:lnL w="12700" cap="flat" cmpd="sng" algn="ctr">
+                      <a:solidFill>
+                        <a:srgbClr val="678843"/>
+                      </a:solidFill>
+                      <a:prstDash val="solid"/>
+                      <a:round/>
+                      <a:headEnd type="none" w="med" len="med"/>
+                      <a:tailEnd type="none" w="med" len="med"/>
+                    </a:lnL>
+                    <a:lnR w="12700" cap="flat" cmpd="sng" algn="ctr">
+                      <a:solidFill>
+                        <a:srgbClr val="678843"/>
+                      </a:solidFill>
+                      <a:prstDash val="solid"/>
+                      <a:round/>
+                      <a:headEnd type="none" w="med" len="med"/>
+                      <a:tailEnd type="none" w="med" len="med"/>
+                    </a:lnR>
+                    <a:lnT w="25400" cap="flat" cmpd="sng" algn="ctr">
+                      <a:solidFill>
+                        <a:srgbClr val="678843"/>
+                      </a:solidFill>
+                      <a:prstDash val="solid"/>
+                      <a:round/>
+                      <a:headEnd type="none" w="med" len="med"/>
+                      <a:tailEnd type="none" w="med" len="med"/>
+                    </a:lnT>
+                    <a:lnB w="12700" cap="flat" cmpd="sng" algn="ctr">
+                      <a:solidFill>
+                        <a:srgbClr val="678843"/>
+                      </a:solidFill>
+                      <a:prstDash val="solid"/>
+                      <a:round/>
+                      <a:headEnd type="none" w="med" len="med"/>
+                      <a:tailEnd type="none" w="med" len="med"/>
+                    </a:lnB>
+                    <a:lnTlToBr>
+                      <a:noFill/>
+                    </a:lnTlToBr>
+                    <a:lnBlToTr>
+                      <a:noFill/>
+                    </a:lnBlToTr>
+                    <a:solidFill>
+                      <a:schemeClr val="bg2"/>
+                    </a:solidFill>
+                  </a:tcPr>
+                </a:tc>
+                <a:tc>
+                  <a:txBody>
+                    <a:bodyPr/>
+                    <a:lstStyle/>
+                    <a:p>
+                      <a:pPr marL="0" marR="0" lvl="0" indent="0" algn="l" defTabSz="914400" rtl="0" eaLnBrk="1" fontAlgn="base" latinLnBrk="0" hangingPunct="1">
+                        <a:lnSpc>
+                          <a:spcPct val="100000"/>
+                        </a:lnSpc>
+                        <a:spcBef>
+                          <a:spcPct val="0"/>
+                        </a:spcBef>
+                        <a:spcAft>
+                          <a:spcPct val="0"/>
+                        </a:spcAft>
+                        <a:buClrTx/>
+                        <a:buSzTx/>
+                        <a:buFontTx/>
+                        <a:buNone/>
+                        <a:tabLst/>
+                      </a:pPr>
+                      <a:r>
+                        <a:rPr kumimoji="0" lang="zh-CN" altLang="en-US" sz="1800" b="0" i="0" u="none" strike="noStrike" cap="none" normalizeH="0" baseline="0" dirty="0" smtClean="0">
+                          <a:ln>
+                            <a:noFill/>
+                          </a:ln>
+                          <a:solidFill>
+                            <a:schemeClr val="tx1"/>
+                          </a:solidFill>
+                          <a:effectLst/>
+                          <a:latin typeface="微软雅黑" pitchFamily="34" charset="-122"/>
+                          <a:ea typeface="微软雅黑" pitchFamily="34" charset="-122"/>
+                        </a:rPr>
+                        <a:t>登录模块</a:t>
+                      </a:r>
+                    </a:p>
+                  </a:txBody>
+                  <a:tcPr marL="85047" marR="85047" marT="45708" marB="45708" horzOverflow="overflow">
+                    <a:lnL w="12700" cap="flat" cmpd="sng" algn="ctr">
+                      <a:solidFill>
+                        <a:srgbClr val="678843"/>
+                      </a:solidFill>
+                      <a:prstDash val="solid"/>
+                      <a:round/>
+                      <a:headEnd type="none" w="med" len="med"/>
+                      <a:tailEnd type="none" w="med" len="med"/>
+                    </a:lnL>
+                    <a:lnR w="12700" cap="flat" cmpd="sng" algn="ctr">
+                      <a:solidFill>
+                        <a:srgbClr val="678843"/>
+                      </a:solidFill>
+                      <a:prstDash val="solid"/>
+                      <a:round/>
+                      <a:headEnd type="none" w="med" len="med"/>
+                      <a:tailEnd type="none" w="med" len="med"/>
+                    </a:lnR>
+                    <a:lnT w="25400" cap="flat" cmpd="sng" algn="ctr">
+                      <a:solidFill>
+                        <a:srgbClr val="678843"/>
+                      </a:solidFill>
+                      <a:prstDash val="solid"/>
+                      <a:round/>
+                      <a:headEnd type="none" w="med" len="med"/>
+                      <a:tailEnd type="none" w="med" len="med"/>
+                    </a:lnT>
+                    <a:lnB w="12700" cap="flat" cmpd="sng" algn="ctr">
+                      <a:solidFill>
+                        <a:srgbClr val="678843"/>
+                      </a:solidFill>
+                      <a:prstDash val="solid"/>
+                      <a:round/>
+                      <a:headEnd type="none" w="med" len="med"/>
+                      <a:tailEnd type="none" w="med" len="med"/>
+                    </a:lnB>
+                    <a:lnTlToBr>
+                      <a:noFill/>
+                    </a:lnTlToBr>
+                    <a:lnBlToTr>
+                      <a:noFill/>
+                    </a:lnBlToTr>
+                    <a:solidFill>
+                      <a:schemeClr val="bg2"/>
+                    </a:solidFill>
+                  </a:tcPr>
+                </a:tc>
+                <a:tc>
+                  <a:txBody>
+                    <a:bodyPr/>
+                    <a:lstStyle/>
+                    <a:p>
+                      <a:pPr marL="0" marR="0" lvl="0" indent="0" algn="l" defTabSz="914400" rtl="0" eaLnBrk="1" fontAlgn="base" latinLnBrk="0" hangingPunct="1">
+                        <a:lnSpc>
+                          <a:spcPct val="100000"/>
+                        </a:lnSpc>
+                        <a:spcBef>
+                          <a:spcPct val="0"/>
+                        </a:spcBef>
+                        <a:spcAft>
+                          <a:spcPct val="0"/>
+                        </a:spcAft>
+                        <a:buClrTx/>
+                        <a:buSzTx/>
+                        <a:buFontTx/>
+                        <a:buNone/>
+                        <a:tabLst/>
+                      </a:pPr>
+                      <a:r>
+                        <a:rPr kumimoji="0" lang="zh-CN" altLang="en-US" sz="1800" b="0" i="0" u="none" strike="noStrike" cap="none" normalizeH="0" baseline="0" dirty="0" smtClean="0">
+                          <a:ln>
+                            <a:noFill/>
+                          </a:ln>
+                          <a:solidFill>
+                            <a:schemeClr val="tx1"/>
+                          </a:solidFill>
+                          <a:effectLst/>
+                          <a:latin typeface="微软雅黑" pitchFamily="34" charset="-122"/>
+                          <a:ea typeface="微软雅黑" pitchFamily="34" charset="-122"/>
+                        </a:rPr>
+                        <a:t>一个用户重复登录，记录每次登录时间，取平均值</a:t>
+                      </a:r>
+                    </a:p>
+                  </a:txBody>
+                  <a:tcPr marL="85047" marR="85047" marT="45708" marB="45708" horzOverflow="overflow">
+                    <a:lnL w="12700" cap="flat" cmpd="sng" algn="ctr">
+                      <a:solidFill>
+                        <a:srgbClr val="678843"/>
+                      </a:solidFill>
+                      <a:prstDash val="solid"/>
+                      <a:round/>
+                      <a:headEnd type="none" w="med" len="med"/>
+                      <a:tailEnd type="none" w="med" len="med"/>
+                    </a:lnL>
+                    <a:lnR w="12700" cap="flat" cmpd="sng" algn="ctr">
+                      <a:solidFill>
+                        <a:srgbClr val="678843"/>
+                      </a:solidFill>
+                      <a:prstDash val="solid"/>
+                      <a:round/>
+                      <a:headEnd type="none" w="med" len="med"/>
+                      <a:tailEnd type="none" w="med" len="med"/>
+                    </a:lnR>
+                    <a:lnT w="25400" cap="flat" cmpd="sng" algn="ctr">
+                      <a:solidFill>
+                        <a:srgbClr val="678843"/>
+                      </a:solidFill>
+                      <a:prstDash val="solid"/>
+                      <a:round/>
+                      <a:headEnd type="none" w="med" len="med"/>
+                      <a:tailEnd type="none" w="med" len="med"/>
+                    </a:lnT>
+                    <a:lnB w="12700" cap="flat" cmpd="sng" algn="ctr">
+                      <a:solidFill>
+                        <a:srgbClr val="678843"/>
+                      </a:solidFill>
+                      <a:prstDash val="solid"/>
+                      <a:round/>
+                      <a:headEnd type="none" w="med" len="med"/>
+                      <a:tailEnd type="none" w="med" len="med"/>
+                    </a:lnB>
+                    <a:lnTlToBr>
+                      <a:noFill/>
+                    </a:lnTlToBr>
+                    <a:lnBlToTr>
+                      <a:noFill/>
+                    </a:lnBlToTr>
+                    <a:solidFill>
+                      <a:schemeClr val="bg2"/>
+                    </a:solidFill>
+                  </a:tcPr>
+                </a:tc>
+                <a:tc>
+                  <a:txBody>
+                    <a:bodyPr/>
+                    <a:lstStyle/>
+                    <a:p>
+                      <a:pPr marL="0" marR="0" lvl="0" indent="0" algn="l" defTabSz="914400" rtl="0" eaLnBrk="1" fontAlgn="base" latinLnBrk="0" hangingPunct="1">
+                        <a:lnSpc>
+                          <a:spcPct val="100000"/>
+                        </a:lnSpc>
+                        <a:spcBef>
+                          <a:spcPct val="0"/>
+                        </a:spcBef>
+                        <a:spcAft>
+                          <a:spcPct val="0"/>
+                        </a:spcAft>
+                        <a:buClrTx/>
+                        <a:buSzTx/>
+                        <a:buFontTx/>
+                        <a:buNone/>
+                        <a:tabLst/>
+                      </a:pPr>
+                      <a:r>
+                        <a:rPr kumimoji="0" lang="zh-CN" altLang="en-US" sz="1800" b="0" i="0" u="none" strike="noStrike" cap="none" normalizeH="0" baseline="0" smtClean="0">
+                          <a:ln>
+                            <a:noFill/>
+                          </a:ln>
+                          <a:solidFill>
+                            <a:schemeClr val="tx1"/>
+                          </a:solidFill>
+                          <a:effectLst/>
+                          <a:latin typeface="微软雅黑" pitchFamily="34" charset="-122"/>
+                          <a:ea typeface="微软雅黑" pitchFamily="34" charset="-122"/>
+                        </a:rPr>
+                        <a:t>一个用户的平均登录时间</a:t>
+                      </a:r>
+                    </a:p>
+                  </a:txBody>
+                  <a:tcPr marL="85047" marR="85047" marT="45708" marB="45708" horzOverflow="overflow">
+                    <a:lnL w="12700" cap="flat" cmpd="sng" algn="ctr">
+                      <a:solidFill>
+                        <a:srgbClr val="678843"/>
+                      </a:solidFill>
+                      <a:prstDash val="solid"/>
+                      <a:round/>
+                      <a:headEnd type="none" w="med" len="med"/>
+                      <a:tailEnd type="none" w="med" len="med"/>
+                    </a:lnL>
+                    <a:lnR w="12700" cap="flat" cmpd="sng" algn="ctr">
+                      <a:solidFill>
+                        <a:srgbClr val="678843"/>
+                      </a:solidFill>
+                      <a:prstDash val="solid"/>
+                      <a:round/>
+                      <a:headEnd type="none" w="med" len="med"/>
+                      <a:tailEnd type="none" w="med" len="med"/>
+                    </a:lnR>
+                    <a:lnT w="25400" cap="flat" cmpd="sng" algn="ctr">
+                      <a:solidFill>
+                        <a:srgbClr val="678843"/>
+                      </a:solidFill>
+                      <a:prstDash val="solid"/>
+                      <a:round/>
+                      <a:headEnd type="none" w="med" len="med"/>
+                      <a:tailEnd type="none" w="med" len="med"/>
+                    </a:lnT>
+                    <a:lnB w="12700" cap="flat" cmpd="sng" algn="ctr">
+                      <a:solidFill>
+                        <a:srgbClr val="678843"/>
+                      </a:solidFill>
+                      <a:prstDash val="solid"/>
+                      <a:round/>
+                      <a:headEnd type="none" w="med" len="med"/>
+                      <a:tailEnd type="none" w="med" len="med"/>
+                    </a:lnB>
+                    <a:lnTlToBr>
+                      <a:noFill/>
+                    </a:lnTlToBr>
+                    <a:lnBlToTr>
+                      <a:noFill/>
+                    </a:lnBlToTr>
+                    <a:solidFill>
+                      <a:schemeClr val="bg2"/>
+                    </a:solidFill>
+                  </a:tcPr>
+                </a:tc>
+              </a:tr>
+              <a:tr h="742125">
+                <a:tc>
+                  <a:txBody>
+                    <a:bodyPr/>
+                    <a:lstStyle/>
+                    <a:p>
+                      <a:pPr marL="0" marR="0" lvl="0" indent="0" algn="ctr" defTabSz="914400" rtl="0" eaLnBrk="1" fontAlgn="base" latinLnBrk="0" hangingPunct="1">
+                        <a:lnSpc>
+                          <a:spcPct val="100000"/>
+                        </a:lnSpc>
+                        <a:spcBef>
+                          <a:spcPct val="0"/>
+                        </a:spcBef>
+                        <a:spcAft>
+                          <a:spcPct val="0"/>
+                        </a:spcAft>
+                        <a:buClrTx/>
+                        <a:buSzTx/>
+                        <a:buFontTx/>
+                        <a:buNone/>
+                        <a:tabLst/>
+                      </a:pPr>
+                      <a:r>
+                        <a:rPr kumimoji="0" lang="en-US" altLang="zh-CN" sz="1800" b="0" i="0" u="none" strike="noStrike" cap="none" normalizeH="0" baseline="0" smtClean="0">
+                          <a:ln>
+                            <a:noFill/>
+                          </a:ln>
+                          <a:solidFill>
+                            <a:schemeClr val="tx1"/>
+                          </a:solidFill>
+                          <a:effectLst/>
+                          <a:latin typeface="微软雅黑" pitchFamily="34" charset="-122"/>
+                          <a:ea typeface="微软雅黑" pitchFamily="34" charset="-122"/>
+                        </a:rPr>
+                        <a:t>2</a:t>
+                      </a:r>
+                      <a:endParaRPr kumimoji="0" lang="zh-CN" altLang="en-US" sz="1800" b="0" i="0" u="none" strike="noStrike" cap="none" normalizeH="0" baseline="0" smtClean="0">
+                        <a:ln>
+                          <a:noFill/>
+                        </a:ln>
+                        <a:solidFill>
+                          <a:schemeClr val="tx1"/>
+                        </a:solidFill>
+                        <a:effectLst/>
+                        <a:latin typeface="微软雅黑" pitchFamily="34" charset="-122"/>
+                        <a:ea typeface="微软雅黑" pitchFamily="34" charset="-122"/>
+                      </a:endParaRPr>
+                    </a:p>
+                  </a:txBody>
+                  <a:tcPr marL="85047" marR="85047" marT="45708" marB="45708" horzOverflow="overflow">
+                    <a:lnL w="12700" cap="flat" cmpd="sng" algn="ctr">
+                      <a:solidFill>
+                        <a:srgbClr val="678843"/>
+                      </a:solidFill>
+                      <a:prstDash val="solid"/>
+                      <a:round/>
+                      <a:headEnd type="none" w="med" len="med"/>
+                      <a:tailEnd type="none" w="med" len="med"/>
+                    </a:lnL>
+                    <a:lnR w="12700" cap="flat" cmpd="sng" algn="ctr">
+                      <a:solidFill>
+                        <a:srgbClr val="678843"/>
+                      </a:solidFill>
+                      <a:prstDash val="solid"/>
+                      <a:round/>
+                      <a:headEnd type="none" w="med" len="med"/>
+                      <a:tailEnd type="none" w="med" len="med"/>
+                    </a:lnR>
+                    <a:lnT w="12700" cap="flat" cmpd="sng" algn="ctr">
+                      <a:solidFill>
+                        <a:srgbClr val="678843"/>
+                      </a:solidFill>
+                      <a:prstDash val="solid"/>
+                      <a:round/>
+                      <a:headEnd type="none" w="med" len="med"/>
+                      <a:tailEnd type="none" w="med" len="med"/>
+                    </a:lnT>
+                    <a:lnB w="12700" cap="flat" cmpd="sng" algn="ctr">
+                      <a:solidFill>
+                        <a:srgbClr val="678843"/>
+                      </a:solidFill>
+                      <a:prstDash val="solid"/>
+                      <a:round/>
+                      <a:headEnd type="none" w="med" len="med"/>
+                      <a:tailEnd type="none" w="med" len="med"/>
+                    </a:lnB>
+                    <a:lnTlToBr>
+                      <a:noFill/>
+                    </a:lnTlToBr>
+                    <a:lnBlToTr>
+                      <a:noFill/>
+                    </a:lnBlToTr>
+                    <a:solidFill>
+                      <a:schemeClr val="bg2"/>
+                    </a:solidFill>
+                  </a:tcPr>
+                </a:tc>
+                <a:tc vMerge="1">
+                  <a:txBody>
+                    <a:bodyPr/>
+                    <a:lstStyle/>
+                    <a:p>
+                      <a:endParaRPr lang="zh-CN" altLang="en-US"/>
+                    </a:p>
+                  </a:txBody>
+                  <a:tcPr/>
+                </a:tc>
+                <a:tc>
+                  <a:txBody>
+                    <a:bodyPr/>
+                    <a:lstStyle/>
+                    <a:p>
+                      <a:pPr marL="0" marR="0" lvl="0" indent="0" algn="l" defTabSz="914400" rtl="0" eaLnBrk="1" fontAlgn="base" latinLnBrk="0" hangingPunct="1">
+                        <a:lnSpc>
+                          <a:spcPct val="100000"/>
+                        </a:lnSpc>
+                        <a:spcBef>
+                          <a:spcPct val="0"/>
+                        </a:spcBef>
+                        <a:spcAft>
+                          <a:spcPct val="0"/>
+                        </a:spcAft>
+                        <a:buClrTx/>
+                        <a:buSzTx/>
+                        <a:buFontTx/>
+                        <a:buNone/>
+                        <a:tabLst/>
+                      </a:pPr>
+                      <a:r>
+                        <a:rPr kumimoji="0" lang="zh-CN" altLang="en-US" sz="1800" b="0" i="0" u="none" strike="noStrike" cap="none" normalizeH="0" baseline="0" smtClean="0">
+                          <a:ln>
+                            <a:noFill/>
+                          </a:ln>
+                          <a:solidFill>
+                            <a:schemeClr val="tx1"/>
+                          </a:solidFill>
+                          <a:effectLst/>
+                          <a:latin typeface="微软雅黑" pitchFamily="34" charset="-122"/>
+                          <a:ea typeface="微软雅黑" pitchFamily="34" charset="-122"/>
+                        </a:rPr>
+                        <a:t>登录模块</a:t>
+                      </a:r>
+                    </a:p>
+                  </a:txBody>
+                  <a:tcPr marL="85047" marR="85047" marT="45708" marB="45708" horzOverflow="overflow">
+                    <a:lnL w="12700" cap="flat" cmpd="sng" algn="ctr">
+                      <a:solidFill>
+                        <a:srgbClr val="678843"/>
+                      </a:solidFill>
+                      <a:prstDash val="solid"/>
+                      <a:round/>
+                      <a:headEnd type="none" w="med" len="med"/>
+                      <a:tailEnd type="none" w="med" len="med"/>
+                    </a:lnL>
+                    <a:lnR w="12700" cap="flat" cmpd="sng" algn="ctr">
+                      <a:solidFill>
+                        <a:srgbClr val="678843"/>
+                      </a:solidFill>
+                      <a:prstDash val="solid"/>
+                      <a:round/>
+                      <a:headEnd type="none" w="med" len="med"/>
+                      <a:tailEnd type="none" w="med" len="med"/>
+                    </a:lnR>
+                    <a:lnT w="12700" cap="flat" cmpd="sng" algn="ctr">
+                      <a:solidFill>
+                        <a:srgbClr val="678843"/>
+                      </a:solidFill>
+                      <a:prstDash val="solid"/>
+                      <a:round/>
+                      <a:headEnd type="none" w="med" len="med"/>
+                      <a:tailEnd type="none" w="med" len="med"/>
+                    </a:lnT>
+                    <a:lnB w="12700" cap="flat" cmpd="sng" algn="ctr">
+                      <a:solidFill>
+                        <a:srgbClr val="678843"/>
+                      </a:solidFill>
+                      <a:prstDash val="solid"/>
+                      <a:round/>
+                      <a:headEnd type="none" w="med" len="med"/>
+                      <a:tailEnd type="none" w="med" len="med"/>
+                    </a:lnB>
+                    <a:lnTlToBr>
+                      <a:noFill/>
+                    </a:lnTlToBr>
+                    <a:lnBlToTr>
+                      <a:noFill/>
+                    </a:lnBlToTr>
+                    <a:solidFill>
+                      <a:schemeClr val="bg2"/>
+                    </a:solidFill>
+                  </a:tcPr>
+                </a:tc>
+                <a:tc>
+                  <a:txBody>
+                    <a:bodyPr/>
+                    <a:lstStyle/>
+                    <a:p>
+                      <a:pPr marL="0" marR="0" lvl="0" indent="0" algn="l" defTabSz="914400" rtl="0" eaLnBrk="1" fontAlgn="base" latinLnBrk="0" hangingPunct="1">
+                        <a:lnSpc>
+                          <a:spcPct val="100000"/>
+                        </a:lnSpc>
+                        <a:spcBef>
+                          <a:spcPct val="0"/>
+                        </a:spcBef>
+                        <a:spcAft>
+                          <a:spcPct val="0"/>
+                        </a:spcAft>
+                        <a:buClrTx/>
+                        <a:buSzTx/>
+                        <a:buFontTx/>
+                        <a:buNone/>
+                        <a:tabLst/>
+                      </a:pPr>
+                      <a:r>
+                        <a:rPr kumimoji="0" lang="zh-CN" altLang="en-US" sz="1800" b="0" i="0" u="none" strike="noStrike" cap="none" normalizeH="0" baseline="0" dirty="0" smtClean="0">
+                          <a:ln>
+                            <a:noFill/>
+                          </a:ln>
+                          <a:solidFill>
+                            <a:schemeClr val="tx1"/>
+                          </a:solidFill>
+                          <a:effectLst/>
+                          <a:latin typeface="微软雅黑" pitchFamily="34" charset="-122"/>
+                          <a:ea typeface="微软雅黑" pitchFamily="34" charset="-122"/>
+                        </a:rPr>
+                        <a:t>逐渐增加并发的登录用户数，并记录每次的平均登录时间，直到登录的时间达到</a:t>
+                      </a:r>
+                      <a:r>
+                        <a:rPr kumimoji="0" lang="en-US" altLang="zh-CN" sz="1800" b="0" i="0" u="none" strike="noStrike" cap="none" normalizeH="0" baseline="0" dirty="0" smtClean="0">
+                          <a:ln>
+                            <a:noFill/>
+                          </a:ln>
+                          <a:solidFill>
+                            <a:schemeClr val="tx1"/>
+                          </a:solidFill>
+                          <a:effectLst/>
+                          <a:latin typeface="微软雅黑" pitchFamily="34" charset="-122"/>
+                          <a:ea typeface="微软雅黑" pitchFamily="34" charset="-122"/>
+                        </a:rPr>
+                        <a:t>10</a:t>
+                      </a:r>
+                      <a:r>
+                        <a:rPr kumimoji="0" lang="zh-CN" altLang="en-US" sz="1800" b="0" i="0" u="none" strike="noStrike" cap="none" normalizeH="0" baseline="0" dirty="0" smtClean="0">
+                          <a:ln>
+                            <a:noFill/>
+                          </a:ln>
+                          <a:solidFill>
+                            <a:schemeClr val="tx1"/>
+                          </a:solidFill>
+                          <a:effectLst/>
+                          <a:latin typeface="微软雅黑" pitchFamily="34" charset="-122"/>
+                          <a:ea typeface="微软雅黑" pitchFamily="34" charset="-122"/>
+                        </a:rPr>
+                        <a:t>秒</a:t>
+                      </a:r>
+                    </a:p>
+                  </a:txBody>
+                  <a:tcPr marL="85047" marR="85047" marT="45708" marB="45708" horzOverflow="overflow">
+                    <a:lnL w="12700" cap="flat" cmpd="sng" algn="ctr">
+                      <a:solidFill>
+                        <a:srgbClr val="678843"/>
+                      </a:solidFill>
+                      <a:prstDash val="solid"/>
+                      <a:round/>
+                      <a:headEnd type="none" w="med" len="med"/>
+                      <a:tailEnd type="none" w="med" len="med"/>
+                    </a:lnL>
+                    <a:lnR w="12700" cap="flat" cmpd="sng" algn="ctr">
+                      <a:solidFill>
+                        <a:srgbClr val="678843"/>
+                      </a:solidFill>
+                      <a:prstDash val="solid"/>
+                      <a:round/>
+                      <a:headEnd type="none" w="med" len="med"/>
+                      <a:tailEnd type="none" w="med" len="med"/>
+                    </a:lnR>
+                    <a:lnT w="12700" cap="flat" cmpd="sng" algn="ctr">
+                      <a:solidFill>
+                        <a:srgbClr val="678843"/>
+                      </a:solidFill>
+                      <a:prstDash val="solid"/>
+                      <a:round/>
+                      <a:headEnd type="none" w="med" len="med"/>
+                      <a:tailEnd type="none" w="med" len="med"/>
+                    </a:lnT>
+                    <a:lnB w="12700" cap="flat" cmpd="sng" algn="ctr">
+                      <a:solidFill>
+                        <a:srgbClr val="678843"/>
+                      </a:solidFill>
+                      <a:prstDash val="solid"/>
+                      <a:round/>
+                      <a:headEnd type="none" w="med" len="med"/>
+                      <a:tailEnd type="none" w="med" len="med"/>
+                    </a:lnB>
+                    <a:lnTlToBr>
+                      <a:noFill/>
+                    </a:lnTlToBr>
+                    <a:lnBlToTr>
+                      <a:noFill/>
+                    </a:lnBlToTr>
+                    <a:solidFill>
+                      <a:schemeClr val="bg2"/>
+                    </a:solidFill>
+                  </a:tcPr>
+                </a:tc>
+                <a:tc>
+                  <a:txBody>
+                    <a:bodyPr/>
+                    <a:lstStyle/>
+                    <a:p>
+                      <a:pPr marL="0" marR="0" lvl="0" indent="0" algn="l" defTabSz="914400" rtl="0" eaLnBrk="1" fontAlgn="base" latinLnBrk="0" hangingPunct="1">
+                        <a:lnSpc>
+                          <a:spcPct val="100000"/>
+                        </a:lnSpc>
+                        <a:spcBef>
+                          <a:spcPct val="0"/>
+                        </a:spcBef>
+                        <a:spcAft>
+                          <a:spcPct val="0"/>
+                        </a:spcAft>
+                        <a:buClrTx/>
+                        <a:buSzTx/>
+                        <a:buFontTx/>
+                        <a:buNone/>
+                        <a:tabLst/>
+                      </a:pPr>
+                      <a:r>
+                        <a:rPr kumimoji="0" lang="zh-CN" altLang="en-US" sz="1800" b="0" i="0" u="none" strike="noStrike" cap="none" normalizeH="0" baseline="0" dirty="0" smtClean="0">
+                          <a:ln>
+                            <a:noFill/>
+                          </a:ln>
+                          <a:solidFill>
+                            <a:schemeClr val="tx1"/>
+                          </a:solidFill>
+                          <a:effectLst/>
+                          <a:latin typeface="微软雅黑" pitchFamily="34" charset="-122"/>
+                          <a:ea typeface="微软雅黑" pitchFamily="34" charset="-122"/>
+                        </a:rPr>
+                        <a:t>登录时间达到</a:t>
+                      </a:r>
+                      <a:r>
+                        <a:rPr kumimoji="0" lang="en-US" altLang="zh-CN" sz="1800" b="0" i="0" u="none" strike="noStrike" cap="none" normalizeH="0" baseline="0" dirty="0" smtClean="0">
+                          <a:ln>
+                            <a:noFill/>
+                          </a:ln>
+                          <a:solidFill>
+                            <a:schemeClr val="tx1"/>
+                          </a:solidFill>
+                          <a:effectLst/>
+                          <a:latin typeface="微软雅黑" pitchFamily="34" charset="-122"/>
+                          <a:ea typeface="微软雅黑" pitchFamily="34" charset="-122"/>
+                        </a:rPr>
+                        <a:t>10</a:t>
+                      </a:r>
+                      <a:r>
+                        <a:rPr kumimoji="0" lang="zh-CN" altLang="en-US" sz="1800" b="0" i="0" u="none" strike="noStrike" cap="none" normalizeH="0" baseline="0" dirty="0" smtClean="0">
+                          <a:ln>
+                            <a:noFill/>
+                          </a:ln>
+                          <a:solidFill>
+                            <a:schemeClr val="tx1"/>
+                          </a:solidFill>
+                          <a:effectLst/>
+                          <a:latin typeface="微软雅黑" pitchFamily="34" charset="-122"/>
+                          <a:ea typeface="微软雅黑" pitchFamily="34" charset="-122"/>
+                        </a:rPr>
+                        <a:t>秒时的并发用户数</a:t>
+                      </a:r>
+                    </a:p>
+                  </a:txBody>
+                  <a:tcPr marL="85047" marR="85047" marT="45708" marB="45708" horzOverflow="overflow">
+                    <a:lnL w="12700" cap="flat" cmpd="sng" algn="ctr">
+                      <a:solidFill>
+                        <a:srgbClr val="678843"/>
+                      </a:solidFill>
+                      <a:prstDash val="solid"/>
+                      <a:round/>
+                      <a:headEnd type="none" w="med" len="med"/>
+                      <a:tailEnd type="none" w="med" len="med"/>
+                    </a:lnL>
+                    <a:lnR w="12700" cap="flat" cmpd="sng" algn="ctr">
+                      <a:solidFill>
+                        <a:srgbClr val="678843"/>
+                      </a:solidFill>
+                      <a:prstDash val="solid"/>
+                      <a:round/>
+                      <a:headEnd type="none" w="med" len="med"/>
+                      <a:tailEnd type="none" w="med" len="med"/>
+                    </a:lnR>
+                    <a:lnT w="12700" cap="flat" cmpd="sng" algn="ctr">
+                      <a:solidFill>
+                        <a:srgbClr val="678843"/>
+                      </a:solidFill>
+                      <a:prstDash val="solid"/>
+                      <a:round/>
+                      <a:headEnd type="none" w="med" len="med"/>
+                      <a:tailEnd type="none" w="med" len="med"/>
+                    </a:lnT>
+                    <a:lnB w="12700" cap="flat" cmpd="sng" algn="ctr">
+                      <a:solidFill>
+                        <a:srgbClr val="678843"/>
+                      </a:solidFill>
+                      <a:prstDash val="solid"/>
+                      <a:round/>
+                      <a:headEnd type="none" w="med" len="med"/>
+                      <a:tailEnd type="none" w="med" len="med"/>
+                    </a:lnB>
+                    <a:lnTlToBr>
+                      <a:noFill/>
+                    </a:lnTlToBr>
+                    <a:lnBlToTr>
+                      <a:noFill/>
+                    </a:lnBlToTr>
+                    <a:solidFill>
+                      <a:schemeClr val="bg2"/>
+                    </a:solidFill>
+                  </a:tcPr>
+                </a:tc>
+              </a:tr>
+              <a:tr h="914301">
+                <a:tc>
+                  <a:txBody>
+                    <a:bodyPr/>
+                    <a:lstStyle/>
+                    <a:p>
+                      <a:pPr marL="0" marR="0" lvl="0" indent="0" algn="ctr" defTabSz="914400" rtl="0" eaLnBrk="1" fontAlgn="base" latinLnBrk="0" hangingPunct="1">
+                        <a:lnSpc>
+                          <a:spcPct val="100000"/>
+                        </a:lnSpc>
+                        <a:spcBef>
+                          <a:spcPct val="0"/>
+                        </a:spcBef>
+                        <a:spcAft>
+                          <a:spcPct val="0"/>
+                        </a:spcAft>
+                        <a:buClrTx/>
+                        <a:buSzTx/>
+                        <a:buFontTx/>
+                        <a:buNone/>
+                        <a:tabLst/>
+                      </a:pPr>
+                      <a:r>
+                        <a:rPr kumimoji="0" lang="en-US" altLang="zh-CN" sz="1800" b="0" i="0" u="none" strike="noStrike" cap="none" normalizeH="0" baseline="0" smtClean="0">
+                          <a:ln>
+                            <a:noFill/>
+                          </a:ln>
+                          <a:solidFill>
+                            <a:schemeClr val="tx1"/>
+                          </a:solidFill>
+                          <a:effectLst/>
+                          <a:latin typeface="微软雅黑" pitchFamily="34" charset="-122"/>
+                          <a:ea typeface="微软雅黑" pitchFamily="34" charset="-122"/>
+                        </a:rPr>
+                        <a:t>3</a:t>
+                      </a:r>
+                      <a:endParaRPr kumimoji="0" lang="zh-CN" altLang="en-US" sz="1800" b="0" i="0" u="none" strike="noStrike" cap="none" normalizeH="0" baseline="0" smtClean="0">
+                        <a:ln>
+                          <a:noFill/>
+                        </a:ln>
+                        <a:solidFill>
+                          <a:schemeClr val="tx1"/>
+                        </a:solidFill>
+                        <a:effectLst/>
+                        <a:latin typeface="微软雅黑" pitchFamily="34" charset="-122"/>
+                        <a:ea typeface="微软雅黑" pitchFamily="34" charset="-122"/>
+                      </a:endParaRPr>
+                    </a:p>
+                  </a:txBody>
+                  <a:tcPr marL="85047" marR="85047" marT="45708" marB="45708" horzOverflow="overflow">
+                    <a:lnL w="12700" cap="flat" cmpd="sng" algn="ctr">
+                      <a:solidFill>
+                        <a:srgbClr val="678843"/>
+                      </a:solidFill>
+                      <a:prstDash val="solid"/>
+                      <a:round/>
+                      <a:headEnd type="none" w="med" len="med"/>
+                      <a:tailEnd type="none" w="med" len="med"/>
+                    </a:lnL>
+                    <a:lnR w="12700" cap="flat" cmpd="sng" algn="ctr">
+                      <a:solidFill>
+                        <a:srgbClr val="678843"/>
+                      </a:solidFill>
+                      <a:prstDash val="solid"/>
+                      <a:round/>
+                      <a:headEnd type="none" w="med" len="med"/>
+                      <a:tailEnd type="none" w="med" len="med"/>
+                    </a:lnR>
+                    <a:lnT w="12700" cap="flat" cmpd="sng" algn="ctr">
+                      <a:solidFill>
+                        <a:srgbClr val="678843"/>
+                      </a:solidFill>
+                      <a:prstDash val="solid"/>
+                      <a:round/>
+                      <a:headEnd type="none" w="med" len="med"/>
+                      <a:tailEnd type="none" w="med" len="med"/>
+                    </a:lnT>
+                    <a:lnB w="12700" cap="flat" cmpd="sng" algn="ctr">
+                      <a:solidFill>
+                        <a:srgbClr val="678843"/>
+                      </a:solidFill>
+                      <a:prstDash val="solid"/>
+                      <a:round/>
+                      <a:headEnd type="none" w="med" len="med"/>
+                      <a:tailEnd type="none" w="med" len="med"/>
+                    </a:lnB>
+                    <a:lnTlToBr>
+                      <a:noFill/>
+                    </a:lnTlToBr>
+                    <a:lnBlToTr>
+                      <a:noFill/>
+                    </a:lnBlToTr>
+                    <a:solidFill>
+                      <a:schemeClr val="bg2"/>
+                    </a:solidFill>
+                  </a:tcPr>
+                </a:tc>
+                <a:tc>
+                  <a:txBody>
+                    <a:bodyPr/>
+                    <a:lstStyle/>
+                    <a:p>
+                      <a:pPr marL="0" marR="0" lvl="0" indent="0" algn="ctr" defTabSz="914400" rtl="0" eaLnBrk="1" fontAlgn="base" latinLnBrk="0" hangingPunct="1">
+                        <a:lnSpc>
+                          <a:spcPct val="100000"/>
+                        </a:lnSpc>
+                        <a:spcBef>
+                          <a:spcPct val="0"/>
+                        </a:spcBef>
+                        <a:spcAft>
+                          <a:spcPct val="0"/>
+                        </a:spcAft>
+                        <a:buClrTx/>
+                        <a:buSzTx/>
+                        <a:buFontTx/>
+                        <a:buNone/>
+                        <a:tabLst/>
+                      </a:pPr>
+                      <a:r>
+                        <a:rPr kumimoji="0" lang="zh-CN" altLang="en-US" sz="1800" b="0" i="0" u="none" strike="noStrike" cap="none" normalizeH="0" baseline="0" dirty="0" smtClean="0">
+                          <a:ln>
+                            <a:noFill/>
+                          </a:ln>
+                          <a:solidFill>
+                            <a:schemeClr val="tx1"/>
+                          </a:solidFill>
+                          <a:effectLst/>
+                          <a:latin typeface="微软雅黑" pitchFamily="34" charset="-122"/>
+                          <a:ea typeface="微软雅黑" pitchFamily="34" charset="-122"/>
+                        </a:rPr>
+                        <a:t>可靠性</a:t>
+                      </a:r>
+                      <a:endParaRPr kumimoji="0" lang="en-US" altLang="zh-CN" sz="1800" b="0" i="0" u="none" strike="noStrike" cap="none" normalizeH="0" baseline="0" dirty="0" smtClean="0">
+                        <a:ln>
+                          <a:noFill/>
+                        </a:ln>
+                        <a:solidFill>
+                          <a:schemeClr val="tx1"/>
+                        </a:solidFill>
+                        <a:effectLst/>
+                        <a:latin typeface="微软雅黑" pitchFamily="34" charset="-122"/>
+                        <a:ea typeface="微软雅黑" pitchFamily="34" charset="-122"/>
+                      </a:endParaRPr>
+                    </a:p>
+                    <a:p>
+                      <a:pPr marL="0" marR="0" lvl="0" indent="0" algn="ctr" defTabSz="914400" rtl="0" eaLnBrk="1" fontAlgn="base" latinLnBrk="0" hangingPunct="1">
+                        <a:lnSpc>
+                          <a:spcPct val="100000"/>
+                        </a:lnSpc>
+                        <a:spcBef>
+                          <a:spcPct val="0"/>
+                        </a:spcBef>
+                        <a:spcAft>
+                          <a:spcPct val="0"/>
+                        </a:spcAft>
+                        <a:buClrTx/>
+                        <a:buSzTx/>
+                        <a:buFontTx/>
+                        <a:buNone/>
+                        <a:tabLst/>
+                      </a:pPr>
+                      <a:r>
+                        <a:rPr kumimoji="0" lang="zh-CN" altLang="en-US" sz="1800" b="0" i="0" u="none" strike="noStrike" cap="none" normalizeH="0" baseline="0" dirty="0" smtClean="0">
+                          <a:ln>
+                            <a:noFill/>
+                          </a:ln>
+                          <a:solidFill>
+                            <a:schemeClr val="tx1"/>
+                          </a:solidFill>
+                          <a:effectLst/>
+                          <a:latin typeface="微软雅黑" pitchFamily="34" charset="-122"/>
+                          <a:ea typeface="微软雅黑" pitchFamily="34" charset="-122"/>
+                        </a:rPr>
+                        <a:t>测试</a:t>
+                      </a:r>
+                    </a:p>
+                  </a:txBody>
+                  <a:tcPr marL="85047" marR="85047" marT="45708" marB="45708" horzOverflow="overflow">
+                    <a:lnL w="12700" cap="flat" cmpd="sng" algn="ctr">
+                      <a:solidFill>
+                        <a:srgbClr val="678843"/>
+                      </a:solidFill>
+                      <a:prstDash val="solid"/>
+                      <a:round/>
+                      <a:headEnd type="none" w="med" len="med"/>
+                      <a:tailEnd type="none" w="med" len="med"/>
+                    </a:lnL>
+                    <a:lnR w="12700" cap="flat" cmpd="sng" algn="ctr">
+                      <a:solidFill>
+                        <a:srgbClr val="678843"/>
+                      </a:solidFill>
+                      <a:prstDash val="solid"/>
+                      <a:round/>
+                      <a:headEnd type="none" w="med" len="med"/>
+                      <a:tailEnd type="none" w="med" len="med"/>
+                    </a:lnR>
+                    <a:lnT w="12700" cap="flat" cmpd="sng" algn="ctr">
+                      <a:solidFill>
+                        <a:srgbClr val="678843"/>
+                      </a:solidFill>
+                      <a:prstDash val="solid"/>
+                      <a:round/>
+                      <a:headEnd type="none" w="med" len="med"/>
+                      <a:tailEnd type="none" w="med" len="med"/>
+                    </a:lnT>
+                    <a:lnB w="12700" cap="flat" cmpd="sng" algn="ctr">
+                      <a:solidFill>
+                        <a:srgbClr val="678843"/>
+                      </a:solidFill>
+                      <a:prstDash val="solid"/>
+                      <a:round/>
+                      <a:headEnd type="none" w="med" len="med"/>
+                      <a:tailEnd type="none" w="med" len="med"/>
+                    </a:lnB>
+                    <a:lnTlToBr>
+                      <a:noFill/>
+                    </a:lnTlToBr>
+                    <a:lnBlToTr>
+                      <a:noFill/>
+                    </a:lnBlToTr>
+                    <a:solidFill>
+                      <a:schemeClr val="bg2"/>
+                    </a:solidFill>
+                  </a:tcPr>
+                </a:tc>
+                <a:tc>
+                  <a:txBody>
+                    <a:bodyPr/>
+                    <a:lstStyle/>
+                    <a:p>
+                      <a:pPr marL="0" marR="0" lvl="0" indent="0" algn="l" defTabSz="914400" rtl="0" eaLnBrk="1" fontAlgn="base" latinLnBrk="0" hangingPunct="1">
+                        <a:lnSpc>
+                          <a:spcPct val="100000"/>
+                        </a:lnSpc>
+                        <a:spcBef>
+                          <a:spcPct val="0"/>
+                        </a:spcBef>
+                        <a:spcAft>
+                          <a:spcPct val="0"/>
+                        </a:spcAft>
+                        <a:buClrTx/>
+                        <a:buSzTx/>
+                        <a:buFontTx/>
+                        <a:buNone/>
+                        <a:tabLst/>
+                      </a:pPr>
+                      <a:r>
+                        <a:rPr kumimoji="0" lang="zh-CN" altLang="en-US" sz="1800" b="0" i="0" u="none" strike="noStrike" cap="none" normalizeH="0" baseline="0" smtClean="0">
+                          <a:ln>
+                            <a:noFill/>
+                          </a:ln>
+                          <a:solidFill>
+                            <a:schemeClr val="tx1"/>
+                          </a:solidFill>
+                          <a:effectLst/>
+                          <a:latin typeface="微软雅黑" pitchFamily="34" charset="-122"/>
+                          <a:ea typeface="微软雅黑" pitchFamily="34" charset="-122"/>
+                        </a:rPr>
+                        <a:t>整个系统</a:t>
+                      </a:r>
+                    </a:p>
+                  </a:txBody>
+                  <a:tcPr marL="85047" marR="85047" marT="45708" marB="45708" horzOverflow="overflow">
+                    <a:lnL w="12700" cap="flat" cmpd="sng" algn="ctr">
+                      <a:solidFill>
+                        <a:srgbClr val="678843"/>
+                      </a:solidFill>
+                      <a:prstDash val="solid"/>
+                      <a:round/>
+                      <a:headEnd type="none" w="med" len="med"/>
+                      <a:tailEnd type="none" w="med" len="med"/>
+                    </a:lnL>
+                    <a:lnR w="12700" cap="flat" cmpd="sng" algn="ctr">
+                      <a:solidFill>
+                        <a:srgbClr val="678843"/>
+                      </a:solidFill>
+                      <a:prstDash val="solid"/>
+                      <a:round/>
+                      <a:headEnd type="none" w="med" len="med"/>
+                      <a:tailEnd type="none" w="med" len="med"/>
+                    </a:lnR>
+                    <a:lnT w="12700" cap="flat" cmpd="sng" algn="ctr">
+                      <a:solidFill>
+                        <a:srgbClr val="678843"/>
+                      </a:solidFill>
+                      <a:prstDash val="solid"/>
+                      <a:round/>
+                      <a:headEnd type="none" w="med" len="med"/>
+                      <a:tailEnd type="none" w="med" len="med"/>
+                    </a:lnT>
+                    <a:lnB w="12700" cap="flat" cmpd="sng" algn="ctr">
+                      <a:solidFill>
+                        <a:srgbClr val="678843"/>
+                      </a:solidFill>
+                      <a:prstDash val="solid"/>
+                      <a:round/>
+                      <a:headEnd type="none" w="med" len="med"/>
+                      <a:tailEnd type="none" w="med" len="med"/>
+                    </a:lnB>
+                    <a:lnTlToBr>
+                      <a:noFill/>
+                    </a:lnTlToBr>
+                    <a:lnBlToTr>
+                      <a:noFill/>
+                    </a:lnBlToTr>
+                    <a:solidFill>
+                      <a:schemeClr val="bg2"/>
+                    </a:solidFill>
+                  </a:tcPr>
+                </a:tc>
+                <a:tc>
+                  <a:txBody>
+                    <a:bodyPr/>
+                    <a:lstStyle/>
+                    <a:p>
+                      <a:pPr marL="0" marR="0" lvl="0" indent="0" algn="l" defTabSz="914400" rtl="0" eaLnBrk="1" fontAlgn="base" latinLnBrk="0" hangingPunct="1">
+                        <a:lnSpc>
+                          <a:spcPct val="100000"/>
+                        </a:lnSpc>
+                        <a:spcBef>
+                          <a:spcPct val="0"/>
+                        </a:spcBef>
+                        <a:spcAft>
+                          <a:spcPct val="0"/>
+                        </a:spcAft>
+                        <a:buClrTx/>
+                        <a:buSzTx/>
+                        <a:buFontTx/>
+                        <a:buNone/>
+                        <a:tabLst/>
+                      </a:pPr>
+                      <a:r>
+                        <a:rPr kumimoji="0" lang="zh-CN" altLang="en-US" sz="1800" b="0" i="0" u="none" strike="noStrike" cap="none" normalizeH="0" baseline="0" dirty="0" smtClean="0">
+                          <a:ln>
+                            <a:noFill/>
+                          </a:ln>
+                          <a:solidFill>
+                            <a:schemeClr val="tx1"/>
+                          </a:solidFill>
+                          <a:effectLst/>
+                          <a:latin typeface="微软雅黑" pitchFamily="34" charset="-122"/>
+                          <a:ea typeface="微软雅黑" pitchFamily="34" charset="-122"/>
+                        </a:rPr>
+                        <a:t>让</a:t>
+                      </a:r>
+                      <a:r>
+                        <a:rPr kumimoji="0" lang="en-US" altLang="zh-CN" sz="1800" b="0" i="0" u="none" strike="noStrike" cap="none" normalizeH="0" baseline="0" dirty="0" smtClean="0">
+                          <a:ln>
+                            <a:noFill/>
+                          </a:ln>
+                          <a:solidFill>
+                            <a:schemeClr val="tx1"/>
+                          </a:solidFill>
+                          <a:effectLst/>
+                          <a:latin typeface="微软雅黑" pitchFamily="34" charset="-122"/>
+                          <a:ea typeface="微软雅黑" pitchFamily="34" charset="-122"/>
+                        </a:rPr>
+                        <a:t>163</a:t>
+                      </a:r>
+                      <a:r>
+                        <a:rPr kumimoji="0" lang="zh-CN" altLang="en-US" sz="1800" b="0" i="0" u="none" strike="noStrike" cap="none" normalizeH="0" baseline="0" dirty="0" smtClean="0">
+                          <a:ln>
+                            <a:noFill/>
+                          </a:ln>
+                          <a:solidFill>
+                            <a:schemeClr val="tx1"/>
+                          </a:solidFill>
+                          <a:effectLst/>
+                          <a:latin typeface="微软雅黑" pitchFamily="34" charset="-122"/>
+                          <a:ea typeface="微软雅黑" pitchFamily="34" charset="-122"/>
+                        </a:rPr>
+                        <a:t>邮箱系统连续运行</a:t>
+                      </a:r>
+                      <a:r>
+                        <a:rPr kumimoji="0" lang="en-US" altLang="zh-CN" sz="1800" b="0" i="0" u="none" strike="noStrike" cap="none" normalizeH="0" baseline="0" dirty="0" smtClean="0">
+                          <a:ln>
+                            <a:noFill/>
+                          </a:ln>
+                          <a:solidFill>
+                            <a:schemeClr val="tx1"/>
+                          </a:solidFill>
+                          <a:effectLst/>
+                          <a:latin typeface="微软雅黑" pitchFamily="34" charset="-122"/>
+                          <a:ea typeface="微软雅黑" pitchFamily="34" charset="-122"/>
+                        </a:rPr>
+                        <a:t>1</a:t>
+                      </a:r>
+                      <a:r>
+                        <a:rPr kumimoji="0" lang="zh-CN" altLang="en-US" sz="1800" b="0" i="0" u="none" strike="noStrike" cap="none" normalizeH="0" baseline="0" dirty="0" smtClean="0">
+                          <a:ln>
+                            <a:noFill/>
+                          </a:ln>
+                          <a:solidFill>
+                            <a:schemeClr val="tx1"/>
+                          </a:solidFill>
+                          <a:effectLst/>
+                          <a:latin typeface="微软雅黑" pitchFamily="34" charset="-122"/>
+                          <a:ea typeface="微软雅黑" pitchFamily="34" charset="-122"/>
+                        </a:rPr>
+                        <a:t>个月（可以没有用户登录）</a:t>
+                      </a:r>
+                    </a:p>
+                  </a:txBody>
+                  <a:tcPr marL="85047" marR="85047" marT="45708" marB="45708" horzOverflow="overflow">
+                    <a:lnL w="12700" cap="flat" cmpd="sng" algn="ctr">
+                      <a:solidFill>
+                        <a:srgbClr val="678843"/>
+                      </a:solidFill>
+                      <a:prstDash val="solid"/>
+                      <a:round/>
+                      <a:headEnd type="none" w="med" len="med"/>
+                      <a:tailEnd type="none" w="med" len="med"/>
+                    </a:lnL>
+                    <a:lnR w="12700" cap="flat" cmpd="sng" algn="ctr">
+                      <a:solidFill>
+                        <a:srgbClr val="678843"/>
+                      </a:solidFill>
+                      <a:prstDash val="solid"/>
+                      <a:round/>
+                      <a:headEnd type="none" w="med" len="med"/>
+                      <a:tailEnd type="none" w="med" len="med"/>
+                    </a:lnR>
+                    <a:lnT w="12700" cap="flat" cmpd="sng" algn="ctr">
+                      <a:solidFill>
+                        <a:srgbClr val="678843"/>
+                      </a:solidFill>
+                      <a:prstDash val="solid"/>
+                      <a:round/>
+                      <a:headEnd type="none" w="med" len="med"/>
+                      <a:tailEnd type="none" w="med" len="med"/>
+                    </a:lnT>
+                    <a:lnB w="12700" cap="flat" cmpd="sng" algn="ctr">
+                      <a:solidFill>
+                        <a:srgbClr val="678843"/>
+                      </a:solidFill>
+                      <a:prstDash val="solid"/>
+                      <a:round/>
+                      <a:headEnd type="none" w="med" len="med"/>
+                      <a:tailEnd type="none" w="med" len="med"/>
+                    </a:lnB>
+                    <a:lnTlToBr>
+                      <a:noFill/>
+                    </a:lnTlToBr>
+                    <a:lnBlToTr>
+                      <a:noFill/>
+                    </a:lnBlToTr>
+                    <a:solidFill>
+                      <a:schemeClr val="bg2"/>
+                    </a:solidFill>
+                  </a:tcPr>
+                </a:tc>
+                <a:tc>
+                  <a:txBody>
+                    <a:bodyPr/>
+                    <a:lstStyle/>
+                    <a:p>
+                      <a:pPr marL="0" marR="0" lvl="0" indent="0" algn="l" defTabSz="914400" rtl="0" eaLnBrk="1" fontAlgn="base" latinLnBrk="0" hangingPunct="1">
+                        <a:lnSpc>
+                          <a:spcPct val="100000"/>
+                        </a:lnSpc>
+                        <a:spcBef>
+                          <a:spcPct val="0"/>
+                        </a:spcBef>
+                        <a:spcAft>
+                          <a:spcPct val="0"/>
+                        </a:spcAft>
+                        <a:buClrTx/>
+                        <a:buSzTx/>
+                        <a:buFontTx/>
+                        <a:buNone/>
+                        <a:tabLst/>
+                      </a:pPr>
+                      <a:r>
+                        <a:rPr kumimoji="0" lang="en-US" altLang="zh-CN" sz="1800" b="0" i="0" u="none" strike="noStrike" cap="none" normalizeH="0" baseline="0" dirty="0" smtClean="0">
+                          <a:ln>
+                            <a:noFill/>
+                          </a:ln>
+                          <a:solidFill>
+                            <a:schemeClr val="tx1"/>
+                          </a:solidFill>
+                          <a:effectLst/>
+                          <a:latin typeface="微软雅黑" pitchFamily="34" charset="-122"/>
+                          <a:ea typeface="微软雅黑" pitchFamily="34" charset="-122"/>
+                        </a:rPr>
+                        <a:t>2</a:t>
+                      </a:r>
+                      <a:r>
+                        <a:rPr kumimoji="0" lang="zh-CN" altLang="en-US" sz="1800" b="0" i="0" u="none" strike="noStrike" cap="none" normalizeH="0" baseline="0" dirty="0" smtClean="0">
+                          <a:ln>
+                            <a:noFill/>
+                          </a:ln>
+                          <a:solidFill>
+                            <a:schemeClr val="tx1"/>
+                          </a:solidFill>
+                          <a:effectLst/>
+                          <a:latin typeface="微软雅黑" pitchFamily="34" charset="-122"/>
+                          <a:ea typeface="微软雅黑" pitchFamily="34" charset="-122"/>
+                        </a:rPr>
+                        <a:t>次故障的平均时间间隔（</a:t>
+                      </a:r>
+                      <a:r>
+                        <a:rPr kumimoji="0" lang="en-US" altLang="zh-CN" sz="1800" b="0" i="0" u="none" strike="noStrike" cap="none" normalizeH="0" baseline="0" dirty="0" smtClean="0">
+                          <a:ln>
+                            <a:noFill/>
+                          </a:ln>
+                          <a:solidFill>
+                            <a:schemeClr val="tx1"/>
+                          </a:solidFill>
+                          <a:effectLst/>
+                          <a:latin typeface="微软雅黑" pitchFamily="34" charset="-122"/>
+                          <a:ea typeface="微软雅黑" pitchFamily="34" charset="-122"/>
+                        </a:rPr>
+                        <a:t>MTBF</a:t>
+                      </a:r>
+                      <a:r>
+                        <a:rPr kumimoji="0" lang="zh-CN" altLang="en-US" sz="1800" b="0" i="0" u="none" strike="noStrike" cap="none" normalizeH="0" baseline="0" dirty="0" smtClean="0">
+                          <a:ln>
+                            <a:noFill/>
+                          </a:ln>
+                          <a:solidFill>
+                            <a:schemeClr val="tx1"/>
+                          </a:solidFill>
+                          <a:effectLst/>
+                          <a:latin typeface="微软雅黑" pitchFamily="34" charset="-122"/>
+                          <a:ea typeface="微软雅黑" pitchFamily="34" charset="-122"/>
+                        </a:rPr>
+                        <a:t>）</a:t>
+                      </a:r>
+                    </a:p>
+                  </a:txBody>
+                  <a:tcPr marL="85047" marR="85047" marT="45708" marB="45708" horzOverflow="overflow">
+                    <a:lnL w="12700" cap="flat" cmpd="sng" algn="ctr">
+                      <a:solidFill>
+                        <a:srgbClr val="678843"/>
+                      </a:solidFill>
+                      <a:prstDash val="solid"/>
+                      <a:round/>
+                      <a:headEnd type="none" w="med" len="med"/>
+                      <a:tailEnd type="none" w="med" len="med"/>
+                    </a:lnL>
+                    <a:lnR w="12700" cap="flat" cmpd="sng" algn="ctr">
+                      <a:solidFill>
+                        <a:srgbClr val="678843"/>
+                      </a:solidFill>
+                      <a:prstDash val="solid"/>
+                      <a:round/>
+                      <a:headEnd type="none" w="med" len="med"/>
+                      <a:tailEnd type="none" w="med" len="med"/>
+                    </a:lnR>
+                    <a:lnT w="12700" cap="flat" cmpd="sng" algn="ctr">
+                      <a:solidFill>
+                        <a:srgbClr val="678843"/>
+                      </a:solidFill>
+                      <a:prstDash val="solid"/>
+                      <a:round/>
+                      <a:headEnd type="none" w="med" len="med"/>
+                      <a:tailEnd type="none" w="med" len="med"/>
+                    </a:lnT>
+                    <a:lnB w="12700" cap="flat" cmpd="sng" algn="ctr">
+                      <a:solidFill>
+                        <a:srgbClr val="678843"/>
+                      </a:solidFill>
+                      <a:prstDash val="solid"/>
+                      <a:round/>
+                      <a:headEnd type="none" w="med" len="med"/>
+                      <a:tailEnd type="none" w="med" len="med"/>
+                    </a:lnB>
+                    <a:lnTlToBr>
+                      <a:noFill/>
+                    </a:lnTlToBr>
+                    <a:lnBlToTr>
+                      <a:noFill/>
+                    </a:lnBlToTr>
+                    <a:solidFill>
+                      <a:schemeClr val="bg2"/>
+                    </a:solidFill>
+                  </a:tcPr>
+                </a:tc>
+              </a:tr>
+              <a:tr h="1328007">
+                <a:tc>
+                  <a:txBody>
+                    <a:bodyPr/>
+                    <a:lstStyle/>
+                    <a:p>
+                      <a:pPr marL="0" marR="0" lvl="0" indent="0" algn="ctr" defTabSz="914400" rtl="0" eaLnBrk="1" fontAlgn="base" latinLnBrk="0" hangingPunct="1">
+                        <a:lnSpc>
+                          <a:spcPct val="100000"/>
+                        </a:lnSpc>
+                        <a:spcBef>
+                          <a:spcPct val="0"/>
+                        </a:spcBef>
+                        <a:spcAft>
+                          <a:spcPct val="0"/>
+                        </a:spcAft>
+                        <a:buClrTx/>
+                        <a:buSzTx/>
+                        <a:buFontTx/>
+                        <a:buNone/>
+                        <a:tabLst/>
+                      </a:pPr>
+                      <a:r>
+                        <a:rPr kumimoji="0" lang="en-US" altLang="zh-CN" sz="1800" b="0" i="0" u="none" strike="noStrike" cap="none" normalizeH="0" baseline="0" smtClean="0">
+                          <a:ln>
+                            <a:noFill/>
+                          </a:ln>
+                          <a:solidFill>
+                            <a:schemeClr val="tx1"/>
+                          </a:solidFill>
+                          <a:effectLst/>
+                          <a:latin typeface="微软雅黑" pitchFamily="34" charset="-122"/>
+                          <a:ea typeface="微软雅黑" pitchFamily="34" charset="-122"/>
+                        </a:rPr>
+                        <a:t>4</a:t>
+                      </a:r>
+                      <a:endParaRPr kumimoji="0" lang="zh-CN" altLang="en-US" sz="1800" b="0" i="0" u="none" strike="noStrike" cap="none" normalizeH="0" baseline="0" smtClean="0">
+                        <a:ln>
+                          <a:noFill/>
+                        </a:ln>
+                        <a:solidFill>
+                          <a:schemeClr val="tx1"/>
+                        </a:solidFill>
+                        <a:effectLst/>
+                        <a:latin typeface="微软雅黑" pitchFamily="34" charset="-122"/>
+                        <a:ea typeface="微软雅黑" pitchFamily="34" charset="-122"/>
+                      </a:endParaRPr>
+                    </a:p>
+                  </a:txBody>
+                  <a:tcPr marL="85047" marR="85047" marT="45708" marB="45708" horzOverflow="overflow">
+                    <a:lnL w="12700" cap="flat" cmpd="sng" algn="ctr">
+                      <a:solidFill>
+                        <a:srgbClr val="678843"/>
+                      </a:solidFill>
+                      <a:prstDash val="solid"/>
+                      <a:round/>
+                      <a:headEnd type="none" w="med" len="med"/>
+                      <a:tailEnd type="none" w="med" len="med"/>
+                    </a:lnL>
+                    <a:lnR w="12700" cap="flat" cmpd="sng" algn="ctr">
+                      <a:solidFill>
+                        <a:srgbClr val="678843"/>
+                      </a:solidFill>
+                      <a:prstDash val="solid"/>
+                      <a:round/>
+                      <a:headEnd type="none" w="med" len="med"/>
+                      <a:tailEnd type="none" w="med" len="med"/>
+                    </a:lnR>
+                    <a:lnT w="12700" cap="flat" cmpd="sng" algn="ctr">
+                      <a:solidFill>
+                        <a:srgbClr val="678843"/>
+                      </a:solidFill>
+                      <a:prstDash val="solid"/>
+                      <a:round/>
+                      <a:headEnd type="none" w="med" len="med"/>
+                      <a:tailEnd type="none" w="med" len="med"/>
+                    </a:lnT>
+                    <a:lnB w="12700" cap="flat" cmpd="sng" algn="ctr">
+                      <a:solidFill>
+                        <a:srgbClr val="678843"/>
+                      </a:solidFill>
+                      <a:prstDash val="solid"/>
+                      <a:round/>
+                      <a:headEnd type="none" w="med" len="med"/>
+                      <a:tailEnd type="none" w="med" len="med"/>
+                    </a:lnB>
+                    <a:lnTlToBr>
+                      <a:noFill/>
+                    </a:lnTlToBr>
+                    <a:lnBlToTr>
+                      <a:noFill/>
+                    </a:lnBlToTr>
+                    <a:solidFill>
+                      <a:schemeClr val="bg2"/>
+                    </a:solidFill>
+                  </a:tcPr>
+                </a:tc>
+                <a:tc>
+                  <a:txBody>
+                    <a:bodyPr/>
+                    <a:lstStyle/>
+                    <a:p>
+                      <a:pPr marL="0" marR="0" lvl="0" indent="0" algn="l" defTabSz="914400" rtl="0" eaLnBrk="1" fontAlgn="base" latinLnBrk="0" hangingPunct="1">
+                        <a:lnSpc>
+                          <a:spcPct val="100000"/>
+                        </a:lnSpc>
+                        <a:spcBef>
+                          <a:spcPct val="0"/>
+                        </a:spcBef>
+                        <a:spcAft>
+                          <a:spcPct val="0"/>
+                        </a:spcAft>
+                        <a:buClrTx/>
+                        <a:buSzTx/>
+                        <a:buFontTx/>
+                        <a:buNone/>
+                        <a:tabLst/>
+                      </a:pPr>
+                      <a:r>
+                        <a:rPr kumimoji="0" lang="zh-CN" altLang="en-US" sz="1800" b="0" i="0" u="none" strike="noStrike" cap="none" normalizeH="0" baseline="0" dirty="0" smtClean="0">
+                          <a:ln>
+                            <a:noFill/>
+                          </a:ln>
+                          <a:solidFill>
+                            <a:schemeClr val="tx1"/>
+                          </a:solidFill>
+                          <a:effectLst/>
+                          <a:latin typeface="微软雅黑" pitchFamily="34" charset="-122"/>
+                          <a:ea typeface="微软雅黑" pitchFamily="34" charset="-122"/>
+                        </a:rPr>
+                        <a:t>负载测试</a:t>
+                      </a:r>
+                    </a:p>
+                  </a:txBody>
+                  <a:tcPr marL="85047" marR="85047" marT="45708" marB="45708" horzOverflow="overflow">
+                    <a:lnL w="12700" cap="flat" cmpd="sng" algn="ctr">
+                      <a:solidFill>
+                        <a:srgbClr val="678843"/>
+                      </a:solidFill>
+                      <a:prstDash val="solid"/>
+                      <a:round/>
+                      <a:headEnd type="none" w="med" len="med"/>
+                      <a:tailEnd type="none" w="med" len="med"/>
+                    </a:lnL>
+                    <a:lnR w="12700" cap="flat" cmpd="sng" algn="ctr">
+                      <a:solidFill>
+                        <a:srgbClr val="678843"/>
+                      </a:solidFill>
+                      <a:prstDash val="solid"/>
+                      <a:round/>
+                      <a:headEnd type="none" w="med" len="med"/>
+                      <a:tailEnd type="none" w="med" len="med"/>
+                    </a:lnR>
+                    <a:lnT w="12700" cap="flat" cmpd="sng" algn="ctr">
+                      <a:solidFill>
+                        <a:srgbClr val="678843"/>
+                      </a:solidFill>
+                      <a:prstDash val="solid"/>
+                      <a:round/>
+                      <a:headEnd type="none" w="med" len="med"/>
+                      <a:tailEnd type="none" w="med" len="med"/>
+                    </a:lnT>
+                    <a:lnB w="12700" cap="flat" cmpd="sng" algn="ctr">
+                      <a:solidFill>
+                        <a:srgbClr val="678843"/>
+                      </a:solidFill>
+                      <a:prstDash val="solid"/>
+                      <a:round/>
+                      <a:headEnd type="none" w="med" len="med"/>
+                      <a:tailEnd type="none" w="med" len="med"/>
+                    </a:lnB>
+                    <a:lnTlToBr>
+                      <a:noFill/>
+                    </a:lnTlToBr>
+                    <a:lnBlToTr>
+                      <a:noFill/>
+                    </a:lnBlToTr>
+                    <a:solidFill>
+                      <a:schemeClr val="bg2"/>
+                    </a:solidFill>
+                  </a:tcPr>
+                </a:tc>
+                <a:tc>
+                  <a:txBody>
+                    <a:bodyPr/>
+                    <a:lstStyle/>
+                    <a:p>
+                      <a:pPr marL="0" marR="0" lvl="0" indent="0" algn="l" defTabSz="914400" rtl="0" eaLnBrk="1" fontAlgn="base" latinLnBrk="0" hangingPunct="1">
+                        <a:lnSpc>
+                          <a:spcPct val="100000"/>
+                        </a:lnSpc>
+                        <a:spcBef>
+                          <a:spcPct val="0"/>
+                        </a:spcBef>
+                        <a:spcAft>
+                          <a:spcPct val="0"/>
+                        </a:spcAft>
+                        <a:buClrTx/>
+                        <a:buSzTx/>
+                        <a:buFontTx/>
+                        <a:buNone/>
+                        <a:tabLst/>
+                      </a:pPr>
+                      <a:r>
+                        <a:rPr kumimoji="0" lang="zh-CN" altLang="en-US" sz="1800" b="0" i="0" u="none" strike="noStrike" cap="none" normalizeH="0" baseline="0" smtClean="0">
+                          <a:ln>
+                            <a:noFill/>
+                          </a:ln>
+                          <a:solidFill>
+                            <a:schemeClr val="tx1"/>
+                          </a:solidFill>
+                          <a:effectLst/>
+                          <a:latin typeface="微软雅黑" pitchFamily="34" charset="-122"/>
+                          <a:ea typeface="微软雅黑" pitchFamily="34" charset="-122"/>
+                        </a:rPr>
+                        <a:t>整个系统</a:t>
+                      </a:r>
+                    </a:p>
+                  </a:txBody>
+                  <a:tcPr marL="85047" marR="85047" marT="45708" marB="45708" horzOverflow="overflow">
+                    <a:lnL w="12700" cap="flat" cmpd="sng" algn="ctr">
+                      <a:solidFill>
+                        <a:srgbClr val="678843"/>
+                      </a:solidFill>
+                      <a:prstDash val="solid"/>
+                      <a:round/>
+                      <a:headEnd type="none" w="med" len="med"/>
+                      <a:tailEnd type="none" w="med" len="med"/>
+                    </a:lnL>
+                    <a:lnR w="12700" cap="flat" cmpd="sng" algn="ctr">
+                      <a:solidFill>
+                        <a:srgbClr val="678843"/>
+                      </a:solidFill>
+                      <a:prstDash val="solid"/>
+                      <a:round/>
+                      <a:headEnd type="none" w="med" len="med"/>
+                      <a:tailEnd type="none" w="med" len="med"/>
+                    </a:lnR>
+                    <a:lnT w="12700" cap="flat" cmpd="sng" algn="ctr">
+                      <a:solidFill>
+                        <a:srgbClr val="678843"/>
+                      </a:solidFill>
+                      <a:prstDash val="solid"/>
+                      <a:round/>
+                      <a:headEnd type="none" w="med" len="med"/>
+                      <a:tailEnd type="none" w="med" len="med"/>
+                    </a:lnT>
+                    <a:lnB w="12700" cap="flat" cmpd="sng" algn="ctr">
+                      <a:solidFill>
+                        <a:srgbClr val="678843"/>
+                      </a:solidFill>
+                      <a:prstDash val="solid"/>
+                      <a:round/>
+                      <a:headEnd type="none" w="med" len="med"/>
+                      <a:tailEnd type="none" w="med" len="med"/>
+                    </a:lnB>
+                    <a:lnTlToBr>
+                      <a:noFill/>
+                    </a:lnTlToBr>
+                    <a:lnBlToTr>
+                      <a:noFill/>
+                    </a:lnBlToTr>
+                    <a:solidFill>
+                      <a:schemeClr val="bg2"/>
+                    </a:solidFill>
+                  </a:tcPr>
+                </a:tc>
+                <a:tc>
+                  <a:txBody>
+                    <a:bodyPr/>
+                    <a:lstStyle/>
+                    <a:p>
+                      <a:pPr marL="0" marR="0" lvl="0" indent="0" algn="l" defTabSz="914400" rtl="0" eaLnBrk="1" fontAlgn="base" latinLnBrk="0" hangingPunct="1">
+                        <a:lnSpc>
+                          <a:spcPct val="100000"/>
+                        </a:lnSpc>
+                        <a:spcBef>
+                          <a:spcPct val="0"/>
+                        </a:spcBef>
+                        <a:spcAft>
+                          <a:spcPct val="0"/>
+                        </a:spcAft>
+                        <a:buClrTx/>
+                        <a:buSzTx/>
+                        <a:buFontTx/>
+                        <a:buNone/>
+                        <a:tabLst/>
+                      </a:pPr>
+                      <a:r>
+                        <a:rPr kumimoji="0" lang="zh-CN" altLang="en-US" sz="1800" b="0" i="0" u="none" strike="noStrike" cap="none" normalizeH="0" baseline="0" dirty="0" smtClean="0">
+                          <a:ln>
+                            <a:noFill/>
+                          </a:ln>
+                          <a:solidFill>
+                            <a:schemeClr val="tx1"/>
+                          </a:solidFill>
+                          <a:effectLst/>
+                          <a:latin typeface="微软雅黑" pitchFamily="34" charset="-122"/>
+                          <a:ea typeface="微软雅黑" pitchFamily="34" charset="-122"/>
+                        </a:rPr>
+                        <a:t>逐渐增加并发的用户数，直到达到服务器的资源消耗临界值，并在这种状态下让系统连续运行</a:t>
+                      </a:r>
+                    </a:p>
+                  </a:txBody>
+                  <a:tcPr marL="85047" marR="85047" marT="45708" marB="45708" horzOverflow="overflow">
+                    <a:lnL w="12700" cap="flat" cmpd="sng" algn="ctr">
+                      <a:solidFill>
+                        <a:srgbClr val="678843"/>
+                      </a:solidFill>
+                      <a:prstDash val="solid"/>
+                      <a:round/>
+                      <a:headEnd type="none" w="med" len="med"/>
+                      <a:tailEnd type="none" w="med" len="med"/>
+                    </a:lnL>
+                    <a:lnR w="12700" cap="flat" cmpd="sng" algn="ctr">
+                      <a:solidFill>
+                        <a:srgbClr val="678843"/>
+                      </a:solidFill>
+                      <a:prstDash val="solid"/>
+                      <a:round/>
+                      <a:headEnd type="none" w="med" len="med"/>
+                      <a:tailEnd type="none" w="med" len="med"/>
+                    </a:lnR>
+                    <a:lnT w="12700" cap="flat" cmpd="sng" algn="ctr">
+                      <a:solidFill>
+                        <a:srgbClr val="678843"/>
+                      </a:solidFill>
+                      <a:prstDash val="solid"/>
+                      <a:round/>
+                      <a:headEnd type="none" w="med" len="med"/>
+                      <a:tailEnd type="none" w="med" len="med"/>
+                    </a:lnT>
+                    <a:lnB w="12700" cap="flat" cmpd="sng" algn="ctr">
+                      <a:solidFill>
+                        <a:srgbClr val="678843"/>
+                      </a:solidFill>
+                      <a:prstDash val="solid"/>
+                      <a:round/>
+                      <a:headEnd type="none" w="med" len="med"/>
+                      <a:tailEnd type="none" w="med" len="med"/>
+                    </a:lnB>
+                    <a:lnTlToBr>
+                      <a:noFill/>
+                    </a:lnTlToBr>
+                    <a:lnBlToTr>
+                      <a:noFill/>
+                    </a:lnBlToTr>
+                    <a:solidFill>
+                      <a:schemeClr val="bg2"/>
+                    </a:solidFill>
+                  </a:tcPr>
+                </a:tc>
+                <a:tc>
+                  <a:txBody>
+                    <a:bodyPr/>
+                    <a:lstStyle/>
+                    <a:p>
+                      <a:pPr marL="0" marR="0" lvl="0" indent="0" algn="l" defTabSz="914400" rtl="0" eaLnBrk="1" fontAlgn="base" latinLnBrk="0" hangingPunct="1">
+                        <a:lnSpc>
+                          <a:spcPct val="100000"/>
+                        </a:lnSpc>
+                        <a:spcBef>
+                          <a:spcPct val="0"/>
+                        </a:spcBef>
+                        <a:spcAft>
+                          <a:spcPct val="0"/>
+                        </a:spcAft>
+                        <a:buClrTx/>
+                        <a:buSzTx/>
+                        <a:buFontTx/>
+                        <a:buNone/>
+                        <a:tabLst/>
+                      </a:pPr>
+                      <a:r>
+                        <a:rPr kumimoji="0" lang="zh-CN" altLang="en-US" sz="1800" b="0" i="0" u="none" strike="noStrike" cap="none" normalizeH="0" baseline="0" dirty="0" smtClean="0">
+                          <a:ln>
+                            <a:noFill/>
+                          </a:ln>
+                          <a:solidFill>
+                            <a:schemeClr val="tx1"/>
+                          </a:solidFill>
+                          <a:effectLst/>
+                          <a:latin typeface="微软雅黑" pitchFamily="34" charset="-122"/>
+                          <a:ea typeface="微软雅黑" pitchFamily="34" charset="-122"/>
+                        </a:rPr>
+                        <a:t>系统在满负荷的情况下运行时，</a:t>
+                      </a:r>
+                      <a:r>
+                        <a:rPr kumimoji="0" lang="en-US" altLang="zh-CN" sz="1800" b="0" i="0" u="none" strike="noStrike" cap="none" normalizeH="0" baseline="0" dirty="0" smtClean="0">
+                          <a:ln>
+                            <a:noFill/>
+                          </a:ln>
+                          <a:solidFill>
+                            <a:schemeClr val="tx1"/>
+                          </a:solidFill>
+                          <a:effectLst/>
+                          <a:latin typeface="微软雅黑" pitchFamily="34" charset="-122"/>
+                          <a:ea typeface="微软雅黑" pitchFamily="34" charset="-122"/>
+                        </a:rPr>
+                        <a:t>2</a:t>
+                      </a:r>
+                      <a:r>
+                        <a:rPr kumimoji="0" lang="zh-CN" altLang="en-US" sz="1800" b="0" i="0" u="none" strike="noStrike" cap="none" normalizeH="0" baseline="0" dirty="0" smtClean="0">
+                          <a:ln>
+                            <a:noFill/>
+                          </a:ln>
+                          <a:solidFill>
+                            <a:schemeClr val="tx1"/>
+                          </a:solidFill>
+                          <a:effectLst/>
+                          <a:latin typeface="微软雅黑" pitchFamily="34" charset="-122"/>
+                          <a:ea typeface="微软雅黑" pitchFamily="34" charset="-122"/>
+                        </a:rPr>
+                        <a:t>次故障的平均时间间隔</a:t>
+                      </a:r>
+                    </a:p>
+                  </a:txBody>
+                  <a:tcPr marL="85047" marR="85047" marT="45708" marB="45708" horzOverflow="overflow">
+                    <a:lnL w="12700" cap="flat" cmpd="sng" algn="ctr">
+                      <a:solidFill>
+                        <a:srgbClr val="678843"/>
+                      </a:solidFill>
+                      <a:prstDash val="solid"/>
+                      <a:round/>
+                      <a:headEnd type="none" w="med" len="med"/>
+                      <a:tailEnd type="none" w="med" len="med"/>
+                    </a:lnL>
+                    <a:lnR w="12700" cap="flat" cmpd="sng" algn="ctr">
+                      <a:solidFill>
+                        <a:srgbClr val="678843"/>
+                      </a:solidFill>
+                      <a:prstDash val="solid"/>
+                      <a:round/>
+                      <a:headEnd type="none" w="med" len="med"/>
+                      <a:tailEnd type="none" w="med" len="med"/>
+                    </a:lnR>
+                    <a:lnT w="12700" cap="flat" cmpd="sng" algn="ctr">
+                      <a:solidFill>
+                        <a:srgbClr val="678843"/>
+                      </a:solidFill>
+                      <a:prstDash val="solid"/>
+                      <a:round/>
+                      <a:headEnd type="none" w="med" len="med"/>
+                      <a:tailEnd type="none" w="med" len="med"/>
+                    </a:lnT>
+                    <a:lnB w="12700" cap="flat" cmpd="sng" algn="ctr">
+                      <a:solidFill>
+                        <a:srgbClr val="678843"/>
+                      </a:solidFill>
+                      <a:prstDash val="solid"/>
+                      <a:round/>
+                      <a:headEnd type="none" w="med" len="med"/>
+                      <a:tailEnd type="none" w="med" len="med"/>
+                    </a:lnB>
+                    <a:lnTlToBr>
+                      <a:noFill/>
+                    </a:lnTlToBr>
+                    <a:lnBlToTr>
+                      <a:noFill/>
+                    </a:lnBlToTr>
+                    <a:solidFill>
+                      <a:schemeClr val="bg2"/>
+                    </a:solidFill>
+                  </a:tcPr>
+                </a:tc>
+              </a:tr>
+              <a:tr h="914301">
+                <a:tc>
+                  <a:txBody>
+                    <a:bodyPr/>
+                    <a:lstStyle/>
+                    <a:p>
+                      <a:pPr marL="0" marR="0" lvl="0" indent="0" algn="ctr" defTabSz="914400" rtl="0" eaLnBrk="1" fontAlgn="base" latinLnBrk="0" hangingPunct="1">
+                        <a:lnSpc>
+                          <a:spcPct val="100000"/>
+                        </a:lnSpc>
+                        <a:spcBef>
+                          <a:spcPct val="0"/>
+                        </a:spcBef>
+                        <a:spcAft>
+                          <a:spcPct val="0"/>
+                        </a:spcAft>
+                        <a:buClrTx/>
+                        <a:buSzTx/>
+                        <a:buFontTx/>
+                        <a:buNone/>
+                        <a:tabLst/>
+                      </a:pPr>
+                      <a:r>
+                        <a:rPr kumimoji="0" lang="en-US" altLang="zh-CN" sz="1800" b="0" i="0" u="none" strike="noStrike" cap="none" normalizeH="0" baseline="0" smtClean="0">
+                          <a:ln>
+                            <a:noFill/>
+                          </a:ln>
+                          <a:solidFill>
+                            <a:schemeClr val="tx1"/>
+                          </a:solidFill>
+                          <a:effectLst/>
+                          <a:latin typeface="微软雅黑" pitchFamily="34" charset="-122"/>
+                          <a:ea typeface="微软雅黑" pitchFamily="34" charset="-122"/>
+                        </a:rPr>
+                        <a:t>5</a:t>
+                      </a:r>
+                      <a:endParaRPr kumimoji="0" lang="zh-CN" altLang="en-US" sz="1800" b="0" i="0" u="none" strike="noStrike" cap="none" normalizeH="0" baseline="0" smtClean="0">
+                        <a:ln>
+                          <a:noFill/>
+                        </a:ln>
+                        <a:solidFill>
+                          <a:schemeClr val="tx1"/>
+                        </a:solidFill>
+                        <a:effectLst/>
+                        <a:latin typeface="微软雅黑" pitchFamily="34" charset="-122"/>
+                        <a:ea typeface="微软雅黑" pitchFamily="34" charset="-122"/>
+                      </a:endParaRPr>
+                    </a:p>
+                  </a:txBody>
+                  <a:tcPr marL="85047" marR="85047" marT="45708" marB="45708" horzOverflow="overflow">
+                    <a:lnL w="12700" cap="flat" cmpd="sng" algn="ctr">
+                      <a:solidFill>
+                        <a:srgbClr val="678843"/>
+                      </a:solidFill>
+                      <a:prstDash val="solid"/>
+                      <a:round/>
+                      <a:headEnd type="none" w="med" len="med"/>
+                      <a:tailEnd type="none" w="med" len="med"/>
+                    </a:lnL>
+                    <a:lnR w="12700" cap="flat" cmpd="sng" algn="ctr">
+                      <a:solidFill>
+                        <a:srgbClr val="678843"/>
+                      </a:solidFill>
+                      <a:prstDash val="solid"/>
+                      <a:round/>
+                      <a:headEnd type="none" w="med" len="med"/>
+                      <a:tailEnd type="none" w="med" len="med"/>
+                    </a:lnR>
+                    <a:lnT w="12700" cap="flat" cmpd="sng" algn="ctr">
+                      <a:solidFill>
+                        <a:srgbClr val="678843"/>
+                      </a:solidFill>
+                      <a:prstDash val="solid"/>
+                      <a:round/>
+                      <a:headEnd type="none" w="med" len="med"/>
+                      <a:tailEnd type="none" w="med" len="med"/>
+                    </a:lnT>
+                    <a:lnB w="12700" cap="flat" cmpd="sng" algn="ctr">
+                      <a:solidFill>
+                        <a:srgbClr val="678843"/>
+                      </a:solidFill>
+                      <a:prstDash val="solid"/>
+                      <a:round/>
+                      <a:headEnd type="none" w="med" len="med"/>
+                      <a:tailEnd type="none" w="med" len="med"/>
+                    </a:lnB>
+                    <a:lnTlToBr>
+                      <a:noFill/>
+                    </a:lnTlToBr>
+                    <a:lnBlToTr>
+                      <a:noFill/>
+                    </a:lnBlToTr>
+                    <a:solidFill>
+                      <a:schemeClr val="bg2"/>
+                    </a:solidFill>
+                  </a:tcPr>
+                </a:tc>
+                <a:tc>
+                  <a:txBody>
+                    <a:bodyPr/>
+                    <a:lstStyle/>
+                    <a:p>
+                      <a:pPr marL="0" marR="0" lvl="0" indent="0" algn="l" defTabSz="914400" rtl="0" eaLnBrk="1" fontAlgn="base" latinLnBrk="0" hangingPunct="1">
+                        <a:lnSpc>
+                          <a:spcPct val="100000"/>
+                        </a:lnSpc>
+                        <a:spcBef>
+                          <a:spcPct val="0"/>
+                        </a:spcBef>
+                        <a:spcAft>
+                          <a:spcPct val="0"/>
+                        </a:spcAft>
+                        <a:buClrTx/>
+                        <a:buSzTx/>
+                        <a:buFontTx/>
+                        <a:buNone/>
+                        <a:tabLst/>
+                      </a:pPr>
+                      <a:r>
+                        <a:rPr kumimoji="0" lang="zh-CN" altLang="en-US" sz="1800" b="0" i="0" u="none" strike="noStrike" cap="none" normalizeH="0" baseline="0" dirty="0" smtClean="0">
+                          <a:ln>
+                            <a:noFill/>
+                          </a:ln>
+                          <a:solidFill>
+                            <a:schemeClr val="tx1"/>
+                          </a:solidFill>
+                          <a:effectLst/>
+                          <a:latin typeface="微软雅黑" pitchFamily="34" charset="-122"/>
+                          <a:ea typeface="微软雅黑" pitchFamily="34" charset="-122"/>
+                        </a:rPr>
+                        <a:t>压力测试</a:t>
+                      </a:r>
+                    </a:p>
+                  </a:txBody>
+                  <a:tcPr marL="85047" marR="85047" marT="45708" marB="45708" horzOverflow="overflow">
+                    <a:lnL w="12700" cap="flat" cmpd="sng" algn="ctr">
+                      <a:solidFill>
+                        <a:srgbClr val="678843"/>
+                      </a:solidFill>
+                      <a:prstDash val="solid"/>
+                      <a:round/>
+                      <a:headEnd type="none" w="med" len="med"/>
+                      <a:tailEnd type="none" w="med" len="med"/>
+                    </a:lnL>
+                    <a:lnR w="12700" cap="flat" cmpd="sng" algn="ctr">
+                      <a:solidFill>
+                        <a:srgbClr val="678843"/>
+                      </a:solidFill>
+                      <a:prstDash val="solid"/>
+                      <a:round/>
+                      <a:headEnd type="none" w="med" len="med"/>
+                      <a:tailEnd type="none" w="med" len="med"/>
+                    </a:lnR>
+                    <a:lnT w="12700" cap="flat" cmpd="sng" algn="ctr">
+                      <a:solidFill>
+                        <a:srgbClr val="678843"/>
+                      </a:solidFill>
+                      <a:prstDash val="solid"/>
+                      <a:round/>
+                      <a:headEnd type="none" w="med" len="med"/>
+                      <a:tailEnd type="none" w="med" len="med"/>
+                    </a:lnT>
+                    <a:lnB w="12700" cap="flat" cmpd="sng" algn="ctr">
+                      <a:solidFill>
+                        <a:srgbClr val="678843"/>
+                      </a:solidFill>
+                      <a:prstDash val="solid"/>
+                      <a:round/>
+                      <a:headEnd type="none" w="med" len="med"/>
+                      <a:tailEnd type="none" w="med" len="med"/>
+                    </a:lnB>
+                    <a:lnTlToBr>
+                      <a:noFill/>
+                    </a:lnTlToBr>
+                    <a:lnBlToTr>
+                      <a:noFill/>
+                    </a:lnBlToTr>
+                    <a:solidFill>
+                      <a:schemeClr val="bg2"/>
+                    </a:solidFill>
+                  </a:tcPr>
+                </a:tc>
+                <a:tc>
+                  <a:txBody>
+                    <a:bodyPr/>
+                    <a:lstStyle/>
+                    <a:p>
+                      <a:pPr marL="0" marR="0" lvl="0" indent="0" algn="l" defTabSz="914400" rtl="0" eaLnBrk="1" fontAlgn="base" latinLnBrk="0" hangingPunct="1">
+                        <a:lnSpc>
+                          <a:spcPct val="100000"/>
+                        </a:lnSpc>
+                        <a:spcBef>
+                          <a:spcPct val="0"/>
+                        </a:spcBef>
+                        <a:spcAft>
+                          <a:spcPct val="0"/>
+                        </a:spcAft>
+                        <a:buClrTx/>
+                        <a:buSzTx/>
+                        <a:buFontTx/>
+                        <a:buNone/>
+                        <a:tabLst/>
+                      </a:pPr>
+                      <a:r>
+                        <a:rPr kumimoji="0" lang="zh-CN" altLang="en-US" sz="1800" b="0" i="0" u="none" strike="noStrike" cap="none" normalizeH="0" baseline="0" dirty="0" smtClean="0">
+                          <a:ln>
+                            <a:noFill/>
+                          </a:ln>
+                          <a:solidFill>
+                            <a:schemeClr val="tx1"/>
+                          </a:solidFill>
+                          <a:effectLst/>
+                          <a:latin typeface="微软雅黑" pitchFamily="34" charset="-122"/>
+                          <a:ea typeface="微软雅黑" pitchFamily="34" charset="-122"/>
+                        </a:rPr>
+                        <a:t>登录模块</a:t>
+                      </a:r>
+                    </a:p>
+                  </a:txBody>
+                  <a:tcPr marL="85047" marR="85047" marT="45708" marB="45708" horzOverflow="overflow">
+                    <a:lnL w="12700" cap="flat" cmpd="sng" algn="ctr">
+                      <a:solidFill>
+                        <a:srgbClr val="678843"/>
+                      </a:solidFill>
+                      <a:prstDash val="solid"/>
+                      <a:round/>
+                      <a:headEnd type="none" w="med" len="med"/>
+                      <a:tailEnd type="none" w="med" len="med"/>
+                    </a:lnL>
+                    <a:lnR w="12700" cap="flat" cmpd="sng" algn="ctr">
+                      <a:solidFill>
+                        <a:srgbClr val="678843"/>
+                      </a:solidFill>
+                      <a:prstDash val="solid"/>
+                      <a:round/>
+                      <a:headEnd type="none" w="med" len="med"/>
+                      <a:tailEnd type="none" w="med" len="med"/>
+                    </a:lnR>
+                    <a:lnT w="12700" cap="flat" cmpd="sng" algn="ctr">
+                      <a:solidFill>
+                        <a:srgbClr val="678843"/>
+                      </a:solidFill>
+                      <a:prstDash val="solid"/>
+                      <a:round/>
+                      <a:headEnd type="none" w="med" len="med"/>
+                      <a:tailEnd type="none" w="med" len="med"/>
+                    </a:lnT>
+                    <a:lnB w="12700" cap="flat" cmpd="sng" algn="ctr">
+                      <a:solidFill>
+                        <a:srgbClr val="678843"/>
+                      </a:solidFill>
+                      <a:prstDash val="solid"/>
+                      <a:round/>
+                      <a:headEnd type="none" w="med" len="med"/>
+                      <a:tailEnd type="none" w="med" len="med"/>
+                    </a:lnB>
+                    <a:lnTlToBr>
+                      <a:noFill/>
+                    </a:lnTlToBr>
+                    <a:lnBlToTr>
+                      <a:noFill/>
+                    </a:lnBlToTr>
+                    <a:solidFill>
+                      <a:schemeClr val="bg2"/>
+                    </a:solidFill>
+                  </a:tcPr>
+                </a:tc>
+                <a:tc>
+                  <a:txBody>
+                    <a:bodyPr/>
+                    <a:lstStyle/>
+                    <a:p>
+                      <a:pPr marL="0" marR="0" lvl="0" indent="0" algn="l" defTabSz="914400" rtl="0" eaLnBrk="1" fontAlgn="base" latinLnBrk="0" hangingPunct="1">
+                        <a:lnSpc>
+                          <a:spcPct val="100000"/>
+                        </a:lnSpc>
+                        <a:spcBef>
+                          <a:spcPct val="0"/>
+                        </a:spcBef>
+                        <a:spcAft>
+                          <a:spcPct val="0"/>
+                        </a:spcAft>
+                        <a:buClrTx/>
+                        <a:buSzTx/>
+                        <a:buFontTx/>
+                        <a:buNone/>
+                        <a:tabLst/>
+                      </a:pPr>
+                      <a:r>
+                        <a:rPr kumimoji="0" lang="zh-CN" altLang="en-US" sz="1800" b="0" i="0" u="none" strike="noStrike" cap="none" normalizeH="0" baseline="0" smtClean="0">
+                          <a:ln>
+                            <a:noFill/>
+                          </a:ln>
+                          <a:solidFill>
+                            <a:schemeClr val="tx1"/>
+                          </a:solidFill>
+                          <a:effectLst/>
+                          <a:latin typeface="微软雅黑" pitchFamily="34" charset="-122"/>
+                          <a:ea typeface="微软雅黑" pitchFamily="34" charset="-122"/>
+                        </a:rPr>
+                        <a:t>逐渐增加登录用户的并发数，直到系统崩溃为止</a:t>
+                      </a:r>
+                    </a:p>
+                  </a:txBody>
+                  <a:tcPr marL="85047" marR="85047" marT="45708" marB="45708" horzOverflow="overflow">
+                    <a:lnL w="12700" cap="flat" cmpd="sng" algn="ctr">
+                      <a:solidFill>
+                        <a:srgbClr val="678843"/>
+                      </a:solidFill>
+                      <a:prstDash val="solid"/>
+                      <a:round/>
+                      <a:headEnd type="none" w="med" len="med"/>
+                      <a:tailEnd type="none" w="med" len="med"/>
+                    </a:lnL>
+                    <a:lnR w="12700" cap="flat" cmpd="sng" algn="ctr">
+                      <a:solidFill>
+                        <a:srgbClr val="678843"/>
+                      </a:solidFill>
+                      <a:prstDash val="solid"/>
+                      <a:round/>
+                      <a:headEnd type="none" w="med" len="med"/>
+                      <a:tailEnd type="none" w="med" len="med"/>
+                    </a:lnR>
+                    <a:lnT w="12700" cap="flat" cmpd="sng" algn="ctr">
+                      <a:solidFill>
+                        <a:srgbClr val="678843"/>
+                      </a:solidFill>
+                      <a:prstDash val="solid"/>
+                      <a:round/>
+                      <a:headEnd type="none" w="med" len="med"/>
+                      <a:tailEnd type="none" w="med" len="med"/>
+                    </a:lnT>
+                    <a:lnB w="12700" cap="flat" cmpd="sng" algn="ctr">
+                      <a:solidFill>
+                        <a:srgbClr val="678843"/>
+                      </a:solidFill>
+                      <a:prstDash val="solid"/>
+                      <a:round/>
+                      <a:headEnd type="none" w="med" len="med"/>
+                      <a:tailEnd type="none" w="med" len="med"/>
+                    </a:lnB>
+                    <a:lnTlToBr>
+                      <a:noFill/>
+                    </a:lnTlToBr>
+                    <a:lnBlToTr>
+                      <a:noFill/>
+                    </a:lnBlToTr>
+                    <a:solidFill>
+                      <a:schemeClr val="bg2"/>
+                    </a:solidFill>
+                  </a:tcPr>
+                </a:tc>
+                <a:tc>
+                  <a:txBody>
+                    <a:bodyPr/>
+                    <a:lstStyle/>
+                    <a:p>
+                      <a:pPr marL="0" marR="0" lvl="0" indent="0" algn="l" defTabSz="914400" rtl="0" eaLnBrk="1" fontAlgn="base" latinLnBrk="0" hangingPunct="1">
+                        <a:lnSpc>
+                          <a:spcPct val="100000"/>
+                        </a:lnSpc>
+                        <a:spcBef>
+                          <a:spcPct val="0"/>
+                        </a:spcBef>
+                        <a:spcAft>
+                          <a:spcPct val="0"/>
+                        </a:spcAft>
+                        <a:buClrTx/>
+                        <a:buSzTx/>
+                        <a:buFontTx/>
+                        <a:buNone/>
+                        <a:tabLst/>
+                      </a:pPr>
+                      <a:r>
+                        <a:rPr kumimoji="0" lang="zh-CN" altLang="en-US" sz="1800" b="0" i="0" u="none" strike="noStrike" cap="none" normalizeH="0" baseline="0" dirty="0" smtClean="0">
+                          <a:ln>
+                            <a:noFill/>
+                          </a:ln>
+                          <a:solidFill>
+                            <a:schemeClr val="tx1"/>
+                          </a:solidFill>
+                          <a:effectLst/>
+                          <a:latin typeface="微软雅黑" pitchFamily="34" charset="-122"/>
+                          <a:ea typeface="微软雅黑" pitchFamily="34" charset="-122"/>
+                        </a:rPr>
+                        <a:t>系统所能承受的最大并发登录用户数</a:t>
+                      </a:r>
+                    </a:p>
+                  </a:txBody>
+                  <a:tcPr marL="85047" marR="85047" marT="45708" marB="45708" horzOverflow="overflow">
+                    <a:lnL w="12700" cap="flat" cmpd="sng" algn="ctr">
+                      <a:solidFill>
+                        <a:srgbClr val="678843"/>
+                      </a:solidFill>
+                      <a:prstDash val="solid"/>
+                      <a:round/>
+                      <a:headEnd type="none" w="med" len="med"/>
+                      <a:tailEnd type="none" w="med" len="med"/>
+                    </a:lnL>
+                    <a:lnR w="12700" cap="flat" cmpd="sng" algn="ctr">
+                      <a:solidFill>
+                        <a:srgbClr val="678843"/>
+                      </a:solidFill>
+                      <a:prstDash val="solid"/>
+                      <a:round/>
+                      <a:headEnd type="none" w="med" len="med"/>
+                      <a:tailEnd type="none" w="med" len="med"/>
+                    </a:lnR>
+                    <a:lnT w="12700" cap="flat" cmpd="sng" algn="ctr">
+                      <a:solidFill>
+                        <a:srgbClr val="678843"/>
+                      </a:solidFill>
+                      <a:prstDash val="solid"/>
+                      <a:round/>
+                      <a:headEnd type="none" w="med" len="med"/>
+                      <a:tailEnd type="none" w="med" len="med"/>
+                    </a:lnT>
+                    <a:lnB w="12700" cap="flat" cmpd="sng" algn="ctr">
+                      <a:solidFill>
+                        <a:srgbClr val="678843"/>
+                      </a:solidFill>
+                      <a:prstDash val="solid"/>
+                      <a:round/>
+                      <a:headEnd type="none" w="med" len="med"/>
+                      <a:tailEnd type="none" w="med" len="med"/>
+                    </a:lnB>
+                    <a:lnTlToBr>
+                      <a:noFill/>
+                    </a:lnTlToBr>
+                    <a:lnBlToTr>
+                      <a:noFill/>
+                    </a:lnBlToTr>
+                    <a:solidFill>
+                      <a:schemeClr val="bg2"/>
+                    </a:solidFill>
+                  </a:tcPr>
+                </a:tc>
+              </a:tr>
+            </a:tbl>
+          </a:graphicData>
+        </a:graphic>
+      </p:graphicFrame>
+      <p:sp>
+        <p:nvSpPr>
+          <p:cNvPr id="4" name="Rectangle 2"/>
           <p:cNvSpPr txBox="1">
-            <a:spLocks noGrp="1" noChangeArrowheads="1"/>
+            <a:spLocks noChangeArrowheads="1"/>
           </p:cNvSpPr>
           <p:nvPr/>
         </p:nvSpPr>
         <p:spPr bwMode="auto">
           <a:xfrm>
-            <a:off x="6553200" y="6245225"/>
-            <a:ext cx="1981200" cy="476250"/>
+            <a:off x="574675" y="-171400"/>
+            <a:ext cx="8001000" cy="1216025"/>
           </a:xfrm>
           <a:prstGeom prst="rect">
             <a:avLst/>
@@ -12088,108 +14968,143 @@
           </a:extLst>
         </p:spPr>
         <p:txBody>
-          <a:bodyPr/>
+          <a:bodyPr vert="horz" wrap="square" lIns="91440" tIns="45720" rIns="91440" bIns="45720" numCol="1" anchor="b" anchorCtr="0" compatLnSpc="1">
+            <a:prstTxWarp prst="textNoShape">
+              <a:avLst/>
+            </a:prstTxWarp>
+          </a:bodyPr>
           <a:lstStyle>
-            <a:lvl1pPr eaLnBrk="0" hangingPunct="0">
-              <a:defRPr>
-                <a:solidFill>
-                  <a:schemeClr val="tx1"/>
-                </a:solidFill>
-                <a:latin typeface="Verdana" pitchFamily="34" charset="0"/>
-                <a:ea typeface="宋体" pitchFamily="2" charset="-122"/>
-              </a:defRPr>
-            </a:lvl1pPr>
-            <a:lvl2pPr marL="742950" indent="-285750" eaLnBrk="0" hangingPunct="0">
-              <a:defRPr>
-                <a:solidFill>
-                  <a:schemeClr val="tx1"/>
-                </a:solidFill>
-                <a:latin typeface="Verdana" pitchFamily="34" charset="0"/>
-                <a:ea typeface="宋体" pitchFamily="2" charset="-122"/>
-              </a:defRPr>
-            </a:lvl2pPr>
-            <a:lvl3pPr marL="1143000" indent="-228600" eaLnBrk="0" hangingPunct="0">
-              <a:defRPr>
-                <a:solidFill>
-                  <a:schemeClr val="tx1"/>
-                </a:solidFill>
-                <a:latin typeface="Verdana" pitchFamily="34" charset="0"/>
-                <a:ea typeface="宋体" pitchFamily="2" charset="-122"/>
-              </a:defRPr>
-            </a:lvl3pPr>
-            <a:lvl4pPr marL="1600200" indent="-228600" eaLnBrk="0" hangingPunct="0">
-              <a:defRPr>
-                <a:solidFill>
-                  <a:schemeClr val="tx1"/>
-                </a:solidFill>
-                <a:latin typeface="Verdana" pitchFamily="34" charset="0"/>
-                <a:ea typeface="宋体" pitchFamily="2" charset="-122"/>
-              </a:defRPr>
-            </a:lvl4pPr>
-            <a:lvl5pPr marL="2057400" indent="-228600" eaLnBrk="0" hangingPunct="0">
-              <a:defRPr>
-                <a:solidFill>
-                  <a:schemeClr val="tx1"/>
-                </a:solidFill>
-                <a:latin typeface="Verdana" pitchFamily="34" charset="0"/>
-                <a:ea typeface="宋体" pitchFamily="2" charset="-122"/>
-              </a:defRPr>
-            </a:lvl5pPr>
-            <a:lvl6pPr marL="2514600" indent="-228600" eaLnBrk="0" fontAlgn="base" hangingPunct="0">
+            <a:lvl1pPr algn="l" rtl="0" eaLnBrk="0" fontAlgn="base" hangingPunct="0">
               <a:spcBef>
                 <a:spcPct val="0"/>
               </a:spcBef>
               <a:spcAft>
                 <a:spcPct val="0"/>
               </a:spcAft>
-              <a:defRPr>
-                <a:solidFill>
-                  <a:schemeClr val="tx1"/>
-                </a:solidFill>
-                <a:latin typeface="Verdana" pitchFamily="34" charset="0"/>
-                <a:ea typeface="宋体" pitchFamily="2" charset="-122"/>
-              </a:defRPr>
-            </a:lvl6pPr>
-            <a:lvl7pPr marL="2971800" indent="-228600" eaLnBrk="0" fontAlgn="base" hangingPunct="0">
+              <a:defRPr sz="3800">
+                <a:solidFill>
+                  <a:schemeClr val="tx2"/>
+                </a:solidFill>
+                <a:latin typeface="+mj-lt"/>
+                <a:ea typeface="+mj-ea"/>
+                <a:cs typeface="+mj-cs"/>
+              </a:defRPr>
+            </a:lvl1pPr>
+            <a:lvl2pPr algn="l" rtl="0" eaLnBrk="0" fontAlgn="base" hangingPunct="0">
               <a:spcBef>
                 <a:spcPct val="0"/>
               </a:spcBef>
               <a:spcAft>
                 <a:spcPct val="0"/>
               </a:spcAft>
-              <a:defRPr>
-                <a:solidFill>
-                  <a:schemeClr val="tx1"/>
-                </a:solidFill>
-                <a:latin typeface="Verdana" pitchFamily="34" charset="0"/>
-                <a:ea typeface="宋体" pitchFamily="2" charset="-122"/>
-              </a:defRPr>
-            </a:lvl7pPr>
-            <a:lvl8pPr marL="3429000" indent="-228600" eaLnBrk="0" fontAlgn="base" hangingPunct="0">
+              <a:defRPr sz="3800">
+                <a:solidFill>
+                  <a:schemeClr val="tx2"/>
+                </a:solidFill>
+                <a:latin typeface="Verdana" pitchFamily="34" charset="0"/>
+                <a:ea typeface="宋体" pitchFamily="2" charset="-122"/>
+              </a:defRPr>
+            </a:lvl2pPr>
+            <a:lvl3pPr algn="l" rtl="0" eaLnBrk="0" fontAlgn="base" hangingPunct="0">
               <a:spcBef>
                 <a:spcPct val="0"/>
               </a:spcBef>
               <a:spcAft>
                 <a:spcPct val="0"/>
               </a:spcAft>
-              <a:defRPr>
-                <a:solidFill>
-                  <a:schemeClr val="tx1"/>
-                </a:solidFill>
-                <a:latin typeface="Verdana" pitchFamily="34" charset="0"/>
-                <a:ea typeface="宋体" pitchFamily="2" charset="-122"/>
-              </a:defRPr>
-            </a:lvl8pPr>
-            <a:lvl9pPr marL="3886200" indent="-228600" eaLnBrk="0" fontAlgn="base" hangingPunct="0">
+              <a:defRPr sz="3800">
+                <a:solidFill>
+                  <a:schemeClr val="tx2"/>
+                </a:solidFill>
+                <a:latin typeface="Verdana" pitchFamily="34" charset="0"/>
+                <a:ea typeface="宋体" pitchFamily="2" charset="-122"/>
+              </a:defRPr>
+            </a:lvl3pPr>
+            <a:lvl4pPr algn="l" rtl="0" eaLnBrk="0" fontAlgn="base" hangingPunct="0">
               <a:spcBef>
                 <a:spcPct val="0"/>
               </a:spcBef>
               <a:spcAft>
                 <a:spcPct val="0"/>
               </a:spcAft>
-              <a:defRPr>
-                <a:solidFill>
-                  <a:schemeClr val="tx1"/>
+              <a:defRPr sz="3800">
+                <a:solidFill>
+                  <a:schemeClr val="tx2"/>
+                </a:solidFill>
+                <a:latin typeface="Verdana" pitchFamily="34" charset="0"/>
+                <a:ea typeface="宋体" pitchFamily="2" charset="-122"/>
+              </a:defRPr>
+            </a:lvl4pPr>
+            <a:lvl5pPr algn="l" rtl="0" eaLnBrk="0" fontAlgn="base" hangingPunct="0">
+              <a:spcBef>
+                <a:spcPct val="0"/>
+              </a:spcBef>
+              <a:spcAft>
+                <a:spcPct val="0"/>
+              </a:spcAft>
+              <a:defRPr sz="3800">
+                <a:solidFill>
+                  <a:schemeClr val="tx2"/>
+                </a:solidFill>
+                <a:latin typeface="Verdana" pitchFamily="34" charset="0"/>
+                <a:ea typeface="宋体" pitchFamily="2" charset="-122"/>
+              </a:defRPr>
+            </a:lvl5pPr>
+            <a:lvl6pPr marL="457200" algn="l" rtl="0" eaLnBrk="0" fontAlgn="base" hangingPunct="0">
+              <a:spcBef>
+                <a:spcPct val="0"/>
+              </a:spcBef>
+              <a:spcAft>
+                <a:spcPct val="0"/>
+              </a:spcAft>
+              <a:defRPr sz="3800">
+                <a:solidFill>
+                  <a:schemeClr val="tx2"/>
+                </a:solidFill>
+                <a:latin typeface="Verdana" pitchFamily="34" charset="0"/>
+                <a:ea typeface="宋体" pitchFamily="2" charset="-122"/>
+              </a:defRPr>
+            </a:lvl6pPr>
+            <a:lvl7pPr marL="914400" algn="l" rtl="0" eaLnBrk="0" fontAlgn="base" hangingPunct="0">
+              <a:spcBef>
+                <a:spcPct val="0"/>
+              </a:spcBef>
+              <a:spcAft>
+                <a:spcPct val="0"/>
+              </a:spcAft>
+              <a:defRPr sz="3800">
+                <a:solidFill>
+                  <a:schemeClr val="tx2"/>
+                </a:solidFill>
+                <a:latin typeface="Verdana" pitchFamily="34" charset="0"/>
+                <a:ea typeface="宋体" pitchFamily="2" charset="-122"/>
+              </a:defRPr>
+            </a:lvl7pPr>
+            <a:lvl8pPr marL="1371600" algn="l" rtl="0" eaLnBrk="0" fontAlgn="base" hangingPunct="0">
+              <a:spcBef>
+                <a:spcPct val="0"/>
+              </a:spcBef>
+              <a:spcAft>
+                <a:spcPct val="0"/>
+              </a:spcAft>
+              <a:defRPr sz="3800">
+                <a:solidFill>
+                  <a:schemeClr val="tx2"/>
+                </a:solidFill>
+                <a:latin typeface="Verdana" pitchFamily="34" charset="0"/>
+                <a:ea typeface="宋体" pitchFamily="2" charset="-122"/>
+              </a:defRPr>
+            </a:lvl8pPr>
+            <a:lvl9pPr marL="1828800" algn="l" rtl="0" eaLnBrk="0" fontAlgn="base" hangingPunct="0">
+              <a:spcBef>
+                <a:spcPct val="0"/>
+              </a:spcBef>
+              <a:spcAft>
+                <a:spcPct val="0"/>
+              </a:spcAft>
+              <a:defRPr sz="3800">
+                <a:solidFill>
+                  <a:schemeClr val="tx2"/>
                 </a:solidFill>
                 <a:latin typeface="Verdana" pitchFamily="34" charset="0"/>
                 <a:ea typeface="宋体" pitchFamily="2" charset="-122"/>
@@ -12197,94 +15112,41 @@
             </a:lvl9pPr>
           </a:lstStyle>
           <a:p>
-            <a:pPr algn="r" eaLnBrk="1" hangingPunct="1"/>
-            <a:fld id="{72469BD1-73EF-4EA1-A7D7-A4824F99CC8C}" type="slidenum">
-              <a:rPr lang="en-US" sz="1200"/>
-              <a:pPr algn="r" eaLnBrk="1" hangingPunct="1"/>
-              <a:t>24</a:t>
-            </a:fld>
-            <a:endParaRPr lang="en-US" sz="1200"/>
-          </a:p>
-        </p:txBody>
-      </p:sp>
-      <p:sp>
-        <p:nvSpPr>
-          <p:cNvPr id="27651" name="Rectangle 2"/>
-          <p:cNvSpPr>
-            <a:spLocks noGrp="1" noChangeArrowheads="1"/>
-          </p:cNvSpPr>
-          <p:nvPr>
-            <p:ph type="title" idx="4294967295"/>
-          </p:nvPr>
-        </p:nvSpPr>
-        <p:spPr/>
-        <p:txBody>
-          <a:bodyPr/>
-          <a:lstStyle/>
-          <a:p>
             <a:pPr eaLnBrk="1" hangingPunct="1"/>
             <a:r>
-              <a:rPr lang="en-US" b="1">
+              <a:rPr lang="en-US" b="1" dirty="0" smtClean="0">
                 <a:latin typeface="黑体" pitchFamily="49" charset="-122"/>
                 <a:ea typeface="黑体" pitchFamily="49" charset="-122"/>
               </a:rPr>
-              <a:t>9.4 </a:t>
-            </a:r>
-            <a:r>
-              <a:rPr lang="zh-CN" b="1">
+              <a:t>9.3 </a:t>
+            </a:r>
+            <a:r>
+              <a:rPr lang="zh-CN" b="1" dirty="0" smtClean="0">
                 <a:latin typeface="黑体" pitchFamily="49" charset="-122"/>
                 <a:ea typeface="黑体" pitchFamily="49" charset="-122"/>
               </a:rPr>
-              <a:t>安全性测试</a:t>
-            </a:r>
-          </a:p>
-        </p:txBody>
-      </p:sp>
-      <p:sp>
-        <p:nvSpPr>
-          <p:cNvPr id="27652" name="Rectangle 3"/>
-          <p:cNvSpPr>
-            <a:spLocks noGrp="1" noChangeArrowheads="1"/>
-          </p:cNvSpPr>
-          <p:nvPr>
-            <p:ph type="body" idx="4294967295"/>
-          </p:nvPr>
-        </p:nvSpPr>
-        <p:spPr/>
-        <p:txBody>
-          <a:bodyPr/>
-          <a:lstStyle/>
-          <a:p>
-            <a:pPr eaLnBrk="1" hangingPunct="1"/>
-            <a:r>
-              <a:rPr lang="zh-CN" sz="3400" b="1"/>
-              <a:t>安全性是指“使得伤害或损害的风险限制在可接受的水平内”</a:t>
-            </a:r>
-            <a:endParaRPr lang="en-US" sz="3400" b="1"/>
-          </a:p>
-          <a:p>
-            <a:pPr eaLnBrk="1" hangingPunct="1"/>
-            <a:r>
-              <a:rPr lang="zh-CN" sz="3400" b="1"/>
-              <a:t>安全性测试</a:t>
-            </a:r>
-            <a:r>
-              <a:rPr lang="en-US" sz="3400" b="1"/>
-              <a:t>(Security Testing)</a:t>
-            </a:r>
-            <a:r>
-              <a:rPr lang="zh-CN" sz="3400" b="1"/>
-              <a:t>用于检验系统对非法侵入的防范能力</a:t>
-            </a:r>
+              <a:t>性能测试</a:t>
+            </a:r>
+            <a:endParaRPr lang="zh-CN" b="1" dirty="0">
+              <a:latin typeface="黑体" pitchFamily="49" charset="-122"/>
+              <a:ea typeface="黑体" pitchFamily="49" charset="-122"/>
+            </a:endParaRPr>
           </a:p>
         </p:txBody>
       </p:sp>
     </p:spTree>
+    <p:extLst>
+      <p:ext uri="{BB962C8B-B14F-4D97-AF65-F5344CB8AC3E}">
+        <p14:creationId xmlns:p14="http://schemas.microsoft.com/office/powerpoint/2010/main" val="1773755143"/>
+      </p:ext>
+    </p:extLst>
   </p:cSld>
   <p:clrMapOvr>
     <a:masterClrMapping/>
   </p:clrMapOvr>
-  <p:transition/>
+  <p:transition>
+    <p:blinds dir="vert"/>
+  </p:transition>
 </p:sld>
 </file>
 
@@ -12307,7 +15169,7 @@
       </p:grpSpPr>
       <p:sp>
         <p:nvSpPr>
-          <p:cNvPr id="28674" name="灯片编号占位符 5"/>
+          <p:cNvPr id="27650" name="灯片编号占位符 5"/>
           <p:cNvSpPr txBox="1">
             <a:spLocks noGrp="1" noChangeArrowheads="1"/>
           </p:cNvSpPr>
@@ -12456,7 +15318,7 @@
           </a:lstStyle>
           <a:p>
             <a:pPr algn="r" eaLnBrk="1" hangingPunct="1"/>
-            <a:fld id="{C3077690-A883-4FB3-B036-616B26D14818}" type="slidenum">
+            <a:fld id="{72469BD1-73EF-4EA1-A7D7-A4824F99CC8C}" type="slidenum">
               <a:rPr lang="en-US" sz="1200"/>
               <a:pPr algn="r" eaLnBrk="1" hangingPunct="1"/>
               <a:t>25</a:t>
@@ -12467,7 +15329,7 @@
       </p:sp>
       <p:sp>
         <p:nvSpPr>
-          <p:cNvPr id="28675" name="Rectangle 2"/>
+          <p:cNvPr id="27651" name="Rectangle 2"/>
           <p:cNvSpPr>
             <a:spLocks noGrp="1" noChangeArrowheads="1"/>
           </p:cNvSpPr>
@@ -12500,7 +15362,7 @@
       </p:sp>
       <p:sp>
         <p:nvSpPr>
-          <p:cNvPr id="28676" name="Rectangle 3"/>
+          <p:cNvPr id="27652" name="Rectangle 3"/>
           <p:cNvSpPr>
             <a:spLocks noGrp="1" noChangeArrowheads="1"/>
           </p:cNvSpPr>
@@ -12513,85 +15375,27 @@
           <a:bodyPr/>
           <a:lstStyle/>
           <a:p>
-            <a:pPr algn="just" eaLnBrk="1" hangingPunct="1"/>
+            <a:pPr eaLnBrk="1" hangingPunct="1"/>
             <a:r>
               <a:rPr lang="zh-CN" sz="3400" b="1"/>
-              <a:t>基于安全性测试的内容</a:t>
+              <a:t>安全性是指“使得伤害或损害的风险限制在可接受的水平内”</a:t>
             </a:r>
             <a:endParaRPr lang="en-US" sz="3400" b="1"/>
           </a:p>
           <a:p>
-            <a:pPr lvl="1" algn="just" eaLnBrk="1" hangingPunct="1"/>
-            <a:r>
-              <a:rPr lang="zh-CN" b="1"/>
-              <a:t>资源：即业务功能或数据</a:t>
-            </a:r>
-            <a:endParaRPr lang="en-US" b="1"/>
-          </a:p>
-          <a:p>
-            <a:pPr lvl="1" algn="just" eaLnBrk="1" hangingPunct="1"/>
-            <a:r>
-              <a:rPr lang="zh-CN" b="1"/>
-              <a:t>风险：可能导致损失或伤害的事件</a:t>
-            </a:r>
-            <a:endParaRPr lang="en-US" b="1"/>
-          </a:p>
-          <a:p>
-            <a:pPr lvl="1" algn="just" eaLnBrk="1" hangingPunct="1"/>
-            <a:r>
-              <a:rPr lang="zh-CN" b="1"/>
-              <a:t>安全性控制：针对风险的保护措施</a:t>
-            </a:r>
-          </a:p>
-        </p:txBody>
-      </p:sp>
-      <p:sp>
-        <p:nvSpPr>
-          <p:cNvPr id="28678" name="Rectangle 6"/>
-          <p:cNvSpPr>
-            <a:spLocks noChangeArrowheads="1"/>
-          </p:cNvSpPr>
-          <p:nvPr/>
-        </p:nvSpPr>
-        <p:spPr bwMode="auto">
-          <a:xfrm>
-            <a:off x="0" y="2476500"/>
-            <a:ext cx="9144000" cy="0"/>
-          </a:xfrm>
-          <a:prstGeom prst="rect">
-            <a:avLst/>
-          </a:prstGeom>
-          <a:noFill/>
-          <a:ln>
-            <a:noFill/>
-          </a:ln>
-          <a:extLst>
-            <a:ext uri="{909E8E84-426E-40DD-AFC4-6F175D3DCCD1}">
-              <a14:hiddenFill xmlns:a14="http://schemas.microsoft.com/office/drawing/2010/main">
-                <a:solidFill>
-                  <a:srgbClr val="FFFFFF"/>
-                </a:solidFill>
-              </a14:hiddenFill>
-            </a:ext>
-            <a:ext uri="{91240B29-F687-4F45-9708-019B960494DF}">
-              <a14:hiddenLine xmlns:a14="http://schemas.microsoft.com/office/drawing/2010/main" w="9525">
-                <a:solidFill>
-                  <a:srgbClr val="000000"/>
-                </a:solidFill>
-                <a:miter lim="800000"/>
-                <a:headEnd/>
-                <a:tailEnd/>
-              </a14:hiddenLine>
-            </a:ext>
-          </a:extLst>
-        </p:spPr>
-        <p:txBody>
-          <a:bodyPr wrap="none" anchor="ctr">
-            <a:spAutoFit/>
-          </a:bodyPr>
-          <a:lstStyle/>
-          <a:p>
-            <a:endParaRPr lang="zh-CN"/>
+            <a:pPr eaLnBrk="1" hangingPunct="1"/>
+            <a:r>
+              <a:rPr lang="zh-CN" sz="3400" b="1"/>
+              <a:t>安全性测试</a:t>
+            </a:r>
+            <a:r>
+              <a:rPr lang="en-US" sz="3400" b="1"/>
+              <a:t>(Security Testing)</a:t>
+            </a:r>
+            <a:r>
+              <a:rPr lang="zh-CN" sz="3400" b="1"/>
+              <a:t>用于检验系统对非法侵入的防范能力</a:t>
+            </a:r>
           </a:p>
         </p:txBody>
       </p:sp>
@@ -12623,7 +15427,7 @@
       </p:grpSpPr>
       <p:sp>
         <p:nvSpPr>
-          <p:cNvPr id="29698" name="灯片编号占位符 5"/>
+          <p:cNvPr id="28674" name="灯片编号占位符 5"/>
           <p:cNvSpPr txBox="1">
             <a:spLocks noGrp="1" noChangeArrowheads="1"/>
           </p:cNvSpPr>
@@ -12772,7 +15576,7 @@
           </a:lstStyle>
           <a:p>
             <a:pPr algn="r" eaLnBrk="1" hangingPunct="1"/>
-            <a:fld id="{4E10036B-1690-4A9C-80F9-E530D1ADAA8A}" type="slidenum">
+            <a:fld id="{C3077690-A883-4FB3-B036-616B26D14818}" type="slidenum">
               <a:rPr lang="en-US" sz="1200"/>
               <a:pPr algn="r" eaLnBrk="1" hangingPunct="1"/>
               <a:t>26</a:t>
@@ -12783,7 +15587,7 @@
       </p:sp>
       <p:sp>
         <p:nvSpPr>
-          <p:cNvPr id="29699" name="Rectangle 2"/>
+          <p:cNvPr id="28675" name="Rectangle 2"/>
           <p:cNvSpPr>
             <a:spLocks noGrp="1" noChangeArrowheads="1"/>
           </p:cNvSpPr>
@@ -12816,7 +15620,7 @@
       </p:sp>
       <p:sp>
         <p:nvSpPr>
-          <p:cNvPr id="29700" name="Rectangle 3"/>
+          <p:cNvPr id="28676" name="Rectangle 3"/>
           <p:cNvSpPr>
             <a:spLocks noGrp="1" noChangeArrowheads="1"/>
           </p:cNvSpPr>
@@ -12832,7 +15636,7 @@
             <a:pPr algn="just" eaLnBrk="1" hangingPunct="1"/>
             <a:r>
               <a:rPr lang="zh-CN" sz="3400" b="1"/>
-              <a:t>安全性测试方法</a:t>
+              <a:t>基于安全性测试的内容</a:t>
             </a:r>
             <a:endParaRPr lang="en-US" sz="3400" b="1"/>
           </a:p>
@@ -12840,42 +15644,30 @@
             <a:pPr lvl="1" algn="just" eaLnBrk="1" hangingPunct="1"/>
             <a:r>
               <a:rPr lang="zh-CN" b="1"/>
-              <a:t>功能</a:t>
-            </a:r>
-            <a:r>
-              <a:rPr lang="zh-CN" sz="2400" b="1"/>
-              <a:t>验证：对涉及安全的软件功能，如权限管理、系统加密和认证等进行测试，验证这些功能是否有效</a:t>
-            </a:r>
-            <a:endParaRPr lang="en-US" sz="2400" b="1"/>
+              <a:t>资源：即业务功能或数据</a:t>
+            </a:r>
+            <a:endParaRPr lang="en-US" b="1"/>
           </a:p>
           <a:p>
             <a:pPr lvl="1" algn="just" eaLnBrk="1" hangingPunct="1"/>
             <a:r>
-              <a:rPr lang="zh-CN" sz="2400" b="1"/>
-              <a:t>程序数据扫描：通过内存测试发现诸如缓冲区溢出之类的漏洞</a:t>
-            </a:r>
-            <a:endParaRPr lang="en-US" sz="2400" b="1"/>
+              <a:rPr lang="zh-CN" b="1"/>
+              <a:t>风险：可能导致损失或伤害的事件</a:t>
+            </a:r>
+            <a:endParaRPr lang="en-US" b="1"/>
           </a:p>
           <a:p>
             <a:pPr lvl="1" algn="just" eaLnBrk="1" hangingPunct="1"/>
             <a:r>
-              <a:rPr lang="zh-CN" sz="2400" b="1"/>
-              <a:t>静态测试：对源代码进行安全扫描，找出代码中的潜在安全漏洞</a:t>
-            </a:r>
-            <a:endParaRPr lang="en-US" sz="2400" b="1"/>
-          </a:p>
-          <a:p>
-            <a:pPr lvl="1" algn="just" eaLnBrk="1" hangingPunct="1"/>
-            <a:r>
-              <a:rPr lang="zh-CN" sz="2400" b="1"/>
-              <a:t>动态测试：以人工方式或通过使用自动化工具模拟黑客对应用系统进行攻击性测试，找出运行时所存在的安全漏洞</a:t>
-            </a:r>
-          </a:p>
-        </p:txBody>
-      </p:sp>
-      <p:sp>
-        <p:nvSpPr>
-          <p:cNvPr id="29702" name="Rectangle 6"/>
+              <a:rPr lang="zh-CN" b="1"/>
+              <a:t>安全性控制：针对风险的保护措施</a:t>
+            </a:r>
+          </a:p>
+        </p:txBody>
+      </p:sp>
+      <p:sp>
+        <p:nvSpPr>
+          <p:cNvPr id="28678" name="Rectangle 6"/>
           <p:cNvSpPr>
             <a:spLocks noChangeArrowheads="1"/>
           </p:cNvSpPr>
@@ -12951,7 +15743,7 @@
       </p:grpSpPr>
       <p:sp>
         <p:nvSpPr>
-          <p:cNvPr id="30722" name="灯片编号占位符 5"/>
+          <p:cNvPr id="29698" name="灯片编号占位符 5"/>
           <p:cNvSpPr txBox="1">
             <a:spLocks noGrp="1" noChangeArrowheads="1"/>
           </p:cNvSpPr>
@@ -13100,7 +15892,7 @@
           </a:lstStyle>
           <a:p>
             <a:pPr algn="r" eaLnBrk="1" hangingPunct="1"/>
-            <a:fld id="{568B2CC7-639F-46B0-B7DA-0894148F2060}" type="slidenum">
+            <a:fld id="{4E10036B-1690-4A9C-80F9-E530D1ADAA8A}" type="slidenum">
               <a:rPr lang="en-US" sz="1200"/>
               <a:pPr algn="r" eaLnBrk="1" hangingPunct="1"/>
               <a:t>27</a:t>
@@ -13111,7 +15903,7 @@
       </p:sp>
       <p:sp>
         <p:nvSpPr>
-          <p:cNvPr id="30723" name="Rectangle 2"/>
+          <p:cNvPr id="29699" name="Rectangle 2"/>
           <p:cNvSpPr>
             <a:spLocks noGrp="1" noChangeArrowheads="1"/>
           </p:cNvSpPr>
@@ -13130,21 +15922,21 @@
                 <a:latin typeface="黑体" pitchFamily="49" charset="-122"/>
                 <a:ea typeface="黑体" pitchFamily="49" charset="-122"/>
               </a:rPr>
-              <a:t>9.5 </a:t>
+              <a:t>9.4 </a:t>
             </a:r>
             <a:r>
               <a:rPr lang="zh-CN" b="1">
                 <a:latin typeface="黑体" pitchFamily="49" charset="-122"/>
                 <a:ea typeface="黑体" pitchFamily="49" charset="-122"/>
               </a:rPr>
-              <a:t>兼容性测试</a:t>
-            </a:r>
-          </a:p>
-        </p:txBody>
-      </p:sp>
-      <p:sp>
-        <p:nvSpPr>
-          <p:cNvPr id="30724" name="Rectangle 3"/>
+              <a:t>安全性测试</a:t>
+            </a:r>
+          </a:p>
+        </p:txBody>
+      </p:sp>
+      <p:sp>
+        <p:nvSpPr>
+          <p:cNvPr id="29700" name="Rectangle 3"/>
           <p:cNvSpPr>
             <a:spLocks noGrp="1" noChangeArrowheads="1"/>
           </p:cNvSpPr>
@@ -13160,30 +15952,50 @@
             <a:pPr algn="just" eaLnBrk="1" hangingPunct="1"/>
             <a:r>
               <a:rPr lang="zh-CN" sz="3400" b="1"/>
-              <a:t>兼容性测试</a:t>
-            </a:r>
-            <a:r>
-              <a:rPr lang="en-US" sz="3400" b="1"/>
-              <a:t>(Capability Testing)</a:t>
-            </a:r>
-            <a:r>
-              <a:rPr lang="zh-CN" sz="3400" b="1"/>
-              <a:t>就是检验被测软件与其他软、硬件相互是否能够正确交互和实现信息共享</a:t>
+              <a:t>安全性测试方法</a:t>
             </a:r>
             <a:endParaRPr lang="en-US" sz="3400" b="1"/>
           </a:p>
           <a:p>
-            <a:pPr algn="just" eaLnBrk="1" hangingPunct="1"/>
-            <a:r>
-              <a:rPr lang="zh-CN" sz="3400" b="1"/>
-              <a:t>这种交互可能不限于在同一台计算机上运行，而是通过网络与异地的不同计算机上运行的软件进行的交互</a:t>
-            </a:r>
-          </a:p>
-        </p:txBody>
-      </p:sp>
-      <p:sp>
-        <p:nvSpPr>
-          <p:cNvPr id="30726" name="Rectangle 6"/>
+            <a:pPr lvl="1" algn="just" eaLnBrk="1" hangingPunct="1"/>
+            <a:r>
+              <a:rPr lang="zh-CN" b="1"/>
+              <a:t>功能</a:t>
+            </a:r>
+            <a:r>
+              <a:rPr lang="zh-CN" sz="2400" b="1"/>
+              <a:t>验证：对涉及安全的软件功能，如权限管理、系统加密和认证等进行测试，验证这些功能是否有效</a:t>
+            </a:r>
+            <a:endParaRPr lang="en-US" sz="2400" b="1"/>
+          </a:p>
+          <a:p>
+            <a:pPr lvl="1" algn="just" eaLnBrk="1" hangingPunct="1"/>
+            <a:r>
+              <a:rPr lang="zh-CN" sz="2400" b="1"/>
+              <a:t>程序数据扫描：通过内存测试发现诸如缓冲区溢出之类的漏洞</a:t>
+            </a:r>
+            <a:endParaRPr lang="en-US" sz="2400" b="1"/>
+          </a:p>
+          <a:p>
+            <a:pPr lvl="1" algn="just" eaLnBrk="1" hangingPunct="1"/>
+            <a:r>
+              <a:rPr lang="zh-CN" sz="2400" b="1"/>
+              <a:t>静态测试：对源代码进行安全扫描，找出代码中的潜在安全漏洞</a:t>
+            </a:r>
+            <a:endParaRPr lang="en-US" sz="2400" b="1"/>
+          </a:p>
+          <a:p>
+            <a:pPr lvl="1" algn="just" eaLnBrk="1" hangingPunct="1"/>
+            <a:r>
+              <a:rPr lang="zh-CN" sz="2400" b="1"/>
+              <a:t>动态测试：以人工方式或通过使用自动化工具模拟黑客对应用系统进行攻击性测试，找出运行时所存在的安全漏洞</a:t>
+            </a:r>
+          </a:p>
+        </p:txBody>
+      </p:sp>
+      <p:sp>
+        <p:nvSpPr>
+          <p:cNvPr id="29702" name="Rectangle 6"/>
           <p:cNvSpPr>
             <a:spLocks noChangeArrowheads="1"/>
           </p:cNvSpPr>
@@ -13259,7 +16071,7 @@
       </p:grpSpPr>
       <p:sp>
         <p:nvSpPr>
-          <p:cNvPr id="31746" name="灯片编号占位符 5"/>
+          <p:cNvPr id="30722" name="灯片编号占位符 5"/>
           <p:cNvSpPr txBox="1">
             <a:spLocks noGrp="1" noChangeArrowheads="1"/>
           </p:cNvSpPr>
@@ -13408,7 +16220,7 @@
           </a:lstStyle>
           <a:p>
             <a:pPr algn="r" eaLnBrk="1" hangingPunct="1"/>
-            <a:fld id="{45E5E28B-40AC-4086-86F7-F0E5CF186618}" type="slidenum">
+            <a:fld id="{568B2CC7-639F-46B0-B7DA-0894148F2060}" type="slidenum">
               <a:rPr lang="en-US" sz="1200"/>
               <a:pPr algn="r" eaLnBrk="1" hangingPunct="1"/>
               <a:t>28</a:t>
@@ -13419,7 +16231,7 @@
       </p:sp>
       <p:sp>
         <p:nvSpPr>
-          <p:cNvPr id="31747" name="Rectangle 2"/>
+          <p:cNvPr id="30723" name="Rectangle 2"/>
           <p:cNvSpPr>
             <a:spLocks noGrp="1" noChangeArrowheads="1"/>
           </p:cNvSpPr>
@@ -13452,7 +16264,7 @@
       </p:sp>
       <p:sp>
         <p:nvSpPr>
-          <p:cNvPr id="31748" name="Rectangle 3"/>
+          <p:cNvPr id="30724" name="Rectangle 3"/>
           <p:cNvSpPr>
             <a:spLocks noGrp="1" noChangeArrowheads="1"/>
           </p:cNvSpPr>
@@ -13468,70 +16280,30 @@
             <a:pPr algn="just" eaLnBrk="1" hangingPunct="1"/>
             <a:r>
               <a:rPr lang="zh-CN" sz="3400" b="1"/>
-              <a:t>与硬件的兼容性测试</a:t>
+              <a:t>兼容性测试</a:t>
+            </a:r>
+            <a:r>
+              <a:rPr lang="en-US" sz="3400" b="1"/>
+              <a:t>(Capability Testing)</a:t>
+            </a:r>
+            <a:r>
+              <a:rPr lang="zh-CN" sz="3400" b="1"/>
+              <a:t>就是检验被测软件与其他软、硬件相互是否能够正确交互和实现信息共享</a:t>
             </a:r>
             <a:endParaRPr lang="en-US" sz="3400" b="1"/>
           </a:p>
           <a:p>
-            <a:pPr lvl="1" algn="just" eaLnBrk="1" hangingPunct="1"/>
-            <a:r>
-              <a:rPr lang="zh-CN" b="1"/>
-              <a:t>确定所需的硬件类型</a:t>
-            </a:r>
-            <a:endParaRPr lang="en-US" b="1"/>
-          </a:p>
-          <a:p>
-            <a:pPr lvl="1" algn="just" eaLnBrk="1" hangingPunct="1"/>
-            <a:r>
-              <a:rPr lang="zh-CN" b="1"/>
-              <a:t>确定可用的硬件型号和驱动程序</a:t>
-            </a:r>
-            <a:endParaRPr lang="en-US" b="1"/>
-          </a:p>
-          <a:p>
-            <a:pPr lvl="1" algn="just" eaLnBrk="1" hangingPunct="1"/>
-            <a:r>
-              <a:rPr lang="zh-CN" b="1"/>
-              <a:t>确定可能的硬件特性、模式和选项</a:t>
-            </a:r>
-            <a:endParaRPr lang="en-US" b="1"/>
-          </a:p>
-          <a:p>
-            <a:pPr lvl="1" algn="just" eaLnBrk="1" hangingPunct="1"/>
-            <a:r>
-              <a:rPr lang="zh-CN" b="1"/>
-              <a:t>将明确后的硬件配置缩减到可控范围内</a:t>
-            </a:r>
-            <a:endParaRPr lang="en-US" b="1"/>
-          </a:p>
-          <a:p>
-            <a:pPr lvl="1" algn="just" eaLnBrk="1" hangingPunct="1"/>
-            <a:r>
-              <a:rPr lang="zh-CN" b="1"/>
-              <a:t>明确使用硬件配置的软件唯一特性</a:t>
-            </a:r>
-            <a:endParaRPr lang="en-US" b="1"/>
-          </a:p>
-          <a:p>
-            <a:pPr lvl="1" algn="just" eaLnBrk="1" hangingPunct="1"/>
-            <a:r>
-              <a:rPr lang="zh-CN" b="1"/>
-              <a:t>为每种硬件配置设计并执行测试用例</a:t>
-            </a:r>
-            <a:endParaRPr lang="en-US" b="1"/>
-          </a:p>
-          <a:p>
-            <a:pPr lvl="1" algn="just" eaLnBrk="1" hangingPunct="1"/>
-            <a:r>
-              <a:rPr lang="zh-CN" b="1"/>
-              <a:t>重复配置测试直至达到规定的标准</a:t>
-            </a:r>
-          </a:p>
-        </p:txBody>
-      </p:sp>
-      <p:sp>
-        <p:nvSpPr>
-          <p:cNvPr id="31750" name="Rectangle 6"/>
+            <a:pPr algn="just" eaLnBrk="1" hangingPunct="1"/>
+            <a:r>
+              <a:rPr lang="zh-CN" sz="3400" b="1"/>
+              <a:t>这种交互可能不限于在同一台计算机上运行，而是通过网络与异地的不同计算机上运行的软件进行的交互</a:t>
+            </a:r>
+          </a:p>
+        </p:txBody>
+      </p:sp>
+      <p:sp>
+        <p:nvSpPr>
+          <p:cNvPr id="30726" name="Rectangle 6"/>
           <p:cNvSpPr>
             <a:spLocks noChangeArrowheads="1"/>
           </p:cNvSpPr>
@@ -13607,7 +16379,7 @@
       </p:grpSpPr>
       <p:sp>
         <p:nvSpPr>
-          <p:cNvPr id="32770" name="灯片编号占位符 5"/>
+          <p:cNvPr id="31746" name="灯片编号占位符 5"/>
           <p:cNvSpPr txBox="1">
             <a:spLocks noGrp="1" noChangeArrowheads="1"/>
           </p:cNvSpPr>
@@ -13756,7 +16528,7 @@
           </a:lstStyle>
           <a:p>
             <a:pPr algn="r" eaLnBrk="1" hangingPunct="1"/>
-            <a:fld id="{241E77F4-8017-48C1-9A95-E05E9B7BE677}" type="slidenum">
+            <a:fld id="{45E5E28B-40AC-4086-86F7-F0E5CF186618}" type="slidenum">
               <a:rPr lang="en-US" sz="1200"/>
               <a:pPr algn="r" eaLnBrk="1" hangingPunct="1"/>
               <a:t>29</a:t>
@@ -13767,7 +16539,7 @@
       </p:sp>
       <p:sp>
         <p:nvSpPr>
-          <p:cNvPr id="32771" name="Rectangle 2"/>
+          <p:cNvPr id="31747" name="Rectangle 2"/>
           <p:cNvSpPr>
             <a:spLocks noGrp="1" noChangeArrowheads="1"/>
           </p:cNvSpPr>
@@ -13800,7 +16572,7 @@
       </p:sp>
       <p:sp>
         <p:nvSpPr>
-          <p:cNvPr id="32772" name="Rectangle 3"/>
+          <p:cNvPr id="31748" name="Rectangle 3"/>
           <p:cNvSpPr>
             <a:spLocks noGrp="1" noChangeArrowheads="1"/>
           </p:cNvSpPr>
@@ -13816,7 +16588,7 @@
             <a:pPr algn="just" eaLnBrk="1" hangingPunct="1"/>
             <a:r>
               <a:rPr lang="zh-CN" sz="3400" b="1"/>
-              <a:t>与其他软件平台和应用程序的兼容性测试</a:t>
+              <a:t>与硬件的兼容性测试</a:t>
             </a:r>
             <a:endParaRPr lang="en-US" sz="3400" b="1"/>
           </a:p>
@@ -13824,7 +16596,7 @@
             <a:pPr lvl="1" algn="just" eaLnBrk="1" hangingPunct="1"/>
             <a:r>
               <a:rPr lang="zh-CN" b="1"/>
-              <a:t>向前和向后兼容</a:t>
+              <a:t>确定所需的硬件类型</a:t>
             </a:r>
             <a:endParaRPr lang="en-US" b="1"/>
           </a:p>
@@ -13832,15 +16604,54 @@
             <a:pPr lvl="1" algn="just" eaLnBrk="1" hangingPunct="1"/>
             <a:r>
               <a:rPr lang="zh-CN" b="1"/>
-              <a:t>多个应用程序的测试</a:t>
-            </a:r>
-            <a:endParaRPr lang="zh-CN" sz="3400" b="1"/>
-          </a:p>
-        </p:txBody>
-      </p:sp>
-      <p:sp>
-        <p:nvSpPr>
-          <p:cNvPr id="32774" name="Rectangle 6"/>
+              <a:t>确定可用的硬件型号和驱动程序</a:t>
+            </a:r>
+            <a:endParaRPr lang="en-US" b="1"/>
+          </a:p>
+          <a:p>
+            <a:pPr lvl="1" algn="just" eaLnBrk="1" hangingPunct="1"/>
+            <a:r>
+              <a:rPr lang="zh-CN" b="1"/>
+              <a:t>确定可能的硬件特性、模式和选项</a:t>
+            </a:r>
+            <a:endParaRPr lang="en-US" b="1"/>
+          </a:p>
+          <a:p>
+            <a:pPr lvl="1" algn="just" eaLnBrk="1" hangingPunct="1"/>
+            <a:r>
+              <a:rPr lang="zh-CN" b="1"/>
+              <a:t>将明确后的硬件配置缩减到可控范围内</a:t>
+            </a:r>
+            <a:endParaRPr lang="en-US" b="1"/>
+          </a:p>
+          <a:p>
+            <a:pPr lvl="1" algn="just" eaLnBrk="1" hangingPunct="1"/>
+            <a:r>
+              <a:rPr lang="zh-CN" b="1"/>
+              <a:t>明确使用硬件配置的软件唯一特性</a:t>
+            </a:r>
+            <a:endParaRPr lang="en-US" b="1"/>
+          </a:p>
+          <a:p>
+            <a:pPr lvl="1" algn="just" eaLnBrk="1" hangingPunct="1"/>
+            <a:r>
+              <a:rPr lang="zh-CN" b="1"/>
+              <a:t>为每种硬件配置设计并执行测试用例</a:t>
+            </a:r>
+            <a:endParaRPr lang="en-US" b="1"/>
+          </a:p>
+          <a:p>
+            <a:pPr lvl="1" algn="just" eaLnBrk="1" hangingPunct="1"/>
+            <a:r>
+              <a:rPr lang="zh-CN" b="1"/>
+              <a:t>重复配置测试直至达到规定的标准</a:t>
+            </a:r>
+          </a:p>
+        </p:txBody>
+      </p:sp>
+      <p:sp>
+        <p:nvSpPr>
+          <p:cNvPr id="31750" name="Rectangle 6"/>
           <p:cNvSpPr>
             <a:spLocks noChangeArrowheads="1"/>
           </p:cNvSpPr>
@@ -14236,7 +17047,7 @@
       </p:grpSpPr>
       <p:sp>
         <p:nvSpPr>
-          <p:cNvPr id="33794" name="灯片编号占位符 5"/>
+          <p:cNvPr id="32770" name="灯片编号占位符 5"/>
           <p:cNvSpPr txBox="1">
             <a:spLocks noGrp="1" noChangeArrowheads="1"/>
           </p:cNvSpPr>
@@ -14385,7 +17196,7 @@
           </a:lstStyle>
           <a:p>
             <a:pPr algn="r" eaLnBrk="1" hangingPunct="1"/>
-            <a:fld id="{90FE8704-8E4B-4527-BEF9-7EBA6DF4F471}" type="slidenum">
+            <a:fld id="{241E77F4-8017-48C1-9A95-E05E9B7BE677}" type="slidenum">
               <a:rPr lang="en-US" sz="1200"/>
               <a:pPr algn="r" eaLnBrk="1" hangingPunct="1"/>
               <a:t>30</a:t>
@@ -14396,7 +17207,7 @@
       </p:sp>
       <p:sp>
         <p:nvSpPr>
-          <p:cNvPr id="33795" name="Rectangle 2"/>
+          <p:cNvPr id="32771" name="Rectangle 2"/>
           <p:cNvSpPr>
             <a:spLocks noGrp="1" noChangeArrowheads="1"/>
           </p:cNvSpPr>
@@ -14429,7 +17240,7 @@
       </p:sp>
       <p:sp>
         <p:nvSpPr>
-          <p:cNvPr id="33796" name="Rectangle 3"/>
+          <p:cNvPr id="32772" name="Rectangle 3"/>
           <p:cNvSpPr>
             <a:spLocks noGrp="1" noChangeArrowheads="1"/>
           </p:cNvSpPr>
@@ -14445,68 +17256,23 @@
             <a:pPr algn="just" eaLnBrk="1" hangingPunct="1"/>
             <a:r>
               <a:rPr lang="zh-CN" sz="3400" b="1"/>
-              <a:t>数据共享的兼容性测试</a:t>
+              <a:t>与其他软件平台和应用程序的兼容性测试</a:t>
             </a:r>
             <a:endParaRPr lang="en-US" sz="3400" b="1"/>
           </a:p>
           <a:p>
-            <a:pPr lvl="1"/>
+            <a:pPr lvl="1" algn="just" eaLnBrk="1" hangingPunct="1"/>
             <a:r>
               <a:rPr lang="zh-CN" b="1"/>
-              <a:t>文件应能正常保存和读取数据，包括从硬盘、</a:t>
-            </a:r>
-            <a:r>
-              <a:rPr lang="en-US" b="1"/>
-              <a:t>U</a:t>
-            </a:r>
+              <a:t>向前和向后兼容</a:t>
+            </a:r>
+            <a:endParaRPr lang="en-US" b="1"/>
+          </a:p>
+          <a:p>
+            <a:pPr lvl="1" algn="just" eaLnBrk="1" hangingPunct="1"/>
             <a:r>
               <a:rPr lang="zh-CN" b="1"/>
-              <a:t>盘等各种存储介质读取和存入</a:t>
-            </a:r>
-          </a:p>
-          <a:p>
-            <a:pPr lvl="1"/>
-            <a:r>
-              <a:rPr lang="zh-CN" b="1"/>
-              <a:t>文件应能正确导入和导出，包括</a:t>
-            </a:r>
-            <a:r>
-              <a:rPr lang="en-US" b="1"/>
-              <a:t>Word</a:t>
-            </a:r>
-            <a:r>
-              <a:rPr lang="zh-CN" b="1"/>
-              <a:t>、</a:t>
-            </a:r>
-            <a:r>
-              <a:rPr lang="en-US" b="1"/>
-              <a:t>Pdf</a:t>
-            </a:r>
-            <a:r>
-              <a:rPr lang="zh-CN" b="1"/>
-              <a:t>、</a:t>
-            </a:r>
-            <a:r>
-              <a:rPr lang="en-US" b="1"/>
-              <a:t>XML</a:t>
-            </a:r>
-            <a:r>
-              <a:rPr lang="zh-CN" b="1"/>
-              <a:t>等多种用户要求的格式</a:t>
-            </a:r>
-          </a:p>
-          <a:p>
-            <a:pPr lvl="1"/>
-            <a:r>
-              <a:rPr lang="zh-CN" b="1"/>
-              <a:t>能支持剪切、复制及粘贴操作</a:t>
-            </a:r>
-          </a:p>
-          <a:p>
-            <a:pPr lvl="1"/>
-            <a:r>
-              <a:rPr lang="zh-CN" b="1"/>
-              <a:t>支持软件不同版本间的数据转换</a:t>
+              <a:t>多个应用程序的测试</a:t>
             </a:r>
             <a:endParaRPr lang="zh-CN" sz="3400" b="1"/>
           </a:p>
@@ -14514,7 +17280,7 @@
       </p:sp>
       <p:sp>
         <p:nvSpPr>
-          <p:cNvPr id="33798" name="Rectangle 6"/>
+          <p:cNvPr id="32774" name="Rectangle 6"/>
           <p:cNvSpPr>
             <a:spLocks noChangeArrowheads="1"/>
           </p:cNvSpPr>
@@ -14590,7 +17356,7 @@
       </p:grpSpPr>
       <p:sp>
         <p:nvSpPr>
-          <p:cNvPr id="34818" name="灯片编号占位符 5"/>
+          <p:cNvPr id="33794" name="灯片编号占位符 5"/>
           <p:cNvSpPr txBox="1">
             <a:spLocks noGrp="1" noChangeArrowheads="1"/>
           </p:cNvSpPr>
@@ -14739,7 +17505,7 @@
           </a:lstStyle>
           <a:p>
             <a:pPr algn="r" eaLnBrk="1" hangingPunct="1"/>
-            <a:fld id="{104772B3-3BE6-42B9-9EDF-F9EFF9C651C5}" type="slidenum">
+            <a:fld id="{90FE8704-8E4B-4527-BEF9-7EBA6DF4F471}" type="slidenum">
               <a:rPr lang="en-US" sz="1200"/>
               <a:pPr algn="r" eaLnBrk="1" hangingPunct="1"/>
               <a:t>31</a:t>
@@ -14750,7 +17516,7 @@
       </p:sp>
       <p:sp>
         <p:nvSpPr>
-          <p:cNvPr id="34819" name="Rectangle 2"/>
+          <p:cNvPr id="33795" name="Rectangle 2"/>
           <p:cNvSpPr>
             <a:spLocks noGrp="1" noChangeArrowheads="1"/>
           </p:cNvSpPr>
@@ -14769,21 +17535,21 @@
                 <a:latin typeface="黑体" pitchFamily="49" charset="-122"/>
                 <a:ea typeface="黑体" pitchFamily="49" charset="-122"/>
               </a:rPr>
-              <a:t>9.6 </a:t>
+              <a:t>9.5 </a:t>
             </a:r>
             <a:r>
               <a:rPr lang="zh-CN" b="1">
                 <a:latin typeface="黑体" pitchFamily="49" charset="-122"/>
                 <a:ea typeface="黑体" pitchFamily="49" charset="-122"/>
               </a:rPr>
-              <a:t>用户界面测试</a:t>
-            </a:r>
-          </a:p>
-        </p:txBody>
-      </p:sp>
-      <p:sp>
-        <p:nvSpPr>
-          <p:cNvPr id="34820" name="Rectangle 3"/>
+              <a:t>兼容性测试</a:t>
+            </a:r>
+          </a:p>
+        </p:txBody>
+      </p:sp>
+      <p:sp>
+        <p:nvSpPr>
+          <p:cNvPr id="33796" name="Rectangle 3"/>
           <p:cNvSpPr>
             <a:spLocks noGrp="1" noChangeArrowheads="1"/>
           </p:cNvSpPr>
@@ -14799,22 +17565,76 @@
             <a:pPr algn="just" eaLnBrk="1" hangingPunct="1"/>
             <a:r>
               <a:rPr lang="zh-CN" sz="3400" b="1"/>
-              <a:t>用户界面</a:t>
-            </a:r>
-            <a:r>
-              <a:rPr lang="en-US" sz="3400" b="1"/>
-              <a:t>(User Interface)</a:t>
-            </a:r>
-            <a:r>
-              <a:rPr lang="zh-CN" sz="3400" b="1"/>
-              <a:t>是指提供给用户用于与软件进行交互的方式，即提供用户输入和系统输出</a:t>
-            </a:r>
-          </a:p>
-        </p:txBody>
-      </p:sp>
-      <p:sp>
-        <p:nvSpPr>
-          <p:cNvPr id="34822" name="Rectangle 6"/>
+              <a:t>数据共享的兼容性测试</a:t>
+            </a:r>
+            <a:endParaRPr lang="en-US" sz="3400" b="1"/>
+          </a:p>
+          <a:p>
+            <a:pPr lvl="1"/>
+            <a:r>
+              <a:rPr lang="zh-CN" b="1"/>
+              <a:t>文件应能正常保存和读取数据，包括从硬盘、</a:t>
+            </a:r>
+            <a:r>
+              <a:rPr lang="en-US" b="1"/>
+              <a:t>U</a:t>
+            </a:r>
+            <a:r>
+              <a:rPr lang="zh-CN" b="1"/>
+              <a:t>盘等各种存储介质读取和存入</a:t>
+            </a:r>
+          </a:p>
+          <a:p>
+            <a:pPr lvl="1"/>
+            <a:r>
+              <a:rPr lang="zh-CN" b="1"/>
+              <a:t>文件应能正确导入和导出，包括</a:t>
+            </a:r>
+            <a:r>
+              <a:rPr lang="en-US" b="1"/>
+              <a:t>Word</a:t>
+            </a:r>
+            <a:r>
+              <a:rPr lang="zh-CN" b="1"/>
+              <a:t>、</a:t>
+            </a:r>
+            <a:r>
+              <a:rPr lang="en-US" b="1"/>
+              <a:t>Pdf</a:t>
+            </a:r>
+            <a:r>
+              <a:rPr lang="zh-CN" b="1"/>
+              <a:t>、</a:t>
+            </a:r>
+            <a:r>
+              <a:rPr lang="en-US" b="1"/>
+              <a:t>XML</a:t>
+            </a:r>
+            <a:r>
+              <a:rPr lang="zh-CN" b="1"/>
+              <a:t>等多种用户要求的格式</a:t>
+            </a:r>
+          </a:p>
+          <a:p>
+            <a:pPr lvl="1"/>
+            <a:r>
+              <a:rPr lang="zh-CN" b="1"/>
+              <a:t>能支持剪切、复制及粘贴操作</a:t>
+            </a:r>
+          </a:p>
+          <a:p>
+            <a:pPr lvl="1"/>
+            <a:r>
+              <a:rPr lang="zh-CN" b="1"/>
+              <a:t>支持软件不同版本间的数据转换</a:t>
+            </a:r>
+            <a:endParaRPr lang="zh-CN" sz="3400" b="1"/>
+          </a:p>
+        </p:txBody>
+      </p:sp>
+      <p:sp>
+        <p:nvSpPr>
+          <p:cNvPr id="33798" name="Rectangle 6"/>
           <p:cNvSpPr>
             <a:spLocks noChangeArrowheads="1"/>
           </p:cNvSpPr>
@@ -14890,7 +17710,7 @@
       </p:grpSpPr>
       <p:sp>
         <p:nvSpPr>
-          <p:cNvPr id="35842" name="灯片编号占位符 5"/>
+          <p:cNvPr id="34818" name="灯片编号占位符 5"/>
           <p:cNvSpPr txBox="1">
             <a:spLocks noGrp="1" noChangeArrowheads="1"/>
           </p:cNvSpPr>
@@ -15039,7 +17859,7 @@
           </a:lstStyle>
           <a:p>
             <a:pPr algn="r" eaLnBrk="1" hangingPunct="1"/>
-            <a:fld id="{029BA7E3-F4EC-409C-98F1-EAB4C37D43F9}" type="slidenum">
+            <a:fld id="{104772B3-3BE6-42B9-9EDF-F9EFF9C651C5}" type="slidenum">
               <a:rPr lang="en-US" sz="1200"/>
               <a:pPr algn="r" eaLnBrk="1" hangingPunct="1"/>
               <a:t>32</a:t>
@@ -15050,7 +17870,7 @@
       </p:sp>
       <p:sp>
         <p:nvSpPr>
-          <p:cNvPr id="35843" name="Rectangle 2"/>
+          <p:cNvPr id="34819" name="Rectangle 2"/>
           <p:cNvSpPr>
             <a:spLocks noGrp="1" noChangeArrowheads="1"/>
           </p:cNvSpPr>
@@ -15083,7 +17903,7 @@
       </p:sp>
       <p:sp>
         <p:nvSpPr>
-          <p:cNvPr id="35844" name="Rectangle 3"/>
+          <p:cNvPr id="34820" name="Rectangle 3"/>
           <p:cNvSpPr>
             <a:spLocks noGrp="1" noChangeArrowheads="1"/>
           </p:cNvSpPr>
@@ -15099,54 +17919,22 @@
             <a:pPr algn="just" eaLnBrk="1" hangingPunct="1"/>
             <a:r>
               <a:rPr lang="zh-CN" sz="3400" b="1"/>
-              <a:t>优秀用户界面的基本构成标准</a:t>
-            </a:r>
-            <a:endParaRPr lang="en-US" sz="3400" b="1"/>
-          </a:p>
-          <a:p>
-            <a:pPr lvl="1" algn="just" eaLnBrk="1" hangingPunct="1"/>
-            <a:r>
-              <a:rPr lang="zh-CN" b="1"/>
-              <a:t>规范化</a:t>
-            </a:r>
-            <a:endParaRPr lang="en-US" b="1"/>
-          </a:p>
-          <a:p>
-            <a:pPr lvl="1" algn="just" eaLnBrk="1" hangingPunct="1"/>
-            <a:r>
-              <a:rPr lang="zh-CN" b="1"/>
-              <a:t>灵活性</a:t>
-            </a:r>
-            <a:endParaRPr lang="en-US" b="1"/>
-          </a:p>
-          <a:p>
-            <a:pPr lvl="1" algn="just" eaLnBrk="1" hangingPunct="1"/>
-            <a:r>
-              <a:rPr lang="zh-CN" b="1"/>
-              <a:t>正确性</a:t>
-            </a:r>
-            <a:endParaRPr lang="en-US" b="1"/>
-          </a:p>
-          <a:p>
-            <a:pPr lvl="1" algn="just" eaLnBrk="1" hangingPunct="1"/>
-            <a:r>
-              <a:rPr lang="zh-CN" b="1"/>
-              <a:t>直观性</a:t>
-            </a:r>
-            <a:endParaRPr lang="en-US" b="1"/>
-          </a:p>
-          <a:p>
-            <a:pPr lvl="1" algn="just" eaLnBrk="1" hangingPunct="1"/>
-            <a:r>
-              <a:rPr lang="zh-CN" b="1"/>
-              <a:t>舒适性</a:t>
-            </a:r>
-          </a:p>
-        </p:txBody>
-      </p:sp>
-      <p:sp>
-        <p:nvSpPr>
-          <p:cNvPr id="35846" name="Rectangle 6"/>
+              <a:t>用户界面</a:t>
+            </a:r>
+            <a:r>
+              <a:rPr lang="en-US" sz="3400" b="1"/>
+              <a:t>(User Interface)</a:t>
+            </a:r>
+            <a:r>
+              <a:rPr lang="zh-CN" sz="3400" b="1"/>
+              <a:t>是指提供给用户用于与软件进行交互的方式，即提供用户输入和系统输出</a:t>
+            </a:r>
+          </a:p>
+        </p:txBody>
+      </p:sp>
+      <p:sp>
+        <p:nvSpPr>
+          <p:cNvPr id="34822" name="Rectangle 6"/>
           <p:cNvSpPr>
             <a:spLocks noChangeArrowheads="1"/>
           </p:cNvSpPr>
@@ -15222,7 +18010,7 @@
       </p:grpSpPr>
       <p:sp>
         <p:nvSpPr>
-          <p:cNvPr id="36866" name="灯片编号占位符 5"/>
+          <p:cNvPr id="35842" name="灯片编号占位符 5"/>
           <p:cNvSpPr txBox="1">
             <a:spLocks noGrp="1" noChangeArrowheads="1"/>
           </p:cNvSpPr>
@@ -15371,7 +18159,7 @@
           </a:lstStyle>
           <a:p>
             <a:pPr algn="r" eaLnBrk="1" hangingPunct="1"/>
-            <a:fld id="{CBAC26DE-514B-40B7-9B75-C426648099C7}" type="slidenum">
+            <a:fld id="{029BA7E3-F4EC-409C-98F1-EAB4C37D43F9}" type="slidenum">
               <a:rPr lang="en-US" sz="1200"/>
               <a:pPr algn="r" eaLnBrk="1" hangingPunct="1"/>
               <a:t>33</a:t>
@@ -15382,7 +18170,7 @@
       </p:sp>
       <p:sp>
         <p:nvSpPr>
-          <p:cNvPr id="36867" name="Rectangle 2"/>
+          <p:cNvPr id="35843" name="Rectangle 2"/>
           <p:cNvSpPr>
             <a:spLocks noGrp="1" noChangeArrowheads="1"/>
           </p:cNvSpPr>
@@ -15415,7 +18203,7 @@
       </p:sp>
       <p:sp>
         <p:nvSpPr>
-          <p:cNvPr id="36868" name="Rectangle 3"/>
+          <p:cNvPr id="35844" name="Rectangle 3"/>
           <p:cNvSpPr>
             <a:spLocks noGrp="1" noChangeArrowheads="1"/>
           </p:cNvSpPr>
@@ -15431,7 +18219,7 @@
             <a:pPr algn="just" eaLnBrk="1" hangingPunct="1"/>
             <a:r>
               <a:rPr lang="zh-CN" sz="3400" b="1"/>
-              <a:t>优秀用户界面的基本构成标准（续）</a:t>
+              <a:t>优秀用户界面的基本构成标准</a:t>
             </a:r>
             <a:endParaRPr lang="en-US" sz="3400" b="1"/>
           </a:p>
@@ -15439,7 +18227,7 @@
             <a:pPr lvl="1" algn="just" eaLnBrk="1" hangingPunct="1"/>
             <a:r>
               <a:rPr lang="zh-CN" b="1"/>
-              <a:t>实用性</a:t>
+              <a:t>规范化</a:t>
             </a:r>
             <a:endParaRPr lang="en-US" b="1"/>
           </a:p>
@@ -15447,7 +18235,7 @@
             <a:pPr lvl="1" algn="just" eaLnBrk="1" hangingPunct="1"/>
             <a:r>
               <a:rPr lang="zh-CN" b="1"/>
-              <a:t>一致性</a:t>
+              <a:t>灵活性</a:t>
             </a:r>
             <a:endParaRPr lang="en-US" b="1"/>
           </a:p>
@@ -15455,7 +18243,7 @@
             <a:pPr lvl="1" algn="just" eaLnBrk="1" hangingPunct="1"/>
             <a:r>
               <a:rPr lang="zh-CN" b="1"/>
-              <a:t>帮助</a:t>
+              <a:t>正确性</a:t>
             </a:r>
             <a:endParaRPr lang="en-US" b="1"/>
           </a:p>
@@ -15463,7 +18251,7 @@
             <a:pPr lvl="1" algn="just" eaLnBrk="1" hangingPunct="1"/>
             <a:r>
               <a:rPr lang="zh-CN" b="1"/>
-              <a:t>独特性</a:t>
+              <a:t>直观性</a:t>
             </a:r>
             <a:endParaRPr lang="en-US" b="1"/>
           </a:p>
@@ -15471,14 +18259,14 @@
             <a:pPr lvl="1" algn="just" eaLnBrk="1" hangingPunct="1"/>
             <a:r>
               <a:rPr lang="zh-CN" b="1"/>
-              <a:t>多窗口应用与系统资源</a:t>
-            </a:r>
-          </a:p>
-        </p:txBody>
-      </p:sp>
-      <p:sp>
-        <p:nvSpPr>
-          <p:cNvPr id="36870" name="Rectangle 6"/>
+              <a:t>舒适性</a:t>
+            </a:r>
+          </a:p>
+        </p:txBody>
+      </p:sp>
+      <p:sp>
+        <p:nvSpPr>
+          <p:cNvPr id="35846" name="Rectangle 6"/>
           <p:cNvSpPr>
             <a:spLocks noChangeArrowheads="1"/>
           </p:cNvSpPr>
@@ -15554,7 +18342,7 @@
       </p:grpSpPr>
       <p:sp>
         <p:nvSpPr>
-          <p:cNvPr id="37890" name="灯片编号占位符 5"/>
+          <p:cNvPr id="36866" name="灯片编号占位符 5"/>
           <p:cNvSpPr txBox="1">
             <a:spLocks noGrp="1" noChangeArrowheads="1"/>
           </p:cNvSpPr>
@@ -15703,7 +18491,7 @@
           </a:lstStyle>
           <a:p>
             <a:pPr algn="r" eaLnBrk="1" hangingPunct="1"/>
-            <a:fld id="{8FC4F290-9F99-40DB-BF5A-0DB3C9AA5031}" type="slidenum">
+            <a:fld id="{CBAC26DE-514B-40B7-9B75-C426648099C7}" type="slidenum">
               <a:rPr lang="en-US" sz="1200"/>
               <a:pPr algn="r" eaLnBrk="1" hangingPunct="1"/>
               <a:t>34</a:t>
@@ -15714,7 +18502,7 @@
       </p:sp>
       <p:sp>
         <p:nvSpPr>
-          <p:cNvPr id="37891" name="Rectangle 2"/>
+          <p:cNvPr id="36867" name="Rectangle 2"/>
           <p:cNvSpPr>
             <a:spLocks noGrp="1" noChangeArrowheads="1"/>
           </p:cNvSpPr>
@@ -15733,21 +18521,21 @@
                 <a:latin typeface="黑体" pitchFamily="49" charset="-122"/>
                 <a:ea typeface="黑体" pitchFamily="49" charset="-122"/>
               </a:rPr>
-              <a:t>9.7 </a:t>
+              <a:t>9.6 </a:t>
             </a:r>
             <a:r>
               <a:rPr lang="zh-CN" b="1">
                 <a:latin typeface="黑体" pitchFamily="49" charset="-122"/>
                 <a:ea typeface="黑体" pitchFamily="49" charset="-122"/>
               </a:rPr>
-              <a:t>可安装性测试</a:t>
-            </a:r>
-          </a:p>
-        </p:txBody>
-      </p:sp>
-      <p:sp>
-        <p:nvSpPr>
-          <p:cNvPr id="37892" name="Rectangle 3"/>
+              <a:t>用户界面测试</a:t>
+            </a:r>
+          </a:p>
+        </p:txBody>
+      </p:sp>
+      <p:sp>
+        <p:nvSpPr>
+          <p:cNvPr id="36868" name="Rectangle 3"/>
           <p:cNvSpPr>
             <a:spLocks noGrp="1" noChangeArrowheads="1"/>
           </p:cNvSpPr>
@@ -15763,22 +18551,54 @@
             <a:pPr algn="just" eaLnBrk="1" hangingPunct="1"/>
             <a:r>
               <a:rPr lang="zh-CN" sz="3400" b="1"/>
-              <a:t>可安装性测试</a:t>
-            </a:r>
-            <a:r>
-              <a:rPr lang="en-US" sz="3400" b="1"/>
-              <a:t>(Installation Testing)</a:t>
-            </a:r>
-            <a:r>
-              <a:rPr lang="zh-CN" sz="3400" b="1"/>
-              <a:t>是指广义的安装测试，包括安装和卸载。</a:t>
-            </a:r>
-          </a:p>
-        </p:txBody>
-      </p:sp>
-      <p:sp>
-        <p:nvSpPr>
-          <p:cNvPr id="37894" name="Rectangle 6"/>
+              <a:t>优秀用户界面的基本构成标准（续）</a:t>
+            </a:r>
+            <a:endParaRPr lang="en-US" sz="3400" b="1"/>
+          </a:p>
+          <a:p>
+            <a:pPr lvl="1" algn="just" eaLnBrk="1" hangingPunct="1"/>
+            <a:r>
+              <a:rPr lang="zh-CN" b="1"/>
+              <a:t>实用性</a:t>
+            </a:r>
+            <a:endParaRPr lang="en-US" b="1"/>
+          </a:p>
+          <a:p>
+            <a:pPr lvl="1" algn="just" eaLnBrk="1" hangingPunct="1"/>
+            <a:r>
+              <a:rPr lang="zh-CN" b="1"/>
+              <a:t>一致性</a:t>
+            </a:r>
+            <a:endParaRPr lang="en-US" b="1"/>
+          </a:p>
+          <a:p>
+            <a:pPr lvl="1" algn="just" eaLnBrk="1" hangingPunct="1"/>
+            <a:r>
+              <a:rPr lang="zh-CN" b="1"/>
+              <a:t>帮助</a:t>
+            </a:r>
+            <a:endParaRPr lang="en-US" b="1"/>
+          </a:p>
+          <a:p>
+            <a:pPr lvl="1" algn="just" eaLnBrk="1" hangingPunct="1"/>
+            <a:r>
+              <a:rPr lang="zh-CN" b="1"/>
+              <a:t>独特性</a:t>
+            </a:r>
+            <a:endParaRPr lang="en-US" b="1"/>
+          </a:p>
+          <a:p>
+            <a:pPr lvl="1" algn="just" eaLnBrk="1" hangingPunct="1"/>
+            <a:r>
+              <a:rPr lang="zh-CN" b="1"/>
+              <a:t>多窗口应用与系统资源</a:t>
+            </a:r>
+          </a:p>
+        </p:txBody>
+      </p:sp>
+      <p:sp>
+        <p:nvSpPr>
+          <p:cNvPr id="36870" name="Rectangle 6"/>
           <p:cNvSpPr>
             <a:spLocks noChangeArrowheads="1"/>
           </p:cNvSpPr>
@@ -15854,7 +18674,7 @@
       </p:grpSpPr>
       <p:sp>
         <p:nvSpPr>
-          <p:cNvPr id="38914" name="灯片编号占位符 5"/>
+          <p:cNvPr id="37890" name="灯片编号占位符 5"/>
           <p:cNvSpPr txBox="1">
             <a:spLocks noGrp="1" noChangeArrowheads="1"/>
           </p:cNvSpPr>
@@ -16003,7 +18823,7 @@
           </a:lstStyle>
           <a:p>
             <a:pPr algn="r" eaLnBrk="1" hangingPunct="1"/>
-            <a:fld id="{082A3300-9599-40DC-B74D-7CA5BD518731}" type="slidenum">
+            <a:fld id="{8FC4F290-9F99-40DB-BF5A-0DB3C9AA5031}" type="slidenum">
               <a:rPr lang="en-US" sz="1200"/>
               <a:pPr algn="r" eaLnBrk="1" hangingPunct="1"/>
               <a:t>35</a:t>
@@ -16014,7 +18834,7 @@
       </p:sp>
       <p:sp>
         <p:nvSpPr>
-          <p:cNvPr id="38915" name="Rectangle 2"/>
+          <p:cNvPr id="37891" name="Rectangle 2"/>
           <p:cNvSpPr>
             <a:spLocks noGrp="1" noChangeArrowheads="1"/>
           </p:cNvSpPr>
@@ -16047,7 +18867,7 @@
       </p:sp>
       <p:sp>
         <p:nvSpPr>
-          <p:cNvPr id="38916" name="Rectangle 3"/>
+          <p:cNvPr id="37892" name="Rectangle 3"/>
           <p:cNvSpPr>
             <a:spLocks noGrp="1" noChangeArrowheads="1"/>
           </p:cNvSpPr>
@@ -16063,29 +18883,22 @@
             <a:pPr algn="just" eaLnBrk="1" hangingPunct="1"/>
             <a:r>
               <a:rPr lang="zh-CN" sz="3400" b="1"/>
-              <a:t>安装前的测试重点</a:t>
-            </a:r>
-            <a:endParaRPr lang="en-US" sz="3400" b="1"/>
-          </a:p>
-          <a:p>
-            <a:pPr lvl="1"/>
-            <a:r>
-              <a:rPr lang="zh-CN" b="1"/>
-              <a:t>是否需要专业人员安装</a:t>
-            </a:r>
-          </a:p>
-          <a:p>
-            <a:pPr lvl="1"/>
-            <a:r>
-              <a:rPr lang="zh-CN" b="1"/>
-              <a:t>确认打包程序的特性，确认对安装环境是否有限制和要求，不同的打包发布程序支持的系统不一样，且至少应在标准配置和最低配置条件下进行安装测试</a:t>
-            </a:r>
-          </a:p>
-        </p:txBody>
-      </p:sp>
-      <p:sp>
-        <p:nvSpPr>
-          <p:cNvPr id="38918" name="Rectangle 6"/>
+              <a:t>可安装性测试</a:t>
+            </a:r>
+            <a:r>
+              <a:rPr lang="en-US" sz="3400" b="1"/>
+              <a:t>(Installation Testing)</a:t>
+            </a:r>
+            <a:r>
+              <a:rPr lang="zh-CN" sz="3400" b="1"/>
+              <a:t>是指广义的安装测试，包括安装和卸载。</a:t>
+            </a:r>
+          </a:p>
+        </p:txBody>
+      </p:sp>
+      <p:sp>
+        <p:nvSpPr>
+          <p:cNvPr id="37894" name="Rectangle 6"/>
           <p:cNvSpPr>
             <a:spLocks noChangeArrowheads="1"/>
           </p:cNvSpPr>
@@ -16161,7 +18974,7 @@
       </p:grpSpPr>
       <p:sp>
         <p:nvSpPr>
-          <p:cNvPr id="39938" name="灯片编号占位符 5"/>
+          <p:cNvPr id="38914" name="灯片编号占位符 5"/>
           <p:cNvSpPr txBox="1">
             <a:spLocks noGrp="1" noChangeArrowheads="1"/>
           </p:cNvSpPr>
@@ -16310,7 +19123,7 @@
           </a:lstStyle>
           <a:p>
             <a:pPr algn="r" eaLnBrk="1" hangingPunct="1"/>
-            <a:fld id="{AB9D8B72-5F51-4C10-A8B5-1B1BFEF94368}" type="slidenum">
+            <a:fld id="{082A3300-9599-40DC-B74D-7CA5BD518731}" type="slidenum">
               <a:rPr lang="en-US" sz="1200"/>
               <a:pPr algn="r" eaLnBrk="1" hangingPunct="1"/>
               <a:t>36</a:t>
@@ -16321,7 +19134,7 @@
       </p:sp>
       <p:sp>
         <p:nvSpPr>
-          <p:cNvPr id="39939" name="Rectangle 2"/>
+          <p:cNvPr id="38915" name="Rectangle 2"/>
           <p:cNvSpPr>
             <a:spLocks noGrp="1" noChangeArrowheads="1"/>
           </p:cNvSpPr>
@@ -16354,7 +19167,7 @@
       </p:sp>
       <p:sp>
         <p:nvSpPr>
-          <p:cNvPr id="39940" name="Rectangle 3"/>
+          <p:cNvPr id="38916" name="Rectangle 3"/>
           <p:cNvSpPr>
             <a:spLocks noGrp="1" noChangeArrowheads="1"/>
           </p:cNvSpPr>
@@ -16370,45 +19183,29 @@
             <a:pPr algn="just" eaLnBrk="1" hangingPunct="1"/>
             <a:r>
               <a:rPr lang="zh-CN" sz="3400" b="1"/>
-              <a:t>安装过程中的测试重点</a:t>
+              <a:t>安装前的测试重点</a:t>
             </a:r>
             <a:endParaRPr lang="en-US" sz="3400" b="1"/>
           </a:p>
           <a:p>
-            <a:pPr algn="just" eaLnBrk="1" hangingPunct="1"/>
-            <a:r>
-              <a:rPr lang="zh-CN" sz="3400" b="1"/>
-              <a:t>正常安装应注意</a:t>
-            </a:r>
-            <a:endParaRPr lang="en-US" sz="3400" b="1"/>
-          </a:p>
-          <a:p>
             <a:pPr lvl="1"/>
             <a:r>
               <a:rPr lang="zh-CN" b="1"/>
-              <a:t>安装过程与安装手册中描述的所有步骤保持一致，包括所有界面、提示信息等内容</a:t>
+              <a:t>是否需要专业人员安装</a:t>
             </a:r>
           </a:p>
           <a:p>
             <a:pPr lvl="1"/>
             <a:r>
               <a:rPr lang="zh-CN" b="1"/>
-              <a:t>安装过程应符合一般的安装流程，否则应关注哪些步骤被省去，是否对应有默认设置，是否满足大部分用户的意愿或硬件配置</a:t>
-            </a:r>
-          </a:p>
-          <a:p>
-            <a:pPr lvl="1"/>
-            <a:r>
-              <a:rPr lang="zh-CN" b="1"/>
-              <a:t>测试安装过程中的所有默认和典型选项</a:t>
-            </a:r>
-            <a:endParaRPr lang="zh-CN" sz="3400" b="1"/>
-          </a:p>
-        </p:txBody>
-      </p:sp>
-      <p:sp>
-        <p:nvSpPr>
-          <p:cNvPr id="39942" name="Rectangle 6"/>
+              <a:t>确认打包程序的特性，确认对安装环境是否有限制和要求，不同的打包发布程序支持的系统不一样，且至少应在标准配置和最低配置条件下进行安装测试</a:t>
+            </a:r>
+          </a:p>
+        </p:txBody>
+      </p:sp>
+      <p:sp>
+        <p:nvSpPr>
+          <p:cNvPr id="38918" name="Rectangle 6"/>
           <p:cNvSpPr>
             <a:spLocks noChangeArrowheads="1"/>
           </p:cNvSpPr>
@@ -16484,7 +19281,7 @@
       </p:grpSpPr>
       <p:sp>
         <p:nvSpPr>
-          <p:cNvPr id="40962" name="灯片编号占位符 5"/>
+          <p:cNvPr id="39938" name="灯片编号占位符 5"/>
           <p:cNvSpPr txBox="1">
             <a:spLocks noGrp="1" noChangeArrowheads="1"/>
           </p:cNvSpPr>
@@ -16633,7 +19430,7 @@
           </a:lstStyle>
           <a:p>
             <a:pPr algn="r" eaLnBrk="1" hangingPunct="1"/>
-            <a:fld id="{42653B21-6F8E-4B67-8628-08619B16044B}" type="slidenum">
+            <a:fld id="{AB9D8B72-5F51-4C10-A8B5-1B1BFEF94368}" type="slidenum">
               <a:rPr lang="en-US" sz="1200"/>
               <a:pPr algn="r" eaLnBrk="1" hangingPunct="1"/>
               <a:t>37</a:t>
@@ -16644,7 +19441,7 @@
       </p:sp>
       <p:sp>
         <p:nvSpPr>
-          <p:cNvPr id="40963" name="Rectangle 2"/>
+          <p:cNvPr id="39939" name="Rectangle 2"/>
           <p:cNvSpPr>
             <a:spLocks noGrp="1" noChangeArrowheads="1"/>
           </p:cNvSpPr>
@@ -16677,7 +19474,7 @@
       </p:sp>
       <p:sp>
         <p:nvSpPr>
-          <p:cNvPr id="40964" name="Rectangle 3"/>
+          <p:cNvPr id="39940" name="Rectangle 3"/>
           <p:cNvSpPr>
             <a:spLocks noGrp="1" noChangeArrowheads="1"/>
           </p:cNvSpPr>
@@ -16701,62 +19498,37 @@
             <a:pPr algn="just" eaLnBrk="1" hangingPunct="1"/>
             <a:r>
               <a:rPr lang="zh-CN" sz="3400" b="1"/>
-              <a:t>正常安装应注意（续）</a:t>
-            </a:r>
+              <a:t>正常安装应注意</a:t>
+            </a:r>
+            <a:endParaRPr lang="en-US" sz="3400" b="1"/>
           </a:p>
           <a:p>
             <a:pPr lvl="1"/>
             <a:r>
               <a:rPr lang="zh-CN" b="1"/>
-              <a:t>测试各种安装组合</a:t>
-            </a:r>
-            <a:r>
-              <a:rPr lang="en-US" b="1"/>
-              <a:t>(</a:t>
-            </a:r>
+              <a:t>安装过程与安装手册中描述的所有步骤保持一致，包括所有界面、提示信息等内容</a:t>
+            </a:r>
+          </a:p>
+          <a:p>
+            <a:pPr lvl="1"/>
             <a:r>
               <a:rPr lang="zh-CN" b="1"/>
-              <a:t>包括参数、控件执行顺序、产品组件、产品组件安装顺序等的组合</a:t>
-            </a:r>
-            <a:r>
-              <a:rPr lang="en-US" b="1"/>
-              <a:t>)</a:t>
-            </a:r>
-            <a:endParaRPr lang="zh-CN" b="1"/>
+              <a:t>安装过程应符合一般的安装流程，否则应关注哪些步骤被省去，是否对应有默认设置，是否满足大部分用户的意愿或硬件配置</a:t>
+            </a:r>
           </a:p>
           <a:p>
             <a:pPr lvl="1"/>
             <a:r>
               <a:rPr lang="zh-CN" b="1"/>
-              <a:t>安装过程是否简单，容易掌握</a:t>
-            </a:r>
-          </a:p>
-          <a:p>
-            <a:pPr lvl="1"/>
-            <a:r>
-              <a:rPr lang="zh-CN" b="1"/>
-              <a:t>安装过程中应有明显、合理的操作提示</a:t>
-            </a:r>
-          </a:p>
-          <a:p>
-            <a:pPr lvl="1"/>
-            <a:r>
-              <a:rPr lang="zh-CN" b="1"/>
-              <a:t>应验证软件使用许可证号或注册码</a:t>
-            </a:r>
-          </a:p>
-          <a:p>
-            <a:pPr lvl="1"/>
-            <a:r>
-              <a:rPr lang="zh-CN" b="1"/>
-              <a:t>应能识别大部分硬件</a:t>
-            </a:r>
-          </a:p>
-        </p:txBody>
-      </p:sp>
-      <p:sp>
-        <p:nvSpPr>
-          <p:cNvPr id="40966" name="Rectangle 6"/>
+              <a:t>测试安装过程中的所有默认和典型选项</a:t>
+            </a:r>
+            <a:endParaRPr lang="zh-CN" sz="3400" b="1"/>
+          </a:p>
+        </p:txBody>
+      </p:sp>
+      <p:sp>
+        <p:nvSpPr>
+          <p:cNvPr id="39942" name="Rectangle 6"/>
           <p:cNvSpPr>
             <a:spLocks noChangeArrowheads="1"/>
           </p:cNvSpPr>
@@ -16832,7 +19604,7 @@
       </p:grpSpPr>
       <p:sp>
         <p:nvSpPr>
-          <p:cNvPr id="41986" name="灯片编号占位符 5"/>
+          <p:cNvPr id="40962" name="灯片编号占位符 5"/>
           <p:cNvSpPr txBox="1">
             <a:spLocks noGrp="1" noChangeArrowheads="1"/>
           </p:cNvSpPr>
@@ -16981,7 +19753,7 @@
           </a:lstStyle>
           <a:p>
             <a:pPr algn="r" eaLnBrk="1" hangingPunct="1"/>
-            <a:fld id="{6F82D5CA-BF21-4FB8-8549-0017D072ADE1}" type="slidenum">
+            <a:fld id="{42653B21-6F8E-4B67-8628-08619B16044B}" type="slidenum">
               <a:rPr lang="en-US" sz="1200"/>
               <a:pPr algn="r" eaLnBrk="1" hangingPunct="1"/>
               <a:t>38</a:t>
@@ -16992,7 +19764,7 @@
       </p:sp>
       <p:sp>
         <p:nvSpPr>
-          <p:cNvPr id="41987" name="Rectangle 2"/>
+          <p:cNvPr id="40963" name="Rectangle 2"/>
           <p:cNvSpPr>
             <a:spLocks noGrp="1" noChangeArrowheads="1"/>
           </p:cNvSpPr>
@@ -17025,7 +19797,7 @@
       </p:sp>
       <p:sp>
         <p:nvSpPr>
-          <p:cNvPr id="41988" name="Rectangle 3"/>
+          <p:cNvPr id="40964" name="Rectangle 3"/>
           <p:cNvSpPr>
             <a:spLocks noGrp="1" noChangeArrowheads="1"/>
           </p:cNvSpPr>
@@ -17049,23 +19821,14 @@
             <a:pPr algn="just" eaLnBrk="1" hangingPunct="1"/>
             <a:r>
               <a:rPr lang="zh-CN" sz="3400" b="1"/>
-              <a:t>安装中的异常应注意</a:t>
-            </a:r>
-            <a:endParaRPr lang="en-US" sz="3400" b="1"/>
-          </a:p>
-          <a:p>
-            <a:pPr lvl="1" algn="just" eaLnBrk="1" hangingPunct="1"/>
+              <a:t>正常安装应注意（续）</a:t>
+            </a:r>
+          </a:p>
+          <a:p>
+            <a:pPr lvl="1"/>
             <a:r>
               <a:rPr lang="zh-CN" b="1"/>
-              <a:t>测试安装空间不足的情况</a:t>
-            </a:r>
-            <a:endParaRPr lang="en-US" b="1"/>
-          </a:p>
-          <a:p>
-            <a:pPr lvl="1" algn="just" eaLnBrk="1" hangingPunct="1"/>
-            <a:r>
-              <a:rPr lang="zh-CN" b="1"/>
-              <a:t>测试异常配置或状态</a:t>
+              <a:t>测试各种安装组合</a:t>
             </a:r>
             <a:r>
               <a:rPr lang="en-US" b="1"/>
@@ -17073,30 +19836,47 @@
             </a:r>
             <a:r>
               <a:rPr lang="zh-CN" b="1"/>
-              <a:t>非法和不合理配置</a:t>
+              <a:t>包括参数、控件执行顺序、产品组件、产品组件安装顺序等的组合</a:t>
             </a:r>
             <a:r>
               <a:rPr lang="en-US" b="1"/>
               <a:t>)</a:t>
             </a:r>
+            <a:endParaRPr lang="zh-CN" b="1"/>
+          </a:p>
+          <a:p>
+            <a:pPr lvl="1"/>
             <a:r>
               <a:rPr lang="zh-CN" b="1"/>
-              <a:t>，如断电、数据库终止、断网等</a:t>
-            </a:r>
-            <a:endParaRPr lang="en-US" b="1"/>
-          </a:p>
-          <a:p>
-            <a:pPr lvl="1" algn="just" eaLnBrk="1" hangingPunct="1"/>
+              <a:t>安装过程是否简单，容易掌握</a:t>
+            </a:r>
+          </a:p>
+          <a:p>
+            <a:pPr lvl="1"/>
             <a:r>
               <a:rPr lang="zh-CN" b="1"/>
-              <a:t>安装过程中应允许终止，终止安装后应能确保系统恢复原状。安装软件不应破坏系统原有的系统文件，否则一旦停止安装将造成原有系统无法正常使用</a:t>
-            </a:r>
-          </a:p>
-        </p:txBody>
-      </p:sp>
-      <p:sp>
-        <p:nvSpPr>
-          <p:cNvPr id="41990" name="Rectangle 6"/>
+              <a:t>安装过程中应有明显、合理的操作提示</a:t>
+            </a:r>
+          </a:p>
+          <a:p>
+            <a:pPr lvl="1"/>
+            <a:r>
+              <a:rPr lang="zh-CN" b="1"/>
+              <a:t>应验证软件使用许可证号或注册码</a:t>
+            </a:r>
+          </a:p>
+          <a:p>
+            <a:pPr lvl="1"/>
+            <a:r>
+              <a:rPr lang="zh-CN" b="1"/>
+              <a:t>应能识别大部分硬件</a:t>
+            </a:r>
+          </a:p>
+        </p:txBody>
+      </p:sp>
+      <p:sp>
+        <p:nvSpPr>
+          <p:cNvPr id="40966" name="Rectangle 6"/>
           <p:cNvSpPr>
             <a:spLocks noChangeArrowheads="1"/>
           </p:cNvSpPr>
@@ -17172,7 +19952,7 @@
       </p:grpSpPr>
       <p:sp>
         <p:nvSpPr>
-          <p:cNvPr id="43010" name="灯片编号占位符 5"/>
+          <p:cNvPr id="41986" name="灯片编号占位符 5"/>
           <p:cNvSpPr txBox="1">
             <a:spLocks noGrp="1" noChangeArrowheads="1"/>
           </p:cNvSpPr>
@@ -17321,7 +20101,7 @@
           </a:lstStyle>
           <a:p>
             <a:pPr algn="r" eaLnBrk="1" hangingPunct="1"/>
-            <a:fld id="{A436985D-5862-420E-BDA2-2AA62FF3F738}" type="slidenum">
+            <a:fld id="{6F82D5CA-BF21-4FB8-8549-0017D072ADE1}" type="slidenum">
               <a:rPr lang="en-US" sz="1200"/>
               <a:pPr algn="r" eaLnBrk="1" hangingPunct="1"/>
               <a:t>39</a:t>
@@ -17332,7 +20112,7 @@
       </p:sp>
       <p:sp>
         <p:nvSpPr>
-          <p:cNvPr id="43011" name="Rectangle 2"/>
+          <p:cNvPr id="41987" name="Rectangle 2"/>
           <p:cNvSpPr>
             <a:spLocks noGrp="1" noChangeArrowheads="1"/>
           </p:cNvSpPr>
@@ -17365,7 +20145,7 @@
       </p:sp>
       <p:sp>
         <p:nvSpPr>
-          <p:cNvPr id="43012" name="Rectangle 3"/>
+          <p:cNvPr id="41988" name="Rectangle 3"/>
           <p:cNvSpPr>
             <a:spLocks noGrp="1" noChangeArrowheads="1"/>
           </p:cNvSpPr>
@@ -17380,45 +20160,63 @@
           <a:p>
             <a:pPr algn="just" eaLnBrk="1" hangingPunct="1"/>
             <a:r>
-              <a:rPr lang="zh-CN" sz="3400" b="1" dirty="0"/>
-              <a:t>安装后的测试重点</a:t>
-            </a:r>
-            <a:endParaRPr lang="en-US" sz="3400" b="1" dirty="0"/>
-          </a:p>
-          <a:p>
-            <a:pPr lvl="1"/>
-            <a:r>
-              <a:rPr lang="zh-CN" b="1" dirty="0"/>
-              <a:t>能否产生正确的目录结构和文件，文件属性是否正确</a:t>
-            </a:r>
-          </a:p>
-          <a:p>
-            <a:pPr lvl="1"/>
-            <a:r>
-              <a:rPr lang="zh-CN" b="1" dirty="0"/>
-              <a:t>动态链接库是否正确</a:t>
-            </a:r>
-          </a:p>
-          <a:p>
-            <a:pPr lvl="1"/>
-            <a:r>
-              <a:rPr lang="zh-CN" b="1" dirty="0"/>
-              <a:t>软件能否正确运行</a:t>
-            </a:r>
-          </a:p>
-          <a:p>
-            <a:pPr lvl="1"/>
-            <a:r>
-              <a:rPr lang="zh-CN" b="1" dirty="0"/>
-              <a:t>是否产生多余的目录结构、文件、注册表信息、快捷方式等</a:t>
-            </a:r>
-            <a:endParaRPr lang="en-US" b="1" dirty="0"/>
-          </a:p>
-        </p:txBody>
-      </p:sp>
-      <p:sp>
-        <p:nvSpPr>
-          <p:cNvPr id="43014" name="Rectangle 6"/>
+              <a:rPr lang="zh-CN" sz="3400" b="1"/>
+              <a:t>安装过程中的测试重点</a:t>
+            </a:r>
+            <a:endParaRPr lang="en-US" sz="3400" b="1"/>
+          </a:p>
+          <a:p>
+            <a:pPr algn="just" eaLnBrk="1" hangingPunct="1"/>
+            <a:r>
+              <a:rPr lang="zh-CN" sz="3400" b="1"/>
+              <a:t>安装中的异常应注意</a:t>
+            </a:r>
+            <a:endParaRPr lang="en-US" sz="3400" b="1"/>
+          </a:p>
+          <a:p>
+            <a:pPr lvl="1" algn="just" eaLnBrk="1" hangingPunct="1"/>
+            <a:r>
+              <a:rPr lang="zh-CN" b="1"/>
+              <a:t>测试安装空间不足的情况</a:t>
+            </a:r>
+            <a:endParaRPr lang="en-US" b="1"/>
+          </a:p>
+          <a:p>
+            <a:pPr lvl="1" algn="just" eaLnBrk="1" hangingPunct="1"/>
+            <a:r>
+              <a:rPr lang="zh-CN" b="1"/>
+              <a:t>测试异常配置或状态</a:t>
+            </a:r>
+            <a:r>
+              <a:rPr lang="en-US" b="1"/>
+              <a:t>(</a:t>
+            </a:r>
+            <a:r>
+              <a:rPr lang="zh-CN" b="1"/>
+              <a:t>非法和不合理配置</a:t>
+            </a:r>
+            <a:r>
+              <a:rPr lang="en-US" b="1"/>
+              <a:t>)</a:t>
+            </a:r>
+            <a:r>
+              <a:rPr lang="zh-CN" b="1"/>
+              <a:t>，如断电、数据库终止、断网等</a:t>
+            </a:r>
+            <a:endParaRPr lang="en-US" b="1"/>
+          </a:p>
+          <a:p>
+            <a:pPr lvl="1" algn="just" eaLnBrk="1" hangingPunct="1"/>
+            <a:r>
+              <a:rPr lang="zh-CN" b="1"/>
+              <a:t>安装过程中应允许终止，终止安装后应能确保系统恢复原状。安装软件不应破坏系统原有的系统文件，否则一旦停止安装将造成原有系统无法正常使用</a:t>
+            </a:r>
+          </a:p>
+        </p:txBody>
+      </p:sp>
+      <p:sp>
+        <p:nvSpPr>
+          <p:cNvPr id="41990" name="Rectangle 6"/>
           <p:cNvSpPr>
             <a:spLocks noChangeArrowheads="1"/>
           </p:cNvSpPr>
@@ -17760,7 +20558,7 @@
       </p:grpSpPr>
       <p:sp>
         <p:nvSpPr>
-          <p:cNvPr id="44034" name="灯片编号占位符 5"/>
+          <p:cNvPr id="43010" name="灯片编号占位符 5"/>
           <p:cNvSpPr txBox="1">
             <a:spLocks noGrp="1" noChangeArrowheads="1"/>
           </p:cNvSpPr>
@@ -17909,7 +20707,7 @@
           </a:lstStyle>
           <a:p>
             <a:pPr algn="r" eaLnBrk="1" hangingPunct="1"/>
-            <a:fld id="{2BF4ED93-2799-4C24-8CD2-57F0DA8A1D53}" type="slidenum">
+            <a:fld id="{A436985D-5862-420E-BDA2-2AA62FF3F738}" type="slidenum">
               <a:rPr lang="en-US" sz="1200"/>
               <a:pPr algn="r" eaLnBrk="1" hangingPunct="1"/>
               <a:t>40</a:t>
@@ -17920,7 +20718,7 @@
       </p:sp>
       <p:sp>
         <p:nvSpPr>
-          <p:cNvPr id="44035" name="Rectangle 2"/>
+          <p:cNvPr id="43011" name="Rectangle 2"/>
           <p:cNvSpPr>
             <a:spLocks noGrp="1" noChangeArrowheads="1"/>
           </p:cNvSpPr>
@@ -17953,7 +20751,7 @@
       </p:sp>
       <p:sp>
         <p:nvSpPr>
-          <p:cNvPr id="44036" name="Rectangle 3"/>
+          <p:cNvPr id="43012" name="Rectangle 3"/>
           <p:cNvSpPr>
             <a:spLocks noGrp="1" noChangeArrowheads="1"/>
           </p:cNvSpPr>
@@ -17968,61 +20766,45 @@
           <a:p>
             <a:pPr algn="just" eaLnBrk="1" hangingPunct="1"/>
             <a:r>
-              <a:rPr lang="zh-CN" sz="3400" b="1"/>
-              <a:t>安装后的测试重点（续）</a:t>
-            </a:r>
-            <a:endParaRPr lang="en-US" sz="3400" b="1"/>
+              <a:rPr lang="zh-CN" sz="3400" b="1" dirty="0"/>
+              <a:t>安装后的测试重点</a:t>
+            </a:r>
+            <a:endParaRPr lang="en-US" sz="3400" b="1" dirty="0"/>
           </a:p>
           <a:p>
             <a:pPr lvl="1"/>
             <a:r>
-              <a:rPr lang="zh-CN" b="1"/>
-              <a:t>安装后系统是否对其他应用程序造成不正常影响</a:t>
-            </a:r>
-            <a:r>
-              <a:rPr lang="en-US" b="1"/>
-              <a:t>(</a:t>
-            </a:r>
-            <a:r>
-              <a:rPr lang="zh-CN" b="1"/>
-              <a:t>如操作系统、应用软件等</a:t>
-            </a:r>
-            <a:r>
-              <a:rPr lang="en-US" b="1"/>
-              <a:t>)</a:t>
-            </a:r>
-            <a:endParaRPr lang="zh-CN" b="1"/>
+              <a:rPr lang="zh-CN" b="1" dirty="0"/>
+              <a:t>能否产生正确的目录结构和文件，文件属性是否正确</a:t>
+            </a:r>
           </a:p>
           <a:p>
             <a:pPr lvl="1"/>
             <a:r>
-              <a:rPr lang="en-US" b="1"/>
-              <a:t>Web</a:t>
-            </a:r>
-            <a:r>
-              <a:rPr lang="zh-CN" b="1"/>
-              <a:t>服务是否有冲突</a:t>
+              <a:rPr lang="zh-CN" b="1" dirty="0"/>
+              <a:t>动态链接库是否正确</a:t>
             </a:r>
           </a:p>
           <a:p>
             <a:pPr lvl="1"/>
             <a:r>
-              <a:rPr lang="zh-CN" b="1"/>
-              <a:t>系统升级后原有应用程序能否正常运行</a:t>
+              <a:rPr lang="zh-CN" b="1" dirty="0"/>
+              <a:t>软件能否正确运行</a:t>
             </a:r>
           </a:p>
           <a:p>
             <a:pPr lvl="1"/>
             <a:r>
-              <a:rPr lang="zh-CN" b="1"/>
-              <a:t>软件卸载后所有占用的资源、文件、目录、快捷方式等内容都应予以清除，且不应影响到基础的系统文件，不影响系统应保留的用户数据及其他软件的使用</a:t>
-            </a:r>
-          </a:p>
-        </p:txBody>
-      </p:sp>
-      <p:sp>
-        <p:nvSpPr>
-          <p:cNvPr id="44038" name="Rectangle 6"/>
+              <a:rPr lang="zh-CN" b="1" dirty="0"/>
+              <a:t>是否产生多余的目录结构、文件、注册表信息、快捷方式等</a:t>
+            </a:r>
+            <a:endParaRPr lang="en-US" b="1" dirty="0"/>
+          </a:p>
+        </p:txBody>
+      </p:sp>
+      <p:sp>
+        <p:nvSpPr>
+          <p:cNvPr id="43014" name="Rectangle 6"/>
           <p:cNvSpPr>
             <a:spLocks noChangeArrowheads="1"/>
           </p:cNvSpPr>
@@ -18251,6 +21033,344 @@
               <a:rPr lang="en-US" sz="1200"/>
               <a:pPr algn="r" eaLnBrk="1" hangingPunct="1"/>
               <a:t>41</a:t>
+            </a:fld>
+            <a:endParaRPr lang="en-US" sz="1200"/>
+          </a:p>
+        </p:txBody>
+      </p:sp>
+      <p:sp>
+        <p:nvSpPr>
+          <p:cNvPr id="44035" name="Rectangle 2"/>
+          <p:cNvSpPr>
+            <a:spLocks noGrp="1" noChangeArrowheads="1"/>
+          </p:cNvSpPr>
+          <p:nvPr>
+            <p:ph type="title" idx="4294967295"/>
+          </p:nvPr>
+        </p:nvSpPr>
+        <p:spPr/>
+        <p:txBody>
+          <a:bodyPr/>
+          <a:lstStyle/>
+          <a:p>
+            <a:pPr eaLnBrk="1" hangingPunct="1"/>
+            <a:r>
+              <a:rPr lang="en-US" b="1">
+                <a:latin typeface="黑体" pitchFamily="49" charset="-122"/>
+                <a:ea typeface="黑体" pitchFamily="49" charset="-122"/>
+              </a:rPr>
+              <a:t>9.7 </a:t>
+            </a:r>
+            <a:r>
+              <a:rPr lang="zh-CN" b="1">
+                <a:latin typeface="黑体" pitchFamily="49" charset="-122"/>
+                <a:ea typeface="黑体" pitchFamily="49" charset="-122"/>
+              </a:rPr>
+              <a:t>可安装性测试</a:t>
+            </a:r>
+          </a:p>
+        </p:txBody>
+      </p:sp>
+      <p:sp>
+        <p:nvSpPr>
+          <p:cNvPr id="44036" name="Rectangle 3"/>
+          <p:cNvSpPr>
+            <a:spLocks noGrp="1" noChangeArrowheads="1"/>
+          </p:cNvSpPr>
+          <p:nvPr>
+            <p:ph type="body" idx="4294967295"/>
+          </p:nvPr>
+        </p:nvSpPr>
+        <p:spPr/>
+        <p:txBody>
+          <a:bodyPr/>
+          <a:lstStyle/>
+          <a:p>
+            <a:pPr algn="just" eaLnBrk="1" hangingPunct="1"/>
+            <a:r>
+              <a:rPr lang="zh-CN" sz="3400" b="1"/>
+              <a:t>安装后的测试重点（续）</a:t>
+            </a:r>
+            <a:endParaRPr lang="en-US" sz="3400" b="1"/>
+          </a:p>
+          <a:p>
+            <a:pPr lvl="1"/>
+            <a:r>
+              <a:rPr lang="zh-CN" b="1"/>
+              <a:t>安装后系统是否对其他应用程序造成不正常影响</a:t>
+            </a:r>
+            <a:r>
+              <a:rPr lang="en-US" b="1"/>
+              <a:t>(</a:t>
+            </a:r>
+            <a:r>
+              <a:rPr lang="zh-CN" b="1"/>
+              <a:t>如操作系统、应用软件等</a:t>
+            </a:r>
+            <a:r>
+              <a:rPr lang="en-US" b="1"/>
+              <a:t>)</a:t>
+            </a:r>
+            <a:endParaRPr lang="zh-CN" b="1"/>
+          </a:p>
+          <a:p>
+            <a:pPr lvl="1"/>
+            <a:r>
+              <a:rPr lang="en-US" b="1"/>
+              <a:t>Web</a:t>
+            </a:r>
+            <a:r>
+              <a:rPr lang="zh-CN" b="1"/>
+              <a:t>服务是否有冲突</a:t>
+            </a:r>
+          </a:p>
+          <a:p>
+            <a:pPr lvl="1"/>
+            <a:r>
+              <a:rPr lang="zh-CN" b="1"/>
+              <a:t>系统升级后原有应用程序能否正常运行</a:t>
+            </a:r>
+          </a:p>
+          <a:p>
+            <a:pPr lvl="1"/>
+            <a:r>
+              <a:rPr lang="zh-CN" b="1"/>
+              <a:t>软件卸载后所有占用的资源、文件、目录、快捷方式等内容都应予以清除，且不应影响到基础的系统文件，不影响系统应保留的用户数据及其他软件的使用</a:t>
+            </a:r>
+          </a:p>
+        </p:txBody>
+      </p:sp>
+      <p:sp>
+        <p:nvSpPr>
+          <p:cNvPr id="44038" name="Rectangle 6"/>
+          <p:cNvSpPr>
+            <a:spLocks noChangeArrowheads="1"/>
+          </p:cNvSpPr>
+          <p:nvPr/>
+        </p:nvSpPr>
+        <p:spPr bwMode="auto">
+          <a:xfrm>
+            <a:off x="0" y="2476500"/>
+            <a:ext cx="9144000" cy="0"/>
+          </a:xfrm>
+          <a:prstGeom prst="rect">
+            <a:avLst/>
+          </a:prstGeom>
+          <a:noFill/>
+          <a:ln>
+            <a:noFill/>
+          </a:ln>
+          <a:extLst>
+            <a:ext uri="{909E8E84-426E-40DD-AFC4-6F175D3DCCD1}">
+              <a14:hiddenFill xmlns:a14="http://schemas.microsoft.com/office/drawing/2010/main">
+                <a:solidFill>
+                  <a:srgbClr val="FFFFFF"/>
+                </a:solidFill>
+              </a14:hiddenFill>
+            </a:ext>
+            <a:ext uri="{91240B29-F687-4F45-9708-019B960494DF}">
+              <a14:hiddenLine xmlns:a14="http://schemas.microsoft.com/office/drawing/2010/main" w="9525">
+                <a:solidFill>
+                  <a:srgbClr val="000000"/>
+                </a:solidFill>
+                <a:miter lim="800000"/>
+                <a:headEnd/>
+                <a:tailEnd/>
+              </a14:hiddenLine>
+            </a:ext>
+          </a:extLst>
+        </p:spPr>
+        <p:txBody>
+          <a:bodyPr wrap="none" anchor="ctr">
+            <a:spAutoFit/>
+          </a:bodyPr>
+          <a:lstStyle/>
+          <a:p>
+            <a:endParaRPr lang="zh-CN"/>
+          </a:p>
+        </p:txBody>
+      </p:sp>
+    </p:spTree>
+  </p:cSld>
+  <p:clrMapOvr>
+    <a:masterClrMapping/>
+  </p:clrMapOvr>
+  <p:transition/>
+</p:sld>
+</file>
+
+<file path=ppt/slides/slide42.xml><?xml version="1.0" encoding="utf-8"?>
+<p:sld xmlns:a="http://schemas.openxmlformats.org/drawingml/2006/main" xmlns:r="http://schemas.openxmlformats.org/officeDocument/2006/relationships" xmlns:p="http://schemas.openxmlformats.org/presentationml/2006/main">
+  <p:cSld>
+    <p:spTree>
+      <p:nvGrpSpPr>
+        <p:cNvPr id="1" name=""/>
+        <p:cNvGrpSpPr/>
+        <p:nvPr/>
+      </p:nvGrpSpPr>
+      <p:grpSpPr>
+        <a:xfrm>
+          <a:off x="0" y="0"/>
+          <a:ext cx="0" cy="0"/>
+          <a:chOff x="0" y="0"/>
+          <a:chExt cx="0" cy="0"/>
+        </a:xfrm>
+      </p:grpSpPr>
+      <p:sp>
+        <p:nvSpPr>
+          <p:cNvPr id="44034" name="灯片编号占位符 5"/>
+          <p:cNvSpPr txBox="1">
+            <a:spLocks noGrp="1" noChangeArrowheads="1"/>
+          </p:cNvSpPr>
+          <p:nvPr/>
+        </p:nvSpPr>
+        <p:spPr bwMode="auto">
+          <a:xfrm>
+            <a:off x="6553200" y="6245225"/>
+            <a:ext cx="1981200" cy="476250"/>
+          </a:xfrm>
+          <a:prstGeom prst="rect">
+            <a:avLst/>
+          </a:prstGeom>
+          <a:noFill/>
+          <a:ln>
+            <a:noFill/>
+          </a:ln>
+          <a:extLst>
+            <a:ext uri="{909E8E84-426E-40DD-AFC4-6F175D3DCCD1}">
+              <a14:hiddenFill xmlns:a14="http://schemas.microsoft.com/office/drawing/2010/main">
+                <a:solidFill>
+                  <a:srgbClr val="FFFFFF"/>
+                </a:solidFill>
+              </a14:hiddenFill>
+            </a:ext>
+            <a:ext uri="{91240B29-F687-4F45-9708-019B960494DF}">
+              <a14:hiddenLine xmlns:a14="http://schemas.microsoft.com/office/drawing/2010/main" w="9525">
+                <a:solidFill>
+                  <a:srgbClr val="000000"/>
+                </a:solidFill>
+                <a:miter lim="800000"/>
+                <a:headEnd/>
+                <a:tailEnd/>
+              </a14:hiddenLine>
+            </a:ext>
+          </a:extLst>
+        </p:spPr>
+        <p:txBody>
+          <a:bodyPr/>
+          <a:lstStyle>
+            <a:lvl1pPr eaLnBrk="0" hangingPunct="0">
+              <a:defRPr>
+                <a:solidFill>
+                  <a:schemeClr val="tx1"/>
+                </a:solidFill>
+                <a:latin typeface="Verdana" pitchFamily="34" charset="0"/>
+                <a:ea typeface="宋体" pitchFamily="2" charset="-122"/>
+              </a:defRPr>
+            </a:lvl1pPr>
+            <a:lvl2pPr marL="742950" indent="-285750" eaLnBrk="0" hangingPunct="0">
+              <a:defRPr>
+                <a:solidFill>
+                  <a:schemeClr val="tx1"/>
+                </a:solidFill>
+                <a:latin typeface="Verdana" pitchFamily="34" charset="0"/>
+                <a:ea typeface="宋体" pitchFamily="2" charset="-122"/>
+              </a:defRPr>
+            </a:lvl2pPr>
+            <a:lvl3pPr marL="1143000" indent="-228600" eaLnBrk="0" hangingPunct="0">
+              <a:defRPr>
+                <a:solidFill>
+                  <a:schemeClr val="tx1"/>
+                </a:solidFill>
+                <a:latin typeface="Verdana" pitchFamily="34" charset="0"/>
+                <a:ea typeface="宋体" pitchFamily="2" charset="-122"/>
+              </a:defRPr>
+            </a:lvl3pPr>
+            <a:lvl4pPr marL="1600200" indent="-228600" eaLnBrk="0" hangingPunct="0">
+              <a:defRPr>
+                <a:solidFill>
+                  <a:schemeClr val="tx1"/>
+                </a:solidFill>
+                <a:latin typeface="Verdana" pitchFamily="34" charset="0"/>
+                <a:ea typeface="宋体" pitchFamily="2" charset="-122"/>
+              </a:defRPr>
+            </a:lvl4pPr>
+            <a:lvl5pPr marL="2057400" indent="-228600" eaLnBrk="0" hangingPunct="0">
+              <a:defRPr>
+                <a:solidFill>
+                  <a:schemeClr val="tx1"/>
+                </a:solidFill>
+                <a:latin typeface="Verdana" pitchFamily="34" charset="0"/>
+                <a:ea typeface="宋体" pitchFamily="2" charset="-122"/>
+              </a:defRPr>
+            </a:lvl5pPr>
+            <a:lvl6pPr marL="2514600" indent="-228600" eaLnBrk="0" fontAlgn="base" hangingPunct="0">
+              <a:spcBef>
+                <a:spcPct val="0"/>
+              </a:spcBef>
+              <a:spcAft>
+                <a:spcPct val="0"/>
+              </a:spcAft>
+              <a:defRPr>
+                <a:solidFill>
+                  <a:schemeClr val="tx1"/>
+                </a:solidFill>
+                <a:latin typeface="Verdana" pitchFamily="34" charset="0"/>
+                <a:ea typeface="宋体" pitchFamily="2" charset="-122"/>
+              </a:defRPr>
+            </a:lvl6pPr>
+            <a:lvl7pPr marL="2971800" indent="-228600" eaLnBrk="0" fontAlgn="base" hangingPunct="0">
+              <a:spcBef>
+                <a:spcPct val="0"/>
+              </a:spcBef>
+              <a:spcAft>
+                <a:spcPct val="0"/>
+              </a:spcAft>
+              <a:defRPr>
+                <a:solidFill>
+                  <a:schemeClr val="tx1"/>
+                </a:solidFill>
+                <a:latin typeface="Verdana" pitchFamily="34" charset="0"/>
+                <a:ea typeface="宋体" pitchFamily="2" charset="-122"/>
+              </a:defRPr>
+            </a:lvl7pPr>
+            <a:lvl8pPr marL="3429000" indent="-228600" eaLnBrk="0" fontAlgn="base" hangingPunct="0">
+              <a:spcBef>
+                <a:spcPct val="0"/>
+              </a:spcBef>
+              <a:spcAft>
+                <a:spcPct val="0"/>
+              </a:spcAft>
+              <a:defRPr>
+                <a:solidFill>
+                  <a:schemeClr val="tx1"/>
+                </a:solidFill>
+                <a:latin typeface="Verdana" pitchFamily="34" charset="0"/>
+                <a:ea typeface="宋体" pitchFamily="2" charset="-122"/>
+              </a:defRPr>
+            </a:lvl8pPr>
+            <a:lvl9pPr marL="3886200" indent="-228600" eaLnBrk="0" fontAlgn="base" hangingPunct="0">
+              <a:spcBef>
+                <a:spcPct val="0"/>
+              </a:spcBef>
+              <a:spcAft>
+                <a:spcPct val="0"/>
+              </a:spcAft>
+              <a:defRPr>
+                <a:solidFill>
+                  <a:schemeClr val="tx1"/>
+                </a:solidFill>
+                <a:latin typeface="Verdana" pitchFamily="34" charset="0"/>
+                <a:ea typeface="宋体" pitchFamily="2" charset="-122"/>
+              </a:defRPr>
+            </a:lvl9pPr>
+          </a:lstStyle>
+          <a:p>
+            <a:pPr algn="r" eaLnBrk="1" hangingPunct="1"/>
+            <a:fld id="{2BF4ED93-2799-4C24-8CD2-57F0DA8A1D53}" type="slidenum">
+              <a:rPr lang="en-US" sz="1200"/>
+              <a:pPr algn="r" eaLnBrk="1" hangingPunct="1"/>
+              <a:t>42</a:t>
             </a:fld>
             <a:endParaRPr lang="en-US" sz="1200"/>
           </a:p>
@@ -18752,7 +21872,7 @@
 </p:sld>
 </file>
 
-<file path=ppt/slides/slide42.xml><?xml version="1.0" encoding="utf-8"?>
+<file path=ppt/slides/slide43.xml><?xml version="1.0" encoding="utf-8"?>
 <p:sld xmlns:a="http://schemas.openxmlformats.org/drawingml/2006/main" xmlns:r="http://schemas.openxmlformats.org/officeDocument/2006/relationships" xmlns:p="http://schemas.openxmlformats.org/presentationml/2006/main">
   <p:cSld>
     <p:spTree>
@@ -19767,7 +22887,7 @@
 </p:sld>
 </file>
 
-<file path=ppt/slides/slide43.xml><?xml version="1.0" encoding="utf-8"?>
+<file path=ppt/slides/slide44.xml><?xml version="1.0" encoding="utf-8"?>
 <p:sld xmlns:a="http://schemas.openxmlformats.org/drawingml/2006/main" xmlns:r="http://schemas.openxmlformats.org/officeDocument/2006/relationships" xmlns:p="http://schemas.openxmlformats.org/presentationml/2006/main">
   <p:cSld>
     <p:spTree>
@@ -21068,7 +24188,7 @@
 </p:sld>
 </file>
 
-<file path=ppt/slides/slide44.xml><?xml version="1.0" encoding="utf-8"?>
+<file path=ppt/slides/slide45.xml><?xml version="1.0" encoding="utf-8"?>
 <p:sld xmlns:a="http://schemas.openxmlformats.org/drawingml/2006/main" xmlns:r="http://schemas.openxmlformats.org/officeDocument/2006/relationships" xmlns:p="http://schemas.openxmlformats.org/presentationml/2006/main">
   <p:cSld>
     <p:spTree>
@@ -21284,7 +24404,7 @@
             <a:fld id="{842F7A61-2065-48CD-A383-14BFED5C7C3F}" type="slidenum">
               <a:rPr lang="en-US" sz="1200"/>
               <a:pPr algn="r" eaLnBrk="1" hangingPunct="1"/>
-              <a:t>44</a:t>
+              <a:t>45</a:t>
             </a:fld>
             <a:endParaRPr lang="en-US" sz="1200"/>
           </a:p>

--- a/PPT/第三部分 软件测试应用/9 系统测试.pptx
+++ b/PPT/第三部分 软件测试应用/9 系统测试.pptx
@@ -6,7 +6,7 @@
     <p:sldMasterId id="2147483906" r:id="rId2"/>
   </p:sldMasterIdLst>
   <p:notesMasterIdLst>
-    <p:notesMasterId r:id="rId51"/>
+    <p:notesMasterId r:id="rId50"/>
   </p:notesMasterIdLst>
   <p:sldIdLst>
     <p:sldId id="256" r:id="rId3"/>
@@ -35,28 +35,27 @@
     <p:sldId id="362" r:id="rId26"/>
     <p:sldId id="363" r:id="rId27"/>
     <p:sldId id="370" r:id="rId28"/>
-    <p:sldId id="372" r:id="rId29"/>
-    <p:sldId id="270" r:id="rId30"/>
-    <p:sldId id="271" r:id="rId31"/>
-    <p:sldId id="326" r:id="rId32"/>
-    <p:sldId id="328" r:id="rId33"/>
-    <p:sldId id="347" r:id="rId34"/>
-    <p:sldId id="348" r:id="rId35"/>
-    <p:sldId id="349" r:id="rId36"/>
-    <p:sldId id="330" r:id="rId37"/>
-    <p:sldId id="331" r:id="rId38"/>
-    <p:sldId id="350" r:id="rId39"/>
-    <p:sldId id="332" r:id="rId40"/>
-    <p:sldId id="334" r:id="rId41"/>
-    <p:sldId id="335" r:id="rId42"/>
-    <p:sldId id="364" r:id="rId43"/>
-    <p:sldId id="365" r:id="rId44"/>
-    <p:sldId id="336" r:id="rId45"/>
-    <p:sldId id="366" r:id="rId46"/>
-    <p:sldId id="367" r:id="rId47"/>
-    <p:sldId id="368" r:id="rId48"/>
-    <p:sldId id="369" r:id="rId49"/>
-    <p:sldId id="316" r:id="rId50"/>
+    <p:sldId id="270" r:id="rId29"/>
+    <p:sldId id="271" r:id="rId30"/>
+    <p:sldId id="326" r:id="rId31"/>
+    <p:sldId id="328" r:id="rId32"/>
+    <p:sldId id="347" r:id="rId33"/>
+    <p:sldId id="348" r:id="rId34"/>
+    <p:sldId id="349" r:id="rId35"/>
+    <p:sldId id="330" r:id="rId36"/>
+    <p:sldId id="331" r:id="rId37"/>
+    <p:sldId id="350" r:id="rId38"/>
+    <p:sldId id="332" r:id="rId39"/>
+    <p:sldId id="334" r:id="rId40"/>
+    <p:sldId id="335" r:id="rId41"/>
+    <p:sldId id="364" r:id="rId42"/>
+    <p:sldId id="365" r:id="rId43"/>
+    <p:sldId id="336" r:id="rId44"/>
+    <p:sldId id="366" r:id="rId45"/>
+    <p:sldId id="367" r:id="rId46"/>
+    <p:sldId id="368" r:id="rId47"/>
+    <p:sldId id="369" r:id="rId48"/>
+    <p:sldId id="316" r:id="rId49"/>
   </p:sldIdLst>
   <p:sldSz cx="9144000" cy="6858000" type="screen4x3"/>
   <p:notesSz cx="6858000" cy="9144000"/>
@@ -6590,6 +6589,13 @@
     <a:masterClrMapping/>
   </p:clrMapOvr>
   <p:transition/>
+  <p:timing>
+    <p:tnLst>
+      <p:par>
+        <p:cTn id="1" dur="indefinite" restart="never" nodeType="tmRoot"/>
+      </p:par>
+    </p:tnLst>
+  </p:timing>
 </p:sld>
 </file>
 
@@ -6825,48 +6831,48 @@
           <a:p>
             <a:pPr algn="just" eaLnBrk="1" hangingPunct="1"/>
             <a:r>
-              <a:rPr lang="zh-CN" sz="3400" b="1"/>
+              <a:rPr lang="zh-CN" sz="3400" b="1" dirty="0"/>
               <a:t>从对数据的操作设计测试</a:t>
             </a:r>
-            <a:endParaRPr lang="en-US" sz="3400" b="1"/>
+            <a:endParaRPr lang="en-US" sz="3400" b="1" dirty="0"/>
           </a:p>
           <a:p>
             <a:pPr algn="just" eaLnBrk="1" hangingPunct="1"/>
             <a:r>
-              <a:rPr lang="en-US" sz="3400" b="1"/>
+              <a:rPr lang="en-US" sz="3400" b="1" dirty="0"/>
               <a:t>3</a:t>
             </a:r>
             <a:r>
-              <a:rPr lang="zh-CN" sz="3400" b="1"/>
+              <a:rPr lang="zh-CN" sz="3400" b="1" dirty="0"/>
               <a:t>、查找</a:t>
             </a:r>
-            <a:endParaRPr lang="en-US" sz="3400" b="1"/>
+            <a:endParaRPr lang="en-US" sz="3400" b="1" dirty="0"/>
           </a:p>
           <a:p>
             <a:pPr lvl="1"/>
             <a:r>
-              <a:rPr lang="zh-CN" b="1"/>
+              <a:rPr lang="zh-CN" b="1" dirty="0"/>
               <a:t>测试系统能否支持简单查询和高级查询</a:t>
             </a:r>
           </a:p>
           <a:p>
             <a:pPr lvl="1"/>
             <a:r>
-              <a:rPr lang="zh-CN" b="1"/>
+              <a:rPr lang="zh-CN" b="1" dirty="0"/>
               <a:t>测试系统是否针对存在和不存在的内容均给出正确的查找结果</a:t>
             </a:r>
           </a:p>
           <a:p>
             <a:pPr lvl="1"/>
             <a:r>
-              <a:rPr lang="zh-CN" b="1"/>
+              <a:rPr lang="zh-CN" b="1" dirty="0"/>
               <a:t>测试系统能否针对合理和不合理的条件进行正确的处理</a:t>
             </a:r>
           </a:p>
           <a:p>
             <a:pPr lvl="1"/>
             <a:r>
-              <a:rPr lang="zh-CN" b="1"/>
+              <a:rPr lang="zh-CN" b="1" dirty="0"/>
               <a:t>测试系统能否将查找结果与删除、修改等操作方便地结合起来</a:t>
             </a:r>
           </a:p>
@@ -6878,6 +6884,13 @@
     <a:masterClrMapping/>
   </p:clrMapOvr>
   <p:transition/>
+  <p:timing>
+    <p:tnLst>
+      <p:par>
+        <p:cTn id="1" dur="indefinite" restart="never" nodeType="tmRoot"/>
+      </p:par>
+    </p:tnLst>
+  </p:timing>
 </p:sld>
 </file>
 
@@ -7161,6 +7174,13 @@
     <a:masterClrMapping/>
   </p:clrMapOvr>
   <p:transition/>
+  <p:timing>
+    <p:tnLst>
+      <p:par>
+        <p:cTn id="1" dur="indefinite" restart="never" nodeType="tmRoot"/>
+      </p:par>
+    </p:tnLst>
+  </p:timing>
 </p:sld>
 </file>
 
@@ -7389,38 +7409,55 @@
             <p:ph type="body" idx="4294967295"/>
           </p:nvPr>
         </p:nvSpPr>
-        <p:spPr/>
+        <p:spPr>
+          <a:xfrm>
+            <a:off x="566738" y="1412776"/>
+            <a:ext cx="8001000" cy="4267200"/>
+          </a:xfrm>
+        </p:spPr>
         <p:txBody>
           <a:bodyPr/>
           <a:lstStyle/>
           <a:p>
             <a:pPr algn="just" eaLnBrk="1" hangingPunct="1"/>
             <a:r>
-              <a:rPr lang="zh-CN" sz="3400" b="1"/>
+              <a:rPr lang="zh-CN" sz="3400" b="1" dirty="0"/>
               <a:t>以活动序列为中心的系统</a:t>
             </a:r>
-            <a:endParaRPr lang="en-US" sz="3400" b="1"/>
+            <a:endParaRPr lang="en-US" sz="3400" b="1" dirty="0"/>
           </a:p>
           <a:p>
             <a:pPr algn="just" eaLnBrk="1" hangingPunct="1"/>
             <a:r>
-              <a:rPr lang="zh-CN" sz="3400" b="1"/>
-              <a:t>核心是活动序列，包括系统输入、输出、状态及触发状态变迁的事件</a:t>
-            </a:r>
-            <a:endParaRPr lang="en-US" sz="3400" b="1"/>
+              <a:rPr lang="zh-CN" sz="3400" b="1" dirty="0"/>
+              <a:t>核心是活动序列，包括</a:t>
+            </a:r>
+            <a:r>
+              <a:rPr lang="zh-CN" sz="3400" b="1" dirty="0">
+                <a:solidFill>
+                  <a:srgbClr val="FF0000"/>
+                </a:solidFill>
+              </a:rPr>
+              <a:t>系统输入、输出、状态及触发状态变迁的事件</a:t>
+            </a:r>
+            <a:endParaRPr lang="en-US" sz="3400" b="1" dirty="0">
+              <a:solidFill>
+                <a:srgbClr val="FF0000"/>
+              </a:solidFill>
+            </a:endParaRPr>
           </a:p>
           <a:p>
             <a:pPr lvl="1" algn="just" eaLnBrk="1" hangingPunct="1"/>
             <a:r>
-              <a:rPr lang="zh-CN" b="1"/>
+              <a:rPr lang="zh-CN" b="1" dirty="0"/>
               <a:t>结合黑盒测试的思想设计测试</a:t>
             </a:r>
-            <a:endParaRPr lang="en-US" b="1"/>
+            <a:endParaRPr lang="en-US" b="1" dirty="0"/>
           </a:p>
           <a:p>
             <a:pPr lvl="1" algn="just" eaLnBrk="1" hangingPunct="1"/>
             <a:r>
-              <a:rPr lang="zh-CN" b="1"/>
+              <a:rPr lang="zh-CN" b="1" dirty="0"/>
               <a:t>结合白盒测试的思想设计测试</a:t>
             </a:r>
           </a:p>
@@ -7432,6 +7469,13 @@
     <a:masterClrMapping/>
   </p:clrMapOvr>
   <p:transition/>
+  <p:timing>
+    <p:tnLst>
+      <p:par>
+        <p:cTn id="1" dur="indefinite" restart="never" nodeType="tmRoot"/>
+      </p:par>
+    </p:tnLst>
+  </p:timing>
 </p:sld>
 </file>
 
@@ -7759,6 +7803,13 @@
     <a:masterClrMapping/>
   </p:clrMapOvr>
   <p:transition/>
+  <p:timing>
+    <p:tnLst>
+      <p:par>
+        <p:cTn id="1" dur="indefinite" restart="never" nodeType="tmRoot"/>
+      </p:par>
+    </p:tnLst>
+  </p:timing>
 </p:sld>
 </file>
 
@@ -8041,6 +8092,13 @@
     <a:masterClrMapping/>
   </p:clrMapOvr>
   <p:transition/>
+  <p:timing>
+    <p:tnLst>
+      <p:par>
+        <p:cTn id="1" dur="indefinite" restart="never" nodeType="tmRoot"/>
+      </p:par>
+    </p:tnLst>
+  </p:timing>
 </p:sld>
 </file>
 
@@ -8389,6 +8447,13 @@
     <a:masterClrMapping/>
   </p:clrMapOvr>
   <p:transition/>
+  <p:timing>
+    <p:tnLst>
+      <p:par>
+        <p:cTn id="1" dur="indefinite" restart="never" nodeType="tmRoot"/>
+      </p:par>
+    </p:tnLst>
+  </p:timing>
 </p:sld>
 </file>
 
@@ -9681,13 +9746,13 @@
                   <a:srgbClr val="FF0000"/>
                 </a:solidFill>
               </a:rPr>
-              <a:t>时间和空间</a:t>
-            </a:r>
-            <a:r>
-              <a:rPr lang="zh-CN" sz="3400" b="1" dirty="0"/>
-              <a:t>性能</a:t>
-            </a:r>
-            <a:endParaRPr lang="en-US" sz="3400" b="1" dirty="0"/>
+              <a:t>时间和空间性能</a:t>
+            </a:r>
+            <a:endParaRPr lang="en-US" sz="3400" b="1" dirty="0">
+              <a:solidFill>
+                <a:srgbClr val="FF0000"/>
+              </a:solidFill>
+            </a:endParaRPr>
           </a:p>
           <a:p>
             <a:pPr lvl="1" algn="just" eaLnBrk="1" hangingPunct="1"/>
@@ -9713,6 +9778,13 @@
     <a:masterClrMapping/>
   </p:clrMapOvr>
   <p:transition/>
+  <p:timing>
+    <p:tnLst>
+      <p:par>
+        <p:cTn id="1" dur="indefinite" restart="never" nodeType="tmRoot"/>
+      </p:par>
+    </p:tnLst>
+  </p:timing>
 </p:sld>
 </file>
 
@@ -9815,10 +9887,6 @@
               </a:rPr>
               <a:t>测试分层模型</a:t>
             </a:r>
-            <a:endParaRPr lang="zh-CN" altLang="en-US" b="1" kern="1200" dirty="0">
-              <a:latin typeface="黑体" pitchFamily="49" charset="-122"/>
-              <a:ea typeface="黑体" pitchFamily="49" charset="-122"/>
-            </a:endParaRPr>
           </a:p>
         </p:txBody>
       </p:sp>
@@ -10451,6 +10519,13 @@
   <p:transition>
     <p:blinds dir="vert"/>
   </p:transition>
+  <p:timing>
+    <p:tnLst>
+      <p:par>
+        <p:cTn id="1" dur="indefinite" restart="never" nodeType="tmRoot"/>
+      </p:par>
+    </p:tnLst>
+  </p:timing>
 </p:sld>
 </file>
 
@@ -10955,54 +11030,59 @@
             <p:ph type="body" idx="4294967295"/>
           </p:nvPr>
         </p:nvSpPr>
-        <p:spPr/>
+        <p:spPr>
+          <a:xfrm>
+            <a:off x="566738" y="1484784"/>
+            <a:ext cx="8001000" cy="4267200"/>
+          </a:xfrm>
+        </p:spPr>
         <p:txBody>
           <a:bodyPr/>
           <a:lstStyle/>
           <a:p>
             <a:pPr algn="just" eaLnBrk="1" hangingPunct="1"/>
             <a:r>
-              <a:rPr lang="zh-CN" sz="3400" b="1"/>
+              <a:rPr lang="zh-CN" sz="3400" b="1" dirty="0"/>
               <a:t>性能测试的主要内容</a:t>
             </a:r>
-            <a:endParaRPr lang="en-US" sz="3400" b="1"/>
+            <a:endParaRPr lang="en-US" sz="3400" b="1" dirty="0"/>
           </a:p>
           <a:p>
             <a:pPr lvl="1" algn="just" eaLnBrk="1" hangingPunct="1"/>
             <a:r>
-              <a:rPr lang="zh-CN" b="1"/>
+              <a:rPr lang="zh-CN" b="1" dirty="0"/>
               <a:t>常规性能测试</a:t>
             </a:r>
-            <a:endParaRPr lang="en-US" b="1"/>
+            <a:endParaRPr lang="en-US" b="1" dirty="0"/>
           </a:p>
           <a:p>
             <a:pPr lvl="1" algn="just" eaLnBrk="1" hangingPunct="1"/>
             <a:r>
-              <a:rPr lang="zh-CN" b="1"/>
+              <a:rPr lang="zh-CN" b="1" dirty="0"/>
               <a:t>压力测试</a:t>
             </a:r>
-            <a:endParaRPr lang="en-US" b="1"/>
+            <a:endParaRPr lang="en-US" b="1" dirty="0"/>
           </a:p>
           <a:p>
             <a:pPr lvl="1" algn="just" eaLnBrk="1" hangingPunct="1"/>
             <a:r>
-              <a:rPr lang="zh-CN" b="1"/>
+              <a:rPr lang="zh-CN" b="1" dirty="0"/>
               <a:t>负载测试</a:t>
             </a:r>
-            <a:endParaRPr lang="en-US" b="1"/>
+            <a:endParaRPr lang="en-US" b="1" dirty="0"/>
           </a:p>
           <a:p>
             <a:pPr lvl="1" algn="just" eaLnBrk="1" hangingPunct="1"/>
             <a:r>
-              <a:rPr lang="zh-CN" b="1"/>
+              <a:rPr lang="zh-CN" b="1" dirty="0"/>
               <a:t>可靠性测试</a:t>
             </a:r>
-            <a:endParaRPr lang="en-US" b="1"/>
+            <a:endParaRPr lang="en-US" b="1" dirty="0"/>
           </a:p>
           <a:p>
             <a:pPr lvl="1" algn="just" eaLnBrk="1" hangingPunct="1"/>
             <a:r>
-              <a:rPr lang="zh-CN" b="1"/>
+              <a:rPr lang="zh-CN" b="1" dirty="0"/>
               <a:t>大数据量测试</a:t>
             </a:r>
           </a:p>
@@ -11014,6 +11094,13 @@
     <a:masterClrMapping/>
   </p:clrMapOvr>
   <p:transition/>
+  <p:timing>
+    <p:tnLst>
+      <p:par>
+        <p:cTn id="1" dur="indefinite" restart="never" nodeType="tmRoot"/>
+      </p:par>
+    </p:tnLst>
+  </p:timing>
 </p:sld>
 </file>
 
@@ -11242,22 +11329,27 @@
             <p:ph type="body" idx="4294967295"/>
           </p:nvPr>
         </p:nvSpPr>
-        <p:spPr/>
+        <p:spPr>
+          <a:xfrm>
+            <a:off x="566738" y="1556792"/>
+            <a:ext cx="8001000" cy="4267200"/>
+          </a:xfrm>
+        </p:spPr>
         <p:txBody>
           <a:bodyPr/>
           <a:lstStyle/>
           <a:p>
             <a:pPr algn="just" eaLnBrk="1" hangingPunct="1"/>
             <a:r>
-              <a:rPr lang="zh-CN" sz="3400" b="1"/>
+              <a:rPr lang="zh-CN" sz="3400" b="1" dirty="0"/>
               <a:t>常规性能测试</a:t>
             </a:r>
-            <a:endParaRPr lang="en-US" sz="3400" b="1"/>
+            <a:endParaRPr lang="en-US" sz="3400" b="1" dirty="0"/>
           </a:p>
           <a:p>
             <a:pPr algn="just" eaLnBrk="1" hangingPunct="1"/>
             <a:r>
-              <a:rPr lang="zh-CN" sz="3400" b="1"/>
+              <a:rPr lang="zh-CN" sz="3400" b="1" dirty="0"/>
               <a:t>软件在正常的软、硬件环境下运行，不向其施加任何压力的性能测试</a:t>
             </a:r>
           </a:p>
@@ -11269,6 +11361,13 @@
     <a:masterClrMapping/>
   </p:clrMapOvr>
   <p:transition/>
+  <p:timing>
+    <p:tnLst>
+      <p:par>
+        <p:cTn id="1" dur="indefinite" restart="never" nodeType="tmRoot"/>
+      </p:par>
+    </p:tnLst>
+  </p:timing>
 </p:sld>
 </file>
 
@@ -11497,7 +11596,12 @@
             <p:ph type="body" idx="4294967295"/>
           </p:nvPr>
         </p:nvSpPr>
-        <p:spPr/>
+        <p:spPr>
+          <a:xfrm>
+            <a:off x="534211" y="1412776"/>
+            <a:ext cx="8001000" cy="4267200"/>
+          </a:xfrm>
+        </p:spPr>
         <p:txBody>
           <a:bodyPr/>
           <a:lstStyle/>
@@ -11505,7 +11609,23 @@
             <a:pPr algn="just" eaLnBrk="1" hangingPunct="1"/>
             <a:r>
               <a:rPr lang="zh-CN" sz="3400" b="1" dirty="0"/>
-              <a:t>压力测试</a:t>
+              <a:t>压力</a:t>
+            </a:r>
+            <a:r>
+              <a:rPr lang="zh-CN" sz="3400" b="1" dirty="0" smtClean="0"/>
+              <a:t>测试</a:t>
+            </a:r>
+            <a:r>
+              <a:rPr lang="zh-CN" altLang="en-US" sz="3400" b="1" dirty="0" smtClean="0"/>
+              <a:t>（</a:t>
+            </a:r>
+            <a:r>
+              <a:rPr lang="en-US" altLang="zh-CN" sz="3400" b="1" dirty="0" smtClean="0"/>
+              <a:t>Stress Testing</a:t>
+            </a:r>
+            <a:r>
+              <a:rPr lang="zh-CN" altLang="en-US" sz="3400" b="1" dirty="0" smtClean="0"/>
+              <a:t>）</a:t>
             </a:r>
             <a:endParaRPr lang="en-US" sz="3400" b="1" dirty="0"/>
           </a:p>
@@ -11525,9 +11645,21 @@
             </a:r>
             <a:r>
               <a:rPr lang="zh-CN" sz="3400" b="1" dirty="0"/>
-              <a:t>，以确定系统能承受的最大压力</a:t>
-            </a:r>
-            <a:endParaRPr lang="en-US" sz="3400" b="1" dirty="0"/>
+              <a:t>，以确定系统能承受的</a:t>
+            </a:r>
+            <a:r>
+              <a:rPr lang="zh-CN" sz="3400" b="1" dirty="0">
+                <a:solidFill>
+                  <a:srgbClr val="FF0000"/>
+                </a:solidFill>
+              </a:rPr>
+              <a:t>最大压力</a:t>
+            </a:r>
+            <a:endParaRPr lang="en-US" sz="3400" b="1" dirty="0">
+              <a:solidFill>
+                <a:srgbClr val="FF0000"/>
+              </a:solidFill>
+            </a:endParaRPr>
           </a:p>
           <a:p>
             <a:pPr algn="just" eaLnBrk="1" hangingPunct="1"/>
@@ -11544,6 +11676,13 @@
     <a:masterClrMapping/>
   </p:clrMapOvr>
   <p:transition/>
+  <p:timing>
+    <p:tnLst>
+      <p:par>
+        <p:cTn id="1" dur="indefinite" restart="never" nodeType="tmRoot"/>
+      </p:par>
+    </p:tnLst>
+  </p:timing>
 </p:sld>
 </file>
 
@@ -11774,7 +11913,7 @@
         </p:nvSpPr>
         <p:spPr>
           <a:xfrm>
-            <a:off x="566738" y="1700808"/>
+            <a:off x="566738" y="1412776"/>
             <a:ext cx="8001000" cy="4267200"/>
           </a:xfrm>
         </p:spPr>
@@ -11785,7 +11924,15 @@
             <a:pPr algn="just" eaLnBrk="1" hangingPunct="1"/>
             <a:r>
               <a:rPr lang="zh-CN" sz="3400" b="1" dirty="0"/>
-              <a:t>负载测试</a:t>
+              <a:t>负载</a:t>
+            </a:r>
+            <a:r>
+              <a:rPr lang="zh-CN" sz="3400" b="1" dirty="0" smtClean="0"/>
+              <a:t>测试</a:t>
+            </a:r>
+            <a:r>
+              <a:rPr lang="en-US" altLang="zh-CN" sz="3400" b="1" dirty="0" smtClean="0"/>
+              <a:t>(Loading Testing)</a:t>
             </a:r>
             <a:endParaRPr lang="en-US" sz="3400" b="1" dirty="0"/>
           </a:p>
@@ -11817,9 +11964,21 @@
             </a:r>
             <a:r>
               <a:rPr lang="zh-CN" sz="3400" b="1" dirty="0"/>
-              <a:t>连续运行，来测试系统的稳定性</a:t>
-            </a:r>
-            <a:endParaRPr lang="en-US" sz="3400" b="1" dirty="0"/>
+              <a:t>连续运行，来测试</a:t>
+            </a:r>
+            <a:r>
+              <a:rPr lang="zh-CN" sz="3400" b="1" dirty="0">
+                <a:solidFill>
+                  <a:srgbClr val="FF0000"/>
+                </a:solidFill>
+              </a:rPr>
+              <a:t>系统的稳定性</a:t>
+            </a:r>
+            <a:endParaRPr lang="en-US" sz="3400" b="1" dirty="0">
+              <a:solidFill>
+                <a:srgbClr val="FF0000"/>
+              </a:solidFill>
+            </a:endParaRPr>
           </a:p>
           <a:p>
             <a:pPr algn="just" eaLnBrk="1" hangingPunct="1"/>
@@ -11864,6 +12023,13 @@
     <a:masterClrMapping/>
   </p:clrMapOvr>
   <p:transition/>
+  <p:timing>
+    <p:tnLst>
+      <p:par>
+        <p:cTn id="1" dur="indefinite" restart="never" nodeType="tmRoot"/>
+      </p:par>
+    </p:tnLst>
+  </p:timing>
 </p:sld>
 </file>
 
@@ -12092,7 +12258,12 @@
             <p:ph type="body" idx="4294967295"/>
           </p:nvPr>
         </p:nvSpPr>
-        <p:spPr/>
+        <p:spPr>
+          <a:xfrm>
+            <a:off x="566738" y="1484784"/>
+            <a:ext cx="8001000" cy="4267200"/>
+          </a:xfrm>
+        </p:spPr>
         <p:txBody>
           <a:bodyPr/>
           <a:lstStyle/>
@@ -12100,7 +12271,23 @@
             <a:pPr algn="just" eaLnBrk="1" hangingPunct="1"/>
             <a:r>
               <a:rPr lang="zh-CN" sz="3400" b="1" dirty="0"/>
-              <a:t>可靠性测试</a:t>
+              <a:t>可靠性</a:t>
+            </a:r>
+            <a:r>
+              <a:rPr lang="zh-CN" sz="3400" b="1" dirty="0" smtClean="0"/>
+              <a:t>测试</a:t>
+            </a:r>
+            <a:r>
+              <a:rPr lang="en-US" altLang="zh-CN" sz="3400" b="1" dirty="0" smtClean="0"/>
+              <a:t>(</a:t>
+            </a:r>
+            <a:r>
+              <a:rPr lang="zh-CN" altLang="en-US" sz="3400" b="1" dirty="0" smtClean="0"/>
+              <a:t>强度测试</a:t>
+            </a:r>
+            <a:r>
+              <a:rPr lang="en-US" altLang="zh-CN" sz="3400" b="1" dirty="0" smtClean="0"/>
+              <a:t>)</a:t>
             </a:r>
             <a:endParaRPr lang="en-US" sz="3400" b="1" dirty="0"/>
           </a:p>
@@ -12183,6 +12370,13 @@
     <a:masterClrMapping/>
   </p:clrMapOvr>
   <p:transition/>
+  <p:timing>
+    <p:tnLst>
+      <p:par>
+        <p:cTn id="1" dur="indefinite" restart="never" nodeType="tmRoot"/>
+      </p:par>
+    </p:tnLst>
+  </p:timing>
 </p:sld>
 </file>
 
@@ -12411,27 +12605,32 @@
             <p:ph type="body" idx="4294967295"/>
           </p:nvPr>
         </p:nvSpPr>
-        <p:spPr/>
+        <p:spPr>
+          <a:xfrm>
+            <a:off x="566738" y="1412776"/>
+            <a:ext cx="8001000" cy="4267200"/>
+          </a:xfrm>
+        </p:spPr>
         <p:txBody>
           <a:bodyPr/>
           <a:lstStyle/>
           <a:p>
             <a:pPr algn="just" eaLnBrk="1" hangingPunct="1"/>
             <a:r>
-              <a:rPr lang="zh-CN" sz="3400" b="1"/>
+              <a:rPr lang="zh-CN" sz="3400" b="1" dirty="0"/>
               <a:t>大数据量测试</a:t>
             </a:r>
-            <a:endParaRPr lang="en-US" sz="3400" b="1"/>
-          </a:p>
-          <a:p>
-            <a:r>
-              <a:rPr lang="zh-CN" sz="3400" b="1"/>
+            <a:endParaRPr lang="en-US" sz="3400" b="1" dirty="0"/>
+          </a:p>
+          <a:p>
+            <a:r>
+              <a:rPr lang="zh-CN" sz="3400" b="1" dirty="0"/>
               <a:t>针对某些系统存储、传输、统计、查询等业务进行大数据量的独立数据量测试</a:t>
             </a:r>
           </a:p>
           <a:p>
             <a:r>
-              <a:rPr lang="zh-CN" sz="3400" b="1"/>
+              <a:rPr lang="zh-CN" sz="3400" b="1" dirty="0"/>
               <a:t>与压力测试、负载测试、疲劳测试等并发测试相结合的极限状态下的综合数据量测试</a:t>
             </a:r>
           </a:p>
@@ -12443,6 +12642,13 @@
     <a:masterClrMapping/>
   </p:clrMapOvr>
   <p:transition/>
+  <p:timing>
+    <p:tnLst>
+      <p:par>
+        <p:cTn id="1" dur="indefinite" restart="never" nodeType="tmRoot"/>
+      </p:par>
+    </p:tnLst>
+  </p:timing>
 </p:sld>
 </file>
 
@@ -15551,3118 +15757,17 @@
   <p:transition>
     <p:blinds dir="vert"/>
   </p:transition>
+  <p:timing>
+    <p:tnLst>
+      <p:par>
+        <p:cTn id="1" dur="indefinite" restart="never" nodeType="tmRoot"/>
+      </p:par>
+    </p:tnLst>
+  </p:timing>
 </p:sld>
 </file>
 
 <file path=ppt/slides/slide27.xml><?xml version="1.0" encoding="utf-8"?>
-<p:sld xmlns:a="http://schemas.openxmlformats.org/drawingml/2006/main" xmlns:r="http://schemas.openxmlformats.org/officeDocument/2006/relationships" xmlns:p="http://schemas.openxmlformats.org/presentationml/2006/main">
-  <p:cSld>
-    <p:spTree>
-      <p:nvGrpSpPr>
-        <p:cNvPr id="1" name=""/>
-        <p:cNvGrpSpPr/>
-        <p:nvPr/>
-      </p:nvGrpSpPr>
-      <p:grpSpPr>
-        <a:xfrm>
-          <a:off x="0" y="0"/>
-          <a:ext cx="0" cy="0"/>
-          <a:chOff x="0" y="0"/>
-          <a:chExt cx="0" cy="0"/>
-        </a:xfrm>
-      </p:grpSpPr>
-      <p:graphicFrame>
-        <p:nvGraphicFramePr>
-          <p:cNvPr id="3" name="内容占位符 5"/>
-          <p:cNvGraphicFramePr>
-            <a:graphicFrameLocks/>
-          </p:cNvGraphicFramePr>
-          <p:nvPr>
-            <p:extLst>
-              <p:ext uri="{D42A27DB-BD31-4B8C-83A1-F6EECF244321}">
-                <p14:modId xmlns:p14="http://schemas.microsoft.com/office/powerpoint/2010/main" val="3384749072"/>
-              </p:ext>
-            </p:extLst>
-          </p:nvPr>
-        </p:nvGraphicFramePr>
-        <p:xfrm>
-          <a:off x="683568" y="1052736"/>
-          <a:ext cx="8249747" cy="5475388"/>
-        </p:xfrm>
-        <a:graphic>
-          <a:graphicData uri="http://schemas.openxmlformats.org/drawingml/2006/table">
-            <a:tbl>
-              <a:tblPr/>
-              <a:tblGrid>
-                <a:gridCol w="670335"/>
-                <a:gridCol w="1170700"/>
-                <a:gridCol w="1152128"/>
-                <a:gridCol w="2781466"/>
-                <a:gridCol w="2475118"/>
-              </a:tblGrid>
-              <a:tr h="415002">
-                <a:tc>
-                  <a:txBody>
-                    <a:bodyPr/>
-                    <a:lstStyle/>
-                    <a:p>
-                      <a:pPr marL="0" marR="0" lvl="0" indent="0" algn="ctr" defTabSz="914400" rtl="0" eaLnBrk="1" fontAlgn="base" latinLnBrk="0" hangingPunct="1">
-                        <a:lnSpc>
-                          <a:spcPct val="100000"/>
-                        </a:lnSpc>
-                        <a:spcBef>
-                          <a:spcPct val="0"/>
-                        </a:spcBef>
-                        <a:spcAft>
-                          <a:spcPct val="0"/>
-                        </a:spcAft>
-                        <a:buClrTx/>
-                        <a:buSzTx/>
-                        <a:buFontTx/>
-                        <a:buNone/>
-                        <a:tabLst/>
-                      </a:pPr>
-                      <a:r>
-                        <a:rPr kumimoji="0" lang="zh-CN" altLang="en-US" sz="1800" b="1" i="0" u="none" strike="noStrike" cap="none" normalizeH="0" baseline="0" dirty="0" smtClean="0">
-                          <a:ln>
-                            <a:noFill/>
-                          </a:ln>
-                          <a:solidFill>
-                            <a:schemeClr val="bg1"/>
-                          </a:solidFill>
-                          <a:effectLst/>
-                          <a:latin typeface="微软雅黑" pitchFamily="34" charset="-122"/>
-                          <a:ea typeface="微软雅黑" pitchFamily="34" charset="-122"/>
-                        </a:rPr>
-                        <a:t>编号</a:t>
-                      </a:r>
-                    </a:p>
-                  </a:txBody>
-                  <a:tcPr marL="85047" marR="85047" marT="45708" marB="45708" horzOverflow="overflow">
-                    <a:lnL w="12700" cap="flat" cmpd="sng" algn="ctr">
-                      <a:solidFill>
-                        <a:srgbClr val="678843"/>
-                      </a:solidFill>
-                      <a:prstDash val="solid"/>
-                      <a:round/>
-                      <a:headEnd type="none" w="med" len="med"/>
-                      <a:tailEnd type="none" w="med" len="med"/>
-                    </a:lnL>
-                    <a:lnR w="12700" cap="flat" cmpd="sng" algn="ctr">
-                      <a:solidFill>
-                        <a:srgbClr val="678843"/>
-                      </a:solidFill>
-                      <a:prstDash val="solid"/>
-                      <a:round/>
-                      <a:headEnd type="none" w="med" len="med"/>
-                      <a:tailEnd type="none" w="med" len="med"/>
-                    </a:lnR>
-                    <a:lnT w="12700" cap="flat" cmpd="sng" algn="ctr">
-                      <a:solidFill>
-                        <a:srgbClr val="678843"/>
-                      </a:solidFill>
-                      <a:prstDash val="solid"/>
-                      <a:round/>
-                      <a:headEnd type="none" w="med" len="med"/>
-                      <a:tailEnd type="none" w="med" len="med"/>
-                    </a:lnT>
-                    <a:lnB w="25400" cap="flat" cmpd="sng" algn="ctr">
-                      <a:solidFill>
-                        <a:srgbClr val="678843"/>
-                      </a:solidFill>
-                      <a:prstDash val="solid"/>
-                      <a:round/>
-                      <a:headEnd type="none" w="med" len="med"/>
-                      <a:tailEnd type="none" w="med" len="med"/>
-                    </a:lnB>
-                    <a:lnTlToBr>
-                      <a:noFill/>
-                    </a:lnTlToBr>
-                    <a:lnBlToTr>
-                      <a:noFill/>
-                    </a:lnBlToTr>
-                    <a:solidFill>
-                      <a:schemeClr val="accent5">
-                        <a:lumMod val="50000"/>
-                      </a:schemeClr>
-                    </a:solidFill>
-                  </a:tcPr>
-                </a:tc>
-                <a:tc>
-                  <a:txBody>
-                    <a:bodyPr/>
-                    <a:lstStyle/>
-                    <a:p>
-                      <a:pPr marL="0" marR="0" lvl="0" indent="0" algn="ctr" defTabSz="914400" rtl="0" eaLnBrk="1" fontAlgn="base" latinLnBrk="0" hangingPunct="1">
-                        <a:lnSpc>
-                          <a:spcPct val="100000"/>
-                        </a:lnSpc>
-                        <a:spcBef>
-                          <a:spcPct val="0"/>
-                        </a:spcBef>
-                        <a:spcAft>
-                          <a:spcPct val="0"/>
-                        </a:spcAft>
-                        <a:buClrTx/>
-                        <a:buSzTx/>
-                        <a:buFontTx/>
-                        <a:buNone/>
-                        <a:tabLst/>
-                      </a:pPr>
-                      <a:r>
-                        <a:rPr kumimoji="0" lang="zh-CN" altLang="en-US" sz="1800" b="1" i="0" u="none" strike="noStrike" cap="none" normalizeH="0" baseline="0" dirty="0" smtClean="0">
-                          <a:ln>
-                            <a:noFill/>
-                          </a:ln>
-                          <a:solidFill>
-                            <a:schemeClr val="bg1"/>
-                          </a:solidFill>
-                          <a:effectLst/>
-                          <a:latin typeface="微软雅黑" pitchFamily="34" charset="-122"/>
-                          <a:ea typeface="微软雅黑" pitchFamily="34" charset="-122"/>
-                        </a:rPr>
-                        <a:t>测试种类</a:t>
-                      </a:r>
-                    </a:p>
-                  </a:txBody>
-                  <a:tcPr marL="85047" marR="85047" marT="45708" marB="45708" horzOverflow="overflow">
-                    <a:lnL w="12700" cap="flat" cmpd="sng" algn="ctr">
-                      <a:solidFill>
-                        <a:srgbClr val="678843"/>
-                      </a:solidFill>
-                      <a:prstDash val="solid"/>
-                      <a:round/>
-                      <a:headEnd type="none" w="med" len="med"/>
-                      <a:tailEnd type="none" w="med" len="med"/>
-                    </a:lnL>
-                    <a:lnR w="12700" cap="flat" cmpd="sng" algn="ctr">
-                      <a:solidFill>
-                        <a:srgbClr val="678843"/>
-                      </a:solidFill>
-                      <a:prstDash val="solid"/>
-                      <a:round/>
-                      <a:headEnd type="none" w="med" len="med"/>
-                      <a:tailEnd type="none" w="med" len="med"/>
-                    </a:lnR>
-                    <a:lnT w="12700" cap="flat" cmpd="sng" algn="ctr">
-                      <a:solidFill>
-                        <a:srgbClr val="678843"/>
-                      </a:solidFill>
-                      <a:prstDash val="solid"/>
-                      <a:round/>
-                      <a:headEnd type="none" w="med" len="med"/>
-                      <a:tailEnd type="none" w="med" len="med"/>
-                    </a:lnT>
-                    <a:lnB w="25400" cap="flat" cmpd="sng" algn="ctr">
-                      <a:solidFill>
-                        <a:srgbClr val="678843"/>
-                      </a:solidFill>
-                      <a:prstDash val="solid"/>
-                      <a:round/>
-                      <a:headEnd type="none" w="med" len="med"/>
-                      <a:tailEnd type="none" w="med" len="med"/>
-                    </a:lnB>
-                    <a:lnTlToBr>
-                      <a:noFill/>
-                    </a:lnTlToBr>
-                    <a:lnBlToTr>
-                      <a:noFill/>
-                    </a:lnBlToTr>
-                    <a:solidFill>
-                      <a:schemeClr val="accent5">
-                        <a:lumMod val="50000"/>
-                      </a:schemeClr>
-                    </a:solidFill>
-                  </a:tcPr>
-                </a:tc>
-                <a:tc>
-                  <a:txBody>
-                    <a:bodyPr/>
-                    <a:lstStyle/>
-                    <a:p>
-                      <a:pPr marL="0" marR="0" lvl="0" indent="0" algn="ctr" defTabSz="914400" rtl="0" eaLnBrk="1" fontAlgn="base" latinLnBrk="0" hangingPunct="1">
-                        <a:lnSpc>
-                          <a:spcPct val="100000"/>
-                        </a:lnSpc>
-                        <a:spcBef>
-                          <a:spcPct val="0"/>
-                        </a:spcBef>
-                        <a:spcAft>
-                          <a:spcPct val="0"/>
-                        </a:spcAft>
-                        <a:buClrTx/>
-                        <a:buSzTx/>
-                        <a:buFontTx/>
-                        <a:buNone/>
-                        <a:tabLst/>
-                      </a:pPr>
-                      <a:r>
-                        <a:rPr kumimoji="0" lang="zh-CN" altLang="en-US" sz="1800" b="1" i="0" u="none" strike="noStrike" cap="none" normalizeH="0" baseline="0" dirty="0" smtClean="0">
-                          <a:ln>
-                            <a:noFill/>
-                          </a:ln>
-                          <a:solidFill>
-                            <a:schemeClr val="bg1"/>
-                          </a:solidFill>
-                          <a:effectLst/>
-                          <a:latin typeface="微软雅黑" pitchFamily="34" charset="-122"/>
-                          <a:ea typeface="微软雅黑" pitchFamily="34" charset="-122"/>
-                        </a:rPr>
-                        <a:t>测试对象</a:t>
-                      </a:r>
-                    </a:p>
-                  </a:txBody>
-                  <a:tcPr marL="85047" marR="85047" marT="45708" marB="45708" horzOverflow="overflow">
-                    <a:lnL w="12700" cap="flat" cmpd="sng" algn="ctr">
-                      <a:solidFill>
-                        <a:srgbClr val="678843"/>
-                      </a:solidFill>
-                      <a:prstDash val="solid"/>
-                      <a:round/>
-                      <a:headEnd type="none" w="med" len="med"/>
-                      <a:tailEnd type="none" w="med" len="med"/>
-                    </a:lnL>
-                    <a:lnR w="12700" cap="flat" cmpd="sng" algn="ctr">
-                      <a:solidFill>
-                        <a:srgbClr val="678843"/>
-                      </a:solidFill>
-                      <a:prstDash val="solid"/>
-                      <a:round/>
-                      <a:headEnd type="none" w="med" len="med"/>
-                      <a:tailEnd type="none" w="med" len="med"/>
-                    </a:lnR>
-                    <a:lnT w="12700" cap="flat" cmpd="sng" algn="ctr">
-                      <a:solidFill>
-                        <a:srgbClr val="678843"/>
-                      </a:solidFill>
-                      <a:prstDash val="solid"/>
-                      <a:round/>
-                      <a:headEnd type="none" w="med" len="med"/>
-                      <a:tailEnd type="none" w="med" len="med"/>
-                    </a:lnT>
-                    <a:lnB w="25400" cap="flat" cmpd="sng" algn="ctr">
-                      <a:solidFill>
-                        <a:srgbClr val="678843"/>
-                      </a:solidFill>
-                      <a:prstDash val="solid"/>
-                      <a:round/>
-                      <a:headEnd type="none" w="med" len="med"/>
-                      <a:tailEnd type="none" w="med" len="med"/>
-                    </a:lnB>
-                    <a:lnTlToBr>
-                      <a:noFill/>
-                    </a:lnTlToBr>
-                    <a:lnBlToTr>
-                      <a:noFill/>
-                    </a:lnBlToTr>
-                    <a:solidFill>
-                      <a:schemeClr val="accent5">
-                        <a:lumMod val="50000"/>
-                      </a:schemeClr>
-                    </a:solidFill>
-                  </a:tcPr>
-                </a:tc>
-                <a:tc>
-                  <a:txBody>
-                    <a:bodyPr/>
-                    <a:lstStyle/>
-                    <a:p>
-                      <a:pPr marL="0" marR="0" lvl="0" indent="0" algn="ctr" defTabSz="914400" rtl="0" eaLnBrk="1" fontAlgn="base" latinLnBrk="0" hangingPunct="1">
-                        <a:lnSpc>
-                          <a:spcPct val="100000"/>
-                        </a:lnSpc>
-                        <a:spcBef>
-                          <a:spcPct val="0"/>
-                        </a:spcBef>
-                        <a:spcAft>
-                          <a:spcPct val="0"/>
-                        </a:spcAft>
-                        <a:buClrTx/>
-                        <a:buSzTx/>
-                        <a:buFontTx/>
-                        <a:buNone/>
-                        <a:tabLst/>
-                      </a:pPr>
-                      <a:r>
-                        <a:rPr kumimoji="0" lang="zh-CN" altLang="en-US" sz="1800" b="1" i="0" u="none" strike="noStrike" cap="none" normalizeH="0" baseline="0" dirty="0" smtClean="0">
-                          <a:ln>
-                            <a:noFill/>
-                          </a:ln>
-                          <a:solidFill>
-                            <a:schemeClr val="bg1"/>
-                          </a:solidFill>
-                          <a:effectLst/>
-                          <a:latin typeface="微软雅黑" pitchFamily="34" charset="-122"/>
-                          <a:ea typeface="微软雅黑" pitchFamily="34" charset="-122"/>
-                        </a:rPr>
-                        <a:t>测试步骤</a:t>
-                      </a:r>
-                    </a:p>
-                  </a:txBody>
-                  <a:tcPr marL="85047" marR="85047" marT="45708" marB="45708" horzOverflow="overflow">
-                    <a:lnL w="12700" cap="flat" cmpd="sng" algn="ctr">
-                      <a:solidFill>
-                        <a:srgbClr val="678843"/>
-                      </a:solidFill>
-                      <a:prstDash val="solid"/>
-                      <a:round/>
-                      <a:headEnd type="none" w="med" len="med"/>
-                      <a:tailEnd type="none" w="med" len="med"/>
-                    </a:lnL>
-                    <a:lnR w="12700" cap="flat" cmpd="sng" algn="ctr">
-                      <a:solidFill>
-                        <a:srgbClr val="678843"/>
-                      </a:solidFill>
-                      <a:prstDash val="solid"/>
-                      <a:round/>
-                      <a:headEnd type="none" w="med" len="med"/>
-                      <a:tailEnd type="none" w="med" len="med"/>
-                    </a:lnR>
-                    <a:lnT w="12700" cap="flat" cmpd="sng" algn="ctr">
-                      <a:solidFill>
-                        <a:srgbClr val="678843"/>
-                      </a:solidFill>
-                      <a:prstDash val="solid"/>
-                      <a:round/>
-                      <a:headEnd type="none" w="med" len="med"/>
-                      <a:tailEnd type="none" w="med" len="med"/>
-                    </a:lnT>
-                    <a:lnB w="25400" cap="flat" cmpd="sng" algn="ctr">
-                      <a:solidFill>
-                        <a:srgbClr val="678843"/>
-                      </a:solidFill>
-                      <a:prstDash val="solid"/>
-                      <a:round/>
-                      <a:headEnd type="none" w="med" len="med"/>
-                      <a:tailEnd type="none" w="med" len="med"/>
-                    </a:lnB>
-                    <a:lnTlToBr>
-                      <a:noFill/>
-                    </a:lnTlToBr>
-                    <a:lnBlToTr>
-                      <a:noFill/>
-                    </a:lnBlToTr>
-                    <a:solidFill>
-                      <a:schemeClr val="accent5">
-                        <a:lumMod val="50000"/>
-                      </a:schemeClr>
-                    </a:solidFill>
-                  </a:tcPr>
-                </a:tc>
-                <a:tc>
-                  <a:txBody>
-                    <a:bodyPr/>
-                    <a:lstStyle/>
-                    <a:p>
-                      <a:pPr marL="0" marR="0" lvl="0" indent="0" algn="ctr" defTabSz="914400" rtl="0" eaLnBrk="1" fontAlgn="base" latinLnBrk="0" hangingPunct="1">
-                        <a:lnSpc>
-                          <a:spcPct val="100000"/>
-                        </a:lnSpc>
-                        <a:spcBef>
-                          <a:spcPct val="0"/>
-                        </a:spcBef>
-                        <a:spcAft>
-                          <a:spcPct val="0"/>
-                        </a:spcAft>
-                        <a:buClrTx/>
-                        <a:buSzTx/>
-                        <a:buFontTx/>
-                        <a:buNone/>
-                        <a:tabLst/>
-                      </a:pPr>
-                      <a:r>
-                        <a:rPr kumimoji="0" lang="zh-CN" altLang="en-US" sz="1800" b="1" i="0" u="none" strike="noStrike" cap="none" normalizeH="0" baseline="0" dirty="0" smtClean="0">
-                          <a:ln>
-                            <a:noFill/>
-                          </a:ln>
-                          <a:solidFill>
-                            <a:schemeClr val="bg1"/>
-                          </a:solidFill>
-                          <a:effectLst/>
-                          <a:latin typeface="微软雅黑" pitchFamily="34" charset="-122"/>
-                          <a:ea typeface="微软雅黑" pitchFamily="34" charset="-122"/>
-                        </a:rPr>
-                        <a:t>重要数据</a:t>
-                      </a:r>
-                    </a:p>
-                  </a:txBody>
-                  <a:tcPr marL="85047" marR="85047" marT="45708" marB="45708" horzOverflow="overflow">
-                    <a:lnL w="12700" cap="flat" cmpd="sng" algn="ctr">
-                      <a:solidFill>
-                        <a:srgbClr val="678843"/>
-                      </a:solidFill>
-                      <a:prstDash val="solid"/>
-                      <a:round/>
-                      <a:headEnd type="none" w="med" len="med"/>
-                      <a:tailEnd type="none" w="med" len="med"/>
-                    </a:lnL>
-                    <a:lnR w="12700" cap="flat" cmpd="sng" algn="ctr">
-                      <a:solidFill>
-                        <a:srgbClr val="678843"/>
-                      </a:solidFill>
-                      <a:prstDash val="solid"/>
-                      <a:round/>
-                      <a:headEnd type="none" w="med" len="med"/>
-                      <a:tailEnd type="none" w="med" len="med"/>
-                    </a:lnR>
-                    <a:lnT w="12700" cap="flat" cmpd="sng" algn="ctr">
-                      <a:solidFill>
-                        <a:srgbClr val="678843"/>
-                      </a:solidFill>
-                      <a:prstDash val="solid"/>
-                      <a:round/>
-                      <a:headEnd type="none" w="med" len="med"/>
-                      <a:tailEnd type="none" w="med" len="med"/>
-                    </a:lnT>
-                    <a:lnB w="25400" cap="flat" cmpd="sng" algn="ctr">
-                      <a:solidFill>
-                        <a:srgbClr val="678843"/>
-                      </a:solidFill>
-                      <a:prstDash val="solid"/>
-                      <a:round/>
-                      <a:headEnd type="none" w="med" len="med"/>
-                      <a:tailEnd type="none" w="med" len="med"/>
-                    </a:lnB>
-                    <a:lnTlToBr>
-                      <a:noFill/>
-                    </a:lnTlToBr>
-                    <a:lnBlToTr>
-                      <a:noFill/>
-                    </a:lnBlToTr>
-                    <a:solidFill>
-                      <a:schemeClr val="accent5">
-                        <a:lumMod val="50000"/>
-                      </a:schemeClr>
-                    </a:solidFill>
-                  </a:tcPr>
-                </a:tc>
-              </a:tr>
-              <a:tr h="715081">
-                <a:tc>
-                  <a:txBody>
-                    <a:bodyPr/>
-                    <a:lstStyle/>
-                    <a:p>
-                      <a:pPr marL="0" marR="0" lvl="0" indent="0" algn="ctr" defTabSz="914400" rtl="0" eaLnBrk="1" fontAlgn="base" latinLnBrk="0" hangingPunct="1">
-                        <a:lnSpc>
-                          <a:spcPct val="100000"/>
-                        </a:lnSpc>
-                        <a:spcBef>
-                          <a:spcPct val="0"/>
-                        </a:spcBef>
-                        <a:spcAft>
-                          <a:spcPct val="0"/>
-                        </a:spcAft>
-                        <a:buClrTx/>
-                        <a:buSzTx/>
-                        <a:buFontTx/>
-                        <a:buNone/>
-                        <a:tabLst/>
-                      </a:pPr>
-                      <a:r>
-                        <a:rPr kumimoji="0" lang="en-US" altLang="zh-CN" sz="1800" b="0" i="0" u="none" strike="noStrike" cap="none" normalizeH="0" baseline="0" dirty="0" smtClean="0">
-                          <a:ln>
-                            <a:noFill/>
-                          </a:ln>
-                          <a:solidFill>
-                            <a:schemeClr val="tx1"/>
-                          </a:solidFill>
-                          <a:effectLst/>
-                          <a:latin typeface="微软雅黑" pitchFamily="34" charset="-122"/>
-                          <a:ea typeface="微软雅黑" pitchFamily="34" charset="-122"/>
-                        </a:rPr>
-                        <a:t>1</a:t>
-                      </a:r>
-                      <a:endParaRPr kumimoji="0" lang="zh-CN" altLang="en-US" sz="1800" b="0" i="0" u="none" strike="noStrike" cap="none" normalizeH="0" baseline="0" dirty="0" smtClean="0">
-                        <a:ln>
-                          <a:noFill/>
-                        </a:ln>
-                        <a:solidFill>
-                          <a:schemeClr val="tx1"/>
-                        </a:solidFill>
-                        <a:effectLst/>
-                        <a:latin typeface="微软雅黑" pitchFamily="34" charset="-122"/>
-                        <a:ea typeface="微软雅黑" pitchFamily="34" charset="-122"/>
-                      </a:endParaRPr>
-                    </a:p>
-                  </a:txBody>
-                  <a:tcPr marL="85047" marR="85047" marT="45708" marB="45708" horzOverflow="overflow">
-                    <a:lnL w="12700" cap="flat" cmpd="sng" algn="ctr">
-                      <a:solidFill>
-                        <a:srgbClr val="678843"/>
-                      </a:solidFill>
-                      <a:prstDash val="solid"/>
-                      <a:round/>
-                      <a:headEnd type="none" w="med" len="med"/>
-                      <a:tailEnd type="none" w="med" len="med"/>
-                    </a:lnL>
-                    <a:lnR w="12700" cap="flat" cmpd="sng" algn="ctr">
-                      <a:solidFill>
-                        <a:srgbClr val="678843"/>
-                      </a:solidFill>
-                      <a:prstDash val="solid"/>
-                      <a:round/>
-                      <a:headEnd type="none" w="med" len="med"/>
-                      <a:tailEnd type="none" w="med" len="med"/>
-                    </a:lnR>
-                    <a:lnT w="25400" cap="flat" cmpd="sng" algn="ctr">
-                      <a:solidFill>
-                        <a:srgbClr val="678843"/>
-                      </a:solidFill>
-                      <a:prstDash val="solid"/>
-                      <a:round/>
-                      <a:headEnd type="none" w="med" len="med"/>
-                      <a:tailEnd type="none" w="med" len="med"/>
-                    </a:lnT>
-                    <a:lnB w="12700" cap="flat" cmpd="sng" algn="ctr">
-                      <a:solidFill>
-                        <a:srgbClr val="678843"/>
-                      </a:solidFill>
-                      <a:prstDash val="solid"/>
-                      <a:round/>
-                      <a:headEnd type="none" w="med" len="med"/>
-                      <a:tailEnd type="none" w="med" len="med"/>
-                    </a:lnB>
-                    <a:lnTlToBr>
-                      <a:noFill/>
-                    </a:lnTlToBr>
-                    <a:lnBlToTr>
-                      <a:noFill/>
-                    </a:lnBlToTr>
-                    <a:solidFill>
-                      <a:schemeClr val="bg2"/>
-                    </a:solidFill>
-                  </a:tcPr>
-                </a:tc>
-                <a:tc rowSpan="2">
-                  <a:txBody>
-                    <a:bodyPr/>
-                    <a:lstStyle/>
-                    <a:p>
-                      <a:pPr marL="0" marR="0" lvl="0" indent="0" algn="l" defTabSz="914400" rtl="0" eaLnBrk="1" fontAlgn="base" latinLnBrk="0" hangingPunct="1">
-                        <a:lnSpc>
-                          <a:spcPct val="100000"/>
-                        </a:lnSpc>
-                        <a:spcBef>
-                          <a:spcPct val="0"/>
-                        </a:spcBef>
-                        <a:spcAft>
-                          <a:spcPct val="0"/>
-                        </a:spcAft>
-                        <a:buClrTx/>
-                        <a:buSzTx/>
-                        <a:buFontTx/>
-                        <a:buNone/>
-                        <a:tabLst/>
-                      </a:pPr>
-                      <a:endParaRPr kumimoji="0" lang="en-US" altLang="zh-CN" sz="1800" b="0" i="0" u="none" strike="noStrike" cap="none" normalizeH="0" baseline="0" dirty="0" smtClean="0">
-                        <a:ln>
-                          <a:noFill/>
-                        </a:ln>
-                        <a:solidFill>
-                          <a:schemeClr val="tx1"/>
-                        </a:solidFill>
-                        <a:effectLst/>
-                        <a:latin typeface="微软雅黑" pitchFamily="34" charset="-122"/>
-                        <a:ea typeface="微软雅黑" pitchFamily="34" charset="-122"/>
-                      </a:endParaRPr>
-                    </a:p>
-                    <a:p>
-                      <a:pPr marL="0" marR="0" lvl="0" indent="0" algn="l" defTabSz="914400" rtl="0" eaLnBrk="1" fontAlgn="base" latinLnBrk="0" hangingPunct="1">
-                        <a:lnSpc>
-                          <a:spcPct val="100000"/>
-                        </a:lnSpc>
-                        <a:spcBef>
-                          <a:spcPct val="0"/>
-                        </a:spcBef>
-                        <a:spcAft>
-                          <a:spcPct val="0"/>
-                        </a:spcAft>
-                        <a:buClrTx/>
-                        <a:buSzTx/>
-                        <a:buFontTx/>
-                        <a:buNone/>
-                        <a:tabLst/>
-                      </a:pPr>
-                      <a:endParaRPr kumimoji="0" lang="en-US" altLang="zh-CN" sz="1800" b="0" i="0" u="none" strike="noStrike" cap="none" normalizeH="0" baseline="0" dirty="0" smtClean="0">
-                        <a:ln>
-                          <a:noFill/>
-                        </a:ln>
-                        <a:solidFill>
-                          <a:schemeClr val="tx1"/>
-                        </a:solidFill>
-                        <a:effectLst/>
-                        <a:latin typeface="微软雅黑" pitchFamily="34" charset="-122"/>
-                        <a:ea typeface="微软雅黑" pitchFamily="34" charset="-122"/>
-                      </a:endParaRPr>
-                    </a:p>
-                    <a:p>
-                      <a:pPr marL="0" marR="0" lvl="0" indent="0" algn="l" defTabSz="914400" rtl="0" eaLnBrk="1" fontAlgn="base" latinLnBrk="0" hangingPunct="1">
-                        <a:lnSpc>
-                          <a:spcPct val="100000"/>
-                        </a:lnSpc>
-                        <a:spcBef>
-                          <a:spcPct val="0"/>
-                        </a:spcBef>
-                        <a:spcAft>
-                          <a:spcPct val="0"/>
-                        </a:spcAft>
-                        <a:buClrTx/>
-                        <a:buSzTx/>
-                        <a:buFontTx/>
-                        <a:buNone/>
-                        <a:tabLst/>
-                      </a:pPr>
-                      <a:r>
-                        <a:rPr kumimoji="0" lang="zh-CN" altLang="en-US" sz="1800" b="0" i="0" u="none" strike="noStrike" cap="none" normalizeH="0" baseline="0" dirty="0" smtClean="0">
-                          <a:ln>
-                            <a:noFill/>
-                          </a:ln>
-                          <a:solidFill>
-                            <a:schemeClr val="tx1"/>
-                          </a:solidFill>
-                          <a:effectLst/>
-                          <a:latin typeface="微软雅黑" pitchFamily="34" charset="-122"/>
-                          <a:ea typeface="微软雅黑" pitchFamily="34" charset="-122"/>
-                        </a:rPr>
-                        <a:t>常规性能</a:t>
-                      </a:r>
-                    </a:p>
-                  </a:txBody>
-                  <a:tcPr marL="85047" marR="85047" marT="45708" marB="45708" horzOverflow="overflow">
-                    <a:lnL w="12700" cap="flat" cmpd="sng" algn="ctr">
-                      <a:solidFill>
-                        <a:srgbClr val="678843"/>
-                      </a:solidFill>
-                      <a:prstDash val="solid"/>
-                      <a:round/>
-                      <a:headEnd type="none" w="med" len="med"/>
-                      <a:tailEnd type="none" w="med" len="med"/>
-                    </a:lnL>
-                    <a:lnR w="12700" cap="flat" cmpd="sng" algn="ctr">
-                      <a:solidFill>
-                        <a:srgbClr val="678843"/>
-                      </a:solidFill>
-                      <a:prstDash val="solid"/>
-                      <a:round/>
-                      <a:headEnd type="none" w="med" len="med"/>
-                      <a:tailEnd type="none" w="med" len="med"/>
-                    </a:lnR>
-                    <a:lnT w="25400" cap="flat" cmpd="sng" algn="ctr">
-                      <a:solidFill>
-                        <a:srgbClr val="678843"/>
-                      </a:solidFill>
-                      <a:prstDash val="solid"/>
-                      <a:round/>
-                      <a:headEnd type="none" w="med" len="med"/>
-                      <a:tailEnd type="none" w="med" len="med"/>
-                    </a:lnT>
-                    <a:lnB w="12700" cap="flat" cmpd="sng" algn="ctr">
-                      <a:solidFill>
-                        <a:srgbClr val="678843"/>
-                      </a:solidFill>
-                      <a:prstDash val="solid"/>
-                      <a:round/>
-                      <a:headEnd type="none" w="med" len="med"/>
-                      <a:tailEnd type="none" w="med" len="med"/>
-                    </a:lnB>
-                    <a:lnTlToBr>
-                      <a:noFill/>
-                    </a:lnTlToBr>
-                    <a:lnBlToTr>
-                      <a:noFill/>
-                    </a:lnBlToTr>
-                    <a:solidFill>
-                      <a:schemeClr val="bg2"/>
-                    </a:solidFill>
-                  </a:tcPr>
-                </a:tc>
-                <a:tc>
-                  <a:txBody>
-                    <a:bodyPr/>
-                    <a:lstStyle/>
-                    <a:p>
-                      <a:pPr marL="0" marR="0" lvl="0" indent="0" algn="l" defTabSz="914400" rtl="0" eaLnBrk="1" fontAlgn="base" latinLnBrk="0" hangingPunct="1">
-                        <a:lnSpc>
-                          <a:spcPct val="100000"/>
-                        </a:lnSpc>
-                        <a:spcBef>
-                          <a:spcPct val="0"/>
-                        </a:spcBef>
-                        <a:spcAft>
-                          <a:spcPct val="0"/>
-                        </a:spcAft>
-                        <a:buClrTx/>
-                        <a:buSzTx/>
-                        <a:buFontTx/>
-                        <a:buNone/>
-                        <a:tabLst/>
-                      </a:pPr>
-                      <a:r>
-                        <a:rPr kumimoji="0" lang="zh-CN" altLang="en-US" sz="1800" b="0" i="0" u="none" strike="noStrike" cap="none" normalizeH="0" baseline="0" dirty="0" smtClean="0">
-                          <a:ln>
-                            <a:noFill/>
-                          </a:ln>
-                          <a:solidFill>
-                            <a:schemeClr val="tx1"/>
-                          </a:solidFill>
-                          <a:effectLst/>
-                          <a:latin typeface="微软雅黑" pitchFamily="34" charset="-122"/>
-                          <a:ea typeface="微软雅黑" pitchFamily="34" charset="-122"/>
-                        </a:rPr>
-                        <a:t>登录模块</a:t>
-                      </a:r>
-                    </a:p>
-                  </a:txBody>
-                  <a:tcPr marL="85047" marR="85047" marT="45708" marB="45708" horzOverflow="overflow">
-                    <a:lnL w="12700" cap="flat" cmpd="sng" algn="ctr">
-                      <a:solidFill>
-                        <a:srgbClr val="678843"/>
-                      </a:solidFill>
-                      <a:prstDash val="solid"/>
-                      <a:round/>
-                      <a:headEnd type="none" w="med" len="med"/>
-                      <a:tailEnd type="none" w="med" len="med"/>
-                    </a:lnL>
-                    <a:lnR w="12700" cap="flat" cmpd="sng" algn="ctr">
-                      <a:solidFill>
-                        <a:srgbClr val="678843"/>
-                      </a:solidFill>
-                      <a:prstDash val="solid"/>
-                      <a:round/>
-                      <a:headEnd type="none" w="med" len="med"/>
-                      <a:tailEnd type="none" w="med" len="med"/>
-                    </a:lnR>
-                    <a:lnT w="25400" cap="flat" cmpd="sng" algn="ctr">
-                      <a:solidFill>
-                        <a:srgbClr val="678843"/>
-                      </a:solidFill>
-                      <a:prstDash val="solid"/>
-                      <a:round/>
-                      <a:headEnd type="none" w="med" len="med"/>
-                      <a:tailEnd type="none" w="med" len="med"/>
-                    </a:lnT>
-                    <a:lnB w="12700" cap="flat" cmpd="sng" algn="ctr">
-                      <a:solidFill>
-                        <a:srgbClr val="678843"/>
-                      </a:solidFill>
-                      <a:prstDash val="solid"/>
-                      <a:round/>
-                      <a:headEnd type="none" w="med" len="med"/>
-                      <a:tailEnd type="none" w="med" len="med"/>
-                    </a:lnB>
-                    <a:lnTlToBr>
-                      <a:noFill/>
-                    </a:lnTlToBr>
-                    <a:lnBlToTr>
-                      <a:noFill/>
-                    </a:lnBlToTr>
-                    <a:solidFill>
-                      <a:schemeClr val="bg2"/>
-                    </a:solidFill>
-                  </a:tcPr>
-                </a:tc>
-                <a:tc>
-                  <a:txBody>
-                    <a:bodyPr/>
-                    <a:lstStyle/>
-                    <a:p>
-                      <a:pPr marL="0" marR="0" lvl="0" indent="0" algn="l" defTabSz="914400" rtl="0" eaLnBrk="1" fontAlgn="base" latinLnBrk="0" hangingPunct="1">
-                        <a:lnSpc>
-                          <a:spcPct val="100000"/>
-                        </a:lnSpc>
-                        <a:spcBef>
-                          <a:spcPct val="0"/>
-                        </a:spcBef>
-                        <a:spcAft>
-                          <a:spcPct val="0"/>
-                        </a:spcAft>
-                        <a:buClrTx/>
-                        <a:buSzTx/>
-                        <a:buFontTx/>
-                        <a:buNone/>
-                        <a:tabLst/>
-                      </a:pPr>
-                      <a:r>
-                        <a:rPr kumimoji="0" lang="zh-CN" altLang="en-US" sz="1800" b="0" i="0" u="none" strike="noStrike" cap="none" normalizeH="0" baseline="0" dirty="0" smtClean="0">
-                          <a:ln>
-                            <a:noFill/>
-                          </a:ln>
-                          <a:solidFill>
-                            <a:schemeClr val="tx1"/>
-                          </a:solidFill>
-                          <a:effectLst/>
-                          <a:latin typeface="微软雅黑" pitchFamily="34" charset="-122"/>
-                          <a:ea typeface="微软雅黑" pitchFamily="34" charset="-122"/>
-                        </a:rPr>
-                        <a:t>一个用户重复登录，记录每次登录时间，取平均值</a:t>
-                      </a:r>
-                    </a:p>
-                  </a:txBody>
-                  <a:tcPr marL="85047" marR="85047" marT="45708" marB="45708" horzOverflow="overflow">
-                    <a:lnL w="12700" cap="flat" cmpd="sng" algn="ctr">
-                      <a:solidFill>
-                        <a:srgbClr val="678843"/>
-                      </a:solidFill>
-                      <a:prstDash val="solid"/>
-                      <a:round/>
-                      <a:headEnd type="none" w="med" len="med"/>
-                      <a:tailEnd type="none" w="med" len="med"/>
-                    </a:lnL>
-                    <a:lnR w="12700" cap="flat" cmpd="sng" algn="ctr">
-                      <a:solidFill>
-                        <a:srgbClr val="678843"/>
-                      </a:solidFill>
-                      <a:prstDash val="solid"/>
-                      <a:round/>
-                      <a:headEnd type="none" w="med" len="med"/>
-                      <a:tailEnd type="none" w="med" len="med"/>
-                    </a:lnR>
-                    <a:lnT w="25400" cap="flat" cmpd="sng" algn="ctr">
-                      <a:solidFill>
-                        <a:srgbClr val="678843"/>
-                      </a:solidFill>
-                      <a:prstDash val="solid"/>
-                      <a:round/>
-                      <a:headEnd type="none" w="med" len="med"/>
-                      <a:tailEnd type="none" w="med" len="med"/>
-                    </a:lnT>
-                    <a:lnB w="12700" cap="flat" cmpd="sng" algn="ctr">
-                      <a:solidFill>
-                        <a:srgbClr val="678843"/>
-                      </a:solidFill>
-                      <a:prstDash val="solid"/>
-                      <a:round/>
-                      <a:headEnd type="none" w="med" len="med"/>
-                      <a:tailEnd type="none" w="med" len="med"/>
-                    </a:lnB>
-                    <a:lnTlToBr>
-                      <a:noFill/>
-                    </a:lnTlToBr>
-                    <a:lnBlToTr>
-                      <a:noFill/>
-                    </a:lnBlToTr>
-                    <a:solidFill>
-                      <a:schemeClr val="bg2"/>
-                    </a:solidFill>
-                  </a:tcPr>
-                </a:tc>
-                <a:tc>
-                  <a:txBody>
-                    <a:bodyPr/>
-                    <a:lstStyle/>
-                    <a:p>
-                      <a:pPr marL="0" marR="0" lvl="0" indent="0" algn="l" defTabSz="914400" rtl="0" eaLnBrk="1" fontAlgn="base" latinLnBrk="0" hangingPunct="1">
-                        <a:lnSpc>
-                          <a:spcPct val="100000"/>
-                        </a:lnSpc>
-                        <a:spcBef>
-                          <a:spcPct val="0"/>
-                        </a:spcBef>
-                        <a:spcAft>
-                          <a:spcPct val="0"/>
-                        </a:spcAft>
-                        <a:buClrTx/>
-                        <a:buSzTx/>
-                        <a:buFontTx/>
-                        <a:buNone/>
-                        <a:tabLst/>
-                      </a:pPr>
-                      <a:r>
-                        <a:rPr kumimoji="0" lang="zh-CN" altLang="en-US" sz="1800" b="0" i="0" u="none" strike="noStrike" cap="none" normalizeH="0" baseline="0" smtClean="0">
-                          <a:ln>
-                            <a:noFill/>
-                          </a:ln>
-                          <a:solidFill>
-                            <a:schemeClr val="tx1"/>
-                          </a:solidFill>
-                          <a:effectLst/>
-                          <a:latin typeface="微软雅黑" pitchFamily="34" charset="-122"/>
-                          <a:ea typeface="微软雅黑" pitchFamily="34" charset="-122"/>
-                        </a:rPr>
-                        <a:t>一个用户的平均登录时间</a:t>
-                      </a:r>
-                    </a:p>
-                  </a:txBody>
-                  <a:tcPr marL="85047" marR="85047" marT="45708" marB="45708" horzOverflow="overflow">
-                    <a:lnL w="12700" cap="flat" cmpd="sng" algn="ctr">
-                      <a:solidFill>
-                        <a:srgbClr val="678843"/>
-                      </a:solidFill>
-                      <a:prstDash val="solid"/>
-                      <a:round/>
-                      <a:headEnd type="none" w="med" len="med"/>
-                      <a:tailEnd type="none" w="med" len="med"/>
-                    </a:lnL>
-                    <a:lnR w="12700" cap="flat" cmpd="sng" algn="ctr">
-                      <a:solidFill>
-                        <a:srgbClr val="678843"/>
-                      </a:solidFill>
-                      <a:prstDash val="solid"/>
-                      <a:round/>
-                      <a:headEnd type="none" w="med" len="med"/>
-                      <a:tailEnd type="none" w="med" len="med"/>
-                    </a:lnR>
-                    <a:lnT w="25400" cap="flat" cmpd="sng" algn="ctr">
-                      <a:solidFill>
-                        <a:srgbClr val="678843"/>
-                      </a:solidFill>
-                      <a:prstDash val="solid"/>
-                      <a:round/>
-                      <a:headEnd type="none" w="med" len="med"/>
-                      <a:tailEnd type="none" w="med" len="med"/>
-                    </a:lnT>
-                    <a:lnB w="12700" cap="flat" cmpd="sng" algn="ctr">
-                      <a:solidFill>
-                        <a:srgbClr val="678843"/>
-                      </a:solidFill>
-                      <a:prstDash val="solid"/>
-                      <a:round/>
-                      <a:headEnd type="none" w="med" len="med"/>
-                      <a:tailEnd type="none" w="med" len="med"/>
-                    </a:lnB>
-                    <a:lnTlToBr>
-                      <a:noFill/>
-                    </a:lnTlToBr>
-                    <a:lnBlToTr>
-                      <a:noFill/>
-                    </a:lnBlToTr>
-                    <a:solidFill>
-                      <a:schemeClr val="bg2"/>
-                    </a:solidFill>
-                  </a:tcPr>
-                </a:tc>
-              </a:tr>
-              <a:tr h="742125">
-                <a:tc>
-                  <a:txBody>
-                    <a:bodyPr/>
-                    <a:lstStyle/>
-                    <a:p>
-                      <a:pPr marL="0" marR="0" lvl="0" indent="0" algn="ctr" defTabSz="914400" rtl="0" eaLnBrk="1" fontAlgn="base" latinLnBrk="0" hangingPunct="1">
-                        <a:lnSpc>
-                          <a:spcPct val="100000"/>
-                        </a:lnSpc>
-                        <a:spcBef>
-                          <a:spcPct val="0"/>
-                        </a:spcBef>
-                        <a:spcAft>
-                          <a:spcPct val="0"/>
-                        </a:spcAft>
-                        <a:buClrTx/>
-                        <a:buSzTx/>
-                        <a:buFontTx/>
-                        <a:buNone/>
-                        <a:tabLst/>
-                      </a:pPr>
-                      <a:r>
-                        <a:rPr kumimoji="0" lang="en-US" altLang="zh-CN" sz="1800" b="0" i="0" u="none" strike="noStrike" cap="none" normalizeH="0" baseline="0" smtClean="0">
-                          <a:ln>
-                            <a:noFill/>
-                          </a:ln>
-                          <a:solidFill>
-                            <a:schemeClr val="tx1"/>
-                          </a:solidFill>
-                          <a:effectLst/>
-                          <a:latin typeface="微软雅黑" pitchFamily="34" charset="-122"/>
-                          <a:ea typeface="微软雅黑" pitchFamily="34" charset="-122"/>
-                        </a:rPr>
-                        <a:t>2</a:t>
-                      </a:r>
-                      <a:endParaRPr kumimoji="0" lang="zh-CN" altLang="en-US" sz="1800" b="0" i="0" u="none" strike="noStrike" cap="none" normalizeH="0" baseline="0" smtClean="0">
-                        <a:ln>
-                          <a:noFill/>
-                        </a:ln>
-                        <a:solidFill>
-                          <a:schemeClr val="tx1"/>
-                        </a:solidFill>
-                        <a:effectLst/>
-                        <a:latin typeface="微软雅黑" pitchFamily="34" charset="-122"/>
-                        <a:ea typeface="微软雅黑" pitchFamily="34" charset="-122"/>
-                      </a:endParaRPr>
-                    </a:p>
-                  </a:txBody>
-                  <a:tcPr marL="85047" marR="85047" marT="45708" marB="45708" horzOverflow="overflow">
-                    <a:lnL w="12700" cap="flat" cmpd="sng" algn="ctr">
-                      <a:solidFill>
-                        <a:srgbClr val="678843"/>
-                      </a:solidFill>
-                      <a:prstDash val="solid"/>
-                      <a:round/>
-                      <a:headEnd type="none" w="med" len="med"/>
-                      <a:tailEnd type="none" w="med" len="med"/>
-                    </a:lnL>
-                    <a:lnR w="12700" cap="flat" cmpd="sng" algn="ctr">
-                      <a:solidFill>
-                        <a:srgbClr val="678843"/>
-                      </a:solidFill>
-                      <a:prstDash val="solid"/>
-                      <a:round/>
-                      <a:headEnd type="none" w="med" len="med"/>
-                      <a:tailEnd type="none" w="med" len="med"/>
-                    </a:lnR>
-                    <a:lnT w="12700" cap="flat" cmpd="sng" algn="ctr">
-                      <a:solidFill>
-                        <a:srgbClr val="678843"/>
-                      </a:solidFill>
-                      <a:prstDash val="solid"/>
-                      <a:round/>
-                      <a:headEnd type="none" w="med" len="med"/>
-                      <a:tailEnd type="none" w="med" len="med"/>
-                    </a:lnT>
-                    <a:lnB w="12700" cap="flat" cmpd="sng" algn="ctr">
-                      <a:solidFill>
-                        <a:srgbClr val="678843"/>
-                      </a:solidFill>
-                      <a:prstDash val="solid"/>
-                      <a:round/>
-                      <a:headEnd type="none" w="med" len="med"/>
-                      <a:tailEnd type="none" w="med" len="med"/>
-                    </a:lnB>
-                    <a:lnTlToBr>
-                      <a:noFill/>
-                    </a:lnTlToBr>
-                    <a:lnBlToTr>
-                      <a:noFill/>
-                    </a:lnBlToTr>
-                    <a:solidFill>
-                      <a:schemeClr val="bg2"/>
-                    </a:solidFill>
-                  </a:tcPr>
-                </a:tc>
-                <a:tc vMerge="1">
-                  <a:txBody>
-                    <a:bodyPr/>
-                    <a:lstStyle/>
-                    <a:p>
-                      <a:endParaRPr lang="zh-CN" altLang="en-US"/>
-                    </a:p>
-                  </a:txBody>
-                  <a:tcPr/>
-                </a:tc>
-                <a:tc>
-                  <a:txBody>
-                    <a:bodyPr/>
-                    <a:lstStyle/>
-                    <a:p>
-                      <a:pPr marL="0" marR="0" lvl="0" indent="0" algn="l" defTabSz="914400" rtl="0" eaLnBrk="1" fontAlgn="base" latinLnBrk="0" hangingPunct="1">
-                        <a:lnSpc>
-                          <a:spcPct val="100000"/>
-                        </a:lnSpc>
-                        <a:spcBef>
-                          <a:spcPct val="0"/>
-                        </a:spcBef>
-                        <a:spcAft>
-                          <a:spcPct val="0"/>
-                        </a:spcAft>
-                        <a:buClrTx/>
-                        <a:buSzTx/>
-                        <a:buFontTx/>
-                        <a:buNone/>
-                        <a:tabLst/>
-                      </a:pPr>
-                      <a:r>
-                        <a:rPr kumimoji="0" lang="zh-CN" altLang="en-US" sz="1800" b="0" i="0" u="none" strike="noStrike" cap="none" normalizeH="0" baseline="0" smtClean="0">
-                          <a:ln>
-                            <a:noFill/>
-                          </a:ln>
-                          <a:solidFill>
-                            <a:schemeClr val="tx1"/>
-                          </a:solidFill>
-                          <a:effectLst/>
-                          <a:latin typeface="微软雅黑" pitchFamily="34" charset="-122"/>
-                          <a:ea typeface="微软雅黑" pitchFamily="34" charset="-122"/>
-                        </a:rPr>
-                        <a:t>登录模块</a:t>
-                      </a:r>
-                    </a:p>
-                  </a:txBody>
-                  <a:tcPr marL="85047" marR="85047" marT="45708" marB="45708" horzOverflow="overflow">
-                    <a:lnL w="12700" cap="flat" cmpd="sng" algn="ctr">
-                      <a:solidFill>
-                        <a:srgbClr val="678843"/>
-                      </a:solidFill>
-                      <a:prstDash val="solid"/>
-                      <a:round/>
-                      <a:headEnd type="none" w="med" len="med"/>
-                      <a:tailEnd type="none" w="med" len="med"/>
-                    </a:lnL>
-                    <a:lnR w="12700" cap="flat" cmpd="sng" algn="ctr">
-                      <a:solidFill>
-                        <a:srgbClr val="678843"/>
-                      </a:solidFill>
-                      <a:prstDash val="solid"/>
-                      <a:round/>
-                      <a:headEnd type="none" w="med" len="med"/>
-                      <a:tailEnd type="none" w="med" len="med"/>
-                    </a:lnR>
-                    <a:lnT w="12700" cap="flat" cmpd="sng" algn="ctr">
-                      <a:solidFill>
-                        <a:srgbClr val="678843"/>
-                      </a:solidFill>
-                      <a:prstDash val="solid"/>
-                      <a:round/>
-                      <a:headEnd type="none" w="med" len="med"/>
-                      <a:tailEnd type="none" w="med" len="med"/>
-                    </a:lnT>
-                    <a:lnB w="12700" cap="flat" cmpd="sng" algn="ctr">
-                      <a:solidFill>
-                        <a:srgbClr val="678843"/>
-                      </a:solidFill>
-                      <a:prstDash val="solid"/>
-                      <a:round/>
-                      <a:headEnd type="none" w="med" len="med"/>
-                      <a:tailEnd type="none" w="med" len="med"/>
-                    </a:lnB>
-                    <a:lnTlToBr>
-                      <a:noFill/>
-                    </a:lnTlToBr>
-                    <a:lnBlToTr>
-                      <a:noFill/>
-                    </a:lnBlToTr>
-                    <a:solidFill>
-                      <a:schemeClr val="bg2"/>
-                    </a:solidFill>
-                  </a:tcPr>
-                </a:tc>
-                <a:tc>
-                  <a:txBody>
-                    <a:bodyPr/>
-                    <a:lstStyle/>
-                    <a:p>
-                      <a:pPr marL="0" marR="0" lvl="0" indent="0" algn="l" defTabSz="914400" rtl="0" eaLnBrk="1" fontAlgn="base" latinLnBrk="0" hangingPunct="1">
-                        <a:lnSpc>
-                          <a:spcPct val="100000"/>
-                        </a:lnSpc>
-                        <a:spcBef>
-                          <a:spcPct val="0"/>
-                        </a:spcBef>
-                        <a:spcAft>
-                          <a:spcPct val="0"/>
-                        </a:spcAft>
-                        <a:buClrTx/>
-                        <a:buSzTx/>
-                        <a:buFontTx/>
-                        <a:buNone/>
-                        <a:tabLst/>
-                      </a:pPr>
-                      <a:r>
-                        <a:rPr kumimoji="0" lang="zh-CN" altLang="en-US" sz="1800" b="0" i="0" u="none" strike="noStrike" cap="none" normalizeH="0" baseline="0" dirty="0" smtClean="0">
-                          <a:ln>
-                            <a:noFill/>
-                          </a:ln>
-                          <a:solidFill>
-                            <a:schemeClr val="tx1"/>
-                          </a:solidFill>
-                          <a:effectLst/>
-                          <a:latin typeface="微软雅黑" pitchFamily="34" charset="-122"/>
-                          <a:ea typeface="微软雅黑" pitchFamily="34" charset="-122"/>
-                        </a:rPr>
-                        <a:t>逐渐增加并发的登录用户数，并记录每次的平均登录时间，直到登录的时间达到</a:t>
-                      </a:r>
-                      <a:r>
-                        <a:rPr kumimoji="0" lang="en-US" altLang="zh-CN" sz="1800" b="0" i="0" u="none" strike="noStrike" cap="none" normalizeH="0" baseline="0" dirty="0" smtClean="0">
-                          <a:ln>
-                            <a:noFill/>
-                          </a:ln>
-                          <a:solidFill>
-                            <a:schemeClr val="tx1"/>
-                          </a:solidFill>
-                          <a:effectLst/>
-                          <a:latin typeface="微软雅黑" pitchFamily="34" charset="-122"/>
-                          <a:ea typeface="微软雅黑" pitchFamily="34" charset="-122"/>
-                        </a:rPr>
-                        <a:t>10</a:t>
-                      </a:r>
-                      <a:r>
-                        <a:rPr kumimoji="0" lang="zh-CN" altLang="en-US" sz="1800" b="0" i="0" u="none" strike="noStrike" cap="none" normalizeH="0" baseline="0" dirty="0" smtClean="0">
-                          <a:ln>
-                            <a:noFill/>
-                          </a:ln>
-                          <a:solidFill>
-                            <a:schemeClr val="tx1"/>
-                          </a:solidFill>
-                          <a:effectLst/>
-                          <a:latin typeface="微软雅黑" pitchFamily="34" charset="-122"/>
-                          <a:ea typeface="微软雅黑" pitchFamily="34" charset="-122"/>
-                        </a:rPr>
-                        <a:t>秒</a:t>
-                      </a:r>
-                    </a:p>
-                  </a:txBody>
-                  <a:tcPr marL="85047" marR="85047" marT="45708" marB="45708" horzOverflow="overflow">
-                    <a:lnL w="12700" cap="flat" cmpd="sng" algn="ctr">
-                      <a:solidFill>
-                        <a:srgbClr val="678843"/>
-                      </a:solidFill>
-                      <a:prstDash val="solid"/>
-                      <a:round/>
-                      <a:headEnd type="none" w="med" len="med"/>
-                      <a:tailEnd type="none" w="med" len="med"/>
-                    </a:lnL>
-                    <a:lnR w="12700" cap="flat" cmpd="sng" algn="ctr">
-                      <a:solidFill>
-                        <a:srgbClr val="678843"/>
-                      </a:solidFill>
-                      <a:prstDash val="solid"/>
-                      <a:round/>
-                      <a:headEnd type="none" w="med" len="med"/>
-                      <a:tailEnd type="none" w="med" len="med"/>
-                    </a:lnR>
-                    <a:lnT w="12700" cap="flat" cmpd="sng" algn="ctr">
-                      <a:solidFill>
-                        <a:srgbClr val="678843"/>
-                      </a:solidFill>
-                      <a:prstDash val="solid"/>
-                      <a:round/>
-                      <a:headEnd type="none" w="med" len="med"/>
-                      <a:tailEnd type="none" w="med" len="med"/>
-                    </a:lnT>
-                    <a:lnB w="12700" cap="flat" cmpd="sng" algn="ctr">
-                      <a:solidFill>
-                        <a:srgbClr val="678843"/>
-                      </a:solidFill>
-                      <a:prstDash val="solid"/>
-                      <a:round/>
-                      <a:headEnd type="none" w="med" len="med"/>
-                      <a:tailEnd type="none" w="med" len="med"/>
-                    </a:lnB>
-                    <a:lnTlToBr>
-                      <a:noFill/>
-                    </a:lnTlToBr>
-                    <a:lnBlToTr>
-                      <a:noFill/>
-                    </a:lnBlToTr>
-                    <a:solidFill>
-                      <a:schemeClr val="bg2"/>
-                    </a:solidFill>
-                  </a:tcPr>
-                </a:tc>
-                <a:tc>
-                  <a:txBody>
-                    <a:bodyPr/>
-                    <a:lstStyle/>
-                    <a:p>
-                      <a:pPr marL="0" marR="0" lvl="0" indent="0" algn="l" defTabSz="914400" rtl="0" eaLnBrk="1" fontAlgn="base" latinLnBrk="0" hangingPunct="1">
-                        <a:lnSpc>
-                          <a:spcPct val="100000"/>
-                        </a:lnSpc>
-                        <a:spcBef>
-                          <a:spcPct val="0"/>
-                        </a:spcBef>
-                        <a:spcAft>
-                          <a:spcPct val="0"/>
-                        </a:spcAft>
-                        <a:buClrTx/>
-                        <a:buSzTx/>
-                        <a:buFontTx/>
-                        <a:buNone/>
-                        <a:tabLst/>
-                      </a:pPr>
-                      <a:r>
-                        <a:rPr kumimoji="0" lang="zh-CN" altLang="en-US" sz="1800" b="0" i="0" u="none" strike="noStrike" cap="none" normalizeH="0" baseline="0" dirty="0" smtClean="0">
-                          <a:ln>
-                            <a:noFill/>
-                          </a:ln>
-                          <a:solidFill>
-                            <a:schemeClr val="tx1"/>
-                          </a:solidFill>
-                          <a:effectLst/>
-                          <a:latin typeface="微软雅黑" pitchFamily="34" charset="-122"/>
-                          <a:ea typeface="微软雅黑" pitchFamily="34" charset="-122"/>
-                        </a:rPr>
-                        <a:t>登录时间达到</a:t>
-                      </a:r>
-                      <a:r>
-                        <a:rPr kumimoji="0" lang="en-US" altLang="zh-CN" sz="1800" b="0" i="0" u="none" strike="noStrike" cap="none" normalizeH="0" baseline="0" dirty="0" smtClean="0">
-                          <a:ln>
-                            <a:noFill/>
-                          </a:ln>
-                          <a:solidFill>
-                            <a:schemeClr val="tx1"/>
-                          </a:solidFill>
-                          <a:effectLst/>
-                          <a:latin typeface="微软雅黑" pitchFamily="34" charset="-122"/>
-                          <a:ea typeface="微软雅黑" pitchFamily="34" charset="-122"/>
-                        </a:rPr>
-                        <a:t>10</a:t>
-                      </a:r>
-                      <a:r>
-                        <a:rPr kumimoji="0" lang="zh-CN" altLang="en-US" sz="1800" b="0" i="0" u="none" strike="noStrike" cap="none" normalizeH="0" baseline="0" dirty="0" smtClean="0">
-                          <a:ln>
-                            <a:noFill/>
-                          </a:ln>
-                          <a:solidFill>
-                            <a:schemeClr val="tx1"/>
-                          </a:solidFill>
-                          <a:effectLst/>
-                          <a:latin typeface="微软雅黑" pitchFamily="34" charset="-122"/>
-                          <a:ea typeface="微软雅黑" pitchFamily="34" charset="-122"/>
-                        </a:rPr>
-                        <a:t>秒时的并发用户数</a:t>
-                      </a:r>
-                    </a:p>
-                  </a:txBody>
-                  <a:tcPr marL="85047" marR="85047" marT="45708" marB="45708" horzOverflow="overflow">
-                    <a:lnL w="12700" cap="flat" cmpd="sng" algn="ctr">
-                      <a:solidFill>
-                        <a:srgbClr val="678843"/>
-                      </a:solidFill>
-                      <a:prstDash val="solid"/>
-                      <a:round/>
-                      <a:headEnd type="none" w="med" len="med"/>
-                      <a:tailEnd type="none" w="med" len="med"/>
-                    </a:lnL>
-                    <a:lnR w="12700" cap="flat" cmpd="sng" algn="ctr">
-                      <a:solidFill>
-                        <a:srgbClr val="678843"/>
-                      </a:solidFill>
-                      <a:prstDash val="solid"/>
-                      <a:round/>
-                      <a:headEnd type="none" w="med" len="med"/>
-                      <a:tailEnd type="none" w="med" len="med"/>
-                    </a:lnR>
-                    <a:lnT w="12700" cap="flat" cmpd="sng" algn="ctr">
-                      <a:solidFill>
-                        <a:srgbClr val="678843"/>
-                      </a:solidFill>
-                      <a:prstDash val="solid"/>
-                      <a:round/>
-                      <a:headEnd type="none" w="med" len="med"/>
-                      <a:tailEnd type="none" w="med" len="med"/>
-                    </a:lnT>
-                    <a:lnB w="12700" cap="flat" cmpd="sng" algn="ctr">
-                      <a:solidFill>
-                        <a:srgbClr val="678843"/>
-                      </a:solidFill>
-                      <a:prstDash val="solid"/>
-                      <a:round/>
-                      <a:headEnd type="none" w="med" len="med"/>
-                      <a:tailEnd type="none" w="med" len="med"/>
-                    </a:lnB>
-                    <a:lnTlToBr>
-                      <a:noFill/>
-                    </a:lnTlToBr>
-                    <a:lnBlToTr>
-                      <a:noFill/>
-                    </a:lnBlToTr>
-                    <a:solidFill>
-                      <a:schemeClr val="bg2"/>
-                    </a:solidFill>
-                  </a:tcPr>
-                </a:tc>
-              </a:tr>
-              <a:tr h="914301">
-                <a:tc>
-                  <a:txBody>
-                    <a:bodyPr/>
-                    <a:lstStyle/>
-                    <a:p>
-                      <a:pPr marL="0" marR="0" lvl="0" indent="0" algn="ctr" defTabSz="914400" rtl="0" eaLnBrk="1" fontAlgn="base" latinLnBrk="0" hangingPunct="1">
-                        <a:lnSpc>
-                          <a:spcPct val="100000"/>
-                        </a:lnSpc>
-                        <a:spcBef>
-                          <a:spcPct val="0"/>
-                        </a:spcBef>
-                        <a:spcAft>
-                          <a:spcPct val="0"/>
-                        </a:spcAft>
-                        <a:buClrTx/>
-                        <a:buSzTx/>
-                        <a:buFontTx/>
-                        <a:buNone/>
-                        <a:tabLst/>
-                      </a:pPr>
-                      <a:r>
-                        <a:rPr kumimoji="0" lang="en-US" altLang="zh-CN" sz="1800" b="0" i="0" u="none" strike="noStrike" cap="none" normalizeH="0" baseline="0" smtClean="0">
-                          <a:ln>
-                            <a:noFill/>
-                          </a:ln>
-                          <a:solidFill>
-                            <a:schemeClr val="tx1"/>
-                          </a:solidFill>
-                          <a:effectLst/>
-                          <a:latin typeface="微软雅黑" pitchFamily="34" charset="-122"/>
-                          <a:ea typeface="微软雅黑" pitchFamily="34" charset="-122"/>
-                        </a:rPr>
-                        <a:t>3</a:t>
-                      </a:r>
-                      <a:endParaRPr kumimoji="0" lang="zh-CN" altLang="en-US" sz="1800" b="0" i="0" u="none" strike="noStrike" cap="none" normalizeH="0" baseline="0" smtClean="0">
-                        <a:ln>
-                          <a:noFill/>
-                        </a:ln>
-                        <a:solidFill>
-                          <a:schemeClr val="tx1"/>
-                        </a:solidFill>
-                        <a:effectLst/>
-                        <a:latin typeface="微软雅黑" pitchFamily="34" charset="-122"/>
-                        <a:ea typeface="微软雅黑" pitchFamily="34" charset="-122"/>
-                      </a:endParaRPr>
-                    </a:p>
-                  </a:txBody>
-                  <a:tcPr marL="85047" marR="85047" marT="45708" marB="45708" horzOverflow="overflow">
-                    <a:lnL w="12700" cap="flat" cmpd="sng" algn="ctr">
-                      <a:solidFill>
-                        <a:srgbClr val="678843"/>
-                      </a:solidFill>
-                      <a:prstDash val="solid"/>
-                      <a:round/>
-                      <a:headEnd type="none" w="med" len="med"/>
-                      <a:tailEnd type="none" w="med" len="med"/>
-                    </a:lnL>
-                    <a:lnR w="12700" cap="flat" cmpd="sng" algn="ctr">
-                      <a:solidFill>
-                        <a:srgbClr val="678843"/>
-                      </a:solidFill>
-                      <a:prstDash val="solid"/>
-                      <a:round/>
-                      <a:headEnd type="none" w="med" len="med"/>
-                      <a:tailEnd type="none" w="med" len="med"/>
-                    </a:lnR>
-                    <a:lnT w="12700" cap="flat" cmpd="sng" algn="ctr">
-                      <a:solidFill>
-                        <a:srgbClr val="678843"/>
-                      </a:solidFill>
-                      <a:prstDash val="solid"/>
-                      <a:round/>
-                      <a:headEnd type="none" w="med" len="med"/>
-                      <a:tailEnd type="none" w="med" len="med"/>
-                    </a:lnT>
-                    <a:lnB w="12700" cap="flat" cmpd="sng" algn="ctr">
-                      <a:solidFill>
-                        <a:srgbClr val="678843"/>
-                      </a:solidFill>
-                      <a:prstDash val="solid"/>
-                      <a:round/>
-                      <a:headEnd type="none" w="med" len="med"/>
-                      <a:tailEnd type="none" w="med" len="med"/>
-                    </a:lnB>
-                    <a:lnTlToBr>
-                      <a:noFill/>
-                    </a:lnTlToBr>
-                    <a:lnBlToTr>
-                      <a:noFill/>
-                    </a:lnBlToTr>
-                    <a:solidFill>
-                      <a:schemeClr val="bg2"/>
-                    </a:solidFill>
-                  </a:tcPr>
-                </a:tc>
-                <a:tc>
-                  <a:txBody>
-                    <a:bodyPr/>
-                    <a:lstStyle/>
-                    <a:p>
-                      <a:pPr marL="0" marR="0" lvl="0" indent="0" algn="ctr" defTabSz="914400" rtl="0" eaLnBrk="1" fontAlgn="base" latinLnBrk="0" hangingPunct="1">
-                        <a:lnSpc>
-                          <a:spcPct val="100000"/>
-                        </a:lnSpc>
-                        <a:spcBef>
-                          <a:spcPct val="0"/>
-                        </a:spcBef>
-                        <a:spcAft>
-                          <a:spcPct val="0"/>
-                        </a:spcAft>
-                        <a:buClrTx/>
-                        <a:buSzTx/>
-                        <a:buFontTx/>
-                        <a:buNone/>
-                        <a:tabLst/>
-                      </a:pPr>
-                      <a:r>
-                        <a:rPr kumimoji="0" lang="zh-CN" altLang="en-US" sz="1800" b="0" i="0" u="none" strike="noStrike" cap="none" normalizeH="0" baseline="0" dirty="0" smtClean="0">
-                          <a:ln>
-                            <a:noFill/>
-                          </a:ln>
-                          <a:solidFill>
-                            <a:schemeClr val="tx1"/>
-                          </a:solidFill>
-                          <a:effectLst/>
-                          <a:latin typeface="微软雅黑" pitchFamily="34" charset="-122"/>
-                          <a:ea typeface="微软雅黑" pitchFamily="34" charset="-122"/>
-                        </a:rPr>
-                        <a:t>可靠性</a:t>
-                      </a:r>
-                      <a:endParaRPr kumimoji="0" lang="en-US" altLang="zh-CN" sz="1800" b="0" i="0" u="none" strike="noStrike" cap="none" normalizeH="0" baseline="0" dirty="0" smtClean="0">
-                        <a:ln>
-                          <a:noFill/>
-                        </a:ln>
-                        <a:solidFill>
-                          <a:schemeClr val="tx1"/>
-                        </a:solidFill>
-                        <a:effectLst/>
-                        <a:latin typeface="微软雅黑" pitchFamily="34" charset="-122"/>
-                        <a:ea typeface="微软雅黑" pitchFamily="34" charset="-122"/>
-                      </a:endParaRPr>
-                    </a:p>
-                    <a:p>
-                      <a:pPr marL="0" marR="0" lvl="0" indent="0" algn="ctr" defTabSz="914400" rtl="0" eaLnBrk="1" fontAlgn="base" latinLnBrk="0" hangingPunct="1">
-                        <a:lnSpc>
-                          <a:spcPct val="100000"/>
-                        </a:lnSpc>
-                        <a:spcBef>
-                          <a:spcPct val="0"/>
-                        </a:spcBef>
-                        <a:spcAft>
-                          <a:spcPct val="0"/>
-                        </a:spcAft>
-                        <a:buClrTx/>
-                        <a:buSzTx/>
-                        <a:buFontTx/>
-                        <a:buNone/>
-                        <a:tabLst/>
-                      </a:pPr>
-                      <a:r>
-                        <a:rPr kumimoji="0" lang="zh-CN" altLang="en-US" sz="1800" b="0" i="0" u="none" strike="noStrike" cap="none" normalizeH="0" baseline="0" dirty="0" smtClean="0">
-                          <a:ln>
-                            <a:noFill/>
-                          </a:ln>
-                          <a:solidFill>
-                            <a:schemeClr val="tx1"/>
-                          </a:solidFill>
-                          <a:effectLst/>
-                          <a:latin typeface="微软雅黑" pitchFamily="34" charset="-122"/>
-                          <a:ea typeface="微软雅黑" pitchFamily="34" charset="-122"/>
-                        </a:rPr>
-                        <a:t>测试</a:t>
-                      </a:r>
-                    </a:p>
-                  </a:txBody>
-                  <a:tcPr marL="85047" marR="85047" marT="45708" marB="45708" horzOverflow="overflow">
-                    <a:lnL w="12700" cap="flat" cmpd="sng" algn="ctr">
-                      <a:solidFill>
-                        <a:srgbClr val="678843"/>
-                      </a:solidFill>
-                      <a:prstDash val="solid"/>
-                      <a:round/>
-                      <a:headEnd type="none" w="med" len="med"/>
-                      <a:tailEnd type="none" w="med" len="med"/>
-                    </a:lnL>
-                    <a:lnR w="12700" cap="flat" cmpd="sng" algn="ctr">
-                      <a:solidFill>
-                        <a:srgbClr val="678843"/>
-                      </a:solidFill>
-                      <a:prstDash val="solid"/>
-                      <a:round/>
-                      <a:headEnd type="none" w="med" len="med"/>
-                      <a:tailEnd type="none" w="med" len="med"/>
-                    </a:lnR>
-                    <a:lnT w="12700" cap="flat" cmpd="sng" algn="ctr">
-                      <a:solidFill>
-                        <a:srgbClr val="678843"/>
-                      </a:solidFill>
-                      <a:prstDash val="solid"/>
-                      <a:round/>
-                      <a:headEnd type="none" w="med" len="med"/>
-                      <a:tailEnd type="none" w="med" len="med"/>
-                    </a:lnT>
-                    <a:lnB w="12700" cap="flat" cmpd="sng" algn="ctr">
-                      <a:solidFill>
-                        <a:srgbClr val="678843"/>
-                      </a:solidFill>
-                      <a:prstDash val="solid"/>
-                      <a:round/>
-                      <a:headEnd type="none" w="med" len="med"/>
-                      <a:tailEnd type="none" w="med" len="med"/>
-                    </a:lnB>
-                    <a:lnTlToBr>
-                      <a:noFill/>
-                    </a:lnTlToBr>
-                    <a:lnBlToTr>
-                      <a:noFill/>
-                    </a:lnBlToTr>
-                    <a:solidFill>
-                      <a:schemeClr val="bg2"/>
-                    </a:solidFill>
-                  </a:tcPr>
-                </a:tc>
-                <a:tc>
-                  <a:txBody>
-                    <a:bodyPr/>
-                    <a:lstStyle/>
-                    <a:p>
-                      <a:pPr marL="0" marR="0" lvl="0" indent="0" algn="l" defTabSz="914400" rtl="0" eaLnBrk="1" fontAlgn="base" latinLnBrk="0" hangingPunct="1">
-                        <a:lnSpc>
-                          <a:spcPct val="100000"/>
-                        </a:lnSpc>
-                        <a:spcBef>
-                          <a:spcPct val="0"/>
-                        </a:spcBef>
-                        <a:spcAft>
-                          <a:spcPct val="0"/>
-                        </a:spcAft>
-                        <a:buClrTx/>
-                        <a:buSzTx/>
-                        <a:buFontTx/>
-                        <a:buNone/>
-                        <a:tabLst/>
-                      </a:pPr>
-                      <a:r>
-                        <a:rPr kumimoji="0" lang="zh-CN" altLang="en-US" sz="1800" b="0" i="0" u="none" strike="noStrike" cap="none" normalizeH="0" baseline="0" smtClean="0">
-                          <a:ln>
-                            <a:noFill/>
-                          </a:ln>
-                          <a:solidFill>
-                            <a:schemeClr val="tx1"/>
-                          </a:solidFill>
-                          <a:effectLst/>
-                          <a:latin typeface="微软雅黑" pitchFamily="34" charset="-122"/>
-                          <a:ea typeface="微软雅黑" pitchFamily="34" charset="-122"/>
-                        </a:rPr>
-                        <a:t>整个系统</a:t>
-                      </a:r>
-                    </a:p>
-                  </a:txBody>
-                  <a:tcPr marL="85047" marR="85047" marT="45708" marB="45708" horzOverflow="overflow">
-                    <a:lnL w="12700" cap="flat" cmpd="sng" algn="ctr">
-                      <a:solidFill>
-                        <a:srgbClr val="678843"/>
-                      </a:solidFill>
-                      <a:prstDash val="solid"/>
-                      <a:round/>
-                      <a:headEnd type="none" w="med" len="med"/>
-                      <a:tailEnd type="none" w="med" len="med"/>
-                    </a:lnL>
-                    <a:lnR w="12700" cap="flat" cmpd="sng" algn="ctr">
-                      <a:solidFill>
-                        <a:srgbClr val="678843"/>
-                      </a:solidFill>
-                      <a:prstDash val="solid"/>
-                      <a:round/>
-                      <a:headEnd type="none" w="med" len="med"/>
-                      <a:tailEnd type="none" w="med" len="med"/>
-                    </a:lnR>
-                    <a:lnT w="12700" cap="flat" cmpd="sng" algn="ctr">
-                      <a:solidFill>
-                        <a:srgbClr val="678843"/>
-                      </a:solidFill>
-                      <a:prstDash val="solid"/>
-                      <a:round/>
-                      <a:headEnd type="none" w="med" len="med"/>
-                      <a:tailEnd type="none" w="med" len="med"/>
-                    </a:lnT>
-                    <a:lnB w="12700" cap="flat" cmpd="sng" algn="ctr">
-                      <a:solidFill>
-                        <a:srgbClr val="678843"/>
-                      </a:solidFill>
-                      <a:prstDash val="solid"/>
-                      <a:round/>
-                      <a:headEnd type="none" w="med" len="med"/>
-                      <a:tailEnd type="none" w="med" len="med"/>
-                    </a:lnB>
-                    <a:lnTlToBr>
-                      <a:noFill/>
-                    </a:lnTlToBr>
-                    <a:lnBlToTr>
-                      <a:noFill/>
-                    </a:lnBlToTr>
-                    <a:solidFill>
-                      <a:schemeClr val="bg2"/>
-                    </a:solidFill>
-                  </a:tcPr>
-                </a:tc>
-                <a:tc>
-                  <a:txBody>
-                    <a:bodyPr/>
-                    <a:lstStyle/>
-                    <a:p>
-                      <a:pPr marL="0" marR="0" lvl="0" indent="0" algn="l" defTabSz="914400" rtl="0" eaLnBrk="1" fontAlgn="base" latinLnBrk="0" hangingPunct="1">
-                        <a:lnSpc>
-                          <a:spcPct val="100000"/>
-                        </a:lnSpc>
-                        <a:spcBef>
-                          <a:spcPct val="0"/>
-                        </a:spcBef>
-                        <a:spcAft>
-                          <a:spcPct val="0"/>
-                        </a:spcAft>
-                        <a:buClrTx/>
-                        <a:buSzTx/>
-                        <a:buFontTx/>
-                        <a:buNone/>
-                        <a:tabLst/>
-                      </a:pPr>
-                      <a:r>
-                        <a:rPr kumimoji="0" lang="zh-CN" altLang="en-US" sz="1800" b="0" i="0" u="none" strike="noStrike" cap="none" normalizeH="0" baseline="0" dirty="0" smtClean="0">
-                          <a:ln>
-                            <a:noFill/>
-                          </a:ln>
-                          <a:solidFill>
-                            <a:schemeClr val="tx1"/>
-                          </a:solidFill>
-                          <a:effectLst/>
-                          <a:latin typeface="微软雅黑" pitchFamily="34" charset="-122"/>
-                          <a:ea typeface="微软雅黑" pitchFamily="34" charset="-122"/>
-                        </a:rPr>
-                        <a:t>让</a:t>
-                      </a:r>
-                      <a:r>
-                        <a:rPr kumimoji="0" lang="en-US" altLang="zh-CN" sz="1800" b="0" i="0" u="none" strike="noStrike" cap="none" normalizeH="0" baseline="0" dirty="0" smtClean="0">
-                          <a:ln>
-                            <a:noFill/>
-                          </a:ln>
-                          <a:solidFill>
-                            <a:schemeClr val="tx1"/>
-                          </a:solidFill>
-                          <a:effectLst/>
-                          <a:latin typeface="微软雅黑" pitchFamily="34" charset="-122"/>
-                          <a:ea typeface="微软雅黑" pitchFamily="34" charset="-122"/>
-                        </a:rPr>
-                        <a:t>163</a:t>
-                      </a:r>
-                      <a:r>
-                        <a:rPr kumimoji="0" lang="zh-CN" altLang="en-US" sz="1800" b="0" i="0" u="none" strike="noStrike" cap="none" normalizeH="0" baseline="0" dirty="0" smtClean="0">
-                          <a:ln>
-                            <a:noFill/>
-                          </a:ln>
-                          <a:solidFill>
-                            <a:schemeClr val="tx1"/>
-                          </a:solidFill>
-                          <a:effectLst/>
-                          <a:latin typeface="微软雅黑" pitchFamily="34" charset="-122"/>
-                          <a:ea typeface="微软雅黑" pitchFamily="34" charset="-122"/>
-                        </a:rPr>
-                        <a:t>邮箱系统连续运行</a:t>
-                      </a:r>
-                      <a:r>
-                        <a:rPr kumimoji="0" lang="en-US" altLang="zh-CN" sz="1800" b="0" i="0" u="none" strike="noStrike" cap="none" normalizeH="0" baseline="0" dirty="0" smtClean="0">
-                          <a:ln>
-                            <a:noFill/>
-                          </a:ln>
-                          <a:solidFill>
-                            <a:schemeClr val="tx1"/>
-                          </a:solidFill>
-                          <a:effectLst/>
-                          <a:latin typeface="微软雅黑" pitchFamily="34" charset="-122"/>
-                          <a:ea typeface="微软雅黑" pitchFamily="34" charset="-122"/>
-                        </a:rPr>
-                        <a:t>1</a:t>
-                      </a:r>
-                      <a:r>
-                        <a:rPr kumimoji="0" lang="zh-CN" altLang="en-US" sz="1800" b="0" i="0" u="none" strike="noStrike" cap="none" normalizeH="0" baseline="0" dirty="0" smtClean="0">
-                          <a:ln>
-                            <a:noFill/>
-                          </a:ln>
-                          <a:solidFill>
-                            <a:schemeClr val="tx1"/>
-                          </a:solidFill>
-                          <a:effectLst/>
-                          <a:latin typeface="微软雅黑" pitchFamily="34" charset="-122"/>
-                          <a:ea typeface="微软雅黑" pitchFamily="34" charset="-122"/>
-                        </a:rPr>
-                        <a:t>个月（可以没有用户登录）</a:t>
-                      </a:r>
-                    </a:p>
-                  </a:txBody>
-                  <a:tcPr marL="85047" marR="85047" marT="45708" marB="45708" horzOverflow="overflow">
-                    <a:lnL w="12700" cap="flat" cmpd="sng" algn="ctr">
-                      <a:solidFill>
-                        <a:srgbClr val="678843"/>
-                      </a:solidFill>
-                      <a:prstDash val="solid"/>
-                      <a:round/>
-                      <a:headEnd type="none" w="med" len="med"/>
-                      <a:tailEnd type="none" w="med" len="med"/>
-                    </a:lnL>
-                    <a:lnR w="12700" cap="flat" cmpd="sng" algn="ctr">
-                      <a:solidFill>
-                        <a:srgbClr val="678843"/>
-                      </a:solidFill>
-                      <a:prstDash val="solid"/>
-                      <a:round/>
-                      <a:headEnd type="none" w="med" len="med"/>
-                      <a:tailEnd type="none" w="med" len="med"/>
-                    </a:lnR>
-                    <a:lnT w="12700" cap="flat" cmpd="sng" algn="ctr">
-                      <a:solidFill>
-                        <a:srgbClr val="678843"/>
-                      </a:solidFill>
-                      <a:prstDash val="solid"/>
-                      <a:round/>
-                      <a:headEnd type="none" w="med" len="med"/>
-                      <a:tailEnd type="none" w="med" len="med"/>
-                    </a:lnT>
-                    <a:lnB w="12700" cap="flat" cmpd="sng" algn="ctr">
-                      <a:solidFill>
-                        <a:srgbClr val="678843"/>
-                      </a:solidFill>
-                      <a:prstDash val="solid"/>
-                      <a:round/>
-                      <a:headEnd type="none" w="med" len="med"/>
-                      <a:tailEnd type="none" w="med" len="med"/>
-                    </a:lnB>
-                    <a:lnTlToBr>
-                      <a:noFill/>
-                    </a:lnTlToBr>
-                    <a:lnBlToTr>
-                      <a:noFill/>
-                    </a:lnBlToTr>
-                    <a:solidFill>
-                      <a:schemeClr val="bg2"/>
-                    </a:solidFill>
-                  </a:tcPr>
-                </a:tc>
-                <a:tc>
-                  <a:txBody>
-                    <a:bodyPr/>
-                    <a:lstStyle/>
-                    <a:p>
-                      <a:pPr marL="0" marR="0" lvl="0" indent="0" algn="l" defTabSz="914400" rtl="0" eaLnBrk="1" fontAlgn="base" latinLnBrk="0" hangingPunct="1">
-                        <a:lnSpc>
-                          <a:spcPct val="100000"/>
-                        </a:lnSpc>
-                        <a:spcBef>
-                          <a:spcPct val="0"/>
-                        </a:spcBef>
-                        <a:spcAft>
-                          <a:spcPct val="0"/>
-                        </a:spcAft>
-                        <a:buClrTx/>
-                        <a:buSzTx/>
-                        <a:buFontTx/>
-                        <a:buNone/>
-                        <a:tabLst/>
-                      </a:pPr>
-                      <a:r>
-                        <a:rPr kumimoji="0" lang="en-US" altLang="zh-CN" sz="1800" b="0" i="0" u="none" strike="noStrike" cap="none" normalizeH="0" baseline="0" dirty="0" smtClean="0">
-                          <a:ln>
-                            <a:noFill/>
-                          </a:ln>
-                          <a:solidFill>
-                            <a:schemeClr val="tx1"/>
-                          </a:solidFill>
-                          <a:effectLst/>
-                          <a:latin typeface="微软雅黑" pitchFamily="34" charset="-122"/>
-                          <a:ea typeface="微软雅黑" pitchFamily="34" charset="-122"/>
-                        </a:rPr>
-                        <a:t>2</a:t>
-                      </a:r>
-                      <a:r>
-                        <a:rPr kumimoji="0" lang="zh-CN" altLang="en-US" sz="1800" b="0" i="0" u="none" strike="noStrike" cap="none" normalizeH="0" baseline="0" dirty="0" smtClean="0">
-                          <a:ln>
-                            <a:noFill/>
-                          </a:ln>
-                          <a:solidFill>
-                            <a:schemeClr val="tx1"/>
-                          </a:solidFill>
-                          <a:effectLst/>
-                          <a:latin typeface="微软雅黑" pitchFamily="34" charset="-122"/>
-                          <a:ea typeface="微软雅黑" pitchFamily="34" charset="-122"/>
-                        </a:rPr>
-                        <a:t>次故障的平均时间间隔（</a:t>
-                      </a:r>
-                      <a:r>
-                        <a:rPr kumimoji="0" lang="en-US" altLang="zh-CN" sz="1800" b="0" i="0" u="none" strike="noStrike" cap="none" normalizeH="0" baseline="0" dirty="0" smtClean="0">
-                          <a:ln>
-                            <a:noFill/>
-                          </a:ln>
-                          <a:solidFill>
-                            <a:schemeClr val="tx1"/>
-                          </a:solidFill>
-                          <a:effectLst/>
-                          <a:latin typeface="微软雅黑" pitchFamily="34" charset="-122"/>
-                          <a:ea typeface="微软雅黑" pitchFamily="34" charset="-122"/>
-                        </a:rPr>
-                        <a:t>MTBF</a:t>
-                      </a:r>
-                      <a:r>
-                        <a:rPr kumimoji="0" lang="zh-CN" altLang="en-US" sz="1800" b="0" i="0" u="none" strike="noStrike" cap="none" normalizeH="0" baseline="0" dirty="0" smtClean="0">
-                          <a:ln>
-                            <a:noFill/>
-                          </a:ln>
-                          <a:solidFill>
-                            <a:schemeClr val="tx1"/>
-                          </a:solidFill>
-                          <a:effectLst/>
-                          <a:latin typeface="微软雅黑" pitchFamily="34" charset="-122"/>
-                          <a:ea typeface="微软雅黑" pitchFamily="34" charset="-122"/>
-                        </a:rPr>
-                        <a:t>）</a:t>
-                      </a:r>
-                    </a:p>
-                  </a:txBody>
-                  <a:tcPr marL="85047" marR="85047" marT="45708" marB="45708" horzOverflow="overflow">
-                    <a:lnL w="12700" cap="flat" cmpd="sng" algn="ctr">
-                      <a:solidFill>
-                        <a:srgbClr val="678843"/>
-                      </a:solidFill>
-                      <a:prstDash val="solid"/>
-                      <a:round/>
-                      <a:headEnd type="none" w="med" len="med"/>
-                      <a:tailEnd type="none" w="med" len="med"/>
-                    </a:lnL>
-                    <a:lnR w="12700" cap="flat" cmpd="sng" algn="ctr">
-                      <a:solidFill>
-                        <a:srgbClr val="678843"/>
-                      </a:solidFill>
-                      <a:prstDash val="solid"/>
-                      <a:round/>
-                      <a:headEnd type="none" w="med" len="med"/>
-                      <a:tailEnd type="none" w="med" len="med"/>
-                    </a:lnR>
-                    <a:lnT w="12700" cap="flat" cmpd="sng" algn="ctr">
-                      <a:solidFill>
-                        <a:srgbClr val="678843"/>
-                      </a:solidFill>
-                      <a:prstDash val="solid"/>
-                      <a:round/>
-                      <a:headEnd type="none" w="med" len="med"/>
-                      <a:tailEnd type="none" w="med" len="med"/>
-                    </a:lnT>
-                    <a:lnB w="12700" cap="flat" cmpd="sng" algn="ctr">
-                      <a:solidFill>
-                        <a:srgbClr val="678843"/>
-                      </a:solidFill>
-                      <a:prstDash val="solid"/>
-                      <a:round/>
-                      <a:headEnd type="none" w="med" len="med"/>
-                      <a:tailEnd type="none" w="med" len="med"/>
-                    </a:lnB>
-                    <a:lnTlToBr>
-                      <a:noFill/>
-                    </a:lnTlToBr>
-                    <a:lnBlToTr>
-                      <a:noFill/>
-                    </a:lnBlToTr>
-                    <a:solidFill>
-                      <a:schemeClr val="bg2"/>
-                    </a:solidFill>
-                  </a:tcPr>
-                </a:tc>
-              </a:tr>
-              <a:tr h="1328007">
-                <a:tc>
-                  <a:txBody>
-                    <a:bodyPr/>
-                    <a:lstStyle/>
-                    <a:p>
-                      <a:pPr marL="0" marR="0" lvl="0" indent="0" algn="ctr" defTabSz="914400" rtl="0" eaLnBrk="1" fontAlgn="base" latinLnBrk="0" hangingPunct="1">
-                        <a:lnSpc>
-                          <a:spcPct val="100000"/>
-                        </a:lnSpc>
-                        <a:spcBef>
-                          <a:spcPct val="0"/>
-                        </a:spcBef>
-                        <a:spcAft>
-                          <a:spcPct val="0"/>
-                        </a:spcAft>
-                        <a:buClrTx/>
-                        <a:buSzTx/>
-                        <a:buFontTx/>
-                        <a:buNone/>
-                        <a:tabLst/>
-                      </a:pPr>
-                      <a:r>
-                        <a:rPr kumimoji="0" lang="en-US" altLang="zh-CN" sz="1800" b="0" i="0" u="none" strike="noStrike" cap="none" normalizeH="0" baseline="0" smtClean="0">
-                          <a:ln>
-                            <a:noFill/>
-                          </a:ln>
-                          <a:solidFill>
-                            <a:schemeClr val="tx1"/>
-                          </a:solidFill>
-                          <a:effectLst/>
-                          <a:latin typeface="微软雅黑" pitchFamily="34" charset="-122"/>
-                          <a:ea typeface="微软雅黑" pitchFamily="34" charset="-122"/>
-                        </a:rPr>
-                        <a:t>4</a:t>
-                      </a:r>
-                      <a:endParaRPr kumimoji="0" lang="zh-CN" altLang="en-US" sz="1800" b="0" i="0" u="none" strike="noStrike" cap="none" normalizeH="0" baseline="0" smtClean="0">
-                        <a:ln>
-                          <a:noFill/>
-                        </a:ln>
-                        <a:solidFill>
-                          <a:schemeClr val="tx1"/>
-                        </a:solidFill>
-                        <a:effectLst/>
-                        <a:latin typeface="微软雅黑" pitchFamily="34" charset="-122"/>
-                        <a:ea typeface="微软雅黑" pitchFamily="34" charset="-122"/>
-                      </a:endParaRPr>
-                    </a:p>
-                  </a:txBody>
-                  <a:tcPr marL="85047" marR="85047" marT="45708" marB="45708" horzOverflow="overflow">
-                    <a:lnL w="12700" cap="flat" cmpd="sng" algn="ctr">
-                      <a:solidFill>
-                        <a:srgbClr val="678843"/>
-                      </a:solidFill>
-                      <a:prstDash val="solid"/>
-                      <a:round/>
-                      <a:headEnd type="none" w="med" len="med"/>
-                      <a:tailEnd type="none" w="med" len="med"/>
-                    </a:lnL>
-                    <a:lnR w="12700" cap="flat" cmpd="sng" algn="ctr">
-                      <a:solidFill>
-                        <a:srgbClr val="678843"/>
-                      </a:solidFill>
-                      <a:prstDash val="solid"/>
-                      <a:round/>
-                      <a:headEnd type="none" w="med" len="med"/>
-                      <a:tailEnd type="none" w="med" len="med"/>
-                    </a:lnR>
-                    <a:lnT w="12700" cap="flat" cmpd="sng" algn="ctr">
-                      <a:solidFill>
-                        <a:srgbClr val="678843"/>
-                      </a:solidFill>
-                      <a:prstDash val="solid"/>
-                      <a:round/>
-                      <a:headEnd type="none" w="med" len="med"/>
-                      <a:tailEnd type="none" w="med" len="med"/>
-                    </a:lnT>
-                    <a:lnB w="12700" cap="flat" cmpd="sng" algn="ctr">
-                      <a:solidFill>
-                        <a:srgbClr val="678843"/>
-                      </a:solidFill>
-                      <a:prstDash val="solid"/>
-                      <a:round/>
-                      <a:headEnd type="none" w="med" len="med"/>
-                      <a:tailEnd type="none" w="med" len="med"/>
-                    </a:lnB>
-                    <a:lnTlToBr>
-                      <a:noFill/>
-                    </a:lnTlToBr>
-                    <a:lnBlToTr>
-                      <a:noFill/>
-                    </a:lnBlToTr>
-                    <a:solidFill>
-                      <a:schemeClr val="bg2"/>
-                    </a:solidFill>
-                  </a:tcPr>
-                </a:tc>
-                <a:tc>
-                  <a:txBody>
-                    <a:bodyPr/>
-                    <a:lstStyle/>
-                    <a:p>
-                      <a:pPr marL="0" marR="0" lvl="0" indent="0" algn="l" defTabSz="914400" rtl="0" eaLnBrk="1" fontAlgn="base" latinLnBrk="0" hangingPunct="1">
-                        <a:lnSpc>
-                          <a:spcPct val="100000"/>
-                        </a:lnSpc>
-                        <a:spcBef>
-                          <a:spcPct val="0"/>
-                        </a:spcBef>
-                        <a:spcAft>
-                          <a:spcPct val="0"/>
-                        </a:spcAft>
-                        <a:buClrTx/>
-                        <a:buSzTx/>
-                        <a:buFontTx/>
-                        <a:buNone/>
-                        <a:tabLst/>
-                      </a:pPr>
-                      <a:r>
-                        <a:rPr kumimoji="0" lang="zh-CN" altLang="en-US" sz="1800" b="0" i="0" u="none" strike="noStrike" cap="none" normalizeH="0" baseline="0" dirty="0" smtClean="0">
-                          <a:ln>
-                            <a:noFill/>
-                          </a:ln>
-                          <a:solidFill>
-                            <a:schemeClr val="tx1"/>
-                          </a:solidFill>
-                          <a:effectLst/>
-                          <a:latin typeface="微软雅黑" pitchFamily="34" charset="-122"/>
-                          <a:ea typeface="微软雅黑" pitchFamily="34" charset="-122"/>
-                        </a:rPr>
-                        <a:t>负载测试</a:t>
-                      </a:r>
-                    </a:p>
-                  </a:txBody>
-                  <a:tcPr marL="85047" marR="85047" marT="45708" marB="45708" horzOverflow="overflow">
-                    <a:lnL w="12700" cap="flat" cmpd="sng" algn="ctr">
-                      <a:solidFill>
-                        <a:srgbClr val="678843"/>
-                      </a:solidFill>
-                      <a:prstDash val="solid"/>
-                      <a:round/>
-                      <a:headEnd type="none" w="med" len="med"/>
-                      <a:tailEnd type="none" w="med" len="med"/>
-                    </a:lnL>
-                    <a:lnR w="12700" cap="flat" cmpd="sng" algn="ctr">
-                      <a:solidFill>
-                        <a:srgbClr val="678843"/>
-                      </a:solidFill>
-                      <a:prstDash val="solid"/>
-                      <a:round/>
-                      <a:headEnd type="none" w="med" len="med"/>
-                      <a:tailEnd type="none" w="med" len="med"/>
-                    </a:lnR>
-                    <a:lnT w="12700" cap="flat" cmpd="sng" algn="ctr">
-                      <a:solidFill>
-                        <a:srgbClr val="678843"/>
-                      </a:solidFill>
-                      <a:prstDash val="solid"/>
-                      <a:round/>
-                      <a:headEnd type="none" w="med" len="med"/>
-                      <a:tailEnd type="none" w="med" len="med"/>
-                    </a:lnT>
-                    <a:lnB w="12700" cap="flat" cmpd="sng" algn="ctr">
-                      <a:solidFill>
-                        <a:srgbClr val="678843"/>
-                      </a:solidFill>
-                      <a:prstDash val="solid"/>
-                      <a:round/>
-                      <a:headEnd type="none" w="med" len="med"/>
-                      <a:tailEnd type="none" w="med" len="med"/>
-                    </a:lnB>
-                    <a:lnTlToBr>
-                      <a:noFill/>
-                    </a:lnTlToBr>
-                    <a:lnBlToTr>
-                      <a:noFill/>
-                    </a:lnBlToTr>
-                    <a:solidFill>
-                      <a:schemeClr val="bg2"/>
-                    </a:solidFill>
-                  </a:tcPr>
-                </a:tc>
-                <a:tc>
-                  <a:txBody>
-                    <a:bodyPr/>
-                    <a:lstStyle/>
-                    <a:p>
-                      <a:pPr marL="0" marR="0" lvl="0" indent="0" algn="l" defTabSz="914400" rtl="0" eaLnBrk="1" fontAlgn="base" latinLnBrk="0" hangingPunct="1">
-                        <a:lnSpc>
-                          <a:spcPct val="100000"/>
-                        </a:lnSpc>
-                        <a:spcBef>
-                          <a:spcPct val="0"/>
-                        </a:spcBef>
-                        <a:spcAft>
-                          <a:spcPct val="0"/>
-                        </a:spcAft>
-                        <a:buClrTx/>
-                        <a:buSzTx/>
-                        <a:buFontTx/>
-                        <a:buNone/>
-                        <a:tabLst/>
-                      </a:pPr>
-                      <a:r>
-                        <a:rPr kumimoji="0" lang="zh-CN" altLang="en-US" sz="1800" b="0" i="0" u="none" strike="noStrike" cap="none" normalizeH="0" baseline="0" smtClean="0">
-                          <a:ln>
-                            <a:noFill/>
-                          </a:ln>
-                          <a:solidFill>
-                            <a:schemeClr val="tx1"/>
-                          </a:solidFill>
-                          <a:effectLst/>
-                          <a:latin typeface="微软雅黑" pitchFamily="34" charset="-122"/>
-                          <a:ea typeface="微软雅黑" pitchFamily="34" charset="-122"/>
-                        </a:rPr>
-                        <a:t>整个系统</a:t>
-                      </a:r>
-                    </a:p>
-                  </a:txBody>
-                  <a:tcPr marL="85047" marR="85047" marT="45708" marB="45708" horzOverflow="overflow">
-                    <a:lnL w="12700" cap="flat" cmpd="sng" algn="ctr">
-                      <a:solidFill>
-                        <a:srgbClr val="678843"/>
-                      </a:solidFill>
-                      <a:prstDash val="solid"/>
-                      <a:round/>
-                      <a:headEnd type="none" w="med" len="med"/>
-                      <a:tailEnd type="none" w="med" len="med"/>
-                    </a:lnL>
-                    <a:lnR w="12700" cap="flat" cmpd="sng" algn="ctr">
-                      <a:solidFill>
-                        <a:srgbClr val="678843"/>
-                      </a:solidFill>
-                      <a:prstDash val="solid"/>
-                      <a:round/>
-                      <a:headEnd type="none" w="med" len="med"/>
-                      <a:tailEnd type="none" w="med" len="med"/>
-                    </a:lnR>
-                    <a:lnT w="12700" cap="flat" cmpd="sng" algn="ctr">
-                      <a:solidFill>
-                        <a:srgbClr val="678843"/>
-                      </a:solidFill>
-                      <a:prstDash val="solid"/>
-                      <a:round/>
-                      <a:headEnd type="none" w="med" len="med"/>
-                      <a:tailEnd type="none" w="med" len="med"/>
-                    </a:lnT>
-                    <a:lnB w="12700" cap="flat" cmpd="sng" algn="ctr">
-                      <a:solidFill>
-                        <a:srgbClr val="678843"/>
-                      </a:solidFill>
-                      <a:prstDash val="solid"/>
-                      <a:round/>
-                      <a:headEnd type="none" w="med" len="med"/>
-                      <a:tailEnd type="none" w="med" len="med"/>
-                    </a:lnB>
-                    <a:lnTlToBr>
-                      <a:noFill/>
-                    </a:lnTlToBr>
-                    <a:lnBlToTr>
-                      <a:noFill/>
-                    </a:lnBlToTr>
-                    <a:solidFill>
-                      <a:schemeClr val="bg2"/>
-                    </a:solidFill>
-                  </a:tcPr>
-                </a:tc>
-                <a:tc>
-                  <a:txBody>
-                    <a:bodyPr/>
-                    <a:lstStyle/>
-                    <a:p>
-                      <a:pPr marL="0" marR="0" lvl="0" indent="0" algn="l" defTabSz="914400" rtl="0" eaLnBrk="1" fontAlgn="base" latinLnBrk="0" hangingPunct="1">
-                        <a:lnSpc>
-                          <a:spcPct val="100000"/>
-                        </a:lnSpc>
-                        <a:spcBef>
-                          <a:spcPct val="0"/>
-                        </a:spcBef>
-                        <a:spcAft>
-                          <a:spcPct val="0"/>
-                        </a:spcAft>
-                        <a:buClrTx/>
-                        <a:buSzTx/>
-                        <a:buFontTx/>
-                        <a:buNone/>
-                        <a:tabLst/>
-                      </a:pPr>
-                      <a:r>
-                        <a:rPr kumimoji="0" lang="zh-CN" altLang="en-US" sz="1800" b="0" i="0" u="none" strike="noStrike" cap="none" normalizeH="0" baseline="0" dirty="0" smtClean="0">
-                          <a:ln>
-                            <a:noFill/>
-                          </a:ln>
-                          <a:solidFill>
-                            <a:schemeClr val="tx1"/>
-                          </a:solidFill>
-                          <a:effectLst/>
-                          <a:latin typeface="微软雅黑" pitchFamily="34" charset="-122"/>
-                          <a:ea typeface="微软雅黑" pitchFamily="34" charset="-122"/>
-                        </a:rPr>
-                        <a:t>逐渐增加并发的用户数，直到达到服务器的资源消耗临界值，并在这种状态下让系统连续运行</a:t>
-                      </a:r>
-                    </a:p>
-                  </a:txBody>
-                  <a:tcPr marL="85047" marR="85047" marT="45708" marB="45708" horzOverflow="overflow">
-                    <a:lnL w="12700" cap="flat" cmpd="sng" algn="ctr">
-                      <a:solidFill>
-                        <a:srgbClr val="678843"/>
-                      </a:solidFill>
-                      <a:prstDash val="solid"/>
-                      <a:round/>
-                      <a:headEnd type="none" w="med" len="med"/>
-                      <a:tailEnd type="none" w="med" len="med"/>
-                    </a:lnL>
-                    <a:lnR w="12700" cap="flat" cmpd="sng" algn="ctr">
-                      <a:solidFill>
-                        <a:srgbClr val="678843"/>
-                      </a:solidFill>
-                      <a:prstDash val="solid"/>
-                      <a:round/>
-                      <a:headEnd type="none" w="med" len="med"/>
-                      <a:tailEnd type="none" w="med" len="med"/>
-                    </a:lnR>
-                    <a:lnT w="12700" cap="flat" cmpd="sng" algn="ctr">
-                      <a:solidFill>
-                        <a:srgbClr val="678843"/>
-                      </a:solidFill>
-                      <a:prstDash val="solid"/>
-                      <a:round/>
-                      <a:headEnd type="none" w="med" len="med"/>
-                      <a:tailEnd type="none" w="med" len="med"/>
-                    </a:lnT>
-                    <a:lnB w="12700" cap="flat" cmpd="sng" algn="ctr">
-                      <a:solidFill>
-                        <a:srgbClr val="678843"/>
-                      </a:solidFill>
-                      <a:prstDash val="solid"/>
-                      <a:round/>
-                      <a:headEnd type="none" w="med" len="med"/>
-                      <a:tailEnd type="none" w="med" len="med"/>
-                    </a:lnB>
-                    <a:lnTlToBr>
-                      <a:noFill/>
-                    </a:lnTlToBr>
-                    <a:lnBlToTr>
-                      <a:noFill/>
-                    </a:lnBlToTr>
-                    <a:solidFill>
-                      <a:schemeClr val="bg2"/>
-                    </a:solidFill>
-                  </a:tcPr>
-                </a:tc>
-                <a:tc>
-                  <a:txBody>
-                    <a:bodyPr/>
-                    <a:lstStyle/>
-                    <a:p>
-                      <a:pPr marL="0" marR="0" lvl="0" indent="0" algn="l" defTabSz="914400" rtl="0" eaLnBrk="1" fontAlgn="base" latinLnBrk="0" hangingPunct="1">
-                        <a:lnSpc>
-                          <a:spcPct val="100000"/>
-                        </a:lnSpc>
-                        <a:spcBef>
-                          <a:spcPct val="0"/>
-                        </a:spcBef>
-                        <a:spcAft>
-                          <a:spcPct val="0"/>
-                        </a:spcAft>
-                        <a:buClrTx/>
-                        <a:buSzTx/>
-                        <a:buFontTx/>
-                        <a:buNone/>
-                        <a:tabLst/>
-                      </a:pPr>
-                      <a:r>
-                        <a:rPr kumimoji="0" lang="zh-CN" altLang="en-US" sz="1800" b="0" i="0" u="none" strike="noStrike" cap="none" normalizeH="0" baseline="0" dirty="0" smtClean="0">
-                          <a:ln>
-                            <a:noFill/>
-                          </a:ln>
-                          <a:solidFill>
-                            <a:schemeClr val="tx1"/>
-                          </a:solidFill>
-                          <a:effectLst/>
-                          <a:latin typeface="微软雅黑" pitchFamily="34" charset="-122"/>
-                          <a:ea typeface="微软雅黑" pitchFamily="34" charset="-122"/>
-                        </a:rPr>
-                        <a:t>系统在满负荷的情况下运行时，</a:t>
-                      </a:r>
-                      <a:r>
-                        <a:rPr kumimoji="0" lang="en-US" altLang="zh-CN" sz="1800" b="0" i="0" u="none" strike="noStrike" cap="none" normalizeH="0" baseline="0" dirty="0" smtClean="0">
-                          <a:ln>
-                            <a:noFill/>
-                          </a:ln>
-                          <a:solidFill>
-                            <a:schemeClr val="tx1"/>
-                          </a:solidFill>
-                          <a:effectLst/>
-                          <a:latin typeface="微软雅黑" pitchFamily="34" charset="-122"/>
-                          <a:ea typeface="微软雅黑" pitchFamily="34" charset="-122"/>
-                        </a:rPr>
-                        <a:t>2</a:t>
-                      </a:r>
-                      <a:r>
-                        <a:rPr kumimoji="0" lang="zh-CN" altLang="en-US" sz="1800" b="0" i="0" u="none" strike="noStrike" cap="none" normalizeH="0" baseline="0" dirty="0" smtClean="0">
-                          <a:ln>
-                            <a:noFill/>
-                          </a:ln>
-                          <a:solidFill>
-                            <a:schemeClr val="tx1"/>
-                          </a:solidFill>
-                          <a:effectLst/>
-                          <a:latin typeface="微软雅黑" pitchFamily="34" charset="-122"/>
-                          <a:ea typeface="微软雅黑" pitchFamily="34" charset="-122"/>
-                        </a:rPr>
-                        <a:t>次故障的平均时间间隔</a:t>
-                      </a:r>
-                    </a:p>
-                  </a:txBody>
-                  <a:tcPr marL="85047" marR="85047" marT="45708" marB="45708" horzOverflow="overflow">
-                    <a:lnL w="12700" cap="flat" cmpd="sng" algn="ctr">
-                      <a:solidFill>
-                        <a:srgbClr val="678843"/>
-                      </a:solidFill>
-                      <a:prstDash val="solid"/>
-                      <a:round/>
-                      <a:headEnd type="none" w="med" len="med"/>
-                      <a:tailEnd type="none" w="med" len="med"/>
-                    </a:lnL>
-                    <a:lnR w="12700" cap="flat" cmpd="sng" algn="ctr">
-                      <a:solidFill>
-                        <a:srgbClr val="678843"/>
-                      </a:solidFill>
-                      <a:prstDash val="solid"/>
-                      <a:round/>
-                      <a:headEnd type="none" w="med" len="med"/>
-                      <a:tailEnd type="none" w="med" len="med"/>
-                    </a:lnR>
-                    <a:lnT w="12700" cap="flat" cmpd="sng" algn="ctr">
-                      <a:solidFill>
-                        <a:srgbClr val="678843"/>
-                      </a:solidFill>
-                      <a:prstDash val="solid"/>
-                      <a:round/>
-                      <a:headEnd type="none" w="med" len="med"/>
-                      <a:tailEnd type="none" w="med" len="med"/>
-                    </a:lnT>
-                    <a:lnB w="12700" cap="flat" cmpd="sng" algn="ctr">
-                      <a:solidFill>
-                        <a:srgbClr val="678843"/>
-                      </a:solidFill>
-                      <a:prstDash val="solid"/>
-                      <a:round/>
-                      <a:headEnd type="none" w="med" len="med"/>
-                      <a:tailEnd type="none" w="med" len="med"/>
-                    </a:lnB>
-                    <a:lnTlToBr>
-                      <a:noFill/>
-                    </a:lnTlToBr>
-                    <a:lnBlToTr>
-                      <a:noFill/>
-                    </a:lnBlToTr>
-                    <a:solidFill>
-                      <a:schemeClr val="bg2"/>
-                    </a:solidFill>
-                  </a:tcPr>
-                </a:tc>
-              </a:tr>
-              <a:tr h="914301">
-                <a:tc>
-                  <a:txBody>
-                    <a:bodyPr/>
-                    <a:lstStyle/>
-                    <a:p>
-                      <a:pPr marL="0" marR="0" lvl="0" indent="0" algn="ctr" defTabSz="914400" rtl="0" eaLnBrk="1" fontAlgn="base" latinLnBrk="0" hangingPunct="1">
-                        <a:lnSpc>
-                          <a:spcPct val="100000"/>
-                        </a:lnSpc>
-                        <a:spcBef>
-                          <a:spcPct val="0"/>
-                        </a:spcBef>
-                        <a:spcAft>
-                          <a:spcPct val="0"/>
-                        </a:spcAft>
-                        <a:buClrTx/>
-                        <a:buSzTx/>
-                        <a:buFontTx/>
-                        <a:buNone/>
-                        <a:tabLst/>
-                      </a:pPr>
-                      <a:r>
-                        <a:rPr kumimoji="0" lang="en-US" altLang="zh-CN" sz="1800" b="0" i="0" u="none" strike="noStrike" cap="none" normalizeH="0" baseline="0" smtClean="0">
-                          <a:ln>
-                            <a:noFill/>
-                          </a:ln>
-                          <a:solidFill>
-                            <a:schemeClr val="tx1"/>
-                          </a:solidFill>
-                          <a:effectLst/>
-                          <a:latin typeface="微软雅黑" pitchFamily="34" charset="-122"/>
-                          <a:ea typeface="微软雅黑" pitchFamily="34" charset="-122"/>
-                        </a:rPr>
-                        <a:t>5</a:t>
-                      </a:r>
-                      <a:endParaRPr kumimoji="0" lang="zh-CN" altLang="en-US" sz="1800" b="0" i="0" u="none" strike="noStrike" cap="none" normalizeH="0" baseline="0" smtClean="0">
-                        <a:ln>
-                          <a:noFill/>
-                        </a:ln>
-                        <a:solidFill>
-                          <a:schemeClr val="tx1"/>
-                        </a:solidFill>
-                        <a:effectLst/>
-                        <a:latin typeface="微软雅黑" pitchFamily="34" charset="-122"/>
-                        <a:ea typeface="微软雅黑" pitchFamily="34" charset="-122"/>
-                      </a:endParaRPr>
-                    </a:p>
-                  </a:txBody>
-                  <a:tcPr marL="85047" marR="85047" marT="45708" marB="45708" horzOverflow="overflow">
-                    <a:lnL w="12700" cap="flat" cmpd="sng" algn="ctr">
-                      <a:solidFill>
-                        <a:srgbClr val="678843"/>
-                      </a:solidFill>
-                      <a:prstDash val="solid"/>
-                      <a:round/>
-                      <a:headEnd type="none" w="med" len="med"/>
-                      <a:tailEnd type="none" w="med" len="med"/>
-                    </a:lnL>
-                    <a:lnR w="12700" cap="flat" cmpd="sng" algn="ctr">
-                      <a:solidFill>
-                        <a:srgbClr val="678843"/>
-                      </a:solidFill>
-                      <a:prstDash val="solid"/>
-                      <a:round/>
-                      <a:headEnd type="none" w="med" len="med"/>
-                      <a:tailEnd type="none" w="med" len="med"/>
-                    </a:lnR>
-                    <a:lnT w="12700" cap="flat" cmpd="sng" algn="ctr">
-                      <a:solidFill>
-                        <a:srgbClr val="678843"/>
-                      </a:solidFill>
-                      <a:prstDash val="solid"/>
-                      <a:round/>
-                      <a:headEnd type="none" w="med" len="med"/>
-                      <a:tailEnd type="none" w="med" len="med"/>
-                    </a:lnT>
-                    <a:lnB w="12700" cap="flat" cmpd="sng" algn="ctr">
-                      <a:solidFill>
-                        <a:srgbClr val="678843"/>
-                      </a:solidFill>
-                      <a:prstDash val="solid"/>
-                      <a:round/>
-                      <a:headEnd type="none" w="med" len="med"/>
-                      <a:tailEnd type="none" w="med" len="med"/>
-                    </a:lnB>
-                    <a:lnTlToBr>
-                      <a:noFill/>
-                    </a:lnTlToBr>
-                    <a:lnBlToTr>
-                      <a:noFill/>
-                    </a:lnBlToTr>
-                    <a:solidFill>
-                      <a:schemeClr val="bg2"/>
-                    </a:solidFill>
-                  </a:tcPr>
-                </a:tc>
-                <a:tc>
-                  <a:txBody>
-                    <a:bodyPr/>
-                    <a:lstStyle/>
-                    <a:p>
-                      <a:pPr marL="0" marR="0" lvl="0" indent="0" algn="l" defTabSz="914400" rtl="0" eaLnBrk="1" fontAlgn="base" latinLnBrk="0" hangingPunct="1">
-                        <a:lnSpc>
-                          <a:spcPct val="100000"/>
-                        </a:lnSpc>
-                        <a:spcBef>
-                          <a:spcPct val="0"/>
-                        </a:spcBef>
-                        <a:spcAft>
-                          <a:spcPct val="0"/>
-                        </a:spcAft>
-                        <a:buClrTx/>
-                        <a:buSzTx/>
-                        <a:buFontTx/>
-                        <a:buNone/>
-                        <a:tabLst/>
-                      </a:pPr>
-                      <a:r>
-                        <a:rPr kumimoji="0" lang="zh-CN" altLang="en-US" sz="1800" b="0" i="0" u="none" strike="noStrike" cap="none" normalizeH="0" baseline="0" dirty="0" smtClean="0">
-                          <a:ln>
-                            <a:noFill/>
-                          </a:ln>
-                          <a:solidFill>
-                            <a:schemeClr val="tx1"/>
-                          </a:solidFill>
-                          <a:effectLst/>
-                          <a:latin typeface="微软雅黑" pitchFamily="34" charset="-122"/>
-                          <a:ea typeface="微软雅黑" pitchFamily="34" charset="-122"/>
-                        </a:rPr>
-                        <a:t>压力测试</a:t>
-                      </a:r>
-                    </a:p>
-                  </a:txBody>
-                  <a:tcPr marL="85047" marR="85047" marT="45708" marB="45708" horzOverflow="overflow">
-                    <a:lnL w="12700" cap="flat" cmpd="sng" algn="ctr">
-                      <a:solidFill>
-                        <a:srgbClr val="678843"/>
-                      </a:solidFill>
-                      <a:prstDash val="solid"/>
-                      <a:round/>
-                      <a:headEnd type="none" w="med" len="med"/>
-                      <a:tailEnd type="none" w="med" len="med"/>
-                    </a:lnL>
-                    <a:lnR w="12700" cap="flat" cmpd="sng" algn="ctr">
-                      <a:solidFill>
-                        <a:srgbClr val="678843"/>
-                      </a:solidFill>
-                      <a:prstDash val="solid"/>
-                      <a:round/>
-                      <a:headEnd type="none" w="med" len="med"/>
-                      <a:tailEnd type="none" w="med" len="med"/>
-                    </a:lnR>
-                    <a:lnT w="12700" cap="flat" cmpd="sng" algn="ctr">
-                      <a:solidFill>
-                        <a:srgbClr val="678843"/>
-                      </a:solidFill>
-                      <a:prstDash val="solid"/>
-                      <a:round/>
-                      <a:headEnd type="none" w="med" len="med"/>
-                      <a:tailEnd type="none" w="med" len="med"/>
-                    </a:lnT>
-                    <a:lnB w="12700" cap="flat" cmpd="sng" algn="ctr">
-                      <a:solidFill>
-                        <a:srgbClr val="678843"/>
-                      </a:solidFill>
-                      <a:prstDash val="solid"/>
-                      <a:round/>
-                      <a:headEnd type="none" w="med" len="med"/>
-                      <a:tailEnd type="none" w="med" len="med"/>
-                    </a:lnB>
-                    <a:lnTlToBr>
-                      <a:noFill/>
-                    </a:lnTlToBr>
-                    <a:lnBlToTr>
-                      <a:noFill/>
-                    </a:lnBlToTr>
-                    <a:solidFill>
-                      <a:schemeClr val="bg2"/>
-                    </a:solidFill>
-                  </a:tcPr>
-                </a:tc>
-                <a:tc>
-                  <a:txBody>
-                    <a:bodyPr/>
-                    <a:lstStyle/>
-                    <a:p>
-                      <a:pPr marL="0" marR="0" lvl="0" indent="0" algn="l" defTabSz="914400" rtl="0" eaLnBrk="1" fontAlgn="base" latinLnBrk="0" hangingPunct="1">
-                        <a:lnSpc>
-                          <a:spcPct val="100000"/>
-                        </a:lnSpc>
-                        <a:spcBef>
-                          <a:spcPct val="0"/>
-                        </a:spcBef>
-                        <a:spcAft>
-                          <a:spcPct val="0"/>
-                        </a:spcAft>
-                        <a:buClrTx/>
-                        <a:buSzTx/>
-                        <a:buFontTx/>
-                        <a:buNone/>
-                        <a:tabLst/>
-                      </a:pPr>
-                      <a:r>
-                        <a:rPr kumimoji="0" lang="zh-CN" altLang="en-US" sz="1800" b="0" i="0" u="none" strike="noStrike" cap="none" normalizeH="0" baseline="0" dirty="0" smtClean="0">
-                          <a:ln>
-                            <a:noFill/>
-                          </a:ln>
-                          <a:solidFill>
-                            <a:schemeClr val="tx1"/>
-                          </a:solidFill>
-                          <a:effectLst/>
-                          <a:latin typeface="微软雅黑" pitchFamily="34" charset="-122"/>
-                          <a:ea typeface="微软雅黑" pitchFamily="34" charset="-122"/>
-                        </a:rPr>
-                        <a:t>登录模块</a:t>
-                      </a:r>
-                    </a:p>
-                  </a:txBody>
-                  <a:tcPr marL="85047" marR="85047" marT="45708" marB="45708" horzOverflow="overflow">
-                    <a:lnL w="12700" cap="flat" cmpd="sng" algn="ctr">
-                      <a:solidFill>
-                        <a:srgbClr val="678843"/>
-                      </a:solidFill>
-                      <a:prstDash val="solid"/>
-                      <a:round/>
-                      <a:headEnd type="none" w="med" len="med"/>
-                      <a:tailEnd type="none" w="med" len="med"/>
-                    </a:lnL>
-                    <a:lnR w="12700" cap="flat" cmpd="sng" algn="ctr">
-                      <a:solidFill>
-                        <a:srgbClr val="678843"/>
-                      </a:solidFill>
-                      <a:prstDash val="solid"/>
-                      <a:round/>
-                      <a:headEnd type="none" w="med" len="med"/>
-                      <a:tailEnd type="none" w="med" len="med"/>
-                    </a:lnR>
-                    <a:lnT w="12700" cap="flat" cmpd="sng" algn="ctr">
-                      <a:solidFill>
-                        <a:srgbClr val="678843"/>
-                      </a:solidFill>
-                      <a:prstDash val="solid"/>
-                      <a:round/>
-                      <a:headEnd type="none" w="med" len="med"/>
-                      <a:tailEnd type="none" w="med" len="med"/>
-                    </a:lnT>
-                    <a:lnB w="12700" cap="flat" cmpd="sng" algn="ctr">
-                      <a:solidFill>
-                        <a:srgbClr val="678843"/>
-                      </a:solidFill>
-                      <a:prstDash val="solid"/>
-                      <a:round/>
-                      <a:headEnd type="none" w="med" len="med"/>
-                      <a:tailEnd type="none" w="med" len="med"/>
-                    </a:lnB>
-                    <a:lnTlToBr>
-                      <a:noFill/>
-                    </a:lnTlToBr>
-                    <a:lnBlToTr>
-                      <a:noFill/>
-                    </a:lnBlToTr>
-                    <a:solidFill>
-                      <a:schemeClr val="bg2"/>
-                    </a:solidFill>
-                  </a:tcPr>
-                </a:tc>
-                <a:tc>
-                  <a:txBody>
-                    <a:bodyPr/>
-                    <a:lstStyle/>
-                    <a:p>
-                      <a:pPr marL="0" marR="0" lvl="0" indent="0" algn="l" defTabSz="914400" rtl="0" eaLnBrk="1" fontAlgn="base" latinLnBrk="0" hangingPunct="1">
-                        <a:lnSpc>
-                          <a:spcPct val="100000"/>
-                        </a:lnSpc>
-                        <a:spcBef>
-                          <a:spcPct val="0"/>
-                        </a:spcBef>
-                        <a:spcAft>
-                          <a:spcPct val="0"/>
-                        </a:spcAft>
-                        <a:buClrTx/>
-                        <a:buSzTx/>
-                        <a:buFontTx/>
-                        <a:buNone/>
-                        <a:tabLst/>
-                      </a:pPr>
-                      <a:r>
-                        <a:rPr kumimoji="0" lang="zh-CN" altLang="en-US" sz="1800" b="0" i="0" u="none" strike="noStrike" cap="none" normalizeH="0" baseline="0" smtClean="0">
-                          <a:ln>
-                            <a:noFill/>
-                          </a:ln>
-                          <a:solidFill>
-                            <a:schemeClr val="tx1"/>
-                          </a:solidFill>
-                          <a:effectLst/>
-                          <a:latin typeface="微软雅黑" pitchFamily="34" charset="-122"/>
-                          <a:ea typeface="微软雅黑" pitchFamily="34" charset="-122"/>
-                        </a:rPr>
-                        <a:t>逐渐增加登录用户的并发数，直到系统崩溃为止</a:t>
-                      </a:r>
-                    </a:p>
-                  </a:txBody>
-                  <a:tcPr marL="85047" marR="85047" marT="45708" marB="45708" horzOverflow="overflow">
-                    <a:lnL w="12700" cap="flat" cmpd="sng" algn="ctr">
-                      <a:solidFill>
-                        <a:srgbClr val="678843"/>
-                      </a:solidFill>
-                      <a:prstDash val="solid"/>
-                      <a:round/>
-                      <a:headEnd type="none" w="med" len="med"/>
-                      <a:tailEnd type="none" w="med" len="med"/>
-                    </a:lnL>
-                    <a:lnR w="12700" cap="flat" cmpd="sng" algn="ctr">
-                      <a:solidFill>
-                        <a:srgbClr val="678843"/>
-                      </a:solidFill>
-                      <a:prstDash val="solid"/>
-                      <a:round/>
-                      <a:headEnd type="none" w="med" len="med"/>
-                      <a:tailEnd type="none" w="med" len="med"/>
-                    </a:lnR>
-                    <a:lnT w="12700" cap="flat" cmpd="sng" algn="ctr">
-                      <a:solidFill>
-                        <a:srgbClr val="678843"/>
-                      </a:solidFill>
-                      <a:prstDash val="solid"/>
-                      <a:round/>
-                      <a:headEnd type="none" w="med" len="med"/>
-                      <a:tailEnd type="none" w="med" len="med"/>
-                    </a:lnT>
-                    <a:lnB w="12700" cap="flat" cmpd="sng" algn="ctr">
-                      <a:solidFill>
-                        <a:srgbClr val="678843"/>
-                      </a:solidFill>
-                      <a:prstDash val="solid"/>
-                      <a:round/>
-                      <a:headEnd type="none" w="med" len="med"/>
-                      <a:tailEnd type="none" w="med" len="med"/>
-                    </a:lnB>
-                    <a:lnTlToBr>
-                      <a:noFill/>
-                    </a:lnTlToBr>
-                    <a:lnBlToTr>
-                      <a:noFill/>
-                    </a:lnBlToTr>
-                    <a:solidFill>
-                      <a:schemeClr val="bg2"/>
-                    </a:solidFill>
-                  </a:tcPr>
-                </a:tc>
-                <a:tc>
-                  <a:txBody>
-                    <a:bodyPr/>
-                    <a:lstStyle/>
-                    <a:p>
-                      <a:pPr marL="0" marR="0" lvl="0" indent="0" algn="l" defTabSz="914400" rtl="0" eaLnBrk="1" fontAlgn="base" latinLnBrk="0" hangingPunct="1">
-                        <a:lnSpc>
-                          <a:spcPct val="100000"/>
-                        </a:lnSpc>
-                        <a:spcBef>
-                          <a:spcPct val="0"/>
-                        </a:spcBef>
-                        <a:spcAft>
-                          <a:spcPct val="0"/>
-                        </a:spcAft>
-                        <a:buClrTx/>
-                        <a:buSzTx/>
-                        <a:buFontTx/>
-                        <a:buNone/>
-                        <a:tabLst/>
-                      </a:pPr>
-                      <a:r>
-                        <a:rPr kumimoji="0" lang="zh-CN" altLang="en-US" sz="1800" b="0" i="0" u="none" strike="noStrike" cap="none" normalizeH="0" baseline="0" dirty="0" smtClean="0">
-                          <a:ln>
-                            <a:noFill/>
-                          </a:ln>
-                          <a:solidFill>
-                            <a:schemeClr val="tx1"/>
-                          </a:solidFill>
-                          <a:effectLst/>
-                          <a:latin typeface="微软雅黑" pitchFamily="34" charset="-122"/>
-                          <a:ea typeface="微软雅黑" pitchFamily="34" charset="-122"/>
-                        </a:rPr>
-                        <a:t>系统所能承受的最大并发登录用户数</a:t>
-                      </a:r>
-                    </a:p>
-                  </a:txBody>
-                  <a:tcPr marL="85047" marR="85047" marT="45708" marB="45708" horzOverflow="overflow">
-                    <a:lnL w="12700" cap="flat" cmpd="sng" algn="ctr">
-                      <a:solidFill>
-                        <a:srgbClr val="678843"/>
-                      </a:solidFill>
-                      <a:prstDash val="solid"/>
-                      <a:round/>
-                      <a:headEnd type="none" w="med" len="med"/>
-                      <a:tailEnd type="none" w="med" len="med"/>
-                    </a:lnL>
-                    <a:lnR w="12700" cap="flat" cmpd="sng" algn="ctr">
-                      <a:solidFill>
-                        <a:srgbClr val="678843"/>
-                      </a:solidFill>
-                      <a:prstDash val="solid"/>
-                      <a:round/>
-                      <a:headEnd type="none" w="med" len="med"/>
-                      <a:tailEnd type="none" w="med" len="med"/>
-                    </a:lnR>
-                    <a:lnT w="12700" cap="flat" cmpd="sng" algn="ctr">
-                      <a:solidFill>
-                        <a:srgbClr val="678843"/>
-                      </a:solidFill>
-                      <a:prstDash val="solid"/>
-                      <a:round/>
-                      <a:headEnd type="none" w="med" len="med"/>
-                      <a:tailEnd type="none" w="med" len="med"/>
-                    </a:lnT>
-                    <a:lnB w="12700" cap="flat" cmpd="sng" algn="ctr">
-                      <a:solidFill>
-                        <a:srgbClr val="678843"/>
-                      </a:solidFill>
-                      <a:prstDash val="solid"/>
-                      <a:round/>
-                      <a:headEnd type="none" w="med" len="med"/>
-                      <a:tailEnd type="none" w="med" len="med"/>
-                    </a:lnB>
-                    <a:lnTlToBr>
-                      <a:noFill/>
-                    </a:lnTlToBr>
-                    <a:lnBlToTr>
-                      <a:noFill/>
-                    </a:lnBlToTr>
-                    <a:solidFill>
-                      <a:schemeClr val="bg2"/>
-                    </a:solidFill>
-                  </a:tcPr>
-                </a:tc>
-              </a:tr>
-            </a:tbl>
-          </a:graphicData>
-        </a:graphic>
-      </p:graphicFrame>
-      <p:sp>
-        <p:nvSpPr>
-          <p:cNvPr id="4" name="Rectangle 2"/>
-          <p:cNvSpPr txBox="1">
-            <a:spLocks noChangeArrowheads="1"/>
-          </p:cNvSpPr>
-          <p:nvPr/>
-        </p:nvSpPr>
-        <p:spPr bwMode="auto">
-          <a:xfrm>
-            <a:off x="574675" y="-171400"/>
-            <a:ext cx="8001000" cy="1216025"/>
-          </a:xfrm>
-          <a:prstGeom prst="rect">
-            <a:avLst/>
-          </a:prstGeom>
-          <a:noFill/>
-          <a:ln>
-            <a:noFill/>
-          </a:ln>
-          <a:extLst>
-            <a:ext uri="{909E8E84-426E-40DD-AFC4-6F175D3DCCD1}">
-              <a14:hiddenFill xmlns:a14="http://schemas.microsoft.com/office/drawing/2010/main">
-                <a:solidFill>
-                  <a:srgbClr val="FFFFFF"/>
-                </a:solidFill>
-              </a14:hiddenFill>
-            </a:ext>
-            <a:ext uri="{91240B29-F687-4F45-9708-019B960494DF}">
-              <a14:hiddenLine xmlns:a14="http://schemas.microsoft.com/office/drawing/2010/main" w="9525">
-                <a:solidFill>
-                  <a:srgbClr val="000000"/>
-                </a:solidFill>
-                <a:miter lim="800000"/>
-                <a:headEnd/>
-                <a:tailEnd/>
-              </a14:hiddenLine>
-            </a:ext>
-          </a:extLst>
-        </p:spPr>
-        <p:txBody>
-          <a:bodyPr vert="horz" wrap="square" lIns="91440" tIns="45720" rIns="91440" bIns="45720" numCol="1" anchor="b" anchorCtr="0" compatLnSpc="1">
-            <a:prstTxWarp prst="textNoShape">
-              <a:avLst/>
-            </a:prstTxWarp>
-          </a:bodyPr>
-          <a:lstStyle>
-            <a:lvl1pPr algn="l" rtl="0" eaLnBrk="0" fontAlgn="base" hangingPunct="0">
-              <a:spcBef>
-                <a:spcPct val="0"/>
-              </a:spcBef>
-              <a:spcAft>
-                <a:spcPct val="0"/>
-              </a:spcAft>
-              <a:defRPr sz="3800">
-                <a:solidFill>
-                  <a:schemeClr val="tx2"/>
-                </a:solidFill>
-                <a:latin typeface="+mj-lt"/>
-                <a:ea typeface="+mj-ea"/>
-                <a:cs typeface="+mj-cs"/>
-              </a:defRPr>
-            </a:lvl1pPr>
-            <a:lvl2pPr algn="l" rtl="0" eaLnBrk="0" fontAlgn="base" hangingPunct="0">
-              <a:spcBef>
-                <a:spcPct val="0"/>
-              </a:spcBef>
-              <a:spcAft>
-                <a:spcPct val="0"/>
-              </a:spcAft>
-              <a:defRPr sz="3800">
-                <a:solidFill>
-                  <a:schemeClr val="tx2"/>
-                </a:solidFill>
-                <a:latin typeface="Verdana" pitchFamily="34" charset="0"/>
-                <a:ea typeface="宋体" pitchFamily="2" charset="-122"/>
-              </a:defRPr>
-            </a:lvl2pPr>
-            <a:lvl3pPr algn="l" rtl="0" eaLnBrk="0" fontAlgn="base" hangingPunct="0">
-              <a:spcBef>
-                <a:spcPct val="0"/>
-              </a:spcBef>
-              <a:spcAft>
-                <a:spcPct val="0"/>
-              </a:spcAft>
-              <a:defRPr sz="3800">
-                <a:solidFill>
-                  <a:schemeClr val="tx2"/>
-                </a:solidFill>
-                <a:latin typeface="Verdana" pitchFamily="34" charset="0"/>
-                <a:ea typeface="宋体" pitchFamily="2" charset="-122"/>
-              </a:defRPr>
-            </a:lvl3pPr>
-            <a:lvl4pPr algn="l" rtl="0" eaLnBrk="0" fontAlgn="base" hangingPunct="0">
-              <a:spcBef>
-                <a:spcPct val="0"/>
-              </a:spcBef>
-              <a:spcAft>
-                <a:spcPct val="0"/>
-              </a:spcAft>
-              <a:defRPr sz="3800">
-                <a:solidFill>
-                  <a:schemeClr val="tx2"/>
-                </a:solidFill>
-                <a:latin typeface="Verdana" pitchFamily="34" charset="0"/>
-                <a:ea typeface="宋体" pitchFamily="2" charset="-122"/>
-              </a:defRPr>
-            </a:lvl4pPr>
-            <a:lvl5pPr algn="l" rtl="0" eaLnBrk="0" fontAlgn="base" hangingPunct="0">
-              <a:spcBef>
-                <a:spcPct val="0"/>
-              </a:spcBef>
-              <a:spcAft>
-                <a:spcPct val="0"/>
-              </a:spcAft>
-              <a:defRPr sz="3800">
-                <a:solidFill>
-                  <a:schemeClr val="tx2"/>
-                </a:solidFill>
-                <a:latin typeface="Verdana" pitchFamily="34" charset="0"/>
-                <a:ea typeface="宋体" pitchFamily="2" charset="-122"/>
-              </a:defRPr>
-            </a:lvl5pPr>
-            <a:lvl6pPr marL="457200" algn="l" rtl="0" eaLnBrk="0" fontAlgn="base" hangingPunct="0">
-              <a:spcBef>
-                <a:spcPct val="0"/>
-              </a:spcBef>
-              <a:spcAft>
-                <a:spcPct val="0"/>
-              </a:spcAft>
-              <a:defRPr sz="3800">
-                <a:solidFill>
-                  <a:schemeClr val="tx2"/>
-                </a:solidFill>
-                <a:latin typeface="Verdana" pitchFamily="34" charset="0"/>
-                <a:ea typeface="宋体" pitchFamily="2" charset="-122"/>
-              </a:defRPr>
-            </a:lvl6pPr>
-            <a:lvl7pPr marL="914400" algn="l" rtl="0" eaLnBrk="0" fontAlgn="base" hangingPunct="0">
-              <a:spcBef>
-                <a:spcPct val="0"/>
-              </a:spcBef>
-              <a:spcAft>
-                <a:spcPct val="0"/>
-              </a:spcAft>
-              <a:defRPr sz="3800">
-                <a:solidFill>
-                  <a:schemeClr val="tx2"/>
-                </a:solidFill>
-                <a:latin typeface="Verdana" pitchFamily="34" charset="0"/>
-                <a:ea typeface="宋体" pitchFamily="2" charset="-122"/>
-              </a:defRPr>
-            </a:lvl7pPr>
-            <a:lvl8pPr marL="1371600" algn="l" rtl="0" eaLnBrk="0" fontAlgn="base" hangingPunct="0">
-              <a:spcBef>
-                <a:spcPct val="0"/>
-              </a:spcBef>
-              <a:spcAft>
-                <a:spcPct val="0"/>
-              </a:spcAft>
-              <a:defRPr sz="3800">
-                <a:solidFill>
-                  <a:schemeClr val="tx2"/>
-                </a:solidFill>
-                <a:latin typeface="Verdana" pitchFamily="34" charset="0"/>
-                <a:ea typeface="宋体" pitchFamily="2" charset="-122"/>
-              </a:defRPr>
-            </a:lvl8pPr>
-            <a:lvl9pPr marL="1828800" algn="l" rtl="0" eaLnBrk="0" fontAlgn="base" hangingPunct="0">
-              <a:spcBef>
-                <a:spcPct val="0"/>
-              </a:spcBef>
-              <a:spcAft>
-                <a:spcPct val="0"/>
-              </a:spcAft>
-              <a:defRPr sz="3800">
-                <a:solidFill>
-                  <a:schemeClr val="tx2"/>
-                </a:solidFill>
-                <a:latin typeface="Verdana" pitchFamily="34" charset="0"/>
-                <a:ea typeface="宋体" pitchFamily="2" charset="-122"/>
-              </a:defRPr>
-            </a:lvl9pPr>
-          </a:lstStyle>
-          <a:p>
-            <a:pPr eaLnBrk="1" hangingPunct="1"/>
-            <a:r>
-              <a:rPr lang="en-US" b="1" dirty="0" smtClean="0">
-                <a:latin typeface="黑体" pitchFamily="49" charset="-122"/>
-                <a:ea typeface="黑体" pitchFamily="49" charset="-122"/>
-              </a:rPr>
-              <a:t>9.3 </a:t>
-            </a:r>
-            <a:r>
-              <a:rPr lang="zh-CN" b="1" dirty="0" smtClean="0">
-                <a:latin typeface="黑体" pitchFamily="49" charset="-122"/>
-                <a:ea typeface="黑体" pitchFamily="49" charset="-122"/>
-              </a:rPr>
-              <a:t>性能测试</a:t>
-            </a:r>
-            <a:endParaRPr lang="zh-CN" b="1" dirty="0">
-              <a:latin typeface="黑体" pitchFamily="49" charset="-122"/>
-              <a:ea typeface="黑体" pitchFamily="49" charset="-122"/>
-            </a:endParaRPr>
-          </a:p>
-        </p:txBody>
-      </p:sp>
-    </p:spTree>
-    <p:extLst>
-      <p:ext uri="{BB962C8B-B14F-4D97-AF65-F5344CB8AC3E}">
-        <p14:creationId xmlns:p14="http://schemas.microsoft.com/office/powerpoint/2010/main" val="3345721085"/>
-      </p:ext>
-    </p:extLst>
-  </p:cSld>
-  <p:clrMapOvr>
-    <a:masterClrMapping/>
-  </p:clrMapOvr>
-  <p:transition>
-    <p:blinds dir="vert"/>
-  </p:transition>
-</p:sld>
-</file>
-
-<file path=ppt/slides/slide28.xml><?xml version="1.0" encoding="utf-8"?>
 <p:sld xmlns:a="http://schemas.openxmlformats.org/drawingml/2006/main" xmlns:r="http://schemas.openxmlformats.org/officeDocument/2006/relationships" xmlns:p="http://schemas.openxmlformats.org/presentationml/2006/main">
   <p:cSld>
     <p:spTree>
@@ -18833,7 +15938,7 @@
             <a:fld id="{72469BD1-73EF-4EA1-A7D7-A4824F99CC8C}" type="slidenum">
               <a:rPr lang="en-US" sz="1200"/>
               <a:pPr algn="r" eaLnBrk="1" hangingPunct="1"/>
-              <a:t>28</a:t>
+              <a:t>27</a:t>
             </a:fld>
             <a:endParaRPr lang="en-US" sz="1200"/>
           </a:p>
@@ -18927,10 +16032,17 @@
     <a:masterClrMapping/>
   </p:clrMapOvr>
   <p:transition/>
+  <p:timing>
+    <p:tnLst>
+      <p:par>
+        <p:cTn id="1" dur="indefinite" restart="never" nodeType="tmRoot"/>
+      </p:par>
+    </p:tnLst>
+  </p:timing>
 </p:sld>
 </file>
 
-<file path=ppt/slides/slide29.xml><?xml version="1.0" encoding="utf-8"?>
+<file path=ppt/slides/slide28.xml><?xml version="1.0" encoding="utf-8"?>
 <p:sld xmlns:a="http://schemas.openxmlformats.org/drawingml/2006/main" xmlns:r="http://schemas.openxmlformats.org/officeDocument/2006/relationships" xmlns:p="http://schemas.openxmlformats.org/presentationml/2006/main">
   <p:cSld>
     <p:spTree>
@@ -19101,7 +16213,7 @@
             <a:fld id="{C3077690-A883-4FB3-B036-616B26D14818}" type="slidenum">
               <a:rPr lang="en-US" sz="1200"/>
               <a:pPr algn="r" eaLnBrk="1" hangingPunct="1"/>
-              <a:t>29</a:t>
+              <a:t>28</a:t>
             </a:fld>
             <a:endParaRPr lang="en-US" sz="1200"/>
           </a:p>
@@ -19253,6 +16365,358 @@
     <a:masterClrMapping/>
   </p:clrMapOvr>
   <p:transition/>
+  <p:timing>
+    <p:tnLst>
+      <p:par>
+        <p:cTn id="1" dur="indefinite" restart="never" nodeType="tmRoot"/>
+      </p:par>
+    </p:tnLst>
+  </p:timing>
+</p:sld>
+</file>
+
+<file path=ppt/slides/slide29.xml><?xml version="1.0" encoding="utf-8"?>
+<p:sld xmlns:a="http://schemas.openxmlformats.org/drawingml/2006/main" xmlns:r="http://schemas.openxmlformats.org/officeDocument/2006/relationships" xmlns:p="http://schemas.openxmlformats.org/presentationml/2006/main">
+  <p:cSld>
+    <p:spTree>
+      <p:nvGrpSpPr>
+        <p:cNvPr id="1" name=""/>
+        <p:cNvGrpSpPr/>
+        <p:nvPr/>
+      </p:nvGrpSpPr>
+      <p:grpSpPr>
+        <a:xfrm>
+          <a:off x="0" y="0"/>
+          <a:ext cx="0" cy="0"/>
+          <a:chOff x="0" y="0"/>
+          <a:chExt cx="0" cy="0"/>
+        </a:xfrm>
+      </p:grpSpPr>
+      <p:sp>
+        <p:nvSpPr>
+          <p:cNvPr id="29698" name="灯片编号占位符 5"/>
+          <p:cNvSpPr txBox="1">
+            <a:spLocks noGrp="1" noChangeArrowheads="1"/>
+          </p:cNvSpPr>
+          <p:nvPr/>
+        </p:nvSpPr>
+        <p:spPr bwMode="auto">
+          <a:xfrm>
+            <a:off x="6553200" y="6245225"/>
+            <a:ext cx="1981200" cy="476250"/>
+          </a:xfrm>
+          <a:prstGeom prst="rect">
+            <a:avLst/>
+          </a:prstGeom>
+          <a:noFill/>
+          <a:ln>
+            <a:noFill/>
+          </a:ln>
+          <a:extLst>
+            <a:ext uri="{909E8E84-426E-40DD-AFC4-6F175D3DCCD1}">
+              <a14:hiddenFill xmlns:a14="http://schemas.microsoft.com/office/drawing/2010/main">
+                <a:solidFill>
+                  <a:srgbClr val="FFFFFF"/>
+                </a:solidFill>
+              </a14:hiddenFill>
+            </a:ext>
+            <a:ext uri="{91240B29-F687-4F45-9708-019B960494DF}">
+              <a14:hiddenLine xmlns:a14="http://schemas.microsoft.com/office/drawing/2010/main" w="9525">
+                <a:solidFill>
+                  <a:srgbClr val="000000"/>
+                </a:solidFill>
+                <a:miter lim="800000"/>
+                <a:headEnd/>
+                <a:tailEnd/>
+              </a14:hiddenLine>
+            </a:ext>
+          </a:extLst>
+        </p:spPr>
+        <p:txBody>
+          <a:bodyPr/>
+          <a:lstStyle>
+            <a:lvl1pPr eaLnBrk="0" hangingPunct="0">
+              <a:defRPr>
+                <a:solidFill>
+                  <a:schemeClr val="tx1"/>
+                </a:solidFill>
+                <a:latin typeface="Verdana" pitchFamily="34" charset="0"/>
+                <a:ea typeface="宋体" pitchFamily="2" charset="-122"/>
+              </a:defRPr>
+            </a:lvl1pPr>
+            <a:lvl2pPr marL="742950" indent="-285750" eaLnBrk="0" hangingPunct="0">
+              <a:defRPr>
+                <a:solidFill>
+                  <a:schemeClr val="tx1"/>
+                </a:solidFill>
+                <a:latin typeface="Verdana" pitchFamily="34" charset="0"/>
+                <a:ea typeface="宋体" pitchFamily="2" charset="-122"/>
+              </a:defRPr>
+            </a:lvl2pPr>
+            <a:lvl3pPr marL="1143000" indent="-228600" eaLnBrk="0" hangingPunct="0">
+              <a:defRPr>
+                <a:solidFill>
+                  <a:schemeClr val="tx1"/>
+                </a:solidFill>
+                <a:latin typeface="Verdana" pitchFamily="34" charset="0"/>
+                <a:ea typeface="宋体" pitchFamily="2" charset="-122"/>
+              </a:defRPr>
+            </a:lvl3pPr>
+            <a:lvl4pPr marL="1600200" indent="-228600" eaLnBrk="0" hangingPunct="0">
+              <a:defRPr>
+                <a:solidFill>
+                  <a:schemeClr val="tx1"/>
+                </a:solidFill>
+                <a:latin typeface="Verdana" pitchFamily="34" charset="0"/>
+                <a:ea typeface="宋体" pitchFamily="2" charset="-122"/>
+              </a:defRPr>
+            </a:lvl4pPr>
+            <a:lvl5pPr marL="2057400" indent="-228600" eaLnBrk="0" hangingPunct="0">
+              <a:defRPr>
+                <a:solidFill>
+                  <a:schemeClr val="tx1"/>
+                </a:solidFill>
+                <a:latin typeface="Verdana" pitchFamily="34" charset="0"/>
+                <a:ea typeface="宋体" pitchFamily="2" charset="-122"/>
+              </a:defRPr>
+            </a:lvl5pPr>
+            <a:lvl6pPr marL="2514600" indent="-228600" eaLnBrk="0" fontAlgn="base" hangingPunct="0">
+              <a:spcBef>
+                <a:spcPct val="0"/>
+              </a:spcBef>
+              <a:spcAft>
+                <a:spcPct val="0"/>
+              </a:spcAft>
+              <a:defRPr>
+                <a:solidFill>
+                  <a:schemeClr val="tx1"/>
+                </a:solidFill>
+                <a:latin typeface="Verdana" pitchFamily="34" charset="0"/>
+                <a:ea typeface="宋体" pitchFamily="2" charset="-122"/>
+              </a:defRPr>
+            </a:lvl6pPr>
+            <a:lvl7pPr marL="2971800" indent="-228600" eaLnBrk="0" fontAlgn="base" hangingPunct="0">
+              <a:spcBef>
+                <a:spcPct val="0"/>
+              </a:spcBef>
+              <a:spcAft>
+                <a:spcPct val="0"/>
+              </a:spcAft>
+              <a:defRPr>
+                <a:solidFill>
+                  <a:schemeClr val="tx1"/>
+                </a:solidFill>
+                <a:latin typeface="Verdana" pitchFamily="34" charset="0"/>
+                <a:ea typeface="宋体" pitchFamily="2" charset="-122"/>
+              </a:defRPr>
+            </a:lvl7pPr>
+            <a:lvl8pPr marL="3429000" indent="-228600" eaLnBrk="0" fontAlgn="base" hangingPunct="0">
+              <a:spcBef>
+                <a:spcPct val="0"/>
+              </a:spcBef>
+              <a:spcAft>
+                <a:spcPct val="0"/>
+              </a:spcAft>
+              <a:defRPr>
+                <a:solidFill>
+                  <a:schemeClr val="tx1"/>
+                </a:solidFill>
+                <a:latin typeface="Verdana" pitchFamily="34" charset="0"/>
+                <a:ea typeface="宋体" pitchFamily="2" charset="-122"/>
+              </a:defRPr>
+            </a:lvl8pPr>
+            <a:lvl9pPr marL="3886200" indent="-228600" eaLnBrk="0" fontAlgn="base" hangingPunct="0">
+              <a:spcBef>
+                <a:spcPct val="0"/>
+              </a:spcBef>
+              <a:spcAft>
+                <a:spcPct val="0"/>
+              </a:spcAft>
+              <a:defRPr>
+                <a:solidFill>
+                  <a:schemeClr val="tx1"/>
+                </a:solidFill>
+                <a:latin typeface="Verdana" pitchFamily="34" charset="0"/>
+                <a:ea typeface="宋体" pitchFamily="2" charset="-122"/>
+              </a:defRPr>
+            </a:lvl9pPr>
+          </a:lstStyle>
+          <a:p>
+            <a:pPr algn="r" eaLnBrk="1" hangingPunct="1"/>
+            <a:fld id="{4E10036B-1690-4A9C-80F9-E530D1ADAA8A}" type="slidenum">
+              <a:rPr lang="en-US" sz="1200"/>
+              <a:pPr algn="r" eaLnBrk="1" hangingPunct="1"/>
+              <a:t>29</a:t>
+            </a:fld>
+            <a:endParaRPr lang="en-US" sz="1200"/>
+          </a:p>
+        </p:txBody>
+      </p:sp>
+      <p:sp>
+        <p:nvSpPr>
+          <p:cNvPr id="29699" name="Rectangle 2"/>
+          <p:cNvSpPr>
+            <a:spLocks noGrp="1" noChangeArrowheads="1"/>
+          </p:cNvSpPr>
+          <p:nvPr>
+            <p:ph type="title" idx="4294967295"/>
+          </p:nvPr>
+        </p:nvSpPr>
+        <p:spPr>
+          <a:xfrm>
+            <a:off x="574675" y="-99392"/>
+            <a:ext cx="8001000" cy="1216025"/>
+          </a:xfrm>
+        </p:spPr>
+        <p:txBody>
+          <a:bodyPr/>
+          <a:lstStyle/>
+          <a:p>
+            <a:pPr eaLnBrk="1" hangingPunct="1"/>
+            <a:r>
+              <a:rPr lang="en-US" b="1" dirty="0">
+                <a:latin typeface="黑体" pitchFamily="49" charset="-122"/>
+                <a:ea typeface="黑体" pitchFamily="49" charset="-122"/>
+              </a:rPr>
+              <a:t>9.4 </a:t>
+            </a:r>
+            <a:r>
+              <a:rPr lang="zh-CN" b="1" dirty="0">
+                <a:latin typeface="黑体" pitchFamily="49" charset="-122"/>
+                <a:ea typeface="黑体" pitchFamily="49" charset="-122"/>
+              </a:rPr>
+              <a:t>安全性测试</a:t>
+            </a:r>
+          </a:p>
+        </p:txBody>
+      </p:sp>
+      <p:sp>
+        <p:nvSpPr>
+          <p:cNvPr id="29700" name="Rectangle 3"/>
+          <p:cNvSpPr>
+            <a:spLocks noGrp="1" noChangeArrowheads="1"/>
+          </p:cNvSpPr>
+          <p:nvPr>
+            <p:ph type="body" idx="4294967295"/>
+          </p:nvPr>
+        </p:nvSpPr>
+        <p:spPr>
+          <a:xfrm>
+            <a:off x="566738" y="1340768"/>
+            <a:ext cx="8001000" cy="4267200"/>
+          </a:xfrm>
+        </p:spPr>
+        <p:txBody>
+          <a:bodyPr/>
+          <a:lstStyle/>
+          <a:p>
+            <a:pPr algn="just" eaLnBrk="1" hangingPunct="1"/>
+            <a:r>
+              <a:rPr lang="zh-CN" sz="3400" b="1" dirty="0"/>
+              <a:t>安全性测试方法</a:t>
+            </a:r>
+            <a:endParaRPr lang="en-US" sz="3400" b="1" dirty="0"/>
+          </a:p>
+          <a:p>
+            <a:pPr lvl="1" algn="just" eaLnBrk="1" hangingPunct="1"/>
+            <a:r>
+              <a:rPr lang="zh-CN" b="1" dirty="0"/>
+              <a:t>功能</a:t>
+            </a:r>
+            <a:r>
+              <a:rPr lang="zh-CN" sz="2400" b="1" dirty="0"/>
+              <a:t>验证：对涉及安全的软件功能，如权限管理、系统加密和认证等进行测试，验证这些功能是否有效</a:t>
+            </a:r>
+            <a:endParaRPr lang="en-US" sz="2400" b="1" dirty="0"/>
+          </a:p>
+          <a:p>
+            <a:pPr lvl="1" algn="just" eaLnBrk="1" hangingPunct="1"/>
+            <a:r>
+              <a:rPr lang="zh-CN" sz="2400" b="1" dirty="0"/>
+              <a:t>程序数据扫描：通过内存测试发现诸如缓冲区溢出之类的漏洞</a:t>
+            </a:r>
+            <a:endParaRPr lang="en-US" sz="2400" b="1" dirty="0"/>
+          </a:p>
+          <a:p>
+            <a:pPr lvl="1" algn="just" eaLnBrk="1" hangingPunct="1"/>
+            <a:r>
+              <a:rPr lang="zh-CN" sz="2400" b="1" dirty="0"/>
+              <a:t>静态测试：对源代码进行安全扫描，找出代码中的潜在安全漏洞</a:t>
+            </a:r>
+            <a:endParaRPr lang="en-US" sz="2400" b="1" dirty="0"/>
+          </a:p>
+          <a:p>
+            <a:pPr lvl="1" algn="just" eaLnBrk="1" hangingPunct="1"/>
+            <a:r>
+              <a:rPr lang="zh-CN" sz="2400" b="1" dirty="0"/>
+              <a:t>动态测试：以人工方式或通过使用自动化工具模拟黑客对应用系统进行攻击性测试，找出运行时所存在的安全漏洞</a:t>
+            </a:r>
+          </a:p>
+        </p:txBody>
+      </p:sp>
+      <p:sp>
+        <p:nvSpPr>
+          <p:cNvPr id="29702" name="Rectangle 6"/>
+          <p:cNvSpPr>
+            <a:spLocks noChangeArrowheads="1"/>
+          </p:cNvSpPr>
+          <p:nvPr/>
+        </p:nvSpPr>
+        <p:spPr bwMode="auto">
+          <a:xfrm>
+            <a:off x="0" y="2476500"/>
+            <a:ext cx="9144000" cy="0"/>
+          </a:xfrm>
+          <a:prstGeom prst="rect">
+            <a:avLst/>
+          </a:prstGeom>
+          <a:noFill/>
+          <a:ln>
+            <a:noFill/>
+          </a:ln>
+          <a:extLst>
+            <a:ext uri="{909E8E84-426E-40DD-AFC4-6F175D3DCCD1}">
+              <a14:hiddenFill xmlns:a14="http://schemas.microsoft.com/office/drawing/2010/main">
+                <a:solidFill>
+                  <a:srgbClr val="FFFFFF"/>
+                </a:solidFill>
+              </a14:hiddenFill>
+            </a:ext>
+            <a:ext uri="{91240B29-F687-4F45-9708-019B960494DF}">
+              <a14:hiddenLine xmlns:a14="http://schemas.microsoft.com/office/drawing/2010/main" w="9525">
+                <a:solidFill>
+                  <a:srgbClr val="000000"/>
+                </a:solidFill>
+                <a:miter lim="800000"/>
+                <a:headEnd/>
+                <a:tailEnd/>
+              </a14:hiddenLine>
+            </a:ext>
+          </a:extLst>
+        </p:spPr>
+        <p:txBody>
+          <a:bodyPr wrap="none" anchor="ctr">
+            <a:spAutoFit/>
+          </a:bodyPr>
+          <a:lstStyle/>
+          <a:p>
+            <a:endParaRPr lang="zh-CN"/>
+          </a:p>
+        </p:txBody>
+      </p:sp>
+    </p:spTree>
+  </p:cSld>
+  <p:clrMapOvr>
+    <a:masterClrMapping/>
+  </p:clrMapOvr>
+  <p:transition/>
+  <p:timing>
+    <p:tnLst>
+      <p:par>
+        <p:cTn id="1" dur="indefinite" restart="never" nodeType="tmRoot"/>
+      </p:par>
+    </p:tnLst>
+  </p:timing>
 </p:sld>
 </file>
 
@@ -19605,344 +17069,6 @@
       </p:grpSpPr>
       <p:sp>
         <p:nvSpPr>
-          <p:cNvPr id="29698" name="灯片编号占位符 5"/>
-          <p:cNvSpPr txBox="1">
-            <a:spLocks noGrp="1" noChangeArrowheads="1"/>
-          </p:cNvSpPr>
-          <p:nvPr/>
-        </p:nvSpPr>
-        <p:spPr bwMode="auto">
-          <a:xfrm>
-            <a:off x="6553200" y="6245225"/>
-            <a:ext cx="1981200" cy="476250"/>
-          </a:xfrm>
-          <a:prstGeom prst="rect">
-            <a:avLst/>
-          </a:prstGeom>
-          <a:noFill/>
-          <a:ln>
-            <a:noFill/>
-          </a:ln>
-          <a:extLst>
-            <a:ext uri="{909E8E84-426E-40DD-AFC4-6F175D3DCCD1}">
-              <a14:hiddenFill xmlns:a14="http://schemas.microsoft.com/office/drawing/2010/main">
-                <a:solidFill>
-                  <a:srgbClr val="FFFFFF"/>
-                </a:solidFill>
-              </a14:hiddenFill>
-            </a:ext>
-            <a:ext uri="{91240B29-F687-4F45-9708-019B960494DF}">
-              <a14:hiddenLine xmlns:a14="http://schemas.microsoft.com/office/drawing/2010/main" w="9525">
-                <a:solidFill>
-                  <a:srgbClr val="000000"/>
-                </a:solidFill>
-                <a:miter lim="800000"/>
-                <a:headEnd/>
-                <a:tailEnd/>
-              </a14:hiddenLine>
-            </a:ext>
-          </a:extLst>
-        </p:spPr>
-        <p:txBody>
-          <a:bodyPr/>
-          <a:lstStyle>
-            <a:lvl1pPr eaLnBrk="0" hangingPunct="0">
-              <a:defRPr>
-                <a:solidFill>
-                  <a:schemeClr val="tx1"/>
-                </a:solidFill>
-                <a:latin typeface="Verdana" pitchFamily="34" charset="0"/>
-                <a:ea typeface="宋体" pitchFamily="2" charset="-122"/>
-              </a:defRPr>
-            </a:lvl1pPr>
-            <a:lvl2pPr marL="742950" indent="-285750" eaLnBrk="0" hangingPunct="0">
-              <a:defRPr>
-                <a:solidFill>
-                  <a:schemeClr val="tx1"/>
-                </a:solidFill>
-                <a:latin typeface="Verdana" pitchFamily="34" charset="0"/>
-                <a:ea typeface="宋体" pitchFamily="2" charset="-122"/>
-              </a:defRPr>
-            </a:lvl2pPr>
-            <a:lvl3pPr marL="1143000" indent="-228600" eaLnBrk="0" hangingPunct="0">
-              <a:defRPr>
-                <a:solidFill>
-                  <a:schemeClr val="tx1"/>
-                </a:solidFill>
-                <a:latin typeface="Verdana" pitchFamily="34" charset="0"/>
-                <a:ea typeface="宋体" pitchFamily="2" charset="-122"/>
-              </a:defRPr>
-            </a:lvl3pPr>
-            <a:lvl4pPr marL="1600200" indent="-228600" eaLnBrk="0" hangingPunct="0">
-              <a:defRPr>
-                <a:solidFill>
-                  <a:schemeClr val="tx1"/>
-                </a:solidFill>
-                <a:latin typeface="Verdana" pitchFamily="34" charset="0"/>
-                <a:ea typeface="宋体" pitchFamily="2" charset="-122"/>
-              </a:defRPr>
-            </a:lvl4pPr>
-            <a:lvl5pPr marL="2057400" indent="-228600" eaLnBrk="0" hangingPunct="0">
-              <a:defRPr>
-                <a:solidFill>
-                  <a:schemeClr val="tx1"/>
-                </a:solidFill>
-                <a:latin typeface="Verdana" pitchFamily="34" charset="0"/>
-                <a:ea typeface="宋体" pitchFamily="2" charset="-122"/>
-              </a:defRPr>
-            </a:lvl5pPr>
-            <a:lvl6pPr marL="2514600" indent="-228600" eaLnBrk="0" fontAlgn="base" hangingPunct="0">
-              <a:spcBef>
-                <a:spcPct val="0"/>
-              </a:spcBef>
-              <a:spcAft>
-                <a:spcPct val="0"/>
-              </a:spcAft>
-              <a:defRPr>
-                <a:solidFill>
-                  <a:schemeClr val="tx1"/>
-                </a:solidFill>
-                <a:latin typeface="Verdana" pitchFamily="34" charset="0"/>
-                <a:ea typeface="宋体" pitchFamily="2" charset="-122"/>
-              </a:defRPr>
-            </a:lvl6pPr>
-            <a:lvl7pPr marL="2971800" indent="-228600" eaLnBrk="0" fontAlgn="base" hangingPunct="0">
-              <a:spcBef>
-                <a:spcPct val="0"/>
-              </a:spcBef>
-              <a:spcAft>
-                <a:spcPct val="0"/>
-              </a:spcAft>
-              <a:defRPr>
-                <a:solidFill>
-                  <a:schemeClr val="tx1"/>
-                </a:solidFill>
-                <a:latin typeface="Verdana" pitchFamily="34" charset="0"/>
-                <a:ea typeface="宋体" pitchFamily="2" charset="-122"/>
-              </a:defRPr>
-            </a:lvl7pPr>
-            <a:lvl8pPr marL="3429000" indent="-228600" eaLnBrk="0" fontAlgn="base" hangingPunct="0">
-              <a:spcBef>
-                <a:spcPct val="0"/>
-              </a:spcBef>
-              <a:spcAft>
-                <a:spcPct val="0"/>
-              </a:spcAft>
-              <a:defRPr>
-                <a:solidFill>
-                  <a:schemeClr val="tx1"/>
-                </a:solidFill>
-                <a:latin typeface="Verdana" pitchFamily="34" charset="0"/>
-                <a:ea typeface="宋体" pitchFamily="2" charset="-122"/>
-              </a:defRPr>
-            </a:lvl8pPr>
-            <a:lvl9pPr marL="3886200" indent="-228600" eaLnBrk="0" fontAlgn="base" hangingPunct="0">
-              <a:spcBef>
-                <a:spcPct val="0"/>
-              </a:spcBef>
-              <a:spcAft>
-                <a:spcPct val="0"/>
-              </a:spcAft>
-              <a:defRPr>
-                <a:solidFill>
-                  <a:schemeClr val="tx1"/>
-                </a:solidFill>
-                <a:latin typeface="Verdana" pitchFamily="34" charset="0"/>
-                <a:ea typeface="宋体" pitchFamily="2" charset="-122"/>
-              </a:defRPr>
-            </a:lvl9pPr>
-          </a:lstStyle>
-          <a:p>
-            <a:pPr algn="r" eaLnBrk="1" hangingPunct="1"/>
-            <a:fld id="{4E10036B-1690-4A9C-80F9-E530D1ADAA8A}" type="slidenum">
-              <a:rPr lang="en-US" sz="1200"/>
-              <a:pPr algn="r" eaLnBrk="1" hangingPunct="1"/>
-              <a:t>30</a:t>
-            </a:fld>
-            <a:endParaRPr lang="en-US" sz="1200"/>
-          </a:p>
-        </p:txBody>
-      </p:sp>
-      <p:sp>
-        <p:nvSpPr>
-          <p:cNvPr id="29699" name="Rectangle 2"/>
-          <p:cNvSpPr>
-            <a:spLocks noGrp="1" noChangeArrowheads="1"/>
-          </p:cNvSpPr>
-          <p:nvPr>
-            <p:ph type="title" idx="4294967295"/>
-          </p:nvPr>
-        </p:nvSpPr>
-        <p:spPr>
-          <a:xfrm>
-            <a:off x="574675" y="-99392"/>
-            <a:ext cx="8001000" cy="1216025"/>
-          </a:xfrm>
-        </p:spPr>
-        <p:txBody>
-          <a:bodyPr/>
-          <a:lstStyle/>
-          <a:p>
-            <a:pPr eaLnBrk="1" hangingPunct="1"/>
-            <a:r>
-              <a:rPr lang="en-US" b="1" dirty="0">
-                <a:latin typeface="黑体" pitchFamily="49" charset="-122"/>
-                <a:ea typeface="黑体" pitchFamily="49" charset="-122"/>
-              </a:rPr>
-              <a:t>9.4 </a:t>
-            </a:r>
-            <a:r>
-              <a:rPr lang="zh-CN" b="1" dirty="0">
-                <a:latin typeface="黑体" pitchFamily="49" charset="-122"/>
-                <a:ea typeface="黑体" pitchFamily="49" charset="-122"/>
-              </a:rPr>
-              <a:t>安全性测试</a:t>
-            </a:r>
-          </a:p>
-        </p:txBody>
-      </p:sp>
-      <p:sp>
-        <p:nvSpPr>
-          <p:cNvPr id="29700" name="Rectangle 3"/>
-          <p:cNvSpPr>
-            <a:spLocks noGrp="1" noChangeArrowheads="1"/>
-          </p:cNvSpPr>
-          <p:nvPr>
-            <p:ph type="body" idx="4294967295"/>
-          </p:nvPr>
-        </p:nvSpPr>
-        <p:spPr>
-          <a:xfrm>
-            <a:off x="566738" y="1340768"/>
-            <a:ext cx="8001000" cy="4267200"/>
-          </a:xfrm>
-        </p:spPr>
-        <p:txBody>
-          <a:bodyPr/>
-          <a:lstStyle/>
-          <a:p>
-            <a:pPr algn="just" eaLnBrk="1" hangingPunct="1"/>
-            <a:r>
-              <a:rPr lang="zh-CN" sz="3400" b="1" dirty="0"/>
-              <a:t>安全性测试方法</a:t>
-            </a:r>
-            <a:endParaRPr lang="en-US" sz="3400" b="1" dirty="0"/>
-          </a:p>
-          <a:p>
-            <a:pPr lvl="1" algn="just" eaLnBrk="1" hangingPunct="1"/>
-            <a:r>
-              <a:rPr lang="zh-CN" b="1" dirty="0"/>
-              <a:t>功能</a:t>
-            </a:r>
-            <a:r>
-              <a:rPr lang="zh-CN" sz="2400" b="1" dirty="0"/>
-              <a:t>验证：对涉及安全的软件功能，如权限管理、系统加密和认证等进行测试，验证这些功能是否有效</a:t>
-            </a:r>
-            <a:endParaRPr lang="en-US" sz="2400" b="1" dirty="0"/>
-          </a:p>
-          <a:p>
-            <a:pPr lvl="1" algn="just" eaLnBrk="1" hangingPunct="1"/>
-            <a:r>
-              <a:rPr lang="zh-CN" sz="2400" b="1" dirty="0"/>
-              <a:t>程序数据扫描：通过内存测试发现诸如缓冲区溢出之类的漏洞</a:t>
-            </a:r>
-            <a:endParaRPr lang="en-US" sz="2400" b="1" dirty="0"/>
-          </a:p>
-          <a:p>
-            <a:pPr lvl="1" algn="just" eaLnBrk="1" hangingPunct="1"/>
-            <a:r>
-              <a:rPr lang="zh-CN" sz="2400" b="1" dirty="0"/>
-              <a:t>静态测试：对源代码进行安全扫描，找出代码中的潜在安全漏洞</a:t>
-            </a:r>
-            <a:endParaRPr lang="en-US" sz="2400" b="1" dirty="0"/>
-          </a:p>
-          <a:p>
-            <a:pPr lvl="1" algn="just" eaLnBrk="1" hangingPunct="1"/>
-            <a:r>
-              <a:rPr lang="zh-CN" sz="2400" b="1" dirty="0"/>
-              <a:t>动态测试：以人工方式或通过使用自动化工具模拟黑客对应用系统进行攻击性测试，找出运行时所存在的安全漏洞</a:t>
-            </a:r>
-          </a:p>
-        </p:txBody>
-      </p:sp>
-      <p:sp>
-        <p:nvSpPr>
-          <p:cNvPr id="29702" name="Rectangle 6"/>
-          <p:cNvSpPr>
-            <a:spLocks noChangeArrowheads="1"/>
-          </p:cNvSpPr>
-          <p:nvPr/>
-        </p:nvSpPr>
-        <p:spPr bwMode="auto">
-          <a:xfrm>
-            <a:off x="0" y="2476500"/>
-            <a:ext cx="9144000" cy="0"/>
-          </a:xfrm>
-          <a:prstGeom prst="rect">
-            <a:avLst/>
-          </a:prstGeom>
-          <a:noFill/>
-          <a:ln>
-            <a:noFill/>
-          </a:ln>
-          <a:extLst>
-            <a:ext uri="{909E8E84-426E-40DD-AFC4-6F175D3DCCD1}">
-              <a14:hiddenFill xmlns:a14="http://schemas.microsoft.com/office/drawing/2010/main">
-                <a:solidFill>
-                  <a:srgbClr val="FFFFFF"/>
-                </a:solidFill>
-              </a14:hiddenFill>
-            </a:ext>
-            <a:ext uri="{91240B29-F687-4F45-9708-019B960494DF}">
-              <a14:hiddenLine xmlns:a14="http://schemas.microsoft.com/office/drawing/2010/main" w="9525">
-                <a:solidFill>
-                  <a:srgbClr val="000000"/>
-                </a:solidFill>
-                <a:miter lim="800000"/>
-                <a:headEnd/>
-                <a:tailEnd/>
-              </a14:hiddenLine>
-            </a:ext>
-          </a:extLst>
-        </p:spPr>
-        <p:txBody>
-          <a:bodyPr wrap="none" anchor="ctr">
-            <a:spAutoFit/>
-          </a:bodyPr>
-          <a:lstStyle/>
-          <a:p>
-            <a:endParaRPr lang="zh-CN"/>
-          </a:p>
-        </p:txBody>
-      </p:sp>
-    </p:spTree>
-  </p:cSld>
-  <p:clrMapOvr>
-    <a:masterClrMapping/>
-  </p:clrMapOvr>
-  <p:transition/>
-</p:sld>
-</file>
-
-<file path=ppt/slides/slide31.xml><?xml version="1.0" encoding="utf-8"?>
-<p:sld xmlns:a="http://schemas.openxmlformats.org/drawingml/2006/main" xmlns:r="http://schemas.openxmlformats.org/officeDocument/2006/relationships" xmlns:p="http://schemas.openxmlformats.org/presentationml/2006/main">
-  <p:cSld>
-    <p:spTree>
-      <p:nvGrpSpPr>
-        <p:cNvPr id="1" name=""/>
-        <p:cNvGrpSpPr/>
-        <p:nvPr/>
-      </p:nvGrpSpPr>
-      <p:grpSpPr>
-        <a:xfrm>
-          <a:off x="0" y="0"/>
-          <a:ext cx="0" cy="0"/>
-          <a:chOff x="0" y="0"/>
-          <a:chExt cx="0" cy="0"/>
-        </a:xfrm>
-      </p:grpSpPr>
-      <p:sp>
-        <p:nvSpPr>
           <p:cNvPr id="30722" name="灯片编号占位符 5"/>
           <p:cNvSpPr txBox="1">
             <a:spLocks noGrp="1" noChangeArrowheads="1"/>
@@ -20095,7 +17221,7 @@
             <a:fld id="{568B2CC7-639F-46B0-B7DA-0894148F2060}" type="slidenum">
               <a:rPr lang="en-US" sz="1200"/>
               <a:pPr algn="r" eaLnBrk="1" hangingPunct="1"/>
-              <a:t>31</a:t>
+              <a:t>30</a:t>
             </a:fld>
             <a:endParaRPr lang="en-US" sz="1200"/>
           </a:p>
@@ -20170,9 +17296,21 @@
             </a:r>
             <a:r>
               <a:rPr lang="zh-CN" sz="3400" b="1" dirty="0"/>
-              <a:t>就是检验被测软件与其他软、硬件相互是否能够正确交互和实现信息共享</a:t>
-            </a:r>
-            <a:endParaRPr lang="en-US" sz="3400" b="1" dirty="0"/>
+              <a:t>就是</a:t>
+            </a:r>
+            <a:r>
+              <a:rPr lang="zh-CN" sz="3400" b="1" dirty="0">
+                <a:solidFill>
+                  <a:srgbClr val="FF0000"/>
+                </a:solidFill>
+              </a:rPr>
+              <a:t>检验被测软件与其他软、硬件相互是否能够正确交互和实现信息共享</a:t>
+            </a:r>
+            <a:endParaRPr lang="en-US" sz="3400" b="1" dirty="0">
+              <a:solidFill>
+                <a:srgbClr val="FF0000"/>
+              </a:solidFill>
+            </a:endParaRPr>
           </a:p>
           <a:p>
             <a:pPr algn="just" eaLnBrk="1" hangingPunct="1"/>
@@ -20239,10 +17377,17 @@
     <a:masterClrMapping/>
   </p:clrMapOvr>
   <p:transition/>
+  <p:timing>
+    <p:tnLst>
+      <p:par>
+        <p:cTn id="1" dur="indefinite" restart="never" nodeType="tmRoot"/>
+      </p:par>
+    </p:tnLst>
+  </p:timing>
 </p:sld>
 </file>
 
-<file path=ppt/slides/slide32.xml><?xml version="1.0" encoding="utf-8"?>
+<file path=ppt/slides/slide31.xml><?xml version="1.0" encoding="utf-8"?>
 <p:sld xmlns:a="http://schemas.openxmlformats.org/drawingml/2006/main" xmlns:r="http://schemas.openxmlformats.org/officeDocument/2006/relationships" xmlns:p="http://schemas.openxmlformats.org/presentationml/2006/main">
   <p:cSld>
     <p:spTree>
@@ -20413,7 +17558,7 @@
             <a:fld id="{45E5E28B-40AC-4086-86F7-F0E5CF186618}" type="slidenum">
               <a:rPr lang="en-US" sz="1200"/>
               <a:pPr algn="r" eaLnBrk="1" hangingPunct="1"/>
-              <a:t>32</a:t>
+              <a:t>31</a:t>
             </a:fld>
             <a:endParaRPr lang="en-US" sz="1200"/>
           </a:p>
@@ -20597,10 +17742,17 @@
     <a:masterClrMapping/>
   </p:clrMapOvr>
   <p:transition/>
+  <p:timing>
+    <p:tnLst>
+      <p:par>
+        <p:cTn id="1" dur="indefinite" restart="never" nodeType="tmRoot"/>
+      </p:par>
+    </p:tnLst>
+  </p:timing>
 </p:sld>
 </file>
 
-<file path=ppt/slides/slide33.xml><?xml version="1.0" encoding="utf-8"?>
+<file path=ppt/slides/slide32.xml><?xml version="1.0" encoding="utf-8"?>
 <p:sld xmlns:a="http://schemas.openxmlformats.org/drawingml/2006/main" xmlns:r="http://schemas.openxmlformats.org/officeDocument/2006/relationships" xmlns:p="http://schemas.openxmlformats.org/presentationml/2006/main">
   <p:cSld>
     <p:spTree>
@@ -20771,7 +17923,7 @@
             <a:fld id="{241E77F4-8017-48C1-9A95-E05E9B7BE677}" type="slidenum">
               <a:rPr lang="en-US" sz="1200"/>
               <a:pPr algn="r" eaLnBrk="1" hangingPunct="1"/>
-              <a:t>33</a:t>
+              <a:t>32</a:t>
             </a:fld>
             <a:endParaRPr lang="en-US" sz="1200"/>
           </a:p>
@@ -20916,10 +18068,17 @@
     <a:masterClrMapping/>
   </p:clrMapOvr>
   <p:transition/>
+  <p:timing>
+    <p:tnLst>
+      <p:par>
+        <p:cTn id="1" dur="indefinite" restart="never" nodeType="tmRoot"/>
+      </p:par>
+    </p:tnLst>
+  </p:timing>
 </p:sld>
 </file>
 
-<file path=ppt/slides/slide34.xml><?xml version="1.0" encoding="utf-8"?>
+<file path=ppt/slides/slide33.xml><?xml version="1.0" encoding="utf-8"?>
 <p:sld xmlns:a="http://schemas.openxmlformats.org/drawingml/2006/main" xmlns:r="http://schemas.openxmlformats.org/officeDocument/2006/relationships" xmlns:p="http://schemas.openxmlformats.org/presentationml/2006/main">
   <p:cSld>
     <p:spTree>
@@ -21090,7 +18249,7 @@
             <a:fld id="{90FE8704-8E4B-4527-BEF9-7EBA6DF4F471}" type="slidenum">
               <a:rPr lang="en-US" sz="1200"/>
               <a:pPr algn="r" eaLnBrk="1" hangingPunct="1"/>
-              <a:t>34</a:t>
+              <a:t>33</a:t>
             </a:fld>
             <a:endParaRPr lang="en-US" sz="1200"/>
           </a:p>
@@ -21144,78 +18303,83 @@
             <p:ph type="body" idx="4294967295"/>
           </p:nvPr>
         </p:nvSpPr>
-        <p:spPr/>
+        <p:spPr>
+          <a:xfrm>
+            <a:off x="566738" y="1412776"/>
+            <a:ext cx="8001000" cy="4267200"/>
+          </a:xfrm>
+        </p:spPr>
         <p:txBody>
           <a:bodyPr/>
           <a:lstStyle/>
           <a:p>
             <a:pPr algn="just" eaLnBrk="1" hangingPunct="1"/>
             <a:r>
-              <a:rPr lang="zh-CN" sz="3400" b="1"/>
+              <a:rPr lang="zh-CN" sz="3400" b="1" dirty="0"/>
               <a:t>数据共享的兼容性测试</a:t>
             </a:r>
-            <a:endParaRPr lang="en-US" sz="3400" b="1"/>
+            <a:endParaRPr lang="en-US" sz="3400" b="1" dirty="0"/>
           </a:p>
           <a:p>
             <a:pPr lvl="1"/>
             <a:r>
-              <a:rPr lang="zh-CN" b="1"/>
+              <a:rPr lang="zh-CN" b="1" dirty="0"/>
               <a:t>文件应能正常保存和读取数据，包括从硬盘、</a:t>
             </a:r>
             <a:r>
-              <a:rPr lang="en-US" b="1"/>
+              <a:rPr lang="en-US" b="1" dirty="0"/>
               <a:t>U</a:t>
             </a:r>
             <a:r>
-              <a:rPr lang="zh-CN" b="1"/>
+              <a:rPr lang="zh-CN" b="1" dirty="0"/>
               <a:t>盘等各种存储介质读取和存入</a:t>
             </a:r>
           </a:p>
           <a:p>
             <a:pPr lvl="1"/>
             <a:r>
-              <a:rPr lang="zh-CN" b="1"/>
+              <a:rPr lang="zh-CN" b="1" dirty="0"/>
               <a:t>文件应能正确导入和导出，包括</a:t>
             </a:r>
             <a:r>
-              <a:rPr lang="en-US" b="1"/>
+              <a:rPr lang="en-US" b="1" dirty="0"/>
               <a:t>Word</a:t>
             </a:r>
             <a:r>
-              <a:rPr lang="zh-CN" b="1"/>
+              <a:rPr lang="zh-CN" b="1" dirty="0"/>
               <a:t>、</a:t>
             </a:r>
             <a:r>
-              <a:rPr lang="en-US" b="1"/>
+              <a:rPr lang="en-US" b="1" dirty="0" err="1"/>
               <a:t>Pdf</a:t>
             </a:r>
             <a:r>
-              <a:rPr lang="zh-CN" b="1"/>
+              <a:rPr lang="zh-CN" b="1" dirty="0"/>
               <a:t>、</a:t>
             </a:r>
             <a:r>
-              <a:rPr lang="en-US" b="1"/>
+              <a:rPr lang="en-US" b="1" dirty="0"/>
               <a:t>XML</a:t>
             </a:r>
             <a:r>
-              <a:rPr lang="zh-CN" b="1"/>
+              <a:rPr lang="zh-CN" b="1" dirty="0"/>
               <a:t>等多种用户要求的格式</a:t>
             </a:r>
           </a:p>
           <a:p>
             <a:pPr lvl="1"/>
             <a:r>
-              <a:rPr lang="zh-CN" b="1"/>
+              <a:rPr lang="zh-CN" b="1" dirty="0"/>
               <a:t>能支持剪切、复制及粘贴操作</a:t>
             </a:r>
           </a:p>
           <a:p>
             <a:pPr lvl="1"/>
             <a:r>
-              <a:rPr lang="zh-CN" b="1"/>
+              <a:rPr lang="zh-CN" b="1" dirty="0"/>
               <a:t>支持软件不同版本间的数据转换</a:t>
             </a:r>
-            <a:endParaRPr lang="zh-CN" sz="3400" b="1"/>
+            <a:endParaRPr lang="zh-CN" sz="3400" b="1" dirty="0"/>
           </a:p>
         </p:txBody>
       </p:sp>
@@ -21275,10 +18439,17 @@
     <a:masterClrMapping/>
   </p:clrMapOvr>
   <p:transition/>
+  <p:timing>
+    <p:tnLst>
+      <p:par>
+        <p:cTn id="1" dur="indefinite" restart="never" nodeType="tmRoot"/>
+      </p:par>
+    </p:tnLst>
+  </p:timing>
 </p:sld>
 </file>
 
-<file path=ppt/slides/slide35.xml><?xml version="1.0" encoding="utf-8"?>
+<file path=ppt/slides/slide34.xml><?xml version="1.0" encoding="utf-8"?>
 <p:sld xmlns:a="http://schemas.openxmlformats.org/drawingml/2006/main" xmlns:r="http://schemas.openxmlformats.org/officeDocument/2006/relationships" xmlns:p="http://schemas.openxmlformats.org/presentationml/2006/main">
   <p:cSld>
     <p:spTree>
@@ -21449,7 +18620,7 @@
             <a:fld id="{104772B3-3BE6-42B9-9EDF-F9EFF9C651C5}" type="slidenum">
               <a:rPr lang="en-US" sz="1200"/>
               <a:pPr algn="r" eaLnBrk="1" hangingPunct="1"/>
-              <a:t>35</a:t>
+              <a:t>34</a:t>
             </a:fld>
             <a:endParaRPr lang="en-US" sz="1200"/>
           </a:p>
@@ -21580,10 +18751,17 @@
     <a:masterClrMapping/>
   </p:clrMapOvr>
   <p:transition/>
+  <p:timing>
+    <p:tnLst>
+      <p:par>
+        <p:cTn id="1" dur="indefinite" restart="never" nodeType="tmRoot"/>
+      </p:par>
+    </p:tnLst>
+  </p:timing>
 </p:sld>
 </file>
 
-<file path=ppt/slides/slide36.xml><?xml version="1.0" encoding="utf-8"?>
+<file path=ppt/slides/slide35.xml><?xml version="1.0" encoding="utf-8"?>
 <p:sld xmlns:a="http://schemas.openxmlformats.org/drawingml/2006/main" xmlns:r="http://schemas.openxmlformats.org/officeDocument/2006/relationships" xmlns:p="http://schemas.openxmlformats.org/presentationml/2006/main">
   <p:cSld>
     <p:spTree>
@@ -21754,7 +18932,7 @@
             <a:fld id="{029BA7E3-F4EC-409C-98F1-EAB4C37D43F9}" type="slidenum">
               <a:rPr lang="en-US" sz="1200"/>
               <a:pPr algn="r" eaLnBrk="1" hangingPunct="1"/>
-              <a:t>36</a:t>
+              <a:t>35</a:t>
             </a:fld>
             <a:endParaRPr lang="en-US" sz="1200"/>
           </a:p>
@@ -21922,10 +19100,17 @@
     <a:masterClrMapping/>
   </p:clrMapOvr>
   <p:transition/>
+  <p:timing>
+    <p:tnLst>
+      <p:par>
+        <p:cTn id="1" dur="indefinite" restart="never" nodeType="tmRoot"/>
+      </p:par>
+    </p:tnLst>
+  </p:timing>
 </p:sld>
 </file>
 
-<file path=ppt/slides/slide37.xml><?xml version="1.0" encoding="utf-8"?>
+<file path=ppt/slides/slide36.xml><?xml version="1.0" encoding="utf-8"?>
 <p:sld xmlns:a="http://schemas.openxmlformats.org/drawingml/2006/main" xmlns:r="http://schemas.openxmlformats.org/officeDocument/2006/relationships" xmlns:p="http://schemas.openxmlformats.org/presentationml/2006/main">
   <p:cSld>
     <p:spTree>
@@ -22096,7 +19281,7 @@
             <a:fld id="{CBAC26DE-514B-40B7-9B75-C426648099C7}" type="slidenum">
               <a:rPr lang="en-US" sz="1200"/>
               <a:pPr algn="r" eaLnBrk="1" hangingPunct="1"/>
-              <a:t>37</a:t>
+              <a:t>36</a:t>
             </a:fld>
             <a:endParaRPr lang="en-US" sz="1200"/>
           </a:p>
@@ -22150,54 +19335,59 @@
             <p:ph type="body" idx="4294967295"/>
           </p:nvPr>
         </p:nvSpPr>
-        <p:spPr/>
+        <p:spPr>
+          <a:xfrm>
+            <a:off x="566738" y="1484784"/>
+            <a:ext cx="8001000" cy="4267200"/>
+          </a:xfrm>
+        </p:spPr>
         <p:txBody>
           <a:bodyPr/>
           <a:lstStyle/>
           <a:p>
             <a:pPr algn="just" eaLnBrk="1" hangingPunct="1"/>
             <a:r>
-              <a:rPr lang="zh-CN" sz="3400" b="1"/>
+              <a:rPr lang="zh-CN" sz="3400" b="1" dirty="0"/>
               <a:t>优秀用户界面的基本构成标准（续）</a:t>
             </a:r>
-            <a:endParaRPr lang="en-US" sz="3400" b="1"/>
+            <a:endParaRPr lang="en-US" sz="3400" b="1" dirty="0"/>
           </a:p>
           <a:p>
             <a:pPr lvl="1" algn="just" eaLnBrk="1" hangingPunct="1"/>
             <a:r>
-              <a:rPr lang="zh-CN" b="1"/>
+              <a:rPr lang="zh-CN" b="1" dirty="0"/>
               <a:t>实用性</a:t>
             </a:r>
-            <a:endParaRPr lang="en-US" b="1"/>
+            <a:endParaRPr lang="en-US" b="1" dirty="0"/>
           </a:p>
           <a:p>
             <a:pPr lvl="1" algn="just" eaLnBrk="1" hangingPunct="1"/>
             <a:r>
-              <a:rPr lang="zh-CN" b="1"/>
+              <a:rPr lang="zh-CN" b="1" dirty="0"/>
               <a:t>一致性</a:t>
             </a:r>
-            <a:endParaRPr lang="en-US" b="1"/>
+            <a:endParaRPr lang="en-US" b="1" dirty="0"/>
           </a:p>
           <a:p>
             <a:pPr lvl="1" algn="just" eaLnBrk="1" hangingPunct="1"/>
             <a:r>
-              <a:rPr lang="zh-CN" b="1"/>
+              <a:rPr lang="zh-CN" b="1" dirty="0"/>
               <a:t>帮助</a:t>
             </a:r>
-            <a:endParaRPr lang="en-US" b="1"/>
+            <a:endParaRPr lang="en-US" b="1" dirty="0"/>
           </a:p>
           <a:p>
             <a:pPr lvl="1" algn="just" eaLnBrk="1" hangingPunct="1"/>
             <a:r>
-              <a:rPr lang="zh-CN" b="1"/>
+              <a:rPr lang="zh-CN" b="1" dirty="0"/>
               <a:t>独特性</a:t>
             </a:r>
-            <a:endParaRPr lang="en-US" b="1"/>
+            <a:endParaRPr lang="en-US" b="1" dirty="0"/>
           </a:p>
           <a:p>
             <a:pPr lvl="1" algn="just" eaLnBrk="1" hangingPunct="1"/>
             <a:r>
-              <a:rPr lang="zh-CN" b="1"/>
+              <a:rPr lang="zh-CN" b="1" dirty="0"/>
               <a:t>多窗口应用与系统资源</a:t>
             </a:r>
           </a:p>
@@ -22259,10 +19449,17 @@
     <a:masterClrMapping/>
   </p:clrMapOvr>
   <p:transition/>
+  <p:timing>
+    <p:tnLst>
+      <p:par>
+        <p:cTn id="1" dur="indefinite" restart="never" nodeType="tmRoot"/>
+      </p:par>
+    </p:tnLst>
+  </p:timing>
 </p:sld>
 </file>
 
-<file path=ppt/slides/slide38.xml><?xml version="1.0" encoding="utf-8"?>
+<file path=ppt/slides/slide37.xml><?xml version="1.0" encoding="utf-8"?>
 <p:sld xmlns:a="http://schemas.openxmlformats.org/drawingml/2006/main" xmlns:r="http://schemas.openxmlformats.org/officeDocument/2006/relationships" xmlns:p="http://schemas.openxmlformats.org/presentationml/2006/main">
   <p:cSld>
     <p:spTree>
@@ -22433,7 +19630,7 @@
             <a:fld id="{8FC4F290-9F99-40DB-BF5A-0DB3C9AA5031}" type="slidenum">
               <a:rPr lang="en-US" sz="1200"/>
               <a:pPr algn="r" eaLnBrk="1" hangingPunct="1"/>
-              <a:t>38</a:t>
+              <a:t>37</a:t>
             </a:fld>
             <a:endParaRPr lang="en-US" sz="1200"/>
           </a:p>
@@ -22572,10 +19769,17 @@
     <a:masterClrMapping/>
   </p:clrMapOvr>
   <p:transition/>
+  <p:timing>
+    <p:tnLst>
+      <p:par>
+        <p:cTn id="1" dur="indefinite" restart="never" nodeType="tmRoot"/>
+      </p:par>
+    </p:tnLst>
+  </p:timing>
 </p:sld>
 </file>
 
-<file path=ppt/slides/slide39.xml><?xml version="1.0" encoding="utf-8"?>
+<file path=ppt/slides/slide38.xml><?xml version="1.0" encoding="utf-8"?>
 <p:sld xmlns:a="http://schemas.openxmlformats.org/drawingml/2006/main" xmlns:r="http://schemas.openxmlformats.org/officeDocument/2006/relationships" xmlns:p="http://schemas.openxmlformats.org/presentationml/2006/main">
   <p:cSld>
     <p:spTree>
@@ -22746,7 +19950,7 @@
             <a:fld id="{082A3300-9599-40DC-B74D-7CA5BD518731}" type="slidenum">
               <a:rPr lang="en-US" sz="1200"/>
               <a:pPr algn="r" eaLnBrk="1" hangingPunct="1"/>
-              <a:t>39</a:t>
+              <a:t>38</a:t>
             </a:fld>
             <a:endParaRPr lang="en-US" sz="1200"/>
           </a:p>
@@ -22897,6 +20101,361 @@
     <a:masterClrMapping/>
   </p:clrMapOvr>
   <p:transition/>
+  <p:timing>
+    <p:tnLst>
+      <p:par>
+        <p:cTn id="1" dur="indefinite" restart="never" nodeType="tmRoot"/>
+      </p:par>
+    </p:tnLst>
+  </p:timing>
+</p:sld>
+</file>
+
+<file path=ppt/slides/slide39.xml><?xml version="1.0" encoding="utf-8"?>
+<p:sld xmlns:a="http://schemas.openxmlformats.org/drawingml/2006/main" xmlns:r="http://schemas.openxmlformats.org/officeDocument/2006/relationships" xmlns:p="http://schemas.openxmlformats.org/presentationml/2006/main">
+  <p:cSld>
+    <p:spTree>
+      <p:nvGrpSpPr>
+        <p:cNvPr id="1" name=""/>
+        <p:cNvGrpSpPr/>
+        <p:nvPr/>
+      </p:nvGrpSpPr>
+      <p:grpSpPr>
+        <a:xfrm>
+          <a:off x="0" y="0"/>
+          <a:ext cx="0" cy="0"/>
+          <a:chOff x="0" y="0"/>
+          <a:chExt cx="0" cy="0"/>
+        </a:xfrm>
+      </p:grpSpPr>
+      <p:sp>
+        <p:nvSpPr>
+          <p:cNvPr id="39938" name="灯片编号占位符 5"/>
+          <p:cNvSpPr txBox="1">
+            <a:spLocks noGrp="1" noChangeArrowheads="1"/>
+          </p:cNvSpPr>
+          <p:nvPr/>
+        </p:nvSpPr>
+        <p:spPr bwMode="auto">
+          <a:xfrm>
+            <a:off x="6553200" y="6245225"/>
+            <a:ext cx="1981200" cy="476250"/>
+          </a:xfrm>
+          <a:prstGeom prst="rect">
+            <a:avLst/>
+          </a:prstGeom>
+          <a:noFill/>
+          <a:ln>
+            <a:noFill/>
+          </a:ln>
+          <a:extLst>
+            <a:ext uri="{909E8E84-426E-40DD-AFC4-6F175D3DCCD1}">
+              <a14:hiddenFill xmlns:a14="http://schemas.microsoft.com/office/drawing/2010/main">
+                <a:solidFill>
+                  <a:srgbClr val="FFFFFF"/>
+                </a:solidFill>
+              </a14:hiddenFill>
+            </a:ext>
+            <a:ext uri="{91240B29-F687-4F45-9708-019B960494DF}">
+              <a14:hiddenLine xmlns:a14="http://schemas.microsoft.com/office/drawing/2010/main" w="9525">
+                <a:solidFill>
+                  <a:srgbClr val="000000"/>
+                </a:solidFill>
+                <a:miter lim="800000"/>
+                <a:headEnd/>
+                <a:tailEnd/>
+              </a14:hiddenLine>
+            </a:ext>
+          </a:extLst>
+        </p:spPr>
+        <p:txBody>
+          <a:bodyPr/>
+          <a:lstStyle>
+            <a:lvl1pPr eaLnBrk="0" hangingPunct="0">
+              <a:defRPr>
+                <a:solidFill>
+                  <a:schemeClr val="tx1"/>
+                </a:solidFill>
+                <a:latin typeface="Verdana" pitchFamily="34" charset="0"/>
+                <a:ea typeface="宋体" pitchFamily="2" charset="-122"/>
+              </a:defRPr>
+            </a:lvl1pPr>
+            <a:lvl2pPr marL="742950" indent="-285750" eaLnBrk="0" hangingPunct="0">
+              <a:defRPr>
+                <a:solidFill>
+                  <a:schemeClr val="tx1"/>
+                </a:solidFill>
+                <a:latin typeface="Verdana" pitchFamily="34" charset="0"/>
+                <a:ea typeface="宋体" pitchFamily="2" charset="-122"/>
+              </a:defRPr>
+            </a:lvl2pPr>
+            <a:lvl3pPr marL="1143000" indent="-228600" eaLnBrk="0" hangingPunct="0">
+              <a:defRPr>
+                <a:solidFill>
+                  <a:schemeClr val="tx1"/>
+                </a:solidFill>
+                <a:latin typeface="Verdana" pitchFamily="34" charset="0"/>
+                <a:ea typeface="宋体" pitchFamily="2" charset="-122"/>
+              </a:defRPr>
+            </a:lvl3pPr>
+            <a:lvl4pPr marL="1600200" indent="-228600" eaLnBrk="0" hangingPunct="0">
+              <a:defRPr>
+                <a:solidFill>
+                  <a:schemeClr val="tx1"/>
+                </a:solidFill>
+                <a:latin typeface="Verdana" pitchFamily="34" charset="0"/>
+                <a:ea typeface="宋体" pitchFamily="2" charset="-122"/>
+              </a:defRPr>
+            </a:lvl4pPr>
+            <a:lvl5pPr marL="2057400" indent="-228600" eaLnBrk="0" hangingPunct="0">
+              <a:defRPr>
+                <a:solidFill>
+                  <a:schemeClr val="tx1"/>
+                </a:solidFill>
+                <a:latin typeface="Verdana" pitchFamily="34" charset="0"/>
+                <a:ea typeface="宋体" pitchFamily="2" charset="-122"/>
+              </a:defRPr>
+            </a:lvl5pPr>
+            <a:lvl6pPr marL="2514600" indent="-228600" eaLnBrk="0" fontAlgn="base" hangingPunct="0">
+              <a:spcBef>
+                <a:spcPct val="0"/>
+              </a:spcBef>
+              <a:spcAft>
+                <a:spcPct val="0"/>
+              </a:spcAft>
+              <a:defRPr>
+                <a:solidFill>
+                  <a:schemeClr val="tx1"/>
+                </a:solidFill>
+                <a:latin typeface="Verdana" pitchFamily="34" charset="0"/>
+                <a:ea typeface="宋体" pitchFamily="2" charset="-122"/>
+              </a:defRPr>
+            </a:lvl6pPr>
+            <a:lvl7pPr marL="2971800" indent="-228600" eaLnBrk="0" fontAlgn="base" hangingPunct="0">
+              <a:spcBef>
+                <a:spcPct val="0"/>
+              </a:spcBef>
+              <a:spcAft>
+                <a:spcPct val="0"/>
+              </a:spcAft>
+              <a:defRPr>
+                <a:solidFill>
+                  <a:schemeClr val="tx1"/>
+                </a:solidFill>
+                <a:latin typeface="Verdana" pitchFamily="34" charset="0"/>
+                <a:ea typeface="宋体" pitchFamily="2" charset="-122"/>
+              </a:defRPr>
+            </a:lvl7pPr>
+            <a:lvl8pPr marL="3429000" indent="-228600" eaLnBrk="0" fontAlgn="base" hangingPunct="0">
+              <a:spcBef>
+                <a:spcPct val="0"/>
+              </a:spcBef>
+              <a:spcAft>
+                <a:spcPct val="0"/>
+              </a:spcAft>
+              <a:defRPr>
+                <a:solidFill>
+                  <a:schemeClr val="tx1"/>
+                </a:solidFill>
+                <a:latin typeface="Verdana" pitchFamily="34" charset="0"/>
+                <a:ea typeface="宋体" pitchFamily="2" charset="-122"/>
+              </a:defRPr>
+            </a:lvl8pPr>
+            <a:lvl9pPr marL="3886200" indent="-228600" eaLnBrk="0" fontAlgn="base" hangingPunct="0">
+              <a:spcBef>
+                <a:spcPct val="0"/>
+              </a:spcBef>
+              <a:spcAft>
+                <a:spcPct val="0"/>
+              </a:spcAft>
+              <a:defRPr>
+                <a:solidFill>
+                  <a:schemeClr val="tx1"/>
+                </a:solidFill>
+                <a:latin typeface="Verdana" pitchFamily="34" charset="0"/>
+                <a:ea typeface="宋体" pitchFamily="2" charset="-122"/>
+              </a:defRPr>
+            </a:lvl9pPr>
+          </a:lstStyle>
+          <a:p>
+            <a:pPr algn="r" eaLnBrk="1" hangingPunct="1"/>
+            <a:fld id="{AB9D8B72-5F51-4C10-A8B5-1B1BFEF94368}" type="slidenum">
+              <a:rPr lang="en-US" sz="1200"/>
+              <a:pPr algn="r" eaLnBrk="1" hangingPunct="1"/>
+              <a:t>39</a:t>
+            </a:fld>
+            <a:endParaRPr lang="en-US" sz="1200"/>
+          </a:p>
+        </p:txBody>
+      </p:sp>
+      <p:sp>
+        <p:nvSpPr>
+          <p:cNvPr id="39939" name="Rectangle 2"/>
+          <p:cNvSpPr>
+            <a:spLocks noGrp="1" noChangeArrowheads="1"/>
+          </p:cNvSpPr>
+          <p:nvPr>
+            <p:ph type="title" idx="4294967295"/>
+          </p:nvPr>
+        </p:nvSpPr>
+        <p:spPr>
+          <a:xfrm>
+            <a:off x="574675" y="-99392"/>
+            <a:ext cx="8001000" cy="1216025"/>
+          </a:xfrm>
+        </p:spPr>
+        <p:txBody>
+          <a:bodyPr/>
+          <a:lstStyle/>
+          <a:p>
+            <a:pPr eaLnBrk="1" hangingPunct="1"/>
+            <a:r>
+              <a:rPr lang="en-US" b="1">
+                <a:latin typeface="黑体" pitchFamily="49" charset="-122"/>
+                <a:ea typeface="黑体" pitchFamily="49" charset="-122"/>
+              </a:rPr>
+              <a:t>9.7 </a:t>
+            </a:r>
+            <a:r>
+              <a:rPr lang="zh-CN" b="1">
+                <a:latin typeface="黑体" pitchFamily="49" charset="-122"/>
+                <a:ea typeface="黑体" pitchFamily="49" charset="-122"/>
+              </a:rPr>
+              <a:t>可安装性测试</a:t>
+            </a:r>
+          </a:p>
+        </p:txBody>
+      </p:sp>
+      <p:sp>
+        <p:nvSpPr>
+          <p:cNvPr id="39940" name="Rectangle 3"/>
+          <p:cNvSpPr>
+            <a:spLocks noGrp="1" noChangeArrowheads="1"/>
+          </p:cNvSpPr>
+          <p:nvPr>
+            <p:ph type="body" idx="4294967295"/>
+          </p:nvPr>
+        </p:nvSpPr>
+        <p:spPr>
+          <a:xfrm>
+            <a:off x="566738" y="1268760"/>
+            <a:ext cx="8001000" cy="4267200"/>
+          </a:xfrm>
+        </p:spPr>
+        <p:txBody>
+          <a:bodyPr/>
+          <a:lstStyle/>
+          <a:p>
+            <a:pPr algn="just" eaLnBrk="1" hangingPunct="1"/>
+            <a:r>
+              <a:rPr lang="zh-CN" sz="3400" b="1" dirty="0">
+                <a:solidFill>
+                  <a:srgbClr val="FF0000"/>
+                </a:solidFill>
+              </a:rPr>
+              <a:t>安装过程中</a:t>
+            </a:r>
+            <a:r>
+              <a:rPr lang="zh-CN" sz="3400" b="1" dirty="0"/>
+              <a:t>的测试重点</a:t>
+            </a:r>
+            <a:endParaRPr lang="en-US" sz="3400" b="1" dirty="0"/>
+          </a:p>
+          <a:p>
+            <a:pPr algn="just" eaLnBrk="1" hangingPunct="1"/>
+            <a:r>
+              <a:rPr lang="zh-CN" sz="3400" b="1" dirty="0"/>
+              <a:t>正常安装应注意</a:t>
+            </a:r>
+            <a:endParaRPr lang="en-US" sz="3400" b="1" dirty="0"/>
+          </a:p>
+          <a:p>
+            <a:pPr lvl="1"/>
+            <a:r>
+              <a:rPr lang="zh-CN" b="1" dirty="0"/>
+              <a:t>安装过程与安装手册中描述的所有步骤保持一致，包括所有界面、提示信息等内容</a:t>
+            </a:r>
+          </a:p>
+          <a:p>
+            <a:pPr lvl="1"/>
+            <a:r>
+              <a:rPr lang="zh-CN" b="1" dirty="0"/>
+              <a:t>安装过程应符合一般的安装流程，否则应关注哪些步骤被省去，是否对应有默认设置，是否满足大部分用户的意愿或硬件配置</a:t>
+            </a:r>
+          </a:p>
+          <a:p>
+            <a:pPr lvl="1"/>
+            <a:r>
+              <a:rPr lang="zh-CN" b="1" dirty="0"/>
+              <a:t>测试安装过程中的所有默认和典型选项</a:t>
+            </a:r>
+            <a:endParaRPr lang="zh-CN" sz="3400" b="1" dirty="0"/>
+          </a:p>
+        </p:txBody>
+      </p:sp>
+      <p:sp>
+        <p:nvSpPr>
+          <p:cNvPr id="39942" name="Rectangle 6"/>
+          <p:cNvSpPr>
+            <a:spLocks noChangeArrowheads="1"/>
+          </p:cNvSpPr>
+          <p:nvPr/>
+        </p:nvSpPr>
+        <p:spPr bwMode="auto">
+          <a:xfrm>
+            <a:off x="0" y="2476500"/>
+            <a:ext cx="9144000" cy="0"/>
+          </a:xfrm>
+          <a:prstGeom prst="rect">
+            <a:avLst/>
+          </a:prstGeom>
+          <a:noFill/>
+          <a:ln>
+            <a:noFill/>
+          </a:ln>
+          <a:extLst>
+            <a:ext uri="{909E8E84-426E-40DD-AFC4-6F175D3DCCD1}">
+              <a14:hiddenFill xmlns:a14="http://schemas.microsoft.com/office/drawing/2010/main">
+                <a:solidFill>
+                  <a:srgbClr val="FFFFFF"/>
+                </a:solidFill>
+              </a14:hiddenFill>
+            </a:ext>
+            <a:ext uri="{91240B29-F687-4F45-9708-019B960494DF}">
+              <a14:hiddenLine xmlns:a14="http://schemas.microsoft.com/office/drawing/2010/main" w="9525">
+                <a:solidFill>
+                  <a:srgbClr val="000000"/>
+                </a:solidFill>
+                <a:miter lim="800000"/>
+                <a:headEnd/>
+                <a:tailEnd/>
+              </a14:hiddenLine>
+            </a:ext>
+          </a:extLst>
+        </p:spPr>
+        <p:txBody>
+          <a:bodyPr wrap="none" anchor="ctr">
+            <a:spAutoFit/>
+          </a:bodyPr>
+          <a:lstStyle/>
+          <a:p>
+            <a:endParaRPr lang="zh-CN"/>
+          </a:p>
+        </p:txBody>
+      </p:sp>
+    </p:spTree>
+  </p:cSld>
+  <p:clrMapOvr>
+    <a:masterClrMapping/>
+  </p:clrMapOvr>
+  <p:transition/>
+  <p:timing>
+    <p:tnLst>
+      <p:par>
+        <p:cTn id="1" dur="indefinite" restart="never" nodeType="tmRoot"/>
+      </p:par>
+    </p:tnLst>
+  </p:timing>
 </p:sld>
 </file>
 
@@ -23207,347 +20766,6 @@
       </p:grpSpPr>
       <p:sp>
         <p:nvSpPr>
-          <p:cNvPr id="39938" name="灯片编号占位符 5"/>
-          <p:cNvSpPr txBox="1">
-            <a:spLocks noGrp="1" noChangeArrowheads="1"/>
-          </p:cNvSpPr>
-          <p:nvPr/>
-        </p:nvSpPr>
-        <p:spPr bwMode="auto">
-          <a:xfrm>
-            <a:off x="6553200" y="6245225"/>
-            <a:ext cx="1981200" cy="476250"/>
-          </a:xfrm>
-          <a:prstGeom prst="rect">
-            <a:avLst/>
-          </a:prstGeom>
-          <a:noFill/>
-          <a:ln>
-            <a:noFill/>
-          </a:ln>
-          <a:extLst>
-            <a:ext uri="{909E8E84-426E-40DD-AFC4-6F175D3DCCD1}">
-              <a14:hiddenFill xmlns:a14="http://schemas.microsoft.com/office/drawing/2010/main">
-                <a:solidFill>
-                  <a:srgbClr val="FFFFFF"/>
-                </a:solidFill>
-              </a14:hiddenFill>
-            </a:ext>
-            <a:ext uri="{91240B29-F687-4F45-9708-019B960494DF}">
-              <a14:hiddenLine xmlns:a14="http://schemas.microsoft.com/office/drawing/2010/main" w="9525">
-                <a:solidFill>
-                  <a:srgbClr val="000000"/>
-                </a:solidFill>
-                <a:miter lim="800000"/>
-                <a:headEnd/>
-                <a:tailEnd/>
-              </a14:hiddenLine>
-            </a:ext>
-          </a:extLst>
-        </p:spPr>
-        <p:txBody>
-          <a:bodyPr/>
-          <a:lstStyle>
-            <a:lvl1pPr eaLnBrk="0" hangingPunct="0">
-              <a:defRPr>
-                <a:solidFill>
-                  <a:schemeClr val="tx1"/>
-                </a:solidFill>
-                <a:latin typeface="Verdana" pitchFamily="34" charset="0"/>
-                <a:ea typeface="宋体" pitchFamily="2" charset="-122"/>
-              </a:defRPr>
-            </a:lvl1pPr>
-            <a:lvl2pPr marL="742950" indent="-285750" eaLnBrk="0" hangingPunct="0">
-              <a:defRPr>
-                <a:solidFill>
-                  <a:schemeClr val="tx1"/>
-                </a:solidFill>
-                <a:latin typeface="Verdana" pitchFamily="34" charset="0"/>
-                <a:ea typeface="宋体" pitchFamily="2" charset="-122"/>
-              </a:defRPr>
-            </a:lvl2pPr>
-            <a:lvl3pPr marL="1143000" indent="-228600" eaLnBrk="0" hangingPunct="0">
-              <a:defRPr>
-                <a:solidFill>
-                  <a:schemeClr val="tx1"/>
-                </a:solidFill>
-                <a:latin typeface="Verdana" pitchFamily="34" charset="0"/>
-                <a:ea typeface="宋体" pitchFamily="2" charset="-122"/>
-              </a:defRPr>
-            </a:lvl3pPr>
-            <a:lvl4pPr marL="1600200" indent="-228600" eaLnBrk="0" hangingPunct="0">
-              <a:defRPr>
-                <a:solidFill>
-                  <a:schemeClr val="tx1"/>
-                </a:solidFill>
-                <a:latin typeface="Verdana" pitchFamily="34" charset="0"/>
-                <a:ea typeface="宋体" pitchFamily="2" charset="-122"/>
-              </a:defRPr>
-            </a:lvl4pPr>
-            <a:lvl5pPr marL="2057400" indent="-228600" eaLnBrk="0" hangingPunct="0">
-              <a:defRPr>
-                <a:solidFill>
-                  <a:schemeClr val="tx1"/>
-                </a:solidFill>
-                <a:latin typeface="Verdana" pitchFamily="34" charset="0"/>
-                <a:ea typeface="宋体" pitchFamily="2" charset="-122"/>
-              </a:defRPr>
-            </a:lvl5pPr>
-            <a:lvl6pPr marL="2514600" indent="-228600" eaLnBrk="0" fontAlgn="base" hangingPunct="0">
-              <a:spcBef>
-                <a:spcPct val="0"/>
-              </a:spcBef>
-              <a:spcAft>
-                <a:spcPct val="0"/>
-              </a:spcAft>
-              <a:defRPr>
-                <a:solidFill>
-                  <a:schemeClr val="tx1"/>
-                </a:solidFill>
-                <a:latin typeface="Verdana" pitchFamily="34" charset="0"/>
-                <a:ea typeface="宋体" pitchFamily="2" charset="-122"/>
-              </a:defRPr>
-            </a:lvl6pPr>
-            <a:lvl7pPr marL="2971800" indent="-228600" eaLnBrk="0" fontAlgn="base" hangingPunct="0">
-              <a:spcBef>
-                <a:spcPct val="0"/>
-              </a:spcBef>
-              <a:spcAft>
-                <a:spcPct val="0"/>
-              </a:spcAft>
-              <a:defRPr>
-                <a:solidFill>
-                  <a:schemeClr val="tx1"/>
-                </a:solidFill>
-                <a:latin typeface="Verdana" pitchFamily="34" charset="0"/>
-                <a:ea typeface="宋体" pitchFamily="2" charset="-122"/>
-              </a:defRPr>
-            </a:lvl7pPr>
-            <a:lvl8pPr marL="3429000" indent="-228600" eaLnBrk="0" fontAlgn="base" hangingPunct="0">
-              <a:spcBef>
-                <a:spcPct val="0"/>
-              </a:spcBef>
-              <a:spcAft>
-                <a:spcPct val="0"/>
-              </a:spcAft>
-              <a:defRPr>
-                <a:solidFill>
-                  <a:schemeClr val="tx1"/>
-                </a:solidFill>
-                <a:latin typeface="Verdana" pitchFamily="34" charset="0"/>
-                <a:ea typeface="宋体" pitchFamily="2" charset="-122"/>
-              </a:defRPr>
-            </a:lvl8pPr>
-            <a:lvl9pPr marL="3886200" indent="-228600" eaLnBrk="0" fontAlgn="base" hangingPunct="0">
-              <a:spcBef>
-                <a:spcPct val="0"/>
-              </a:spcBef>
-              <a:spcAft>
-                <a:spcPct val="0"/>
-              </a:spcAft>
-              <a:defRPr>
-                <a:solidFill>
-                  <a:schemeClr val="tx1"/>
-                </a:solidFill>
-                <a:latin typeface="Verdana" pitchFamily="34" charset="0"/>
-                <a:ea typeface="宋体" pitchFamily="2" charset="-122"/>
-              </a:defRPr>
-            </a:lvl9pPr>
-          </a:lstStyle>
-          <a:p>
-            <a:pPr algn="r" eaLnBrk="1" hangingPunct="1"/>
-            <a:fld id="{AB9D8B72-5F51-4C10-A8B5-1B1BFEF94368}" type="slidenum">
-              <a:rPr lang="en-US" sz="1200"/>
-              <a:pPr algn="r" eaLnBrk="1" hangingPunct="1"/>
-              <a:t>40</a:t>
-            </a:fld>
-            <a:endParaRPr lang="en-US" sz="1200"/>
-          </a:p>
-        </p:txBody>
-      </p:sp>
-      <p:sp>
-        <p:nvSpPr>
-          <p:cNvPr id="39939" name="Rectangle 2"/>
-          <p:cNvSpPr>
-            <a:spLocks noGrp="1" noChangeArrowheads="1"/>
-          </p:cNvSpPr>
-          <p:nvPr>
-            <p:ph type="title" idx="4294967295"/>
-          </p:nvPr>
-        </p:nvSpPr>
-        <p:spPr>
-          <a:xfrm>
-            <a:off x="574675" y="-99392"/>
-            <a:ext cx="8001000" cy="1216025"/>
-          </a:xfrm>
-        </p:spPr>
-        <p:txBody>
-          <a:bodyPr/>
-          <a:lstStyle/>
-          <a:p>
-            <a:pPr eaLnBrk="1" hangingPunct="1"/>
-            <a:r>
-              <a:rPr lang="en-US" b="1">
-                <a:latin typeface="黑体" pitchFamily="49" charset="-122"/>
-                <a:ea typeface="黑体" pitchFamily="49" charset="-122"/>
-              </a:rPr>
-              <a:t>9.7 </a:t>
-            </a:r>
-            <a:r>
-              <a:rPr lang="zh-CN" b="1">
-                <a:latin typeface="黑体" pitchFamily="49" charset="-122"/>
-                <a:ea typeface="黑体" pitchFamily="49" charset="-122"/>
-              </a:rPr>
-              <a:t>可安装性测试</a:t>
-            </a:r>
-          </a:p>
-        </p:txBody>
-      </p:sp>
-      <p:sp>
-        <p:nvSpPr>
-          <p:cNvPr id="39940" name="Rectangle 3"/>
-          <p:cNvSpPr>
-            <a:spLocks noGrp="1" noChangeArrowheads="1"/>
-          </p:cNvSpPr>
-          <p:nvPr>
-            <p:ph type="body" idx="4294967295"/>
-          </p:nvPr>
-        </p:nvSpPr>
-        <p:spPr>
-          <a:xfrm>
-            <a:off x="566738" y="1268760"/>
-            <a:ext cx="8001000" cy="4267200"/>
-          </a:xfrm>
-        </p:spPr>
-        <p:txBody>
-          <a:bodyPr/>
-          <a:lstStyle/>
-          <a:p>
-            <a:pPr algn="just" eaLnBrk="1" hangingPunct="1"/>
-            <a:r>
-              <a:rPr lang="zh-CN" sz="3400" b="1" dirty="0">
-                <a:solidFill>
-                  <a:srgbClr val="FF0000"/>
-                </a:solidFill>
-              </a:rPr>
-              <a:t>安装过程中</a:t>
-            </a:r>
-            <a:r>
-              <a:rPr lang="zh-CN" sz="3400" b="1" dirty="0"/>
-              <a:t>的测试重点</a:t>
-            </a:r>
-            <a:endParaRPr lang="en-US" sz="3400" b="1" dirty="0"/>
-          </a:p>
-          <a:p>
-            <a:pPr algn="just" eaLnBrk="1" hangingPunct="1"/>
-            <a:r>
-              <a:rPr lang="zh-CN" sz="3400" b="1" dirty="0"/>
-              <a:t>正常安装应注意</a:t>
-            </a:r>
-            <a:endParaRPr lang="en-US" sz="3400" b="1" dirty="0"/>
-          </a:p>
-          <a:p>
-            <a:pPr lvl="1"/>
-            <a:r>
-              <a:rPr lang="zh-CN" b="1" dirty="0"/>
-              <a:t>安装过程与安装手册中描述的所有步骤保持一致，包括所有界面、提示信息等内容</a:t>
-            </a:r>
-          </a:p>
-          <a:p>
-            <a:pPr lvl="1"/>
-            <a:r>
-              <a:rPr lang="zh-CN" b="1" dirty="0"/>
-              <a:t>安装过程应符合一般的安装流程，否则应关注哪些步骤被省去，是否对应有默认设置，是否满足大部分用户的意愿或硬件配置</a:t>
-            </a:r>
-          </a:p>
-          <a:p>
-            <a:pPr lvl="1"/>
-            <a:r>
-              <a:rPr lang="zh-CN" b="1" dirty="0"/>
-              <a:t>测试安装过程中的所有默认和典型选项</a:t>
-            </a:r>
-            <a:endParaRPr lang="zh-CN" sz="3400" b="1" dirty="0"/>
-          </a:p>
-        </p:txBody>
-      </p:sp>
-      <p:sp>
-        <p:nvSpPr>
-          <p:cNvPr id="39942" name="Rectangle 6"/>
-          <p:cNvSpPr>
-            <a:spLocks noChangeArrowheads="1"/>
-          </p:cNvSpPr>
-          <p:nvPr/>
-        </p:nvSpPr>
-        <p:spPr bwMode="auto">
-          <a:xfrm>
-            <a:off x="0" y="2476500"/>
-            <a:ext cx="9144000" cy="0"/>
-          </a:xfrm>
-          <a:prstGeom prst="rect">
-            <a:avLst/>
-          </a:prstGeom>
-          <a:noFill/>
-          <a:ln>
-            <a:noFill/>
-          </a:ln>
-          <a:extLst>
-            <a:ext uri="{909E8E84-426E-40DD-AFC4-6F175D3DCCD1}">
-              <a14:hiddenFill xmlns:a14="http://schemas.microsoft.com/office/drawing/2010/main">
-                <a:solidFill>
-                  <a:srgbClr val="FFFFFF"/>
-                </a:solidFill>
-              </a14:hiddenFill>
-            </a:ext>
-            <a:ext uri="{91240B29-F687-4F45-9708-019B960494DF}">
-              <a14:hiddenLine xmlns:a14="http://schemas.microsoft.com/office/drawing/2010/main" w="9525">
-                <a:solidFill>
-                  <a:srgbClr val="000000"/>
-                </a:solidFill>
-                <a:miter lim="800000"/>
-                <a:headEnd/>
-                <a:tailEnd/>
-              </a14:hiddenLine>
-            </a:ext>
-          </a:extLst>
-        </p:spPr>
-        <p:txBody>
-          <a:bodyPr wrap="none" anchor="ctr">
-            <a:spAutoFit/>
-          </a:bodyPr>
-          <a:lstStyle/>
-          <a:p>
-            <a:endParaRPr lang="zh-CN"/>
-          </a:p>
-        </p:txBody>
-      </p:sp>
-    </p:spTree>
-  </p:cSld>
-  <p:clrMapOvr>
-    <a:masterClrMapping/>
-  </p:clrMapOvr>
-  <p:transition/>
-</p:sld>
-</file>
-
-<file path=ppt/slides/slide41.xml><?xml version="1.0" encoding="utf-8"?>
-<p:sld xmlns:a="http://schemas.openxmlformats.org/drawingml/2006/main" xmlns:r="http://schemas.openxmlformats.org/officeDocument/2006/relationships" xmlns:p="http://schemas.openxmlformats.org/presentationml/2006/main">
-  <p:cSld>
-    <p:spTree>
-      <p:nvGrpSpPr>
-        <p:cNvPr id="1" name=""/>
-        <p:cNvGrpSpPr/>
-        <p:nvPr/>
-      </p:nvGrpSpPr>
-      <p:grpSpPr>
-        <a:xfrm>
-          <a:off x="0" y="0"/>
-          <a:ext cx="0" cy="0"/>
-          <a:chOff x="0" y="0"/>
-          <a:chExt cx="0" cy="0"/>
-        </a:xfrm>
-      </p:grpSpPr>
-      <p:sp>
-        <p:nvSpPr>
           <p:cNvPr id="40962" name="灯片编号占位符 5"/>
           <p:cNvSpPr txBox="1">
             <a:spLocks noGrp="1" noChangeArrowheads="1"/>
@@ -23700,7 +20918,7 @@
             <a:fld id="{42653B21-6F8E-4B67-8628-08619B16044B}" type="slidenum">
               <a:rPr lang="en-US" sz="1200"/>
               <a:pPr algn="r" eaLnBrk="1" hangingPunct="1"/>
-              <a:t>41</a:t>
+              <a:t>40</a:t>
             </a:fld>
             <a:endParaRPr lang="en-US" sz="1200"/>
           </a:p>
@@ -23892,10 +21110,17 @@
     <a:masterClrMapping/>
   </p:clrMapOvr>
   <p:transition/>
+  <p:timing>
+    <p:tnLst>
+      <p:par>
+        <p:cTn id="1" dur="indefinite" restart="never" nodeType="tmRoot"/>
+      </p:par>
+    </p:tnLst>
+  </p:timing>
 </p:sld>
 </file>
 
-<file path=ppt/slides/slide42.xml><?xml version="1.0" encoding="utf-8"?>
+<file path=ppt/slides/slide41.xml><?xml version="1.0" encoding="utf-8"?>
 <p:sld xmlns:a="http://schemas.openxmlformats.org/drawingml/2006/main" xmlns:r="http://schemas.openxmlformats.org/officeDocument/2006/relationships" xmlns:p="http://schemas.openxmlformats.org/presentationml/2006/main">
   <p:cSld>
     <p:spTree>
@@ -24066,7 +21291,7 @@
             <a:fld id="{6F82D5CA-BF21-4FB8-8549-0017D072ADE1}" type="slidenum">
               <a:rPr lang="en-US" sz="1200"/>
               <a:pPr algn="r" eaLnBrk="1" hangingPunct="1"/>
-              <a:t>42</a:t>
+              <a:t>41</a:t>
             </a:fld>
             <a:endParaRPr lang="en-US" sz="1200"/>
           </a:p>
@@ -24250,10 +21475,17 @@
     <a:masterClrMapping/>
   </p:clrMapOvr>
   <p:transition/>
+  <p:timing>
+    <p:tnLst>
+      <p:par>
+        <p:cTn id="1" dur="indefinite" restart="never" nodeType="tmRoot"/>
+      </p:par>
+    </p:tnLst>
+  </p:timing>
 </p:sld>
 </file>
 
-<file path=ppt/slides/slide43.xml><?xml version="1.0" encoding="utf-8"?>
+<file path=ppt/slides/slide42.xml><?xml version="1.0" encoding="utf-8"?>
 <p:sld xmlns:a="http://schemas.openxmlformats.org/drawingml/2006/main" xmlns:r="http://schemas.openxmlformats.org/officeDocument/2006/relationships" xmlns:p="http://schemas.openxmlformats.org/presentationml/2006/main">
   <p:cSld>
     <p:spTree>
@@ -24424,7 +21656,7 @@
             <a:fld id="{A436985D-5862-420E-BDA2-2AA62FF3F738}" type="slidenum">
               <a:rPr lang="en-US" sz="1200"/>
               <a:pPr algn="r" eaLnBrk="1" hangingPunct="1"/>
-              <a:t>43</a:t>
+              <a:t>42</a:t>
             </a:fld>
             <a:endParaRPr lang="en-US" sz="1200"/>
           </a:p>
@@ -24590,6 +21822,368 @@
     <a:masterClrMapping/>
   </p:clrMapOvr>
   <p:transition/>
+  <p:timing>
+    <p:tnLst>
+      <p:par>
+        <p:cTn id="1" dur="indefinite" restart="never" nodeType="tmRoot"/>
+      </p:par>
+    </p:tnLst>
+  </p:timing>
+</p:sld>
+</file>
+
+<file path=ppt/slides/slide43.xml><?xml version="1.0" encoding="utf-8"?>
+<p:sld xmlns:a="http://schemas.openxmlformats.org/drawingml/2006/main" xmlns:r="http://schemas.openxmlformats.org/officeDocument/2006/relationships" xmlns:p="http://schemas.openxmlformats.org/presentationml/2006/main">
+  <p:cSld>
+    <p:spTree>
+      <p:nvGrpSpPr>
+        <p:cNvPr id="1" name=""/>
+        <p:cNvGrpSpPr/>
+        <p:nvPr/>
+      </p:nvGrpSpPr>
+      <p:grpSpPr>
+        <a:xfrm>
+          <a:off x="0" y="0"/>
+          <a:ext cx="0" cy="0"/>
+          <a:chOff x="0" y="0"/>
+          <a:chExt cx="0" cy="0"/>
+        </a:xfrm>
+      </p:grpSpPr>
+      <p:sp>
+        <p:nvSpPr>
+          <p:cNvPr id="44034" name="灯片编号占位符 5"/>
+          <p:cNvSpPr txBox="1">
+            <a:spLocks noGrp="1" noChangeArrowheads="1"/>
+          </p:cNvSpPr>
+          <p:nvPr/>
+        </p:nvSpPr>
+        <p:spPr bwMode="auto">
+          <a:xfrm>
+            <a:off x="6553200" y="6245225"/>
+            <a:ext cx="1981200" cy="476250"/>
+          </a:xfrm>
+          <a:prstGeom prst="rect">
+            <a:avLst/>
+          </a:prstGeom>
+          <a:noFill/>
+          <a:ln>
+            <a:noFill/>
+          </a:ln>
+          <a:extLst>
+            <a:ext uri="{909E8E84-426E-40DD-AFC4-6F175D3DCCD1}">
+              <a14:hiddenFill xmlns:a14="http://schemas.microsoft.com/office/drawing/2010/main">
+                <a:solidFill>
+                  <a:srgbClr val="FFFFFF"/>
+                </a:solidFill>
+              </a14:hiddenFill>
+            </a:ext>
+            <a:ext uri="{91240B29-F687-4F45-9708-019B960494DF}">
+              <a14:hiddenLine xmlns:a14="http://schemas.microsoft.com/office/drawing/2010/main" w="9525">
+                <a:solidFill>
+                  <a:srgbClr val="000000"/>
+                </a:solidFill>
+                <a:miter lim="800000"/>
+                <a:headEnd/>
+                <a:tailEnd/>
+              </a14:hiddenLine>
+            </a:ext>
+          </a:extLst>
+        </p:spPr>
+        <p:txBody>
+          <a:bodyPr/>
+          <a:lstStyle>
+            <a:lvl1pPr eaLnBrk="0" hangingPunct="0">
+              <a:defRPr>
+                <a:solidFill>
+                  <a:schemeClr val="tx1"/>
+                </a:solidFill>
+                <a:latin typeface="Verdana" pitchFamily="34" charset="0"/>
+                <a:ea typeface="宋体" pitchFamily="2" charset="-122"/>
+              </a:defRPr>
+            </a:lvl1pPr>
+            <a:lvl2pPr marL="742950" indent="-285750" eaLnBrk="0" hangingPunct="0">
+              <a:defRPr>
+                <a:solidFill>
+                  <a:schemeClr val="tx1"/>
+                </a:solidFill>
+                <a:latin typeface="Verdana" pitchFamily="34" charset="0"/>
+                <a:ea typeface="宋体" pitchFamily="2" charset="-122"/>
+              </a:defRPr>
+            </a:lvl2pPr>
+            <a:lvl3pPr marL="1143000" indent="-228600" eaLnBrk="0" hangingPunct="0">
+              <a:defRPr>
+                <a:solidFill>
+                  <a:schemeClr val="tx1"/>
+                </a:solidFill>
+                <a:latin typeface="Verdana" pitchFamily="34" charset="0"/>
+                <a:ea typeface="宋体" pitchFamily="2" charset="-122"/>
+              </a:defRPr>
+            </a:lvl3pPr>
+            <a:lvl4pPr marL="1600200" indent="-228600" eaLnBrk="0" hangingPunct="0">
+              <a:defRPr>
+                <a:solidFill>
+                  <a:schemeClr val="tx1"/>
+                </a:solidFill>
+                <a:latin typeface="Verdana" pitchFamily="34" charset="0"/>
+                <a:ea typeface="宋体" pitchFamily="2" charset="-122"/>
+              </a:defRPr>
+            </a:lvl4pPr>
+            <a:lvl5pPr marL="2057400" indent="-228600" eaLnBrk="0" hangingPunct="0">
+              <a:defRPr>
+                <a:solidFill>
+                  <a:schemeClr val="tx1"/>
+                </a:solidFill>
+                <a:latin typeface="Verdana" pitchFamily="34" charset="0"/>
+                <a:ea typeface="宋体" pitchFamily="2" charset="-122"/>
+              </a:defRPr>
+            </a:lvl5pPr>
+            <a:lvl6pPr marL="2514600" indent="-228600" eaLnBrk="0" fontAlgn="base" hangingPunct="0">
+              <a:spcBef>
+                <a:spcPct val="0"/>
+              </a:spcBef>
+              <a:spcAft>
+                <a:spcPct val="0"/>
+              </a:spcAft>
+              <a:defRPr>
+                <a:solidFill>
+                  <a:schemeClr val="tx1"/>
+                </a:solidFill>
+                <a:latin typeface="Verdana" pitchFamily="34" charset="0"/>
+                <a:ea typeface="宋体" pitchFamily="2" charset="-122"/>
+              </a:defRPr>
+            </a:lvl6pPr>
+            <a:lvl7pPr marL="2971800" indent="-228600" eaLnBrk="0" fontAlgn="base" hangingPunct="0">
+              <a:spcBef>
+                <a:spcPct val="0"/>
+              </a:spcBef>
+              <a:spcAft>
+                <a:spcPct val="0"/>
+              </a:spcAft>
+              <a:defRPr>
+                <a:solidFill>
+                  <a:schemeClr val="tx1"/>
+                </a:solidFill>
+                <a:latin typeface="Verdana" pitchFamily="34" charset="0"/>
+                <a:ea typeface="宋体" pitchFamily="2" charset="-122"/>
+              </a:defRPr>
+            </a:lvl7pPr>
+            <a:lvl8pPr marL="3429000" indent="-228600" eaLnBrk="0" fontAlgn="base" hangingPunct="0">
+              <a:spcBef>
+                <a:spcPct val="0"/>
+              </a:spcBef>
+              <a:spcAft>
+                <a:spcPct val="0"/>
+              </a:spcAft>
+              <a:defRPr>
+                <a:solidFill>
+                  <a:schemeClr val="tx1"/>
+                </a:solidFill>
+                <a:latin typeface="Verdana" pitchFamily="34" charset="0"/>
+                <a:ea typeface="宋体" pitchFamily="2" charset="-122"/>
+              </a:defRPr>
+            </a:lvl8pPr>
+            <a:lvl9pPr marL="3886200" indent="-228600" eaLnBrk="0" fontAlgn="base" hangingPunct="0">
+              <a:spcBef>
+                <a:spcPct val="0"/>
+              </a:spcBef>
+              <a:spcAft>
+                <a:spcPct val="0"/>
+              </a:spcAft>
+              <a:defRPr>
+                <a:solidFill>
+                  <a:schemeClr val="tx1"/>
+                </a:solidFill>
+                <a:latin typeface="Verdana" pitchFamily="34" charset="0"/>
+                <a:ea typeface="宋体" pitchFamily="2" charset="-122"/>
+              </a:defRPr>
+            </a:lvl9pPr>
+          </a:lstStyle>
+          <a:p>
+            <a:pPr algn="r" eaLnBrk="1" hangingPunct="1"/>
+            <a:fld id="{2BF4ED93-2799-4C24-8CD2-57F0DA8A1D53}" type="slidenum">
+              <a:rPr lang="en-US" sz="1200"/>
+              <a:pPr algn="r" eaLnBrk="1" hangingPunct="1"/>
+              <a:t>43</a:t>
+            </a:fld>
+            <a:endParaRPr lang="en-US" sz="1200"/>
+          </a:p>
+        </p:txBody>
+      </p:sp>
+      <p:sp>
+        <p:nvSpPr>
+          <p:cNvPr id="44035" name="Rectangle 2"/>
+          <p:cNvSpPr>
+            <a:spLocks noGrp="1" noChangeArrowheads="1"/>
+          </p:cNvSpPr>
+          <p:nvPr>
+            <p:ph type="title" idx="4294967295"/>
+          </p:nvPr>
+        </p:nvSpPr>
+        <p:spPr>
+          <a:xfrm>
+            <a:off x="539552" y="-99392"/>
+            <a:ext cx="8001000" cy="1216025"/>
+          </a:xfrm>
+        </p:spPr>
+        <p:txBody>
+          <a:bodyPr/>
+          <a:lstStyle/>
+          <a:p>
+            <a:pPr eaLnBrk="1" hangingPunct="1"/>
+            <a:r>
+              <a:rPr lang="en-US" b="1" dirty="0">
+                <a:latin typeface="黑体" pitchFamily="49" charset="-122"/>
+                <a:ea typeface="黑体" pitchFamily="49" charset="-122"/>
+              </a:rPr>
+              <a:t>9.7 </a:t>
+            </a:r>
+            <a:r>
+              <a:rPr lang="zh-CN" b="1" dirty="0">
+                <a:latin typeface="黑体" pitchFamily="49" charset="-122"/>
+                <a:ea typeface="黑体" pitchFamily="49" charset="-122"/>
+              </a:rPr>
+              <a:t>可安装性测试</a:t>
+            </a:r>
+          </a:p>
+        </p:txBody>
+      </p:sp>
+      <p:sp>
+        <p:nvSpPr>
+          <p:cNvPr id="44036" name="Rectangle 3"/>
+          <p:cNvSpPr>
+            <a:spLocks noGrp="1" noChangeArrowheads="1"/>
+          </p:cNvSpPr>
+          <p:nvPr>
+            <p:ph type="body" idx="4294967295"/>
+          </p:nvPr>
+        </p:nvSpPr>
+        <p:spPr>
+          <a:xfrm>
+            <a:off x="566738" y="1340768"/>
+            <a:ext cx="8001000" cy="4267200"/>
+          </a:xfrm>
+        </p:spPr>
+        <p:txBody>
+          <a:bodyPr/>
+          <a:lstStyle/>
+          <a:p>
+            <a:pPr algn="just" eaLnBrk="1" hangingPunct="1"/>
+            <a:r>
+              <a:rPr lang="zh-CN" sz="3400" b="1" dirty="0"/>
+              <a:t>安装后的测试重点（续）</a:t>
+            </a:r>
+            <a:endParaRPr lang="en-US" sz="3400" b="1" dirty="0"/>
+          </a:p>
+          <a:p>
+            <a:pPr lvl="1"/>
+            <a:r>
+              <a:rPr lang="zh-CN" b="1" dirty="0"/>
+              <a:t>安装后系统是否对其他应用程序造成不正常影响</a:t>
+            </a:r>
+            <a:r>
+              <a:rPr lang="en-US" b="1" dirty="0"/>
+              <a:t>(</a:t>
+            </a:r>
+            <a:r>
+              <a:rPr lang="zh-CN" b="1" dirty="0"/>
+              <a:t>如操作系统、应用软件等</a:t>
+            </a:r>
+            <a:r>
+              <a:rPr lang="en-US" b="1" dirty="0"/>
+              <a:t>)</a:t>
+            </a:r>
+            <a:endParaRPr lang="zh-CN" b="1" dirty="0"/>
+          </a:p>
+          <a:p>
+            <a:pPr lvl="1"/>
+            <a:r>
+              <a:rPr lang="en-US" b="1" dirty="0"/>
+              <a:t>Web</a:t>
+            </a:r>
+            <a:r>
+              <a:rPr lang="zh-CN" b="1" dirty="0"/>
+              <a:t>服务是否有冲突</a:t>
+            </a:r>
+          </a:p>
+          <a:p>
+            <a:pPr lvl="1"/>
+            <a:r>
+              <a:rPr lang="zh-CN" b="1" dirty="0"/>
+              <a:t>系统升级后原有应用程序能否正常运行</a:t>
+            </a:r>
+          </a:p>
+          <a:p>
+            <a:pPr lvl="1"/>
+            <a:r>
+              <a:rPr lang="zh-CN" b="1" dirty="0"/>
+              <a:t>软件卸载后所有占用的资源、文件、目录、快捷方式等内容都应予以清除，且不应影响到基础的系统文件，不影响系统应保留的用户数据及其他软件的使用</a:t>
+            </a:r>
+          </a:p>
+        </p:txBody>
+      </p:sp>
+      <p:sp>
+        <p:nvSpPr>
+          <p:cNvPr id="44038" name="Rectangle 6"/>
+          <p:cNvSpPr>
+            <a:spLocks noChangeArrowheads="1"/>
+          </p:cNvSpPr>
+          <p:nvPr/>
+        </p:nvSpPr>
+        <p:spPr bwMode="auto">
+          <a:xfrm>
+            <a:off x="0" y="2476500"/>
+            <a:ext cx="9144000" cy="0"/>
+          </a:xfrm>
+          <a:prstGeom prst="rect">
+            <a:avLst/>
+          </a:prstGeom>
+          <a:noFill/>
+          <a:ln>
+            <a:noFill/>
+          </a:ln>
+          <a:extLst>
+            <a:ext uri="{909E8E84-426E-40DD-AFC4-6F175D3DCCD1}">
+              <a14:hiddenFill xmlns:a14="http://schemas.microsoft.com/office/drawing/2010/main">
+                <a:solidFill>
+                  <a:srgbClr val="FFFFFF"/>
+                </a:solidFill>
+              </a14:hiddenFill>
+            </a:ext>
+            <a:ext uri="{91240B29-F687-4F45-9708-019B960494DF}">
+              <a14:hiddenLine xmlns:a14="http://schemas.microsoft.com/office/drawing/2010/main" w="9525">
+                <a:solidFill>
+                  <a:srgbClr val="000000"/>
+                </a:solidFill>
+                <a:miter lim="800000"/>
+                <a:headEnd/>
+                <a:tailEnd/>
+              </a14:hiddenLine>
+            </a:ext>
+          </a:extLst>
+        </p:spPr>
+        <p:txBody>
+          <a:bodyPr wrap="none" anchor="ctr">
+            <a:spAutoFit/>
+          </a:bodyPr>
+          <a:lstStyle/>
+          <a:p>
+            <a:endParaRPr lang="zh-CN"/>
+          </a:p>
+        </p:txBody>
+      </p:sp>
+    </p:spTree>
+  </p:cSld>
+  <p:clrMapOvr>
+    <a:masterClrMapping/>
+  </p:clrMapOvr>
+  <p:transition/>
+  <p:timing>
+    <p:tnLst>
+      <p:par>
+        <p:cTn id="1" dur="indefinite" restart="never" nodeType="tmRoot"/>
+      </p:par>
+    </p:tnLst>
+  </p:timing>
 </p:sld>
 </file>
 
@@ -24765,354 +22359,6 @@
               <a:rPr lang="en-US" sz="1200"/>
               <a:pPr algn="r" eaLnBrk="1" hangingPunct="1"/>
               <a:t>44</a:t>
-            </a:fld>
-            <a:endParaRPr lang="en-US" sz="1200"/>
-          </a:p>
-        </p:txBody>
-      </p:sp>
-      <p:sp>
-        <p:nvSpPr>
-          <p:cNvPr id="44035" name="Rectangle 2"/>
-          <p:cNvSpPr>
-            <a:spLocks noGrp="1" noChangeArrowheads="1"/>
-          </p:cNvSpPr>
-          <p:nvPr>
-            <p:ph type="title" idx="4294967295"/>
-          </p:nvPr>
-        </p:nvSpPr>
-        <p:spPr>
-          <a:xfrm>
-            <a:off x="539552" y="-99392"/>
-            <a:ext cx="8001000" cy="1216025"/>
-          </a:xfrm>
-        </p:spPr>
-        <p:txBody>
-          <a:bodyPr/>
-          <a:lstStyle/>
-          <a:p>
-            <a:pPr eaLnBrk="1" hangingPunct="1"/>
-            <a:r>
-              <a:rPr lang="en-US" b="1" dirty="0">
-                <a:latin typeface="黑体" pitchFamily="49" charset="-122"/>
-                <a:ea typeface="黑体" pitchFamily="49" charset="-122"/>
-              </a:rPr>
-              <a:t>9.7 </a:t>
-            </a:r>
-            <a:r>
-              <a:rPr lang="zh-CN" b="1" dirty="0">
-                <a:latin typeface="黑体" pitchFamily="49" charset="-122"/>
-                <a:ea typeface="黑体" pitchFamily="49" charset="-122"/>
-              </a:rPr>
-              <a:t>可安装性测试</a:t>
-            </a:r>
-          </a:p>
-        </p:txBody>
-      </p:sp>
-      <p:sp>
-        <p:nvSpPr>
-          <p:cNvPr id="44036" name="Rectangle 3"/>
-          <p:cNvSpPr>
-            <a:spLocks noGrp="1" noChangeArrowheads="1"/>
-          </p:cNvSpPr>
-          <p:nvPr>
-            <p:ph type="body" idx="4294967295"/>
-          </p:nvPr>
-        </p:nvSpPr>
-        <p:spPr>
-          <a:xfrm>
-            <a:off x="566738" y="1340768"/>
-            <a:ext cx="8001000" cy="4267200"/>
-          </a:xfrm>
-        </p:spPr>
-        <p:txBody>
-          <a:bodyPr/>
-          <a:lstStyle/>
-          <a:p>
-            <a:pPr algn="just" eaLnBrk="1" hangingPunct="1"/>
-            <a:r>
-              <a:rPr lang="zh-CN" sz="3400" b="1" dirty="0"/>
-              <a:t>安装后的测试重点（续）</a:t>
-            </a:r>
-            <a:endParaRPr lang="en-US" sz="3400" b="1" dirty="0"/>
-          </a:p>
-          <a:p>
-            <a:pPr lvl="1"/>
-            <a:r>
-              <a:rPr lang="zh-CN" b="1" dirty="0"/>
-              <a:t>安装后系统是否对其他应用程序造成不正常影响</a:t>
-            </a:r>
-            <a:r>
-              <a:rPr lang="en-US" b="1" dirty="0"/>
-              <a:t>(</a:t>
-            </a:r>
-            <a:r>
-              <a:rPr lang="zh-CN" b="1" dirty="0"/>
-              <a:t>如操作系统、应用软件等</a:t>
-            </a:r>
-            <a:r>
-              <a:rPr lang="en-US" b="1" dirty="0"/>
-              <a:t>)</a:t>
-            </a:r>
-            <a:endParaRPr lang="zh-CN" b="1" dirty="0"/>
-          </a:p>
-          <a:p>
-            <a:pPr lvl="1"/>
-            <a:r>
-              <a:rPr lang="en-US" b="1" dirty="0"/>
-              <a:t>Web</a:t>
-            </a:r>
-            <a:r>
-              <a:rPr lang="zh-CN" b="1" dirty="0"/>
-              <a:t>服务是否有冲突</a:t>
-            </a:r>
-          </a:p>
-          <a:p>
-            <a:pPr lvl="1"/>
-            <a:r>
-              <a:rPr lang="zh-CN" b="1" dirty="0"/>
-              <a:t>系统升级后原有应用程序能否正常运行</a:t>
-            </a:r>
-          </a:p>
-          <a:p>
-            <a:pPr lvl="1"/>
-            <a:r>
-              <a:rPr lang="zh-CN" b="1" dirty="0"/>
-              <a:t>软件卸载后所有占用的资源、文件、目录、快捷方式等内容都应予以清除，且不应影响到基础的系统文件，不影响系统应保留的用户数据及其他软件的使用</a:t>
-            </a:r>
-          </a:p>
-        </p:txBody>
-      </p:sp>
-      <p:sp>
-        <p:nvSpPr>
-          <p:cNvPr id="44038" name="Rectangle 6"/>
-          <p:cNvSpPr>
-            <a:spLocks noChangeArrowheads="1"/>
-          </p:cNvSpPr>
-          <p:nvPr/>
-        </p:nvSpPr>
-        <p:spPr bwMode="auto">
-          <a:xfrm>
-            <a:off x="0" y="2476500"/>
-            <a:ext cx="9144000" cy="0"/>
-          </a:xfrm>
-          <a:prstGeom prst="rect">
-            <a:avLst/>
-          </a:prstGeom>
-          <a:noFill/>
-          <a:ln>
-            <a:noFill/>
-          </a:ln>
-          <a:extLst>
-            <a:ext uri="{909E8E84-426E-40DD-AFC4-6F175D3DCCD1}">
-              <a14:hiddenFill xmlns:a14="http://schemas.microsoft.com/office/drawing/2010/main">
-                <a:solidFill>
-                  <a:srgbClr val="FFFFFF"/>
-                </a:solidFill>
-              </a14:hiddenFill>
-            </a:ext>
-            <a:ext uri="{91240B29-F687-4F45-9708-019B960494DF}">
-              <a14:hiddenLine xmlns:a14="http://schemas.microsoft.com/office/drawing/2010/main" w="9525">
-                <a:solidFill>
-                  <a:srgbClr val="000000"/>
-                </a:solidFill>
-                <a:miter lim="800000"/>
-                <a:headEnd/>
-                <a:tailEnd/>
-              </a14:hiddenLine>
-            </a:ext>
-          </a:extLst>
-        </p:spPr>
-        <p:txBody>
-          <a:bodyPr wrap="none" anchor="ctr">
-            <a:spAutoFit/>
-          </a:bodyPr>
-          <a:lstStyle/>
-          <a:p>
-            <a:endParaRPr lang="zh-CN"/>
-          </a:p>
-        </p:txBody>
-      </p:sp>
-    </p:spTree>
-  </p:cSld>
-  <p:clrMapOvr>
-    <a:masterClrMapping/>
-  </p:clrMapOvr>
-  <p:transition/>
-</p:sld>
-</file>
-
-<file path=ppt/slides/slide45.xml><?xml version="1.0" encoding="utf-8"?>
-<p:sld xmlns:a="http://schemas.openxmlformats.org/drawingml/2006/main" xmlns:r="http://schemas.openxmlformats.org/officeDocument/2006/relationships" xmlns:p="http://schemas.openxmlformats.org/presentationml/2006/main">
-  <p:cSld>
-    <p:spTree>
-      <p:nvGrpSpPr>
-        <p:cNvPr id="1" name=""/>
-        <p:cNvGrpSpPr/>
-        <p:nvPr/>
-      </p:nvGrpSpPr>
-      <p:grpSpPr>
-        <a:xfrm>
-          <a:off x="0" y="0"/>
-          <a:ext cx="0" cy="0"/>
-          <a:chOff x="0" y="0"/>
-          <a:chExt cx="0" cy="0"/>
-        </a:xfrm>
-      </p:grpSpPr>
-      <p:sp>
-        <p:nvSpPr>
-          <p:cNvPr id="44034" name="灯片编号占位符 5"/>
-          <p:cNvSpPr txBox="1">
-            <a:spLocks noGrp="1" noChangeArrowheads="1"/>
-          </p:cNvSpPr>
-          <p:nvPr/>
-        </p:nvSpPr>
-        <p:spPr bwMode="auto">
-          <a:xfrm>
-            <a:off x="6553200" y="6245225"/>
-            <a:ext cx="1981200" cy="476250"/>
-          </a:xfrm>
-          <a:prstGeom prst="rect">
-            <a:avLst/>
-          </a:prstGeom>
-          <a:noFill/>
-          <a:ln>
-            <a:noFill/>
-          </a:ln>
-          <a:extLst>
-            <a:ext uri="{909E8E84-426E-40DD-AFC4-6F175D3DCCD1}">
-              <a14:hiddenFill xmlns:a14="http://schemas.microsoft.com/office/drawing/2010/main">
-                <a:solidFill>
-                  <a:srgbClr val="FFFFFF"/>
-                </a:solidFill>
-              </a14:hiddenFill>
-            </a:ext>
-            <a:ext uri="{91240B29-F687-4F45-9708-019B960494DF}">
-              <a14:hiddenLine xmlns:a14="http://schemas.microsoft.com/office/drawing/2010/main" w="9525">
-                <a:solidFill>
-                  <a:srgbClr val="000000"/>
-                </a:solidFill>
-                <a:miter lim="800000"/>
-                <a:headEnd/>
-                <a:tailEnd/>
-              </a14:hiddenLine>
-            </a:ext>
-          </a:extLst>
-        </p:spPr>
-        <p:txBody>
-          <a:bodyPr/>
-          <a:lstStyle>
-            <a:lvl1pPr eaLnBrk="0" hangingPunct="0">
-              <a:defRPr>
-                <a:solidFill>
-                  <a:schemeClr val="tx1"/>
-                </a:solidFill>
-                <a:latin typeface="Verdana" pitchFamily="34" charset="0"/>
-                <a:ea typeface="宋体" pitchFamily="2" charset="-122"/>
-              </a:defRPr>
-            </a:lvl1pPr>
-            <a:lvl2pPr marL="742950" indent="-285750" eaLnBrk="0" hangingPunct="0">
-              <a:defRPr>
-                <a:solidFill>
-                  <a:schemeClr val="tx1"/>
-                </a:solidFill>
-                <a:latin typeface="Verdana" pitchFamily="34" charset="0"/>
-                <a:ea typeface="宋体" pitchFamily="2" charset="-122"/>
-              </a:defRPr>
-            </a:lvl2pPr>
-            <a:lvl3pPr marL="1143000" indent="-228600" eaLnBrk="0" hangingPunct="0">
-              <a:defRPr>
-                <a:solidFill>
-                  <a:schemeClr val="tx1"/>
-                </a:solidFill>
-                <a:latin typeface="Verdana" pitchFamily="34" charset="0"/>
-                <a:ea typeface="宋体" pitchFamily="2" charset="-122"/>
-              </a:defRPr>
-            </a:lvl3pPr>
-            <a:lvl4pPr marL="1600200" indent="-228600" eaLnBrk="0" hangingPunct="0">
-              <a:defRPr>
-                <a:solidFill>
-                  <a:schemeClr val="tx1"/>
-                </a:solidFill>
-                <a:latin typeface="Verdana" pitchFamily="34" charset="0"/>
-                <a:ea typeface="宋体" pitchFamily="2" charset="-122"/>
-              </a:defRPr>
-            </a:lvl4pPr>
-            <a:lvl5pPr marL="2057400" indent="-228600" eaLnBrk="0" hangingPunct="0">
-              <a:defRPr>
-                <a:solidFill>
-                  <a:schemeClr val="tx1"/>
-                </a:solidFill>
-                <a:latin typeface="Verdana" pitchFamily="34" charset="0"/>
-                <a:ea typeface="宋体" pitchFamily="2" charset="-122"/>
-              </a:defRPr>
-            </a:lvl5pPr>
-            <a:lvl6pPr marL="2514600" indent="-228600" eaLnBrk="0" fontAlgn="base" hangingPunct="0">
-              <a:spcBef>
-                <a:spcPct val="0"/>
-              </a:spcBef>
-              <a:spcAft>
-                <a:spcPct val="0"/>
-              </a:spcAft>
-              <a:defRPr>
-                <a:solidFill>
-                  <a:schemeClr val="tx1"/>
-                </a:solidFill>
-                <a:latin typeface="Verdana" pitchFamily="34" charset="0"/>
-                <a:ea typeface="宋体" pitchFamily="2" charset="-122"/>
-              </a:defRPr>
-            </a:lvl6pPr>
-            <a:lvl7pPr marL="2971800" indent="-228600" eaLnBrk="0" fontAlgn="base" hangingPunct="0">
-              <a:spcBef>
-                <a:spcPct val="0"/>
-              </a:spcBef>
-              <a:spcAft>
-                <a:spcPct val="0"/>
-              </a:spcAft>
-              <a:defRPr>
-                <a:solidFill>
-                  <a:schemeClr val="tx1"/>
-                </a:solidFill>
-                <a:latin typeface="Verdana" pitchFamily="34" charset="0"/>
-                <a:ea typeface="宋体" pitchFamily="2" charset="-122"/>
-              </a:defRPr>
-            </a:lvl7pPr>
-            <a:lvl8pPr marL="3429000" indent="-228600" eaLnBrk="0" fontAlgn="base" hangingPunct="0">
-              <a:spcBef>
-                <a:spcPct val="0"/>
-              </a:spcBef>
-              <a:spcAft>
-                <a:spcPct val="0"/>
-              </a:spcAft>
-              <a:defRPr>
-                <a:solidFill>
-                  <a:schemeClr val="tx1"/>
-                </a:solidFill>
-                <a:latin typeface="Verdana" pitchFamily="34" charset="0"/>
-                <a:ea typeface="宋体" pitchFamily="2" charset="-122"/>
-              </a:defRPr>
-            </a:lvl8pPr>
-            <a:lvl9pPr marL="3886200" indent="-228600" eaLnBrk="0" fontAlgn="base" hangingPunct="0">
-              <a:spcBef>
-                <a:spcPct val="0"/>
-              </a:spcBef>
-              <a:spcAft>
-                <a:spcPct val="0"/>
-              </a:spcAft>
-              <a:defRPr>
-                <a:solidFill>
-                  <a:schemeClr val="tx1"/>
-                </a:solidFill>
-                <a:latin typeface="Verdana" pitchFamily="34" charset="0"/>
-                <a:ea typeface="宋体" pitchFamily="2" charset="-122"/>
-              </a:defRPr>
-            </a:lvl9pPr>
-          </a:lstStyle>
-          <a:p>
-            <a:pPr algn="r" eaLnBrk="1" hangingPunct="1"/>
-            <a:fld id="{2BF4ED93-2799-4C24-8CD2-57F0DA8A1D53}" type="slidenum">
-              <a:rPr lang="en-US" sz="1200"/>
-              <a:pPr algn="r" eaLnBrk="1" hangingPunct="1"/>
-              <a:t>45</a:t>
             </a:fld>
             <a:endParaRPr lang="en-US" sz="1200"/>
           </a:p>
@@ -25624,7 +22870,7 @@
 </p:sld>
 </file>
 
-<file path=ppt/slides/slide46.xml><?xml version="1.0" encoding="utf-8"?>
+<file path=ppt/slides/slide45.xml><?xml version="1.0" encoding="utf-8"?>
 <p:sld xmlns:a="http://schemas.openxmlformats.org/drawingml/2006/main" xmlns:r="http://schemas.openxmlformats.org/officeDocument/2006/relationships" xmlns:p="http://schemas.openxmlformats.org/presentationml/2006/main">
   <p:cSld>
     <p:spTree>
@@ -26639,7 +23885,7 @@
 </p:sld>
 </file>
 
-<file path=ppt/slides/slide47.xml><?xml version="1.0" encoding="utf-8"?>
+<file path=ppt/slides/slide46.xml><?xml version="1.0" encoding="utf-8"?>
 <p:sld xmlns:a="http://schemas.openxmlformats.org/drawingml/2006/main" xmlns:r="http://schemas.openxmlformats.org/officeDocument/2006/relationships" xmlns:p="http://schemas.openxmlformats.org/presentationml/2006/main">
   <p:cSld>
     <p:spTree>
@@ -26665,13 +23911,13 @@
           <p:nvPr>
             <p:extLst>
               <p:ext uri="{D42A27DB-BD31-4B8C-83A1-F6EECF244321}">
-                <p14:modId xmlns:p14="http://schemas.microsoft.com/office/powerpoint/2010/main" val="725931871"/>
+                <p14:modId xmlns:p14="http://schemas.microsoft.com/office/powerpoint/2010/main" val="1474612029"/>
               </p:ext>
             </p:extLst>
           </p:nvPr>
         </p:nvGraphicFramePr>
         <p:xfrm>
-          <a:off x="566738" y="1752600"/>
+          <a:off x="566738" y="1268760"/>
           <a:ext cx="8253734" cy="5256212"/>
         </p:xfrm>
         <a:graphic>
@@ -27937,10 +25183,17 @@
   <p:transition>
     <p:blinds dir="vert"/>
   </p:transition>
+  <p:timing>
+    <p:tnLst>
+      <p:par>
+        <p:cTn id="1" dur="indefinite" restart="never" nodeType="tmRoot"/>
+      </p:par>
+    </p:tnLst>
+  </p:timing>
 </p:sld>
 </file>
 
-<file path=ppt/slides/slide48.xml><?xml version="1.0" encoding="utf-8"?>
+<file path=ppt/slides/slide47.xml><?xml version="1.0" encoding="utf-8"?>
 <p:sld xmlns:a="http://schemas.openxmlformats.org/drawingml/2006/main" xmlns:r="http://schemas.openxmlformats.org/officeDocument/2006/relationships" xmlns:p="http://schemas.openxmlformats.org/presentationml/2006/main">
   <p:cSld>
     <p:spTree>
@@ -28142,7 +25395,7 @@
             <a:fld id="{842F7A61-2065-48CD-A383-14BFED5C7C3F}" type="slidenum">
               <a:rPr lang="en-US" sz="1200"/>
               <a:pPr algn="r" eaLnBrk="1" hangingPunct="1"/>
-              <a:t>48</a:t>
+              <a:t>47</a:t>
             </a:fld>
             <a:endParaRPr lang="en-US" sz="1200"/>
           </a:p>
@@ -28154,6 +25407,13 @@
     <a:masterClrMapping/>
   </p:clrMapOvr>
   <p:transition/>
+  <p:timing>
+    <p:tnLst>
+      <p:par>
+        <p:cTn id="1" dur="indefinite" restart="never" nodeType="tmRoot"/>
+      </p:par>
+    </p:tnLst>
+  </p:timing>
 </p:sld>
 </file>
 
@@ -28711,6 +25971,13 @@
     <a:masterClrMapping/>
   </p:clrMapOvr>
   <p:transition/>
+  <p:timing>
+    <p:tnLst>
+      <p:par>
+        <p:cTn id="1" dur="indefinite" restart="never" nodeType="tmRoot"/>
+      </p:par>
+    </p:tnLst>
+  </p:timing>
 </p:sld>
 </file>
 
@@ -28982,6 +26249,13 @@
     <a:masterClrMapping/>
   </p:clrMapOvr>
   <p:transition/>
+  <p:timing>
+    <p:tnLst>
+      <p:par>
+        <p:cTn id="1" dur="indefinite" restart="never" nodeType="tmRoot"/>
+      </p:par>
+    </p:tnLst>
+  </p:timing>
 </p:sld>
 </file>
 
@@ -29217,200 +26491,208 @@
           <a:p>
             <a:pPr algn="just" eaLnBrk="1" hangingPunct="1"/>
             <a:r>
-              <a:rPr lang="zh-CN" sz="3400" b="1"/>
+              <a:rPr lang="zh-CN" sz="3400" b="1" dirty="0"/>
               <a:t>从实体关系模型设计测试</a:t>
             </a:r>
-            <a:endParaRPr lang="en-US" sz="3400" b="1"/>
+            <a:endParaRPr lang="en-US" sz="3400" b="1" dirty="0"/>
           </a:p>
           <a:p>
             <a:pPr lvl="1"/>
             <a:r>
-              <a:rPr lang="en-US" b="1"/>
+              <a:rPr lang="en-US" b="1" dirty="0"/>
               <a:t>1</a:t>
             </a:r>
             <a:r>
-              <a:rPr lang="zh-CN" b="1"/>
+              <a:rPr lang="zh-CN" b="1" dirty="0"/>
               <a:t>对</a:t>
             </a:r>
             <a:r>
-              <a:rPr lang="en-US" b="1"/>
+              <a:rPr lang="en-US" b="1" dirty="0"/>
               <a:t>1</a:t>
             </a:r>
             <a:r>
-              <a:rPr lang="zh-CN" b="1"/>
+              <a:rPr lang="zh-CN" b="1" dirty="0"/>
               <a:t>：此时仅需一类测试用例，创建</a:t>
             </a:r>
             <a:r>
-              <a:rPr lang="en-US" b="1"/>
+              <a:rPr lang="en-US" b="1" dirty="0"/>
               <a:t>1</a:t>
             </a:r>
             <a:r>
-              <a:rPr lang="zh-CN" b="1"/>
+              <a:rPr lang="zh-CN" b="1" dirty="0"/>
               <a:t>对</a:t>
             </a:r>
             <a:r>
-              <a:rPr lang="en-US" b="1"/>
+              <a:rPr lang="en-US" b="1" dirty="0"/>
               <a:t>1</a:t>
             </a:r>
             <a:r>
-              <a:rPr lang="zh-CN" b="1"/>
+              <a:rPr lang="zh-CN" b="1" dirty="0"/>
               <a:t>的对象实例即可；</a:t>
             </a:r>
           </a:p>
           <a:p>
             <a:pPr lvl="1"/>
             <a:r>
-              <a:rPr lang="zh-CN" b="1"/>
-              <a:t>② </a:t>
-            </a:r>
-            <a:r>
-              <a:rPr lang="en-US" b="1"/>
+              <a:rPr lang="zh-CN" b="1" dirty="0" smtClean="0"/>
+              <a:t> </a:t>
+            </a:r>
+            <a:r>
+              <a:rPr lang="en-US" b="1" dirty="0"/>
               <a:t>1</a:t>
             </a:r>
             <a:r>
-              <a:rPr lang="zh-CN" b="1"/>
+              <a:rPr lang="zh-CN" b="1" dirty="0"/>
               <a:t>对多：可结合边界值和等价类测试，分别创建</a:t>
             </a:r>
             <a:r>
-              <a:rPr lang="en-US" b="1"/>
+              <a:rPr lang="en-US" b="1" dirty="0"/>
               <a:t>1</a:t>
             </a:r>
             <a:r>
-              <a:rPr lang="zh-CN" b="1"/>
+              <a:rPr lang="zh-CN" b="1" dirty="0"/>
               <a:t>对</a:t>
             </a:r>
             <a:r>
-              <a:rPr lang="en-US" b="1"/>
+              <a:rPr lang="en-US" b="1" dirty="0"/>
               <a:t>1</a:t>
             </a:r>
             <a:r>
-              <a:rPr lang="zh-CN" b="1"/>
+              <a:rPr lang="zh-CN" b="1" dirty="0"/>
               <a:t>、</a:t>
             </a:r>
             <a:r>
-              <a:rPr lang="en-US" b="1"/>
+              <a:rPr lang="en-US" b="1" dirty="0"/>
               <a:t>1</a:t>
             </a:r>
             <a:r>
-              <a:rPr lang="zh-CN" b="1"/>
+              <a:rPr lang="zh-CN" b="1" dirty="0"/>
               <a:t>对</a:t>
             </a:r>
             <a:r>
-              <a:rPr lang="en-US" b="1"/>
+              <a:rPr lang="en-US" b="1" dirty="0"/>
               <a:t>2</a:t>
             </a:r>
             <a:r>
-              <a:rPr lang="zh-CN" b="1"/>
+              <a:rPr lang="zh-CN" b="1" dirty="0"/>
               <a:t>、</a:t>
             </a:r>
             <a:r>
-              <a:rPr lang="en-US" b="1"/>
+              <a:rPr lang="en-US" b="1" dirty="0"/>
               <a:t>1</a:t>
             </a:r>
             <a:r>
-              <a:rPr lang="zh-CN" b="1"/>
+              <a:rPr lang="zh-CN" b="1" dirty="0"/>
               <a:t>对多这三类对象实例；</a:t>
             </a:r>
           </a:p>
           <a:p>
             <a:pPr lvl="1"/>
             <a:r>
-              <a:rPr lang="zh-CN" b="1"/>
-              <a:t>③ 多对</a:t>
-            </a:r>
-            <a:r>
-              <a:rPr lang="en-US" b="1"/>
+              <a:rPr lang="zh-CN" b="1" dirty="0" smtClean="0"/>
+              <a:t>多</a:t>
+            </a:r>
+            <a:r>
+              <a:rPr lang="zh-CN" b="1" dirty="0"/>
+              <a:t>对</a:t>
+            </a:r>
+            <a:r>
+              <a:rPr lang="en-US" b="1" dirty="0"/>
               <a:t>1</a:t>
             </a:r>
             <a:r>
-              <a:rPr lang="zh-CN" b="1"/>
+              <a:rPr lang="zh-CN" b="1" dirty="0"/>
               <a:t>：与</a:t>
             </a:r>
             <a:r>
-              <a:rPr lang="en-US" b="1"/>
+              <a:rPr lang="en-US" b="1" dirty="0"/>
               <a:t>1</a:t>
             </a:r>
             <a:r>
-              <a:rPr lang="zh-CN" b="1"/>
+              <a:rPr lang="zh-CN" b="1" dirty="0"/>
               <a:t>对多相似，分别创建</a:t>
             </a:r>
             <a:r>
-              <a:rPr lang="en-US" b="1"/>
+              <a:rPr lang="en-US" b="1" dirty="0"/>
               <a:t>1</a:t>
             </a:r>
             <a:r>
-              <a:rPr lang="zh-CN" b="1"/>
+              <a:rPr lang="zh-CN" b="1" dirty="0"/>
               <a:t>对</a:t>
             </a:r>
             <a:r>
-              <a:rPr lang="en-US" b="1"/>
+              <a:rPr lang="en-US" b="1" dirty="0"/>
               <a:t>1</a:t>
             </a:r>
             <a:r>
-              <a:rPr lang="zh-CN" b="1"/>
+              <a:rPr lang="zh-CN" b="1" dirty="0"/>
               <a:t>、</a:t>
             </a:r>
             <a:r>
-              <a:rPr lang="en-US" b="1"/>
+              <a:rPr lang="en-US" b="1" dirty="0"/>
               <a:t>2</a:t>
             </a:r>
             <a:r>
-              <a:rPr lang="zh-CN" b="1"/>
+              <a:rPr lang="zh-CN" b="1" dirty="0"/>
               <a:t>对</a:t>
             </a:r>
             <a:r>
-              <a:rPr lang="en-US" b="1"/>
+              <a:rPr lang="en-US" b="1" dirty="0"/>
               <a:t>1</a:t>
             </a:r>
             <a:r>
-              <a:rPr lang="zh-CN" b="1"/>
+              <a:rPr lang="zh-CN" b="1" dirty="0"/>
               <a:t>、多对</a:t>
             </a:r>
             <a:r>
-              <a:rPr lang="en-US" b="1"/>
+              <a:rPr lang="en-US" b="1" dirty="0"/>
               <a:t>1</a:t>
             </a:r>
             <a:r>
-              <a:rPr lang="zh-CN" b="1"/>
+              <a:rPr lang="zh-CN" b="1" dirty="0"/>
               <a:t>这三类对象实例；</a:t>
             </a:r>
           </a:p>
           <a:p>
             <a:pPr lvl="1"/>
             <a:r>
-              <a:rPr lang="zh-CN" b="1"/>
-              <a:t>④ 多对多：应参照</a:t>
-            </a:r>
-            <a:r>
-              <a:rPr lang="en-US" b="1"/>
+              <a:rPr lang="zh-CN" b="1" dirty="0" smtClean="0"/>
+              <a:t>多</a:t>
+            </a:r>
+            <a:r>
+              <a:rPr lang="zh-CN" b="1" dirty="0"/>
+              <a:t>对多：应参照</a:t>
+            </a:r>
+            <a:r>
+              <a:rPr lang="en-US" b="1" dirty="0"/>
               <a:t>1</a:t>
             </a:r>
             <a:r>
-              <a:rPr lang="zh-CN" b="1"/>
+              <a:rPr lang="zh-CN" b="1" dirty="0"/>
               <a:t>对</a:t>
             </a:r>
             <a:r>
-              <a:rPr lang="en-US" b="1"/>
+              <a:rPr lang="en-US" b="1" dirty="0"/>
               <a:t>1</a:t>
             </a:r>
             <a:r>
-              <a:rPr lang="zh-CN" b="1"/>
+              <a:rPr lang="zh-CN" b="1" dirty="0"/>
               <a:t>、</a:t>
             </a:r>
             <a:r>
-              <a:rPr lang="en-US" b="1"/>
+              <a:rPr lang="en-US" b="1" dirty="0"/>
               <a:t>1</a:t>
             </a:r>
             <a:r>
-              <a:rPr lang="zh-CN" b="1"/>
+              <a:rPr lang="zh-CN" b="1" dirty="0"/>
               <a:t>对多、多对</a:t>
             </a:r>
             <a:r>
-              <a:rPr lang="en-US" b="1"/>
+              <a:rPr lang="en-US" b="1" dirty="0"/>
               <a:t>1</a:t>
             </a:r>
             <a:r>
-              <a:rPr lang="zh-CN" b="1"/>
+              <a:rPr lang="zh-CN" b="1" dirty="0"/>
               <a:t>这三种情况分别创建对象实例</a:t>
             </a:r>
           </a:p>
@@ -29422,6 +26704,13 @@
     <a:masterClrMapping/>
   </p:clrMapOvr>
   <p:transition/>
+  <p:timing>
+    <p:tnLst>
+      <p:par>
+        <p:cTn id="1" dur="indefinite" restart="never" nodeType="tmRoot"/>
+      </p:par>
+    </p:tnLst>
+  </p:timing>
 </p:sld>
 </file>
 
@@ -29657,55 +26946,79 @@
           <a:p>
             <a:pPr algn="just" eaLnBrk="1" hangingPunct="1"/>
             <a:r>
-              <a:rPr lang="zh-CN" sz="3400" b="1"/>
+              <a:rPr lang="zh-CN" sz="3400" b="1" dirty="0"/>
               <a:t>从对数据的操作设计测试</a:t>
             </a:r>
-            <a:endParaRPr lang="en-US" sz="3400" b="1"/>
+            <a:endParaRPr lang="en-US" sz="3400" b="1" dirty="0"/>
           </a:p>
           <a:p>
             <a:pPr algn="just" eaLnBrk="1" hangingPunct="1"/>
             <a:r>
-              <a:rPr lang="en-US" sz="3400" b="1"/>
+              <a:rPr lang="en-US" sz="3400" b="1" dirty="0"/>
               <a:t>1</a:t>
             </a:r>
             <a:r>
-              <a:rPr lang="zh-CN" sz="3400" b="1"/>
+              <a:rPr lang="zh-CN" sz="3400" b="1" dirty="0"/>
               <a:t>、增加</a:t>
             </a:r>
-            <a:endParaRPr lang="en-US" sz="3400" b="1"/>
+            <a:endParaRPr lang="en-US" sz="3400" b="1" dirty="0"/>
           </a:p>
           <a:p>
             <a:pPr lvl="1"/>
             <a:r>
-              <a:rPr lang="zh-CN" b="1"/>
+              <a:rPr lang="zh-CN" b="1" dirty="0"/>
               <a:t>能否正常实现增加操作</a:t>
             </a:r>
           </a:p>
           <a:p>
             <a:pPr lvl="1"/>
             <a:r>
-              <a:rPr lang="zh-CN" b="1"/>
-              <a:t>针对唯一性字段，测试输入重复的情况，判断系统是否会报错</a:t>
+              <a:rPr lang="zh-CN" b="1" dirty="0"/>
+              <a:t>针对</a:t>
+            </a:r>
+            <a:r>
+              <a:rPr lang="zh-CN" b="1" dirty="0">
+                <a:solidFill>
+                  <a:srgbClr val="FF0000"/>
+                </a:solidFill>
+              </a:rPr>
+              <a:t>唯一性</a:t>
+            </a:r>
+            <a:r>
+              <a:rPr lang="zh-CN" b="1" dirty="0"/>
+              <a:t>字段，测试输入重复的情况，判断系统是否会报错</a:t>
             </a:r>
           </a:p>
           <a:p>
             <a:pPr lvl="1"/>
             <a:r>
-              <a:rPr lang="zh-CN" b="1"/>
-              <a:t>针对必填项，测试是否有提示信息</a:t>
+              <a:rPr lang="zh-CN" b="1" dirty="0"/>
+              <a:t>针对</a:t>
+            </a:r>
+            <a:r>
+              <a:rPr lang="zh-CN" b="1" dirty="0">
+                <a:solidFill>
+                  <a:srgbClr val="FF0000"/>
+                </a:solidFill>
+              </a:rPr>
+              <a:t>必填项</a:t>
+            </a:r>
+            <a:r>
+              <a:rPr lang="zh-CN" b="1" dirty="0"/>
+              <a:t>，测试是否有提示信息</a:t>
             </a:r>
           </a:p>
           <a:p>
             <a:pPr lvl="1"/>
             <a:r>
-              <a:rPr lang="zh-CN" b="1"/>
+              <a:rPr lang="zh-CN" b="1" dirty="0"/>
               <a:t>测试增加成功后能否方便地看到增加的结果</a:t>
             </a:r>
           </a:p>
           <a:p>
             <a:pPr lvl="1"/>
             <a:r>
-              <a:rPr lang="zh-CN" b="1"/>
+              <a:rPr lang="zh-CN" b="1" dirty="0"/>
               <a:t>测试增加一项或一组数据是否对其他数据产生影响，以及该影响是否符合用户需求</a:t>
             </a:r>
           </a:p>
@@ -29717,6 +27030,13 @@
     <a:masterClrMapping/>
   </p:clrMapOvr>
   <p:transition/>
+  <p:timing>
+    <p:tnLst>
+      <p:par>
+        <p:cTn id="1" dur="indefinite" restart="never" nodeType="tmRoot"/>
+      </p:par>
+    </p:tnLst>
+  </p:timing>
 </p:sld>
 </file>
 
